--- a/images/theory_analysis/MSA_Transaction/MSA_Transaction.pptx
+++ b/images/theory_analysis/MSA_Transaction/MSA_Transaction.pptx
@@ -4604,17 +4604,17 @@
           <a:p>
             <a:pPr algn="ctr"/>
             <a:r>
-              <a:rPr lang="en-US" altLang="ko-KR" sz="1600"/>
+              <a:rPr lang="en-US" altLang="ko-KR" sz="1400"/>
               <a:t>Order</a:t>
             </a:r>
           </a:p>
           <a:p>
             <a:pPr algn="ctr"/>
             <a:r>
-              <a:rPr lang="en-US" altLang="ko-KR" sz="1600"/>
+              <a:rPr lang="en-US" altLang="ko-KR" sz="1400"/>
               <a:t>Service</a:t>
             </a:r>
-            <a:endParaRPr lang="ko-KR" altLang="en-US" sz="1600"/>
+            <a:endParaRPr lang="ko-KR" altLang="en-US" sz="1400"/>
           </a:p>
         </p:txBody>
       </p:sp>
@@ -4661,17 +4661,17 @@
           <a:p>
             <a:pPr algn="ctr"/>
             <a:r>
-              <a:rPr lang="en-US" altLang="ko-KR" sz="1600"/>
+              <a:rPr lang="en-US" altLang="ko-KR" sz="1400"/>
               <a:t>Payment</a:t>
             </a:r>
           </a:p>
           <a:p>
             <a:pPr algn="ctr"/>
             <a:r>
-              <a:rPr lang="en-US" altLang="ko-KR" sz="1600"/>
+              <a:rPr lang="en-US" altLang="ko-KR" sz="1400"/>
               <a:t>Service</a:t>
             </a:r>
-            <a:endParaRPr lang="ko-KR" altLang="en-US" sz="1600"/>
+            <a:endParaRPr lang="ko-KR" altLang="en-US" sz="1400"/>
           </a:p>
         </p:txBody>
       </p:sp>
@@ -4718,17 +4718,17 @@
           <a:p>
             <a:pPr algn="ctr"/>
             <a:r>
-              <a:rPr lang="en-US" altLang="ko-KR" sz="1600"/>
+              <a:rPr lang="en-US" altLang="ko-KR" sz="1400"/>
               <a:t>Stock</a:t>
             </a:r>
           </a:p>
           <a:p>
             <a:pPr algn="ctr"/>
             <a:r>
-              <a:rPr lang="en-US" altLang="ko-KR" sz="1600"/>
+              <a:rPr lang="en-US" altLang="ko-KR" sz="1400"/>
               <a:t>Service</a:t>
             </a:r>
-            <a:endParaRPr lang="ko-KR" altLang="en-US" sz="1600"/>
+            <a:endParaRPr lang="ko-KR" altLang="en-US" sz="1400"/>
           </a:p>
         </p:txBody>
       </p:sp>
@@ -4775,17 +4775,17 @@
           <a:p>
             <a:pPr algn="ctr"/>
             <a:r>
-              <a:rPr lang="en-US" altLang="ko-KR" sz="1600"/>
+              <a:rPr lang="en-US" altLang="ko-KR" sz="1400"/>
               <a:t>Delivery</a:t>
             </a:r>
           </a:p>
           <a:p>
             <a:pPr algn="ctr"/>
             <a:r>
-              <a:rPr lang="en-US" altLang="ko-KR" sz="1600"/>
+              <a:rPr lang="en-US" altLang="ko-KR" sz="1400"/>
               <a:t>Service</a:t>
             </a:r>
-            <a:endParaRPr lang="ko-KR" altLang="en-US" sz="1600"/>
+            <a:endParaRPr lang="ko-KR" altLang="en-US" sz="1400"/>
           </a:p>
         </p:txBody>
       </p:sp>
@@ -10692,17 +10692,17 @@
           <a:p>
             <a:pPr algn="ctr"/>
             <a:r>
-              <a:rPr lang="en-US" altLang="ko-KR" sz="1600"/>
+              <a:rPr lang="en-US" altLang="ko-KR" sz="1400"/>
               <a:t>Order</a:t>
             </a:r>
           </a:p>
           <a:p>
             <a:pPr algn="ctr"/>
             <a:r>
-              <a:rPr lang="en-US" altLang="ko-KR" sz="1600"/>
+              <a:rPr lang="en-US" altLang="ko-KR" sz="1400"/>
               <a:t>Service</a:t>
             </a:r>
-            <a:endParaRPr lang="ko-KR" altLang="en-US" sz="1600"/>
+            <a:endParaRPr lang="ko-KR" altLang="en-US" sz="1400"/>
           </a:p>
         </p:txBody>
       </p:sp>
@@ -10749,17 +10749,17 @@
           <a:p>
             <a:pPr algn="ctr"/>
             <a:r>
-              <a:rPr lang="en-US" altLang="ko-KR" sz="1600"/>
+              <a:rPr lang="en-US" altLang="ko-KR" sz="1400"/>
               <a:t>Payment</a:t>
             </a:r>
           </a:p>
           <a:p>
             <a:pPr algn="ctr"/>
             <a:r>
-              <a:rPr lang="en-US" altLang="ko-KR" sz="1600"/>
+              <a:rPr lang="en-US" altLang="ko-KR" sz="1400"/>
               <a:t>Service</a:t>
             </a:r>
-            <a:endParaRPr lang="ko-KR" altLang="en-US" sz="1600"/>
+            <a:endParaRPr lang="ko-KR" altLang="en-US" sz="1400"/>
           </a:p>
         </p:txBody>
       </p:sp>
@@ -10806,17 +10806,17 @@
           <a:p>
             <a:pPr algn="ctr"/>
             <a:r>
-              <a:rPr lang="en-US" altLang="ko-KR" sz="1600"/>
+              <a:rPr lang="en-US" altLang="ko-KR" sz="1400"/>
               <a:t>Stock</a:t>
             </a:r>
           </a:p>
           <a:p>
             <a:pPr algn="ctr"/>
             <a:r>
-              <a:rPr lang="en-US" altLang="ko-KR" sz="1600"/>
+              <a:rPr lang="en-US" altLang="ko-KR" sz="1400"/>
               <a:t>Service</a:t>
             </a:r>
-            <a:endParaRPr lang="ko-KR" altLang="en-US" sz="1600"/>
+            <a:endParaRPr lang="ko-KR" altLang="en-US" sz="1400"/>
           </a:p>
         </p:txBody>
       </p:sp>
@@ -10863,17 +10863,17 @@
           <a:p>
             <a:pPr algn="ctr"/>
             <a:r>
-              <a:rPr lang="en-US" altLang="ko-KR" sz="1600"/>
+              <a:rPr lang="en-US" altLang="ko-KR" sz="1400"/>
               <a:t>Delivery</a:t>
             </a:r>
           </a:p>
           <a:p>
             <a:pPr algn="ctr"/>
             <a:r>
-              <a:rPr lang="en-US" altLang="ko-KR" sz="1600"/>
+              <a:rPr lang="en-US" altLang="ko-KR" sz="1400"/>
               <a:t>Service</a:t>
             </a:r>
-            <a:endParaRPr lang="ko-KR" altLang="en-US" sz="1600"/>
+            <a:endParaRPr lang="ko-KR" altLang="en-US" sz="1400"/>
           </a:p>
         </p:txBody>
       </p:sp>
@@ -11371,17 +11371,17 @@
           <a:p>
             <a:pPr algn="ctr"/>
             <a:r>
-              <a:rPr lang="en-US" altLang="ko-KR" sz="1600"/>
+              <a:rPr lang="en-US" altLang="ko-KR" sz="1400"/>
               <a:t>Order</a:t>
             </a:r>
           </a:p>
           <a:p>
             <a:pPr algn="ctr"/>
             <a:r>
-              <a:rPr lang="en-US" altLang="ko-KR" sz="1600"/>
+              <a:rPr lang="en-US" altLang="ko-KR" sz="1400"/>
               <a:t>Service</a:t>
             </a:r>
-            <a:endParaRPr lang="ko-KR" altLang="en-US" sz="1600"/>
+            <a:endParaRPr lang="ko-KR" altLang="en-US" sz="1400"/>
           </a:p>
         </p:txBody>
       </p:sp>
@@ -11428,17 +11428,17 @@
           <a:p>
             <a:pPr algn="ctr"/>
             <a:r>
-              <a:rPr lang="en-US" altLang="ko-KR" sz="1600"/>
+              <a:rPr lang="en-US" altLang="ko-KR" sz="1400"/>
               <a:t>Payment</a:t>
             </a:r>
           </a:p>
           <a:p>
             <a:pPr algn="ctr"/>
             <a:r>
-              <a:rPr lang="en-US" altLang="ko-KR" sz="1600"/>
+              <a:rPr lang="en-US" altLang="ko-KR" sz="1400"/>
               <a:t>Service</a:t>
             </a:r>
-            <a:endParaRPr lang="ko-KR" altLang="en-US" sz="1600"/>
+            <a:endParaRPr lang="ko-KR" altLang="en-US" sz="1400"/>
           </a:p>
         </p:txBody>
       </p:sp>
@@ -11485,17 +11485,17 @@
           <a:p>
             <a:pPr algn="ctr"/>
             <a:r>
-              <a:rPr lang="en-US" altLang="ko-KR" sz="1600"/>
+              <a:rPr lang="en-US" altLang="ko-KR" sz="1400"/>
               <a:t>Stock</a:t>
             </a:r>
           </a:p>
           <a:p>
             <a:pPr algn="ctr"/>
             <a:r>
-              <a:rPr lang="en-US" altLang="ko-KR" sz="1600"/>
+              <a:rPr lang="en-US" altLang="ko-KR" sz="1400"/>
               <a:t>Service</a:t>
             </a:r>
-            <a:endParaRPr lang="ko-KR" altLang="en-US" sz="1600"/>
+            <a:endParaRPr lang="ko-KR" altLang="en-US" sz="1400"/>
           </a:p>
         </p:txBody>
       </p:sp>
@@ -11542,17 +11542,17 @@
           <a:p>
             <a:pPr algn="ctr"/>
             <a:r>
-              <a:rPr lang="en-US" altLang="ko-KR" sz="1600"/>
+              <a:rPr lang="en-US" altLang="ko-KR" sz="1400"/>
               <a:t>Delivery</a:t>
             </a:r>
           </a:p>
           <a:p>
             <a:pPr algn="ctr"/>
             <a:r>
-              <a:rPr lang="en-US" altLang="ko-KR" sz="1600"/>
+              <a:rPr lang="en-US" altLang="ko-KR" sz="1400"/>
               <a:t>Service</a:t>
             </a:r>
-            <a:endParaRPr lang="ko-KR" altLang="en-US" sz="1600"/>
+            <a:endParaRPr lang="ko-KR" altLang="en-US" sz="1400"/>
           </a:p>
         </p:txBody>
       </p:sp>
@@ -12646,17 +12646,17 @@
           <a:p>
             <a:pPr algn="ctr"/>
             <a:r>
-              <a:rPr lang="en-US" altLang="ko-KR" sz="1600"/>
+              <a:rPr lang="en-US" altLang="ko-KR" sz="1400"/>
               <a:t>Order</a:t>
             </a:r>
           </a:p>
           <a:p>
             <a:pPr algn="ctr"/>
             <a:r>
-              <a:rPr lang="en-US" altLang="ko-KR" sz="1600"/>
+              <a:rPr lang="en-US" altLang="ko-KR" sz="1400"/>
               <a:t>Service</a:t>
             </a:r>
-            <a:endParaRPr lang="ko-KR" altLang="en-US" sz="1600"/>
+            <a:endParaRPr lang="ko-KR" altLang="en-US" sz="1400"/>
           </a:p>
         </p:txBody>
       </p:sp>
@@ -12703,17 +12703,17 @@
           <a:p>
             <a:pPr algn="ctr"/>
             <a:r>
-              <a:rPr lang="en-US" altLang="ko-KR" sz="1600"/>
+              <a:rPr lang="en-US" altLang="ko-KR" sz="1400"/>
               <a:t>Payment</a:t>
             </a:r>
           </a:p>
           <a:p>
             <a:pPr algn="ctr"/>
             <a:r>
-              <a:rPr lang="en-US" altLang="ko-KR" sz="1600"/>
+              <a:rPr lang="en-US" altLang="ko-KR" sz="1400"/>
               <a:t>Service</a:t>
             </a:r>
-            <a:endParaRPr lang="ko-KR" altLang="en-US" sz="1600"/>
+            <a:endParaRPr lang="ko-KR" altLang="en-US" sz="1400"/>
           </a:p>
         </p:txBody>
       </p:sp>
@@ -12760,17 +12760,17 @@
           <a:p>
             <a:pPr algn="ctr"/>
             <a:r>
-              <a:rPr lang="en-US" altLang="ko-KR" sz="1600"/>
+              <a:rPr lang="en-US" altLang="ko-KR" sz="1400"/>
               <a:t>Stock</a:t>
             </a:r>
           </a:p>
           <a:p>
             <a:pPr algn="ctr"/>
             <a:r>
-              <a:rPr lang="en-US" altLang="ko-KR" sz="1600"/>
+              <a:rPr lang="en-US" altLang="ko-KR" sz="1400"/>
               <a:t>Service</a:t>
             </a:r>
-            <a:endParaRPr lang="ko-KR" altLang="en-US" sz="1600"/>
+            <a:endParaRPr lang="ko-KR" altLang="en-US" sz="1400"/>
           </a:p>
         </p:txBody>
       </p:sp>
@@ -13736,22 +13736,22 @@
           <a:p>
             <a:pPr algn="ctr"/>
             <a:r>
-              <a:rPr lang="en-US" altLang="ko-KR" sz="1600" b="1"/>
+              <a:rPr lang="en-US" altLang="ko-KR" sz="1400" b="1"/>
               <a:t>Order</a:t>
             </a:r>
             <a:r>
-              <a:rPr lang="ko-KR" altLang="en-US" sz="1600" b="1"/>
+              <a:rPr lang="ko-KR" altLang="en-US" sz="1400" b="1"/>
               <a:t> </a:t>
             </a:r>
             <a:r>
-              <a:rPr lang="en-US" altLang="ko-KR" sz="1600" b="1"/>
+              <a:rPr lang="en-US" altLang="ko-KR" sz="1400" b="1"/>
               <a:t>SAGA</a:t>
             </a:r>
           </a:p>
           <a:p>
             <a:pPr algn="ctr"/>
             <a:r>
-              <a:rPr lang="en-US" altLang="ko-KR" sz="1600" b="1"/>
+              <a:rPr lang="en-US" altLang="ko-KR" sz="1400" b="1"/>
               <a:t>Orchestrator</a:t>
             </a:r>
           </a:p>
@@ -13800,17 +13800,17 @@
           <a:p>
             <a:pPr algn="ctr"/>
             <a:r>
-              <a:rPr lang="en-US" altLang="ko-KR" sz="1600"/>
+              <a:rPr lang="en-US" altLang="ko-KR" sz="1400"/>
               <a:t>Payment</a:t>
             </a:r>
           </a:p>
           <a:p>
             <a:pPr algn="ctr"/>
             <a:r>
-              <a:rPr lang="en-US" altLang="ko-KR" sz="1600"/>
+              <a:rPr lang="en-US" altLang="ko-KR" sz="1400"/>
               <a:t>Service</a:t>
             </a:r>
-            <a:endParaRPr lang="ko-KR" altLang="en-US" sz="1600"/>
+            <a:endParaRPr lang="ko-KR" altLang="en-US" sz="1400"/>
           </a:p>
         </p:txBody>
       </p:sp>
@@ -13857,17 +13857,17 @@
           <a:p>
             <a:pPr algn="ctr"/>
             <a:r>
-              <a:rPr lang="en-US" altLang="ko-KR" sz="1600"/>
+              <a:rPr lang="en-US" altLang="ko-KR" sz="1400"/>
               <a:t>Stock</a:t>
             </a:r>
           </a:p>
           <a:p>
             <a:pPr algn="ctr"/>
             <a:r>
-              <a:rPr lang="en-US" altLang="ko-KR" sz="1600"/>
+              <a:rPr lang="en-US" altLang="ko-KR" sz="1400"/>
               <a:t>Service</a:t>
             </a:r>
-            <a:endParaRPr lang="ko-KR" altLang="en-US" sz="1600"/>
+            <a:endParaRPr lang="ko-KR" altLang="en-US" sz="1400"/>
           </a:p>
         </p:txBody>
       </p:sp>
@@ -13914,17 +13914,17 @@
           <a:p>
             <a:pPr algn="ctr"/>
             <a:r>
-              <a:rPr lang="en-US" altLang="ko-KR" sz="1600"/>
+              <a:rPr lang="en-US" altLang="ko-KR" sz="1400"/>
               <a:t>Delivery</a:t>
             </a:r>
           </a:p>
           <a:p>
             <a:pPr algn="ctr"/>
             <a:r>
-              <a:rPr lang="en-US" altLang="ko-KR" sz="1600"/>
+              <a:rPr lang="en-US" altLang="ko-KR" sz="1400"/>
               <a:t>Service</a:t>
             </a:r>
-            <a:endParaRPr lang="ko-KR" altLang="en-US" sz="1600"/>
+            <a:endParaRPr lang="ko-KR" altLang="en-US" sz="1400"/>
           </a:p>
         </p:txBody>
       </p:sp>
@@ -14528,17 +14528,17 @@
           <a:p>
             <a:pPr algn="ctr"/>
             <a:r>
-              <a:rPr lang="en-US" altLang="ko-KR" sz="1600"/>
+              <a:rPr lang="en-US" altLang="ko-KR" sz="1400"/>
               <a:t>Order</a:t>
             </a:r>
           </a:p>
           <a:p>
             <a:pPr algn="ctr"/>
             <a:r>
-              <a:rPr lang="en-US" altLang="ko-KR" sz="1600"/>
+              <a:rPr lang="en-US" altLang="ko-KR" sz="1400"/>
               <a:t>Service</a:t>
             </a:r>
-            <a:endParaRPr lang="ko-KR" altLang="en-US" sz="1600"/>
+            <a:endParaRPr lang="ko-KR" altLang="en-US" sz="1400"/>
           </a:p>
         </p:txBody>
       </p:sp>
@@ -15728,22 +15728,22 @@
           <a:p>
             <a:pPr algn="ctr"/>
             <a:r>
-              <a:rPr lang="en-US" altLang="ko-KR" sz="1600" b="1"/>
+              <a:rPr lang="en-US" altLang="ko-KR" sz="1400" b="1"/>
               <a:t>Order</a:t>
             </a:r>
             <a:r>
-              <a:rPr lang="ko-KR" altLang="en-US" sz="1600" b="1"/>
+              <a:rPr lang="ko-KR" altLang="en-US" sz="1400" b="1"/>
               <a:t> </a:t>
             </a:r>
             <a:r>
-              <a:rPr lang="en-US" altLang="ko-KR" sz="1600" b="1"/>
+              <a:rPr lang="en-US" altLang="ko-KR" sz="1400" b="1"/>
               <a:t>SAGA</a:t>
             </a:r>
           </a:p>
           <a:p>
             <a:pPr algn="ctr"/>
             <a:r>
-              <a:rPr lang="en-US" altLang="ko-KR" sz="1600" b="1"/>
+              <a:rPr lang="en-US" altLang="ko-KR" sz="1400" b="1"/>
               <a:t>Orchestrator</a:t>
             </a:r>
           </a:p>
@@ -15792,17 +15792,17 @@
           <a:p>
             <a:pPr algn="ctr"/>
             <a:r>
-              <a:rPr lang="en-US" altLang="ko-KR" sz="1600"/>
+              <a:rPr lang="en-US" altLang="ko-KR" sz="1400"/>
               <a:t>Payment</a:t>
             </a:r>
           </a:p>
           <a:p>
             <a:pPr algn="ctr"/>
             <a:r>
-              <a:rPr lang="en-US" altLang="ko-KR" sz="1600"/>
+              <a:rPr lang="en-US" altLang="ko-KR" sz="1400"/>
               <a:t>Service</a:t>
             </a:r>
-            <a:endParaRPr lang="ko-KR" altLang="en-US" sz="1600"/>
+            <a:endParaRPr lang="ko-KR" altLang="en-US" sz="1400"/>
           </a:p>
         </p:txBody>
       </p:sp>
@@ -15849,17 +15849,17 @@
           <a:p>
             <a:pPr algn="ctr"/>
             <a:r>
-              <a:rPr lang="en-US" altLang="ko-KR" sz="1600"/>
+              <a:rPr lang="en-US" altLang="ko-KR" sz="1400"/>
               <a:t>Stock</a:t>
             </a:r>
           </a:p>
           <a:p>
             <a:pPr algn="ctr"/>
             <a:r>
-              <a:rPr lang="en-US" altLang="ko-KR" sz="1600"/>
+              <a:rPr lang="en-US" altLang="ko-KR" sz="1400"/>
               <a:t>Service</a:t>
             </a:r>
-            <a:endParaRPr lang="ko-KR" altLang="en-US" sz="1600"/>
+            <a:endParaRPr lang="ko-KR" altLang="en-US" sz="1400"/>
           </a:p>
         </p:txBody>
       </p:sp>
@@ -16312,17 +16312,17 @@
           <a:p>
             <a:pPr algn="ctr"/>
             <a:r>
-              <a:rPr lang="en-US" altLang="ko-KR" sz="1600"/>
+              <a:rPr lang="en-US" altLang="ko-KR" sz="1400"/>
               <a:t>Order</a:t>
             </a:r>
           </a:p>
           <a:p>
             <a:pPr algn="ctr"/>
             <a:r>
-              <a:rPr lang="en-US" altLang="ko-KR" sz="1600"/>
+              <a:rPr lang="en-US" altLang="ko-KR" sz="1400"/>
               <a:t>Service</a:t>
             </a:r>
-            <a:endParaRPr lang="ko-KR" altLang="en-US" sz="1600"/>
+            <a:endParaRPr lang="ko-KR" altLang="en-US" sz="1400"/>
           </a:p>
         </p:txBody>
       </p:sp>

--- a/images/theory_analysis/MSA_Transaction/MSA_Transaction.pptx
+++ b/images/theory_analysis/MSA_Transaction/MSA_Transaction.pptx
@@ -5,22 +5,24 @@
     <p:sldMasterId id="2147483648" r:id="rId1"/>
   </p:sldMasterIdLst>
   <p:notesMasterIdLst>
-    <p:notesMasterId r:id="rId15"/>
+    <p:notesMasterId r:id="rId17"/>
   </p:notesMasterIdLst>
   <p:sldIdLst>
     <p:sldId id="388" r:id="rId2"/>
-    <p:sldId id="396" r:id="rId3"/>
+    <p:sldId id="399" r:id="rId3"/>
     <p:sldId id="390" r:id="rId4"/>
     <p:sldId id="391" r:id="rId5"/>
     <p:sldId id="394" r:id="rId6"/>
     <p:sldId id="395" r:id="rId7"/>
     <p:sldId id="389" r:id="rId8"/>
-    <p:sldId id="392" r:id="rId9"/>
-    <p:sldId id="393" r:id="rId10"/>
-    <p:sldId id="384" r:id="rId11"/>
-    <p:sldId id="385" r:id="rId12"/>
-    <p:sldId id="386" r:id="rId13"/>
-    <p:sldId id="387" r:id="rId14"/>
+    <p:sldId id="397" r:id="rId9"/>
+    <p:sldId id="398" r:id="rId10"/>
+    <p:sldId id="392" r:id="rId11"/>
+    <p:sldId id="393" r:id="rId12"/>
+    <p:sldId id="384" r:id="rId13"/>
+    <p:sldId id="385" r:id="rId14"/>
+    <p:sldId id="386" r:id="rId15"/>
+    <p:sldId id="387" r:id="rId16"/>
   </p:sldIdLst>
   <p:sldSz cx="9144000" cy="5143500" type="screen16x9"/>
   <p:notesSz cx="6858000" cy="9144000"/>
@@ -169,6 +171,20 @@
 </p:cmLst>
 </file>
 
+<file path=ppt/comments/comment10.xml><?xml version="1.0" encoding="utf-8"?>
+<p:cmLst xmlns:a="http://schemas.openxmlformats.org/drawingml/2006/main" xmlns:r="http://schemas.openxmlformats.org/officeDocument/2006/relationships" xmlns:p="http://schemas.openxmlformats.org/presentationml/2006/main">
+  <p:cm authorId="1" dt="2021-05-26T09:53:06.628" idx="1">
+    <p:pos x="10" y="10"/>
+    <p:text/>
+    <p:extLst>
+      <p:ext uri="{C676402C-5697-4E1C-873F-D02D1690AC5C}">
+        <p15:threadingInfo xmlns:p15="http://schemas.microsoft.com/office/powerpoint/2012/main" timeZoneBias="-540"/>
+      </p:ext>
+    </p:extLst>
+  </p:cm>
+</p:cmLst>
+</file>
+
 <file path=ppt/comments/comment2.xml><?xml version="1.0" encoding="utf-8"?>
 <p:cmLst xmlns:a="http://schemas.openxmlformats.org/drawingml/2006/main" xmlns:r="http://schemas.openxmlformats.org/officeDocument/2006/relationships" xmlns:p="http://schemas.openxmlformats.org/presentationml/2006/main">
   <p:cm authorId="1" dt="2021-05-26T09:53:06.628" idx="1">
@@ -254,6 +270,20 @@
 </file>
 
 <file path=ppt/comments/comment8.xml><?xml version="1.0" encoding="utf-8"?>
+<p:cmLst xmlns:a="http://schemas.openxmlformats.org/drawingml/2006/main" xmlns:r="http://schemas.openxmlformats.org/officeDocument/2006/relationships" xmlns:p="http://schemas.openxmlformats.org/presentationml/2006/main">
+  <p:cm authorId="1" dt="2021-05-26T09:53:06.628" idx="1">
+    <p:pos x="10" y="10"/>
+    <p:text/>
+    <p:extLst>
+      <p:ext uri="{C676402C-5697-4E1C-873F-D02D1690AC5C}">
+        <p15:threadingInfo xmlns:p15="http://schemas.microsoft.com/office/powerpoint/2012/main" timeZoneBias="-540"/>
+      </p:ext>
+    </p:extLst>
+  </p:cm>
+</p:cmLst>
+</file>
+
+<file path=ppt/comments/comment9.xml><?xml version="1.0" encoding="utf-8"?>
 <p:cmLst xmlns:a="http://schemas.openxmlformats.org/drawingml/2006/main" xmlns:r="http://schemas.openxmlformats.org/officeDocument/2006/relationships" xmlns:p="http://schemas.openxmlformats.org/presentationml/2006/main">
   <p:cm authorId="1" dt="2021-05-26T09:53:06.628" idx="1">
     <p:pos x="10" y="10"/>
@@ -774,7 +804,7 @@
     </p:spTree>
     <p:extLst>
       <p:ext uri="{BB962C8B-B14F-4D97-AF65-F5344CB8AC3E}">
-        <p14:creationId xmlns:p14="http://schemas.microsoft.com/office/powerpoint/2010/main" val="2887953239"/>
+        <p14:creationId xmlns:p14="http://schemas.microsoft.com/office/powerpoint/2010/main" val="1275796544"/>
       </p:ext>
     </p:extLst>
   </p:cSld>
@@ -858,7 +888,7 @@
     </p:spTree>
     <p:extLst>
       <p:ext uri="{BB962C8B-B14F-4D97-AF65-F5344CB8AC3E}">
-        <p14:creationId xmlns:p14="http://schemas.microsoft.com/office/powerpoint/2010/main" val="591135016"/>
+        <p14:creationId xmlns:p14="http://schemas.microsoft.com/office/powerpoint/2010/main" val="2887953239"/>
       </p:ext>
     </p:extLst>
   </p:cSld>
@@ -934,6 +964,174 @@
             <a:fld id="{BA5DFA43-8D57-47FB-BC46-057616015C3B}" type="slidenum">
               <a:rPr lang="ko-KR" altLang="en-US" smtClean="0"/>
               <a:t>13</a:t>
+            </a:fld>
+            <a:endParaRPr lang="ko-KR" altLang="en-US"/>
+          </a:p>
+        </p:txBody>
+      </p:sp>
+    </p:spTree>
+    <p:extLst>
+      <p:ext uri="{BB962C8B-B14F-4D97-AF65-F5344CB8AC3E}">
+        <p14:creationId xmlns:p14="http://schemas.microsoft.com/office/powerpoint/2010/main" val="2887953239"/>
+      </p:ext>
+    </p:extLst>
+  </p:cSld>
+  <p:clrMapOvr>
+    <a:masterClrMapping/>
+  </p:clrMapOvr>
+</p:notes>
+</file>
+
+<file path=ppt/notesSlides/notesSlide13.xml><?xml version="1.0" encoding="utf-8"?>
+<p:notes xmlns:a="http://schemas.openxmlformats.org/drawingml/2006/main" xmlns:r="http://schemas.openxmlformats.org/officeDocument/2006/relationships" xmlns:p="http://schemas.openxmlformats.org/presentationml/2006/main">
+  <p:cSld>
+    <p:spTree>
+      <p:nvGrpSpPr>
+        <p:cNvPr id="1" name=""/>
+        <p:cNvGrpSpPr/>
+        <p:nvPr/>
+      </p:nvGrpSpPr>
+      <p:grpSpPr>
+        <a:xfrm>
+          <a:off x="0" y="0"/>
+          <a:ext cx="0" cy="0"/>
+          <a:chOff x="0" y="0"/>
+          <a:chExt cx="0" cy="0"/>
+        </a:xfrm>
+      </p:grpSpPr>
+      <p:sp>
+        <p:nvSpPr>
+          <p:cNvPr id="2" name="슬라이드 이미지 개체 틀 1"/>
+          <p:cNvSpPr>
+            <a:spLocks noGrp="1" noRot="1" noChangeAspect="1"/>
+          </p:cNvSpPr>
+          <p:nvPr>
+            <p:ph type="sldImg"/>
+          </p:nvPr>
+        </p:nvSpPr>
+        <p:spPr/>
+      </p:sp>
+      <p:sp>
+        <p:nvSpPr>
+          <p:cNvPr id="3" name="슬라이드 노트 개체 틀 2"/>
+          <p:cNvSpPr>
+            <a:spLocks noGrp="1"/>
+          </p:cNvSpPr>
+          <p:nvPr>
+            <p:ph type="body" idx="1"/>
+          </p:nvPr>
+        </p:nvSpPr>
+        <p:spPr/>
+        <p:txBody>
+          <a:bodyPr/>
+          <a:lstStyle/>
+          <a:p>
+            <a:endParaRPr lang="ko-KR" altLang="en-US" dirty="0"/>
+          </a:p>
+        </p:txBody>
+      </p:sp>
+      <p:sp>
+        <p:nvSpPr>
+          <p:cNvPr id="4" name="슬라이드 번호 개체 틀 3"/>
+          <p:cNvSpPr>
+            <a:spLocks noGrp="1"/>
+          </p:cNvSpPr>
+          <p:nvPr>
+            <p:ph type="sldNum" sz="quarter" idx="10"/>
+          </p:nvPr>
+        </p:nvSpPr>
+        <p:spPr/>
+        <p:txBody>
+          <a:bodyPr/>
+          <a:lstStyle/>
+          <a:p>
+            <a:fld id="{BA5DFA43-8D57-47FB-BC46-057616015C3B}" type="slidenum">
+              <a:rPr lang="ko-KR" altLang="en-US" smtClean="0"/>
+              <a:t>14</a:t>
+            </a:fld>
+            <a:endParaRPr lang="ko-KR" altLang="en-US"/>
+          </a:p>
+        </p:txBody>
+      </p:sp>
+    </p:spTree>
+    <p:extLst>
+      <p:ext uri="{BB962C8B-B14F-4D97-AF65-F5344CB8AC3E}">
+        <p14:creationId xmlns:p14="http://schemas.microsoft.com/office/powerpoint/2010/main" val="591135016"/>
+      </p:ext>
+    </p:extLst>
+  </p:cSld>
+  <p:clrMapOvr>
+    <a:masterClrMapping/>
+  </p:clrMapOvr>
+</p:notes>
+</file>
+
+<file path=ppt/notesSlides/notesSlide14.xml><?xml version="1.0" encoding="utf-8"?>
+<p:notes xmlns:a="http://schemas.openxmlformats.org/drawingml/2006/main" xmlns:r="http://schemas.openxmlformats.org/officeDocument/2006/relationships" xmlns:p="http://schemas.openxmlformats.org/presentationml/2006/main">
+  <p:cSld>
+    <p:spTree>
+      <p:nvGrpSpPr>
+        <p:cNvPr id="1" name=""/>
+        <p:cNvGrpSpPr/>
+        <p:nvPr/>
+      </p:nvGrpSpPr>
+      <p:grpSpPr>
+        <a:xfrm>
+          <a:off x="0" y="0"/>
+          <a:ext cx="0" cy="0"/>
+          <a:chOff x="0" y="0"/>
+          <a:chExt cx="0" cy="0"/>
+        </a:xfrm>
+      </p:grpSpPr>
+      <p:sp>
+        <p:nvSpPr>
+          <p:cNvPr id="2" name="슬라이드 이미지 개체 틀 1"/>
+          <p:cNvSpPr>
+            <a:spLocks noGrp="1" noRot="1" noChangeAspect="1"/>
+          </p:cNvSpPr>
+          <p:nvPr>
+            <p:ph type="sldImg"/>
+          </p:nvPr>
+        </p:nvSpPr>
+        <p:spPr/>
+      </p:sp>
+      <p:sp>
+        <p:nvSpPr>
+          <p:cNvPr id="3" name="슬라이드 노트 개체 틀 2"/>
+          <p:cNvSpPr>
+            <a:spLocks noGrp="1"/>
+          </p:cNvSpPr>
+          <p:nvPr>
+            <p:ph type="body" idx="1"/>
+          </p:nvPr>
+        </p:nvSpPr>
+        <p:spPr/>
+        <p:txBody>
+          <a:bodyPr/>
+          <a:lstStyle/>
+          <a:p>
+            <a:endParaRPr lang="ko-KR" altLang="en-US" dirty="0"/>
+          </a:p>
+        </p:txBody>
+      </p:sp>
+      <p:sp>
+        <p:nvSpPr>
+          <p:cNvPr id="4" name="슬라이드 번호 개체 틀 3"/>
+          <p:cNvSpPr>
+            <a:spLocks noGrp="1"/>
+          </p:cNvSpPr>
+          <p:nvPr>
+            <p:ph type="sldNum" sz="quarter" idx="10"/>
+          </p:nvPr>
+        </p:nvSpPr>
+        <p:spPr/>
+        <p:txBody>
+          <a:bodyPr/>
+          <a:lstStyle/>
+          <a:p>
+            <a:fld id="{BA5DFA43-8D57-47FB-BC46-057616015C3B}" type="slidenum">
+              <a:rPr lang="ko-KR" altLang="en-US" smtClean="0"/>
+              <a:t>15</a:t>
             </a:fld>
             <a:endParaRPr lang="ko-KR" altLang="en-US"/>
           </a:p>
@@ -1026,7 +1224,7 @@
     </p:spTree>
     <p:extLst>
       <p:ext uri="{BB962C8B-B14F-4D97-AF65-F5344CB8AC3E}">
-        <p14:creationId xmlns:p14="http://schemas.microsoft.com/office/powerpoint/2010/main" val="1911512972"/>
+        <p14:creationId xmlns:p14="http://schemas.microsoft.com/office/powerpoint/2010/main" val="1484657388"/>
       </p:ext>
     </p:extLst>
   </p:cSld>
@@ -1446,7 +1644,7 @@
     </p:spTree>
     <p:extLst>
       <p:ext uri="{BB962C8B-B14F-4D97-AF65-F5344CB8AC3E}">
-        <p14:creationId xmlns:p14="http://schemas.microsoft.com/office/powerpoint/2010/main" val="3204143008"/>
+        <p14:creationId xmlns:p14="http://schemas.microsoft.com/office/powerpoint/2010/main" val="879553573"/>
       </p:ext>
     </p:extLst>
   </p:cSld>
@@ -1530,7 +1728,7 @@
     </p:spTree>
     <p:extLst>
       <p:ext uri="{BB962C8B-B14F-4D97-AF65-F5344CB8AC3E}">
-        <p14:creationId xmlns:p14="http://schemas.microsoft.com/office/powerpoint/2010/main" val="1275796544"/>
+        <p14:creationId xmlns:p14="http://schemas.microsoft.com/office/powerpoint/2010/main" val="4050074835"/>
       </p:ext>
     </p:extLst>
   </p:cSld>
@@ -1614,7 +1812,7 @@
     </p:spTree>
     <p:extLst>
       <p:ext uri="{BB962C8B-B14F-4D97-AF65-F5344CB8AC3E}">
-        <p14:creationId xmlns:p14="http://schemas.microsoft.com/office/powerpoint/2010/main" val="2887953239"/>
+        <p14:creationId xmlns:p14="http://schemas.microsoft.com/office/powerpoint/2010/main" val="3204143008"/>
       </p:ext>
     </p:extLst>
   </p:cSld>
@@ -4575,7 +4773,7 @@
         </p:nvSpPr>
         <p:spPr>
           <a:xfrm>
-            <a:off x="1691680" y="2342829"/>
+            <a:off x="3311859" y="2342829"/>
             <a:ext cx="1296146" cy="551345"/>
           </a:xfrm>
           <a:prstGeom prst="roundRect">
@@ -4605,14 +4803,7 @@
             <a:pPr algn="ctr"/>
             <a:r>
               <a:rPr lang="en-US" altLang="ko-KR" sz="1400"/>
-              <a:t>Order</a:t>
-            </a:r>
-          </a:p>
-          <a:p>
-            <a:pPr algn="ctr"/>
-            <a:r>
-              <a:rPr lang="en-US" altLang="ko-KR" sz="1400"/>
-              <a:t>Service</a:t>
+              <a:t>Coondinator</a:t>
             </a:r>
             <a:endParaRPr lang="ko-KR" altLang="en-US" sz="1400"/>
           </a:p>
@@ -4789,24 +4980,399 @@
           </a:p>
         </p:txBody>
       </p:sp>
+      <p:grpSp>
+        <p:nvGrpSpPr>
+          <p:cNvPr id="2" name="그룹 1">
+            <a:extLst>
+              <a:ext uri="{FF2B5EF4-FFF2-40B4-BE49-F238E27FC236}">
+                <a16:creationId xmlns:a16="http://schemas.microsoft.com/office/drawing/2014/main" id="{24786D3E-CAB2-4F94-85F7-4EAB127F566E}"/>
+              </a:ext>
+            </a:extLst>
+          </p:cNvPr>
+          <p:cNvGrpSpPr/>
+          <p:nvPr/>
+        </p:nvGrpSpPr>
+        <p:grpSpPr>
+          <a:xfrm>
+            <a:off x="4608005" y="1347086"/>
+            <a:ext cx="828092" cy="2567416"/>
+            <a:chOff x="2987826" y="1347086"/>
+            <a:chExt cx="2448271" cy="2567416"/>
+          </a:xfrm>
+        </p:grpSpPr>
+        <p:cxnSp>
+          <p:nvCxnSpPr>
+            <p:cNvPr id="42" name="직선 화살표 연결선 41">
+              <a:extLst>
+                <a:ext uri="{FF2B5EF4-FFF2-40B4-BE49-F238E27FC236}">
+                  <a16:creationId xmlns:a16="http://schemas.microsoft.com/office/drawing/2014/main" id="{886ECD4C-23D5-495A-9680-CA0B10336405}"/>
+                </a:ext>
+              </a:extLst>
+            </p:cNvPr>
+            <p:cNvCxnSpPr>
+              <a:cxnSpLocks/>
+            </p:cNvCxnSpPr>
+            <p:nvPr/>
+          </p:nvCxnSpPr>
+          <p:spPr>
+            <a:xfrm flipV="1">
+              <a:off x="2987826" y="1464080"/>
+              <a:ext cx="2448271" cy="1225211"/>
+            </a:xfrm>
+            <a:prstGeom prst="straightConnector1">
+              <a:avLst/>
+            </a:prstGeom>
+            <a:ln>
+              <a:solidFill>
+                <a:schemeClr val="tx2"/>
+              </a:solidFill>
+              <a:headEnd type="none" w="med" len="med"/>
+              <a:tailEnd type="arrow" w="med" len="med"/>
+            </a:ln>
+          </p:spPr>
+          <p:style>
+            <a:lnRef idx="1">
+              <a:schemeClr val="accent1"/>
+            </a:lnRef>
+            <a:fillRef idx="0">
+              <a:schemeClr val="accent1"/>
+            </a:fillRef>
+            <a:effectRef idx="0">
+              <a:schemeClr val="accent1"/>
+            </a:effectRef>
+            <a:fontRef idx="minor">
+              <a:schemeClr val="tx1"/>
+            </a:fontRef>
+          </p:style>
+        </p:cxnSp>
+        <p:cxnSp>
+          <p:nvCxnSpPr>
+            <p:cNvPr id="44" name="직선 화살표 연결선 43">
+              <a:extLst>
+                <a:ext uri="{FF2B5EF4-FFF2-40B4-BE49-F238E27FC236}">
+                  <a16:creationId xmlns:a16="http://schemas.microsoft.com/office/drawing/2014/main" id="{F9ACFD16-B65B-4C0D-9F93-F98D8C1A45FA}"/>
+                </a:ext>
+              </a:extLst>
+            </p:cNvPr>
+            <p:cNvCxnSpPr>
+              <a:cxnSpLocks/>
+            </p:cNvCxnSpPr>
+            <p:nvPr/>
+          </p:nvCxnSpPr>
+          <p:spPr>
+            <a:xfrm>
+              <a:off x="2987826" y="2689291"/>
+              <a:ext cx="2448271" cy="0"/>
+            </a:xfrm>
+            <a:prstGeom prst="straightConnector1">
+              <a:avLst/>
+            </a:prstGeom>
+            <a:ln>
+              <a:solidFill>
+                <a:schemeClr val="tx2"/>
+              </a:solidFill>
+              <a:headEnd type="none" w="med" len="med"/>
+              <a:tailEnd type="arrow" w="med" len="med"/>
+            </a:ln>
+          </p:spPr>
+          <p:style>
+            <a:lnRef idx="1">
+              <a:schemeClr val="accent1"/>
+            </a:lnRef>
+            <a:fillRef idx="0">
+              <a:schemeClr val="accent1"/>
+            </a:fillRef>
+            <a:effectRef idx="0">
+              <a:schemeClr val="accent1"/>
+            </a:effectRef>
+            <a:fontRef idx="minor">
+              <a:schemeClr val="tx1"/>
+            </a:fontRef>
+          </p:style>
+        </p:cxnSp>
+        <p:cxnSp>
+          <p:nvCxnSpPr>
+            <p:cNvPr id="48" name="직선 화살표 연결선 47">
+              <a:extLst>
+                <a:ext uri="{FF2B5EF4-FFF2-40B4-BE49-F238E27FC236}">
+                  <a16:creationId xmlns:a16="http://schemas.microsoft.com/office/drawing/2014/main" id="{612DE9DB-5A7F-401F-AFE1-4D19834BE366}"/>
+                </a:ext>
+              </a:extLst>
+            </p:cNvPr>
+            <p:cNvCxnSpPr>
+              <a:cxnSpLocks/>
+            </p:cNvCxnSpPr>
+            <p:nvPr/>
+          </p:nvCxnSpPr>
+          <p:spPr>
+            <a:xfrm>
+              <a:off x="2987826" y="2689291"/>
+              <a:ext cx="2448271" cy="1225211"/>
+            </a:xfrm>
+            <a:prstGeom prst="straightConnector1">
+              <a:avLst/>
+            </a:prstGeom>
+            <a:ln>
+              <a:solidFill>
+                <a:schemeClr val="tx2"/>
+              </a:solidFill>
+              <a:headEnd type="none" w="med" len="med"/>
+              <a:tailEnd type="arrow" w="med" len="med"/>
+            </a:ln>
+          </p:spPr>
+          <p:style>
+            <a:lnRef idx="1">
+              <a:schemeClr val="accent1"/>
+            </a:lnRef>
+            <a:fillRef idx="0">
+              <a:schemeClr val="accent1"/>
+            </a:fillRef>
+            <a:effectRef idx="0">
+              <a:schemeClr val="accent1"/>
+            </a:effectRef>
+            <a:fontRef idx="minor">
+              <a:schemeClr val="tx1"/>
+            </a:fontRef>
+          </p:style>
+        </p:cxnSp>
+        <p:cxnSp>
+          <p:nvCxnSpPr>
+            <p:cNvPr id="53" name="직선 화살표 연결선 52">
+              <a:extLst>
+                <a:ext uri="{FF2B5EF4-FFF2-40B4-BE49-F238E27FC236}">
+                  <a16:creationId xmlns:a16="http://schemas.microsoft.com/office/drawing/2014/main" id="{EC93C3B7-BA77-43B4-A3BD-ACEAE52DE7FE}"/>
+                </a:ext>
+              </a:extLst>
+            </p:cNvPr>
+            <p:cNvCxnSpPr>
+              <a:cxnSpLocks/>
+            </p:cNvCxnSpPr>
+            <p:nvPr/>
+          </p:nvCxnSpPr>
+          <p:spPr>
+            <a:xfrm flipV="1">
+              <a:off x="2987826" y="1347086"/>
+              <a:ext cx="2448271" cy="1225211"/>
+            </a:xfrm>
+            <a:prstGeom prst="straightConnector1">
+              <a:avLst/>
+            </a:prstGeom>
+            <a:ln>
+              <a:solidFill>
+                <a:srgbClr val="C00000"/>
+              </a:solidFill>
+              <a:headEnd type="none" w="med" len="med"/>
+              <a:tailEnd type="arrow" w="med" len="med"/>
+            </a:ln>
+          </p:spPr>
+          <p:style>
+            <a:lnRef idx="1">
+              <a:schemeClr val="accent1"/>
+            </a:lnRef>
+            <a:fillRef idx="0">
+              <a:schemeClr val="accent1"/>
+            </a:fillRef>
+            <a:effectRef idx="0">
+              <a:schemeClr val="accent1"/>
+            </a:effectRef>
+            <a:fontRef idx="minor">
+              <a:schemeClr val="tx1"/>
+            </a:fontRef>
+          </p:style>
+        </p:cxnSp>
+        <p:cxnSp>
+          <p:nvCxnSpPr>
+            <p:cNvPr id="54" name="직선 화살표 연결선 53">
+              <a:extLst>
+                <a:ext uri="{FF2B5EF4-FFF2-40B4-BE49-F238E27FC236}">
+                  <a16:creationId xmlns:a16="http://schemas.microsoft.com/office/drawing/2014/main" id="{5CB6F84B-B5C7-4DBA-960D-FC948014E1C3}"/>
+                </a:ext>
+              </a:extLst>
+            </p:cNvPr>
+            <p:cNvCxnSpPr>
+              <a:cxnSpLocks/>
+            </p:cNvCxnSpPr>
+            <p:nvPr/>
+          </p:nvCxnSpPr>
+          <p:spPr>
+            <a:xfrm>
+              <a:off x="2987826" y="2569122"/>
+              <a:ext cx="2448271" cy="0"/>
+            </a:xfrm>
+            <a:prstGeom prst="straightConnector1">
+              <a:avLst/>
+            </a:prstGeom>
+            <a:ln>
+              <a:solidFill>
+                <a:srgbClr val="C00000"/>
+              </a:solidFill>
+              <a:headEnd type="none" w="med" len="med"/>
+              <a:tailEnd type="arrow" w="med" len="med"/>
+            </a:ln>
+          </p:spPr>
+          <p:style>
+            <a:lnRef idx="1">
+              <a:schemeClr val="accent1"/>
+            </a:lnRef>
+            <a:fillRef idx="0">
+              <a:schemeClr val="accent1"/>
+            </a:fillRef>
+            <a:effectRef idx="0">
+              <a:schemeClr val="accent1"/>
+            </a:effectRef>
+            <a:fontRef idx="minor">
+              <a:schemeClr val="tx1"/>
+            </a:fontRef>
+          </p:style>
+        </p:cxnSp>
+        <p:cxnSp>
+          <p:nvCxnSpPr>
+            <p:cNvPr id="55" name="직선 화살표 연결선 54">
+              <a:extLst>
+                <a:ext uri="{FF2B5EF4-FFF2-40B4-BE49-F238E27FC236}">
+                  <a16:creationId xmlns:a16="http://schemas.microsoft.com/office/drawing/2014/main" id="{62A30C44-6247-4600-928F-3CAD0D6EF2DD}"/>
+                </a:ext>
+              </a:extLst>
+            </p:cNvPr>
+            <p:cNvCxnSpPr>
+              <a:cxnSpLocks/>
+            </p:cNvCxnSpPr>
+            <p:nvPr/>
+          </p:nvCxnSpPr>
+          <p:spPr>
+            <a:xfrm>
+              <a:off x="2987826" y="2551455"/>
+              <a:ext cx="2448271" cy="1225211"/>
+            </a:xfrm>
+            <a:prstGeom prst="straightConnector1">
+              <a:avLst/>
+            </a:prstGeom>
+            <a:ln>
+              <a:solidFill>
+                <a:srgbClr val="C00000"/>
+              </a:solidFill>
+              <a:headEnd type="none" w="med" len="med"/>
+              <a:tailEnd type="arrow" w="med" len="med"/>
+            </a:ln>
+          </p:spPr>
+          <p:style>
+            <a:lnRef idx="1">
+              <a:schemeClr val="accent1"/>
+            </a:lnRef>
+            <a:fillRef idx="0">
+              <a:schemeClr val="accent1"/>
+            </a:fillRef>
+            <a:effectRef idx="0">
+              <a:schemeClr val="accent1"/>
+            </a:effectRef>
+            <a:fontRef idx="minor">
+              <a:schemeClr val="tx1"/>
+            </a:fontRef>
+          </p:style>
+        </p:cxnSp>
+      </p:grpSp>
       <p:cxnSp>
         <p:nvCxnSpPr>
-          <p:cNvPr id="42" name="직선 화살표 연결선 41">
-            <a:extLst>
-              <a:ext uri="{FF2B5EF4-FFF2-40B4-BE49-F238E27FC236}">
-                <a16:creationId xmlns:a16="http://schemas.microsoft.com/office/drawing/2014/main" id="{886ECD4C-23D5-495A-9680-CA0B10336405}"/>
+          <p:cNvPr id="57" name="직선 화살표 연결선 56">
+            <a:extLst>
+              <a:ext uri="{FF2B5EF4-FFF2-40B4-BE49-F238E27FC236}">
+                <a16:creationId xmlns:a16="http://schemas.microsoft.com/office/drawing/2014/main" id="{1E2CD5D2-ACF6-490B-87A7-5E3F3BE62132}"/>
               </a:ext>
             </a:extLst>
           </p:cNvPr>
           <p:cNvCxnSpPr>
             <a:cxnSpLocks/>
+            <a:stCxn id="58" idx="3"/>
           </p:cNvCxnSpPr>
           <p:nvPr/>
         </p:nvCxnSpPr>
         <p:spPr>
-          <a:xfrm flipV="1">
-            <a:off x="2987826" y="1464080"/>
-            <a:ext cx="2448271" cy="1225211"/>
+          <a:xfrm>
+            <a:off x="2148437" y="3121993"/>
+            <a:ext cx="407339" cy="0"/>
+          </a:xfrm>
+          <a:prstGeom prst="straightConnector1">
+            <a:avLst/>
+          </a:prstGeom>
+          <a:ln>
+            <a:solidFill>
+              <a:srgbClr val="C00000"/>
+            </a:solidFill>
+            <a:headEnd type="none" w="med" len="med"/>
+            <a:tailEnd type="arrow" w="med" len="med"/>
+          </a:ln>
+        </p:spPr>
+        <p:style>
+          <a:lnRef idx="1">
+            <a:schemeClr val="accent1"/>
+          </a:lnRef>
+          <a:fillRef idx="0">
+            <a:schemeClr val="accent1"/>
+          </a:fillRef>
+          <a:effectRef idx="0">
+            <a:schemeClr val="accent1"/>
+          </a:effectRef>
+          <a:fontRef idx="minor">
+            <a:schemeClr val="tx1"/>
+          </a:fontRef>
+        </p:style>
+      </p:cxnSp>
+      <p:sp>
+        <p:nvSpPr>
+          <p:cNvPr id="58" name="TextBox 57">
+            <a:extLst>
+              <a:ext uri="{FF2B5EF4-FFF2-40B4-BE49-F238E27FC236}">
+                <a16:creationId xmlns:a16="http://schemas.microsoft.com/office/drawing/2014/main" id="{33FDFE07-B2E3-42F4-8315-C1CE4565603F}"/>
+              </a:ext>
+            </a:extLst>
+          </p:cNvPr>
+          <p:cNvSpPr txBox="1"/>
+          <p:nvPr/>
+        </p:nvSpPr>
+        <p:spPr>
+          <a:xfrm>
+            <a:off x="1320346" y="2983493"/>
+            <a:ext cx="828091" cy="276999"/>
+          </a:xfrm>
+          <a:prstGeom prst="rect">
+            <a:avLst/>
+          </a:prstGeom>
+          <a:noFill/>
+        </p:spPr>
+        <p:txBody>
+          <a:bodyPr wrap="square" rtlCol="0" anchor="ctr">
+            <a:spAutoFit/>
+          </a:bodyPr>
+          <a:lstStyle/>
+          <a:p>
+            <a:pPr algn="ctr"/>
+            <a:r>
+              <a:rPr lang="en-US" altLang="ko-KR" sz="1200"/>
+              <a:t>Prepare</a:t>
+            </a:r>
+            <a:endParaRPr lang="ko-KR" altLang="en-US" sz="1200"/>
+          </a:p>
+        </p:txBody>
+      </p:sp>
+      <p:cxnSp>
+        <p:nvCxnSpPr>
+          <p:cNvPr id="63" name="직선 화살표 연결선 62">
+            <a:extLst>
+              <a:ext uri="{FF2B5EF4-FFF2-40B4-BE49-F238E27FC236}">
+                <a16:creationId xmlns:a16="http://schemas.microsoft.com/office/drawing/2014/main" id="{646F1A69-13D5-4BBC-A4E5-71EEF8A45201}"/>
+              </a:ext>
+            </a:extLst>
+          </p:cNvPr>
+          <p:cNvCxnSpPr>
+            <a:cxnSpLocks/>
+            <a:stCxn id="64" idx="3"/>
+          </p:cNvCxnSpPr>
+          <p:nvPr/>
+        </p:nvCxnSpPr>
+        <p:spPr>
+          <a:xfrm>
+            <a:off x="2148437" y="3369355"/>
+            <a:ext cx="407339" cy="0"/>
           </a:xfrm>
           <a:prstGeom prst="straightConnector1">
             <a:avLst/>
@@ -4834,114 +5400,120 @@
           </a:fontRef>
         </p:style>
       </p:cxnSp>
+      <p:sp>
+        <p:nvSpPr>
+          <p:cNvPr id="64" name="TextBox 63">
+            <a:extLst>
+              <a:ext uri="{FF2B5EF4-FFF2-40B4-BE49-F238E27FC236}">
+                <a16:creationId xmlns:a16="http://schemas.microsoft.com/office/drawing/2014/main" id="{077B8717-EC4A-4AFF-B6B3-E9770D9E2AC1}"/>
+              </a:ext>
+            </a:extLst>
+          </p:cNvPr>
+          <p:cNvSpPr txBox="1"/>
+          <p:nvPr/>
+        </p:nvSpPr>
+        <p:spPr>
+          <a:xfrm>
+            <a:off x="1320346" y="3230855"/>
+            <a:ext cx="828091" cy="276999"/>
+          </a:xfrm>
+          <a:prstGeom prst="rect">
+            <a:avLst/>
+          </a:prstGeom>
+          <a:noFill/>
+        </p:spPr>
+        <p:txBody>
+          <a:bodyPr wrap="square" rtlCol="0" anchor="ctr">
+            <a:spAutoFit/>
+          </a:bodyPr>
+          <a:lstStyle/>
+          <a:p>
+            <a:pPr algn="ctr"/>
+            <a:r>
+              <a:rPr lang="en-US" altLang="ko-KR" sz="1200"/>
+              <a:t>Commit</a:t>
+            </a:r>
+            <a:endParaRPr lang="ko-KR" altLang="en-US" sz="1200"/>
+          </a:p>
+        </p:txBody>
+      </p:sp>
+      <p:sp>
+        <p:nvSpPr>
+          <p:cNvPr id="19" name="사각형: 둥근 모서리 18">
+            <a:extLst>
+              <a:ext uri="{FF2B5EF4-FFF2-40B4-BE49-F238E27FC236}">
+                <a16:creationId xmlns:a16="http://schemas.microsoft.com/office/drawing/2014/main" id="{0043287A-F963-4EA0-B42A-53FC6D0AA9C1}"/>
+              </a:ext>
+            </a:extLst>
+          </p:cNvPr>
+          <p:cNvSpPr/>
+          <p:nvPr/>
+        </p:nvSpPr>
+        <p:spPr>
+          <a:xfrm>
+            <a:off x="1259632" y="2342829"/>
+            <a:ext cx="1296146" cy="551345"/>
+          </a:xfrm>
+          <a:prstGeom prst="roundRect">
+            <a:avLst>
+              <a:gd name="adj" fmla="val 8201"/>
+            </a:avLst>
+          </a:prstGeom>
+        </p:spPr>
+        <p:style>
+          <a:lnRef idx="2">
+            <a:schemeClr val="dk1"/>
+          </a:lnRef>
+          <a:fillRef idx="1">
+            <a:schemeClr val="lt1"/>
+          </a:fillRef>
+          <a:effectRef idx="0">
+            <a:schemeClr val="dk1"/>
+          </a:effectRef>
+          <a:fontRef idx="minor">
+            <a:schemeClr val="dk1"/>
+          </a:fontRef>
+        </p:style>
+        <p:txBody>
+          <a:bodyPr rtlCol="0" anchor="ctr"/>
+          <a:lstStyle/>
+          <a:p>
+            <a:pPr algn="ctr"/>
+            <a:r>
+              <a:rPr lang="en-US" altLang="ko-KR" sz="1400"/>
+              <a:t>Order</a:t>
+            </a:r>
+          </a:p>
+          <a:p>
+            <a:pPr algn="ctr"/>
+            <a:r>
+              <a:rPr lang="en-US" altLang="ko-KR" sz="1400"/>
+              <a:t>Service</a:t>
+            </a:r>
+            <a:endParaRPr lang="ko-KR" altLang="en-US" sz="1400"/>
+          </a:p>
+        </p:txBody>
+      </p:sp>
       <p:cxnSp>
         <p:nvCxnSpPr>
-          <p:cNvPr id="44" name="직선 화살표 연결선 43">
-            <a:extLst>
-              <a:ext uri="{FF2B5EF4-FFF2-40B4-BE49-F238E27FC236}">
-                <a16:creationId xmlns:a16="http://schemas.microsoft.com/office/drawing/2014/main" id="{F9ACFD16-B65B-4C0D-9F93-F98D8C1A45FA}"/>
+          <p:cNvPr id="21" name="직선 화살표 연결선 20">
+            <a:extLst>
+              <a:ext uri="{FF2B5EF4-FFF2-40B4-BE49-F238E27FC236}">
+                <a16:creationId xmlns:a16="http://schemas.microsoft.com/office/drawing/2014/main" id="{6E8722DE-390F-4DF1-B986-59A33E965AC5}"/>
               </a:ext>
             </a:extLst>
           </p:cNvPr>
           <p:cNvCxnSpPr>
             <a:cxnSpLocks/>
+            <a:stCxn id="19" idx="3"/>
+            <a:endCxn id="28" idx="1"/>
           </p:cNvCxnSpPr>
           <p:nvPr/>
         </p:nvCxnSpPr>
         <p:spPr>
           <a:xfrm>
-            <a:off x="2987826" y="2689291"/>
-            <a:ext cx="2448271" cy="0"/>
-          </a:xfrm>
-          <a:prstGeom prst="straightConnector1">
-            <a:avLst/>
-          </a:prstGeom>
-          <a:ln>
-            <a:solidFill>
-              <a:schemeClr val="tx2"/>
-            </a:solidFill>
-            <a:headEnd type="none" w="med" len="med"/>
-            <a:tailEnd type="arrow" w="med" len="med"/>
-          </a:ln>
-        </p:spPr>
-        <p:style>
-          <a:lnRef idx="1">
-            <a:schemeClr val="accent1"/>
-          </a:lnRef>
-          <a:fillRef idx="0">
-            <a:schemeClr val="accent1"/>
-          </a:fillRef>
-          <a:effectRef idx="0">
-            <a:schemeClr val="accent1"/>
-          </a:effectRef>
-          <a:fontRef idx="minor">
-            <a:schemeClr val="tx1"/>
-          </a:fontRef>
-        </p:style>
-      </p:cxnSp>
-      <p:cxnSp>
-        <p:nvCxnSpPr>
-          <p:cNvPr id="48" name="직선 화살표 연결선 47">
-            <a:extLst>
-              <a:ext uri="{FF2B5EF4-FFF2-40B4-BE49-F238E27FC236}">
-                <a16:creationId xmlns:a16="http://schemas.microsoft.com/office/drawing/2014/main" id="{612DE9DB-5A7F-401F-AFE1-4D19834BE366}"/>
-              </a:ext>
-            </a:extLst>
-          </p:cNvPr>
-          <p:cNvCxnSpPr>
-            <a:cxnSpLocks/>
-          </p:cNvCxnSpPr>
-          <p:nvPr/>
-        </p:nvCxnSpPr>
-        <p:spPr>
-          <a:xfrm>
-            <a:off x="2987826" y="2689291"/>
-            <a:ext cx="2448271" cy="1225211"/>
-          </a:xfrm>
-          <a:prstGeom prst="straightConnector1">
-            <a:avLst/>
-          </a:prstGeom>
-          <a:ln>
-            <a:solidFill>
-              <a:schemeClr val="tx2"/>
-            </a:solidFill>
-            <a:headEnd type="none" w="med" len="med"/>
-            <a:tailEnd type="arrow" w="med" len="med"/>
-          </a:ln>
-        </p:spPr>
-        <p:style>
-          <a:lnRef idx="1">
-            <a:schemeClr val="accent1"/>
-          </a:lnRef>
-          <a:fillRef idx="0">
-            <a:schemeClr val="accent1"/>
-          </a:fillRef>
-          <a:effectRef idx="0">
-            <a:schemeClr val="accent1"/>
-          </a:effectRef>
-          <a:fontRef idx="minor">
-            <a:schemeClr val="tx1"/>
-          </a:fontRef>
-        </p:style>
-      </p:cxnSp>
-      <p:cxnSp>
-        <p:nvCxnSpPr>
-          <p:cNvPr id="53" name="직선 화살표 연결선 52">
-            <a:extLst>
-              <a:ext uri="{FF2B5EF4-FFF2-40B4-BE49-F238E27FC236}">
-                <a16:creationId xmlns:a16="http://schemas.microsoft.com/office/drawing/2014/main" id="{EC93C3B7-BA77-43B4-A3BD-ACEAE52DE7FE}"/>
-              </a:ext>
-            </a:extLst>
-          </p:cNvPr>
-          <p:cNvCxnSpPr>
-            <a:cxnSpLocks/>
-          </p:cNvCxnSpPr>
-          <p:nvPr/>
-        </p:nvCxnSpPr>
-        <p:spPr>
-          <a:xfrm flipV="1">
-            <a:off x="2987826" y="1347086"/>
-            <a:ext cx="2448271" cy="1225211"/>
+            <a:off x="2555778" y="2618502"/>
+            <a:ext cx="756081" cy="0"/>
           </a:xfrm>
           <a:prstGeom prst="straightConnector1">
             <a:avLst/>
@@ -4969,262 +5541,6 @@
           </a:fontRef>
         </p:style>
       </p:cxnSp>
-      <p:cxnSp>
-        <p:nvCxnSpPr>
-          <p:cNvPr id="54" name="직선 화살표 연결선 53">
-            <a:extLst>
-              <a:ext uri="{FF2B5EF4-FFF2-40B4-BE49-F238E27FC236}">
-                <a16:creationId xmlns:a16="http://schemas.microsoft.com/office/drawing/2014/main" id="{5CB6F84B-B5C7-4DBA-960D-FC948014E1C3}"/>
-              </a:ext>
-            </a:extLst>
-          </p:cNvPr>
-          <p:cNvCxnSpPr>
-            <a:cxnSpLocks/>
-          </p:cNvCxnSpPr>
-          <p:nvPr/>
-        </p:nvCxnSpPr>
-        <p:spPr>
-          <a:xfrm>
-            <a:off x="2987826" y="2569122"/>
-            <a:ext cx="2448271" cy="0"/>
-          </a:xfrm>
-          <a:prstGeom prst="straightConnector1">
-            <a:avLst/>
-          </a:prstGeom>
-          <a:ln>
-            <a:solidFill>
-              <a:schemeClr val="tx1"/>
-            </a:solidFill>
-            <a:headEnd type="none" w="med" len="med"/>
-            <a:tailEnd type="arrow" w="med" len="med"/>
-          </a:ln>
-        </p:spPr>
-        <p:style>
-          <a:lnRef idx="1">
-            <a:schemeClr val="accent1"/>
-          </a:lnRef>
-          <a:fillRef idx="0">
-            <a:schemeClr val="accent1"/>
-          </a:fillRef>
-          <a:effectRef idx="0">
-            <a:schemeClr val="accent1"/>
-          </a:effectRef>
-          <a:fontRef idx="minor">
-            <a:schemeClr val="tx1"/>
-          </a:fontRef>
-        </p:style>
-      </p:cxnSp>
-      <p:cxnSp>
-        <p:nvCxnSpPr>
-          <p:cNvPr id="55" name="직선 화살표 연결선 54">
-            <a:extLst>
-              <a:ext uri="{FF2B5EF4-FFF2-40B4-BE49-F238E27FC236}">
-                <a16:creationId xmlns:a16="http://schemas.microsoft.com/office/drawing/2014/main" id="{62A30C44-6247-4600-928F-3CAD0D6EF2DD}"/>
-              </a:ext>
-            </a:extLst>
-          </p:cNvPr>
-          <p:cNvCxnSpPr>
-            <a:cxnSpLocks/>
-          </p:cNvCxnSpPr>
-          <p:nvPr/>
-        </p:nvCxnSpPr>
-        <p:spPr>
-          <a:xfrm>
-            <a:off x="2987826" y="2551455"/>
-            <a:ext cx="2448271" cy="1225211"/>
-          </a:xfrm>
-          <a:prstGeom prst="straightConnector1">
-            <a:avLst/>
-          </a:prstGeom>
-          <a:ln>
-            <a:solidFill>
-              <a:schemeClr val="tx1"/>
-            </a:solidFill>
-            <a:headEnd type="none" w="med" len="med"/>
-            <a:tailEnd type="arrow" w="med" len="med"/>
-          </a:ln>
-        </p:spPr>
-        <p:style>
-          <a:lnRef idx="1">
-            <a:schemeClr val="accent1"/>
-          </a:lnRef>
-          <a:fillRef idx="0">
-            <a:schemeClr val="accent1"/>
-          </a:fillRef>
-          <a:effectRef idx="0">
-            <a:schemeClr val="accent1"/>
-          </a:effectRef>
-          <a:fontRef idx="minor">
-            <a:schemeClr val="tx1"/>
-          </a:fontRef>
-        </p:style>
-      </p:cxnSp>
-      <p:cxnSp>
-        <p:nvCxnSpPr>
-          <p:cNvPr id="57" name="직선 화살표 연결선 56">
-            <a:extLst>
-              <a:ext uri="{FF2B5EF4-FFF2-40B4-BE49-F238E27FC236}">
-                <a16:creationId xmlns:a16="http://schemas.microsoft.com/office/drawing/2014/main" id="{1E2CD5D2-ACF6-490B-87A7-5E3F3BE62132}"/>
-              </a:ext>
-            </a:extLst>
-          </p:cNvPr>
-          <p:cNvCxnSpPr>
-            <a:cxnSpLocks/>
-            <a:stCxn id="58" idx="3"/>
-          </p:cNvCxnSpPr>
-          <p:nvPr/>
-        </p:nvCxnSpPr>
-        <p:spPr>
-          <a:xfrm>
-            <a:off x="2518903" y="3176325"/>
-            <a:ext cx="407339" cy="0"/>
-          </a:xfrm>
-          <a:prstGeom prst="straightConnector1">
-            <a:avLst/>
-          </a:prstGeom>
-          <a:ln>
-            <a:solidFill>
-              <a:schemeClr val="tx1"/>
-            </a:solidFill>
-            <a:headEnd type="none" w="med" len="med"/>
-            <a:tailEnd type="arrow" w="med" len="med"/>
-          </a:ln>
-        </p:spPr>
-        <p:style>
-          <a:lnRef idx="1">
-            <a:schemeClr val="accent1"/>
-          </a:lnRef>
-          <a:fillRef idx="0">
-            <a:schemeClr val="accent1"/>
-          </a:fillRef>
-          <a:effectRef idx="0">
-            <a:schemeClr val="accent1"/>
-          </a:effectRef>
-          <a:fontRef idx="minor">
-            <a:schemeClr val="tx1"/>
-          </a:fontRef>
-        </p:style>
-      </p:cxnSp>
-      <p:sp>
-        <p:nvSpPr>
-          <p:cNvPr id="58" name="TextBox 57">
-            <a:extLst>
-              <a:ext uri="{FF2B5EF4-FFF2-40B4-BE49-F238E27FC236}">
-                <a16:creationId xmlns:a16="http://schemas.microsoft.com/office/drawing/2014/main" id="{33FDFE07-B2E3-42F4-8315-C1CE4565603F}"/>
-              </a:ext>
-            </a:extLst>
-          </p:cNvPr>
-          <p:cNvSpPr txBox="1"/>
-          <p:nvPr/>
-        </p:nvSpPr>
-        <p:spPr>
-          <a:xfrm>
-            <a:off x="1690812" y="3037825"/>
-            <a:ext cx="828091" cy="276999"/>
-          </a:xfrm>
-          <a:prstGeom prst="rect">
-            <a:avLst/>
-          </a:prstGeom>
-          <a:noFill/>
-        </p:spPr>
-        <p:txBody>
-          <a:bodyPr wrap="square" rtlCol="0" anchor="ctr">
-            <a:spAutoFit/>
-          </a:bodyPr>
-          <a:lstStyle/>
-          <a:p>
-            <a:pPr algn="ctr"/>
-            <a:r>
-              <a:rPr lang="en-US" altLang="ko-KR" sz="1200"/>
-              <a:t>Prepare</a:t>
-            </a:r>
-            <a:endParaRPr lang="ko-KR" altLang="en-US" sz="1200"/>
-          </a:p>
-        </p:txBody>
-      </p:sp>
-      <p:cxnSp>
-        <p:nvCxnSpPr>
-          <p:cNvPr id="63" name="직선 화살표 연결선 62">
-            <a:extLst>
-              <a:ext uri="{FF2B5EF4-FFF2-40B4-BE49-F238E27FC236}">
-                <a16:creationId xmlns:a16="http://schemas.microsoft.com/office/drawing/2014/main" id="{646F1A69-13D5-4BBC-A4E5-71EEF8A45201}"/>
-              </a:ext>
-            </a:extLst>
-          </p:cNvPr>
-          <p:cNvCxnSpPr>
-            <a:cxnSpLocks/>
-            <a:stCxn id="64" idx="3"/>
-          </p:cNvCxnSpPr>
-          <p:nvPr/>
-        </p:nvCxnSpPr>
-        <p:spPr>
-          <a:xfrm>
-            <a:off x="2518903" y="3423687"/>
-            <a:ext cx="407339" cy="0"/>
-          </a:xfrm>
-          <a:prstGeom prst="straightConnector1">
-            <a:avLst/>
-          </a:prstGeom>
-          <a:ln>
-            <a:solidFill>
-              <a:schemeClr val="tx2"/>
-            </a:solidFill>
-            <a:headEnd type="none" w="med" len="med"/>
-            <a:tailEnd type="arrow" w="med" len="med"/>
-          </a:ln>
-        </p:spPr>
-        <p:style>
-          <a:lnRef idx="1">
-            <a:schemeClr val="accent1"/>
-          </a:lnRef>
-          <a:fillRef idx="0">
-            <a:schemeClr val="accent1"/>
-          </a:fillRef>
-          <a:effectRef idx="0">
-            <a:schemeClr val="accent1"/>
-          </a:effectRef>
-          <a:fontRef idx="minor">
-            <a:schemeClr val="tx1"/>
-          </a:fontRef>
-        </p:style>
-      </p:cxnSp>
-      <p:sp>
-        <p:nvSpPr>
-          <p:cNvPr id="64" name="TextBox 63">
-            <a:extLst>
-              <a:ext uri="{FF2B5EF4-FFF2-40B4-BE49-F238E27FC236}">
-                <a16:creationId xmlns:a16="http://schemas.microsoft.com/office/drawing/2014/main" id="{077B8717-EC4A-4AFF-B6B3-E9770D9E2AC1}"/>
-              </a:ext>
-            </a:extLst>
-          </p:cNvPr>
-          <p:cNvSpPr txBox="1"/>
-          <p:nvPr/>
-        </p:nvSpPr>
-        <p:spPr>
-          <a:xfrm>
-            <a:off x="1690812" y="3285187"/>
-            <a:ext cx="828091" cy="276999"/>
-          </a:xfrm>
-          <a:prstGeom prst="rect">
-            <a:avLst/>
-          </a:prstGeom>
-          <a:noFill/>
-        </p:spPr>
-        <p:txBody>
-          <a:bodyPr wrap="square" rtlCol="0" anchor="ctr">
-            <a:spAutoFit/>
-          </a:bodyPr>
-          <a:lstStyle/>
-          <a:p>
-            <a:pPr algn="ctr"/>
-            <a:r>
-              <a:rPr lang="en-US" altLang="ko-KR" sz="1200"/>
-              <a:t>Commit</a:t>
-            </a:r>
-            <a:endParaRPr lang="ko-KR" altLang="en-US" sz="1200"/>
-          </a:p>
-        </p:txBody>
-      </p:sp>
     </p:spTree>
     <p:extLst>
       <p:ext uri="{BB962C8B-B14F-4D97-AF65-F5344CB8AC3E}">
@@ -5267,6 +5583,1573 @@
         </p:nvSpPr>
         <p:spPr>
           <a:xfrm>
+            <a:off x="457200" y="-452586"/>
+            <a:ext cx="8229600" cy="857250"/>
+          </a:xfrm>
+        </p:spPr>
+        <p:txBody>
+          <a:bodyPr>
+            <a:normAutofit/>
+          </a:bodyPr>
+          <a:lstStyle/>
+          <a:p>
+            <a:r>
+              <a:rPr lang="en-US" altLang="ko-KR"/>
+              <a:t>Saga Chreography </a:t>
+            </a:r>
+            <a:endParaRPr lang="ko-KR" altLang="en-US" dirty="0"/>
+          </a:p>
+        </p:txBody>
+      </p:sp>
+      <p:sp>
+        <p:nvSpPr>
+          <p:cNvPr id="28" name="사각형: 둥근 모서리 27">
+            <a:extLst>
+              <a:ext uri="{FF2B5EF4-FFF2-40B4-BE49-F238E27FC236}">
+                <a16:creationId xmlns:a16="http://schemas.microsoft.com/office/drawing/2014/main" id="{62030D78-4B7F-45C9-98B6-33E5E4A06C85}"/>
+              </a:ext>
+            </a:extLst>
+          </p:cNvPr>
+          <p:cNvSpPr/>
+          <p:nvPr/>
+        </p:nvSpPr>
+        <p:spPr>
+          <a:xfrm>
+            <a:off x="1403648" y="2342829"/>
+            <a:ext cx="1296146" cy="551345"/>
+          </a:xfrm>
+          <a:prstGeom prst="roundRect">
+            <a:avLst>
+              <a:gd name="adj" fmla="val 8201"/>
+            </a:avLst>
+          </a:prstGeom>
+        </p:spPr>
+        <p:style>
+          <a:lnRef idx="2">
+            <a:schemeClr val="dk1"/>
+          </a:lnRef>
+          <a:fillRef idx="1">
+            <a:schemeClr val="lt1"/>
+          </a:fillRef>
+          <a:effectRef idx="0">
+            <a:schemeClr val="dk1"/>
+          </a:effectRef>
+          <a:fontRef idx="minor">
+            <a:schemeClr val="dk1"/>
+          </a:fontRef>
+        </p:style>
+        <p:txBody>
+          <a:bodyPr rtlCol="0" anchor="ctr"/>
+          <a:lstStyle/>
+          <a:p>
+            <a:pPr algn="ctr"/>
+            <a:r>
+              <a:rPr lang="en-US" altLang="ko-KR" sz="1600"/>
+              <a:t>Order</a:t>
+            </a:r>
+          </a:p>
+          <a:p>
+            <a:pPr algn="ctr"/>
+            <a:r>
+              <a:rPr lang="en-US" altLang="ko-KR" sz="1600"/>
+              <a:t>Service</a:t>
+            </a:r>
+            <a:endParaRPr lang="ko-KR" altLang="en-US" sz="1600"/>
+          </a:p>
+        </p:txBody>
+      </p:sp>
+      <p:sp>
+        <p:nvSpPr>
+          <p:cNvPr id="30" name="사각형: 둥근 모서리 29">
+            <a:extLst>
+              <a:ext uri="{FF2B5EF4-FFF2-40B4-BE49-F238E27FC236}">
+                <a16:creationId xmlns:a16="http://schemas.microsoft.com/office/drawing/2014/main" id="{E6EFD59B-6009-4044-BD25-0B0A32083141}"/>
+              </a:ext>
+            </a:extLst>
+          </p:cNvPr>
+          <p:cNvSpPr/>
+          <p:nvPr/>
+        </p:nvSpPr>
+        <p:spPr>
+          <a:xfrm>
+            <a:off x="5940153" y="1117618"/>
+            <a:ext cx="1296146" cy="551345"/>
+          </a:xfrm>
+          <a:prstGeom prst="roundRect">
+            <a:avLst>
+              <a:gd name="adj" fmla="val 8201"/>
+            </a:avLst>
+          </a:prstGeom>
+        </p:spPr>
+        <p:style>
+          <a:lnRef idx="2">
+            <a:schemeClr val="dk1"/>
+          </a:lnRef>
+          <a:fillRef idx="1">
+            <a:schemeClr val="lt1"/>
+          </a:fillRef>
+          <a:effectRef idx="0">
+            <a:schemeClr val="dk1"/>
+          </a:effectRef>
+          <a:fontRef idx="minor">
+            <a:schemeClr val="dk1"/>
+          </a:fontRef>
+        </p:style>
+        <p:txBody>
+          <a:bodyPr rtlCol="0" anchor="ctr"/>
+          <a:lstStyle/>
+          <a:p>
+            <a:pPr algn="ctr"/>
+            <a:r>
+              <a:rPr lang="en-US" altLang="ko-KR" sz="1600"/>
+              <a:t>Payment</a:t>
+            </a:r>
+          </a:p>
+          <a:p>
+            <a:pPr algn="ctr"/>
+            <a:r>
+              <a:rPr lang="en-US" altLang="ko-KR" sz="1600"/>
+              <a:t>Service</a:t>
+            </a:r>
+            <a:endParaRPr lang="ko-KR" altLang="en-US" sz="1600"/>
+          </a:p>
+        </p:txBody>
+      </p:sp>
+      <p:sp>
+        <p:nvSpPr>
+          <p:cNvPr id="31" name="사각형: 둥근 모서리 30">
+            <a:extLst>
+              <a:ext uri="{FF2B5EF4-FFF2-40B4-BE49-F238E27FC236}">
+                <a16:creationId xmlns:a16="http://schemas.microsoft.com/office/drawing/2014/main" id="{BE9999F8-745A-4027-9710-23189E3F8AD1}"/>
+              </a:ext>
+            </a:extLst>
+          </p:cNvPr>
+          <p:cNvSpPr/>
+          <p:nvPr/>
+        </p:nvSpPr>
+        <p:spPr>
+          <a:xfrm>
+            <a:off x="5940153" y="2342829"/>
+            <a:ext cx="1296146" cy="551345"/>
+          </a:xfrm>
+          <a:prstGeom prst="roundRect">
+            <a:avLst>
+              <a:gd name="adj" fmla="val 8201"/>
+            </a:avLst>
+          </a:prstGeom>
+        </p:spPr>
+        <p:style>
+          <a:lnRef idx="2">
+            <a:schemeClr val="dk1"/>
+          </a:lnRef>
+          <a:fillRef idx="1">
+            <a:schemeClr val="lt1"/>
+          </a:fillRef>
+          <a:effectRef idx="0">
+            <a:schemeClr val="dk1"/>
+          </a:effectRef>
+          <a:fontRef idx="minor">
+            <a:schemeClr val="dk1"/>
+          </a:fontRef>
+        </p:style>
+        <p:txBody>
+          <a:bodyPr rtlCol="0" anchor="ctr"/>
+          <a:lstStyle/>
+          <a:p>
+            <a:pPr algn="ctr"/>
+            <a:r>
+              <a:rPr lang="en-US" altLang="ko-KR" sz="1600"/>
+              <a:t>Stock</a:t>
+            </a:r>
+          </a:p>
+          <a:p>
+            <a:pPr algn="ctr"/>
+            <a:r>
+              <a:rPr lang="en-US" altLang="ko-KR" sz="1600"/>
+              <a:t>Service</a:t>
+            </a:r>
+            <a:endParaRPr lang="ko-KR" altLang="en-US" sz="1600"/>
+          </a:p>
+        </p:txBody>
+      </p:sp>
+      <p:sp>
+        <p:nvSpPr>
+          <p:cNvPr id="32" name="사각형: 둥근 모서리 31">
+            <a:extLst>
+              <a:ext uri="{FF2B5EF4-FFF2-40B4-BE49-F238E27FC236}">
+                <a16:creationId xmlns:a16="http://schemas.microsoft.com/office/drawing/2014/main" id="{151576AF-1027-4091-8040-823086099624}"/>
+              </a:ext>
+            </a:extLst>
+          </p:cNvPr>
+          <p:cNvSpPr/>
+          <p:nvPr/>
+        </p:nvSpPr>
+        <p:spPr>
+          <a:xfrm>
+            <a:off x="5940153" y="3568040"/>
+            <a:ext cx="1296146" cy="551345"/>
+          </a:xfrm>
+          <a:prstGeom prst="roundRect">
+            <a:avLst>
+              <a:gd name="adj" fmla="val 8201"/>
+            </a:avLst>
+          </a:prstGeom>
+        </p:spPr>
+        <p:style>
+          <a:lnRef idx="2">
+            <a:schemeClr val="dk1"/>
+          </a:lnRef>
+          <a:fillRef idx="1">
+            <a:schemeClr val="lt1"/>
+          </a:fillRef>
+          <a:effectRef idx="0">
+            <a:schemeClr val="dk1"/>
+          </a:effectRef>
+          <a:fontRef idx="minor">
+            <a:schemeClr val="dk1"/>
+          </a:fontRef>
+        </p:style>
+        <p:txBody>
+          <a:bodyPr rtlCol="0" anchor="ctr"/>
+          <a:lstStyle/>
+          <a:p>
+            <a:pPr algn="ctr"/>
+            <a:r>
+              <a:rPr lang="en-US" altLang="ko-KR" sz="1600"/>
+              <a:t>Delivery</a:t>
+            </a:r>
+          </a:p>
+          <a:p>
+            <a:pPr algn="ctr"/>
+            <a:r>
+              <a:rPr lang="en-US" altLang="ko-KR" sz="1600"/>
+              <a:t>Service</a:t>
+            </a:r>
+            <a:endParaRPr lang="ko-KR" altLang="en-US" sz="1600"/>
+          </a:p>
+        </p:txBody>
+      </p:sp>
+      <p:sp>
+        <p:nvSpPr>
+          <p:cNvPr id="2" name="타원 1">
+            <a:extLst>
+              <a:ext uri="{FF2B5EF4-FFF2-40B4-BE49-F238E27FC236}">
+                <a16:creationId xmlns:a16="http://schemas.microsoft.com/office/drawing/2014/main" id="{79FAAE09-E371-4E49-BDBA-CB73FE3EF24C}"/>
+              </a:ext>
+            </a:extLst>
+          </p:cNvPr>
+          <p:cNvSpPr/>
+          <p:nvPr/>
+        </p:nvSpPr>
+        <p:spPr>
+          <a:xfrm>
+            <a:off x="3059832" y="627534"/>
+            <a:ext cx="2509753" cy="490084"/>
+          </a:xfrm>
+          <a:prstGeom prst="ellipse">
+            <a:avLst/>
+          </a:prstGeom>
+        </p:spPr>
+        <p:style>
+          <a:lnRef idx="2">
+            <a:schemeClr val="dk1"/>
+          </a:lnRef>
+          <a:fillRef idx="1">
+            <a:schemeClr val="lt1"/>
+          </a:fillRef>
+          <a:effectRef idx="0">
+            <a:schemeClr val="dk1"/>
+          </a:effectRef>
+          <a:fontRef idx="minor">
+            <a:schemeClr val="dk1"/>
+          </a:fontRef>
+        </p:style>
+        <p:txBody>
+          <a:bodyPr rtlCol="0" anchor="ctr"/>
+          <a:lstStyle/>
+          <a:p>
+            <a:pPr algn="ctr"/>
+            <a:r>
+              <a:rPr lang="en-US" altLang="ko-KR" sz="1400"/>
+              <a:t>ORDER_CREATED Event</a:t>
+            </a:r>
+            <a:endParaRPr lang="ko-KR" altLang="en-US" sz="1400"/>
+          </a:p>
+        </p:txBody>
+      </p:sp>
+      <p:sp>
+        <p:nvSpPr>
+          <p:cNvPr id="34" name="타원 33">
+            <a:extLst>
+              <a:ext uri="{FF2B5EF4-FFF2-40B4-BE49-F238E27FC236}">
+                <a16:creationId xmlns:a16="http://schemas.microsoft.com/office/drawing/2014/main" id="{FD7C7981-888F-4168-856B-B00CC8F986E7}"/>
+              </a:ext>
+            </a:extLst>
+          </p:cNvPr>
+          <p:cNvSpPr/>
+          <p:nvPr/>
+        </p:nvSpPr>
+        <p:spPr>
+          <a:xfrm>
+            <a:off x="3059832" y="1730224"/>
+            <a:ext cx="2509753" cy="490084"/>
+          </a:xfrm>
+          <a:prstGeom prst="ellipse">
+            <a:avLst/>
+          </a:prstGeom>
+        </p:spPr>
+        <p:style>
+          <a:lnRef idx="2">
+            <a:schemeClr val="dk1"/>
+          </a:lnRef>
+          <a:fillRef idx="1">
+            <a:schemeClr val="lt1"/>
+          </a:fillRef>
+          <a:effectRef idx="0">
+            <a:schemeClr val="dk1"/>
+          </a:effectRef>
+          <a:fontRef idx="minor">
+            <a:schemeClr val="dk1"/>
+          </a:fontRef>
+        </p:style>
+        <p:txBody>
+          <a:bodyPr rtlCol="0" anchor="ctr"/>
+          <a:lstStyle/>
+          <a:p>
+            <a:pPr algn="ctr"/>
+            <a:r>
+              <a:rPr lang="en-US" altLang="ko-KR" sz="1400"/>
+              <a:t>BILLED_ORDER Event</a:t>
+            </a:r>
+            <a:endParaRPr lang="ko-KR" altLang="en-US" sz="1400"/>
+          </a:p>
+        </p:txBody>
+      </p:sp>
+      <p:sp>
+        <p:nvSpPr>
+          <p:cNvPr id="35" name="타원 34">
+            <a:extLst>
+              <a:ext uri="{FF2B5EF4-FFF2-40B4-BE49-F238E27FC236}">
+                <a16:creationId xmlns:a16="http://schemas.microsoft.com/office/drawing/2014/main" id="{D04B10BF-CE39-4BBB-9D32-2746F2AEB9E2}"/>
+              </a:ext>
+            </a:extLst>
+          </p:cNvPr>
+          <p:cNvSpPr/>
+          <p:nvPr/>
+        </p:nvSpPr>
+        <p:spPr>
+          <a:xfrm>
+            <a:off x="3059832" y="3016695"/>
+            <a:ext cx="2509753" cy="490084"/>
+          </a:xfrm>
+          <a:prstGeom prst="ellipse">
+            <a:avLst/>
+          </a:prstGeom>
+        </p:spPr>
+        <p:style>
+          <a:lnRef idx="2">
+            <a:schemeClr val="dk1"/>
+          </a:lnRef>
+          <a:fillRef idx="1">
+            <a:schemeClr val="lt1"/>
+          </a:fillRef>
+          <a:effectRef idx="0">
+            <a:schemeClr val="dk1"/>
+          </a:effectRef>
+          <a:fontRef idx="minor">
+            <a:schemeClr val="dk1"/>
+          </a:fontRef>
+        </p:style>
+        <p:txBody>
+          <a:bodyPr rtlCol="0" anchor="ctr"/>
+          <a:lstStyle/>
+          <a:p>
+            <a:pPr algn="ctr"/>
+            <a:r>
+              <a:rPr lang="en-US" altLang="ko-KR" sz="1400"/>
+              <a:t>ORDER_PREPARED Event</a:t>
+            </a:r>
+            <a:endParaRPr lang="ko-KR" altLang="en-US" sz="1400"/>
+          </a:p>
+        </p:txBody>
+      </p:sp>
+      <p:sp>
+        <p:nvSpPr>
+          <p:cNvPr id="36" name="타원 35">
+            <a:extLst>
+              <a:ext uri="{FF2B5EF4-FFF2-40B4-BE49-F238E27FC236}">
+                <a16:creationId xmlns:a16="http://schemas.microsoft.com/office/drawing/2014/main" id="{3F2097C7-D998-49CB-8FB6-364F42771CAA}"/>
+              </a:ext>
+            </a:extLst>
+          </p:cNvPr>
+          <p:cNvSpPr/>
+          <p:nvPr/>
+        </p:nvSpPr>
+        <p:spPr>
+          <a:xfrm>
+            <a:off x="3059832" y="4241906"/>
+            <a:ext cx="2509753" cy="490084"/>
+          </a:xfrm>
+          <a:prstGeom prst="ellipse">
+            <a:avLst/>
+          </a:prstGeom>
+        </p:spPr>
+        <p:style>
+          <a:lnRef idx="2">
+            <a:schemeClr val="dk1"/>
+          </a:lnRef>
+          <a:fillRef idx="1">
+            <a:schemeClr val="lt1"/>
+          </a:fillRef>
+          <a:effectRef idx="0">
+            <a:schemeClr val="dk1"/>
+          </a:effectRef>
+          <a:fontRef idx="minor">
+            <a:schemeClr val="dk1"/>
+          </a:fontRef>
+        </p:style>
+        <p:txBody>
+          <a:bodyPr rtlCol="0" anchor="ctr"/>
+          <a:lstStyle/>
+          <a:p>
+            <a:pPr algn="ctr"/>
+            <a:r>
+              <a:rPr lang="en-US" altLang="ko-KR" sz="1400"/>
+              <a:t>DELIVERY_CREATED Event</a:t>
+            </a:r>
+            <a:endParaRPr lang="ko-KR" altLang="en-US" sz="1400"/>
+          </a:p>
+        </p:txBody>
+      </p:sp>
+      <p:cxnSp>
+        <p:nvCxnSpPr>
+          <p:cNvPr id="27" name="연결선: 구부러짐 26">
+            <a:extLst>
+              <a:ext uri="{FF2B5EF4-FFF2-40B4-BE49-F238E27FC236}">
+                <a16:creationId xmlns:a16="http://schemas.microsoft.com/office/drawing/2014/main" id="{260045E1-765A-4600-AF01-654686C9C6C2}"/>
+              </a:ext>
+            </a:extLst>
+          </p:cNvPr>
+          <p:cNvCxnSpPr>
+            <a:stCxn id="2" idx="2"/>
+            <a:endCxn id="28" idx="0"/>
+          </p:cNvCxnSpPr>
+          <p:nvPr/>
+        </p:nvCxnSpPr>
+        <p:spPr>
+          <a:xfrm rot="10800000" flipV="1">
+            <a:off x="2051722" y="872575"/>
+            <a:ext cx="1008111" cy="1470253"/>
+          </a:xfrm>
+          <a:prstGeom prst="curvedConnector2">
+            <a:avLst/>
+          </a:prstGeom>
+          <a:ln>
+            <a:solidFill>
+              <a:schemeClr val="tx1"/>
+            </a:solidFill>
+            <a:headEnd type="arrow" w="med" len="med"/>
+            <a:tailEnd type="none" w="med" len="med"/>
+          </a:ln>
+        </p:spPr>
+        <p:style>
+          <a:lnRef idx="1">
+            <a:schemeClr val="accent1"/>
+          </a:lnRef>
+          <a:fillRef idx="0">
+            <a:schemeClr val="accent1"/>
+          </a:fillRef>
+          <a:effectRef idx="0">
+            <a:schemeClr val="accent1"/>
+          </a:effectRef>
+          <a:fontRef idx="minor">
+            <a:schemeClr val="tx1"/>
+          </a:fontRef>
+        </p:style>
+      </p:cxnSp>
+      <p:cxnSp>
+        <p:nvCxnSpPr>
+          <p:cNvPr id="12" name="연결선: 구부러짐 11">
+            <a:extLst>
+              <a:ext uri="{FF2B5EF4-FFF2-40B4-BE49-F238E27FC236}">
+                <a16:creationId xmlns:a16="http://schemas.microsoft.com/office/drawing/2014/main" id="{7AFF2270-BE99-4CAD-9BFA-CAACAB4D7D70}"/>
+              </a:ext>
+            </a:extLst>
+          </p:cNvPr>
+          <p:cNvCxnSpPr>
+            <a:cxnSpLocks/>
+            <a:stCxn id="30" idx="0"/>
+            <a:endCxn id="2" idx="6"/>
+          </p:cNvCxnSpPr>
+          <p:nvPr/>
+        </p:nvCxnSpPr>
+        <p:spPr>
+          <a:xfrm rot="16200000" flipV="1">
+            <a:off x="5956385" y="485776"/>
+            <a:ext cx="245042" cy="1018641"/>
+          </a:xfrm>
+          <a:prstGeom prst="curvedConnector2">
+            <a:avLst/>
+          </a:prstGeom>
+          <a:ln>
+            <a:solidFill>
+              <a:schemeClr val="tx1"/>
+            </a:solidFill>
+            <a:headEnd type="arrow" w="med" len="med"/>
+            <a:tailEnd type="none" w="med" len="med"/>
+          </a:ln>
+        </p:spPr>
+        <p:style>
+          <a:lnRef idx="1">
+            <a:schemeClr val="accent1"/>
+          </a:lnRef>
+          <a:fillRef idx="0">
+            <a:schemeClr val="accent1"/>
+          </a:fillRef>
+          <a:effectRef idx="0">
+            <a:schemeClr val="accent1"/>
+          </a:effectRef>
+          <a:fontRef idx="minor">
+            <a:schemeClr val="tx1"/>
+          </a:fontRef>
+        </p:style>
+      </p:cxnSp>
+      <p:cxnSp>
+        <p:nvCxnSpPr>
+          <p:cNvPr id="15" name="연결선: 구부러짐 14">
+            <a:extLst>
+              <a:ext uri="{FF2B5EF4-FFF2-40B4-BE49-F238E27FC236}">
+                <a16:creationId xmlns:a16="http://schemas.microsoft.com/office/drawing/2014/main" id="{D1F2C6F9-B048-407F-AAE2-EE6B80B8BED8}"/>
+              </a:ext>
+            </a:extLst>
+          </p:cNvPr>
+          <p:cNvCxnSpPr>
+            <a:cxnSpLocks/>
+            <a:stCxn id="34" idx="0"/>
+            <a:endCxn id="30" idx="1"/>
+          </p:cNvCxnSpPr>
+          <p:nvPr/>
+        </p:nvCxnSpPr>
+        <p:spPr>
+          <a:xfrm rot="5400000" flipH="1" flipV="1">
+            <a:off x="4958965" y="749036"/>
+            <a:ext cx="336933" cy="1625444"/>
+          </a:xfrm>
+          <a:prstGeom prst="curvedConnector2">
+            <a:avLst/>
+          </a:prstGeom>
+          <a:ln>
+            <a:solidFill>
+              <a:schemeClr val="tx1"/>
+            </a:solidFill>
+            <a:headEnd type="arrow" w="med" len="med"/>
+            <a:tailEnd type="none" w="med" len="med"/>
+          </a:ln>
+        </p:spPr>
+        <p:style>
+          <a:lnRef idx="1">
+            <a:schemeClr val="accent1"/>
+          </a:lnRef>
+          <a:fillRef idx="0">
+            <a:schemeClr val="accent1"/>
+          </a:fillRef>
+          <a:effectRef idx="0">
+            <a:schemeClr val="accent1"/>
+          </a:effectRef>
+          <a:fontRef idx="minor">
+            <a:schemeClr val="tx1"/>
+          </a:fontRef>
+        </p:style>
+      </p:cxnSp>
+      <p:cxnSp>
+        <p:nvCxnSpPr>
+          <p:cNvPr id="18" name="연결선: 구부러짐 17">
+            <a:extLst>
+              <a:ext uri="{FF2B5EF4-FFF2-40B4-BE49-F238E27FC236}">
+                <a16:creationId xmlns:a16="http://schemas.microsoft.com/office/drawing/2014/main" id="{5360AFB8-3823-40B5-9A9F-F105E10A6E85}"/>
+              </a:ext>
+            </a:extLst>
+          </p:cNvPr>
+          <p:cNvCxnSpPr>
+            <a:cxnSpLocks/>
+            <a:stCxn id="31" idx="1"/>
+            <a:endCxn id="34" idx="4"/>
+          </p:cNvCxnSpPr>
+          <p:nvPr/>
+        </p:nvCxnSpPr>
+        <p:spPr>
+          <a:xfrm rot="10800000">
+            <a:off x="4314709" y="2220308"/>
+            <a:ext cx="1625444" cy="398194"/>
+          </a:xfrm>
+          <a:prstGeom prst="curvedConnector2">
+            <a:avLst/>
+          </a:prstGeom>
+          <a:ln>
+            <a:solidFill>
+              <a:schemeClr val="tx1"/>
+            </a:solidFill>
+            <a:headEnd type="arrow" w="med" len="med"/>
+            <a:tailEnd type="none" w="med" len="med"/>
+          </a:ln>
+        </p:spPr>
+        <p:style>
+          <a:lnRef idx="1">
+            <a:schemeClr val="accent1"/>
+          </a:lnRef>
+          <a:fillRef idx="0">
+            <a:schemeClr val="accent1"/>
+          </a:fillRef>
+          <a:effectRef idx="0">
+            <a:schemeClr val="accent1"/>
+          </a:effectRef>
+          <a:fontRef idx="minor">
+            <a:schemeClr val="tx1"/>
+          </a:fontRef>
+        </p:style>
+      </p:cxnSp>
+      <p:cxnSp>
+        <p:nvCxnSpPr>
+          <p:cNvPr id="21" name="연결선: 구부러짐 20">
+            <a:extLst>
+              <a:ext uri="{FF2B5EF4-FFF2-40B4-BE49-F238E27FC236}">
+                <a16:creationId xmlns:a16="http://schemas.microsoft.com/office/drawing/2014/main" id="{0B0912A2-2C33-4BA2-94B1-3B91BB2E1FF9}"/>
+              </a:ext>
+            </a:extLst>
+          </p:cNvPr>
+          <p:cNvCxnSpPr>
+            <a:cxnSpLocks/>
+            <a:stCxn id="35" idx="0"/>
+            <a:endCxn id="31" idx="1"/>
+          </p:cNvCxnSpPr>
+          <p:nvPr/>
+        </p:nvCxnSpPr>
+        <p:spPr>
+          <a:xfrm rot="5400000" flipH="1" flipV="1">
+            <a:off x="4928335" y="2004877"/>
+            <a:ext cx="398193" cy="1625444"/>
+          </a:xfrm>
+          <a:prstGeom prst="curvedConnector2">
+            <a:avLst/>
+          </a:prstGeom>
+          <a:ln>
+            <a:solidFill>
+              <a:schemeClr val="tx1"/>
+            </a:solidFill>
+            <a:headEnd type="arrow" w="med" len="med"/>
+            <a:tailEnd type="none" w="med" len="med"/>
+          </a:ln>
+        </p:spPr>
+        <p:style>
+          <a:lnRef idx="1">
+            <a:schemeClr val="accent1"/>
+          </a:lnRef>
+          <a:fillRef idx="0">
+            <a:schemeClr val="accent1"/>
+          </a:fillRef>
+          <a:effectRef idx="0">
+            <a:schemeClr val="accent1"/>
+          </a:effectRef>
+          <a:fontRef idx="minor">
+            <a:schemeClr val="tx1"/>
+          </a:fontRef>
+        </p:style>
+      </p:cxnSp>
+      <p:cxnSp>
+        <p:nvCxnSpPr>
+          <p:cNvPr id="24" name="연결선: 구부러짐 23">
+            <a:extLst>
+              <a:ext uri="{FF2B5EF4-FFF2-40B4-BE49-F238E27FC236}">
+                <a16:creationId xmlns:a16="http://schemas.microsoft.com/office/drawing/2014/main" id="{89FCE147-7CEB-4445-BE9E-8774ED113556}"/>
+              </a:ext>
+            </a:extLst>
+          </p:cNvPr>
+          <p:cNvCxnSpPr>
+            <a:cxnSpLocks/>
+            <a:stCxn id="32" idx="1"/>
+            <a:endCxn id="35" idx="4"/>
+          </p:cNvCxnSpPr>
+          <p:nvPr/>
+        </p:nvCxnSpPr>
+        <p:spPr>
+          <a:xfrm rot="10800000">
+            <a:off x="4314709" y="3506779"/>
+            <a:ext cx="1625444" cy="336934"/>
+          </a:xfrm>
+          <a:prstGeom prst="curvedConnector2">
+            <a:avLst/>
+          </a:prstGeom>
+          <a:ln>
+            <a:solidFill>
+              <a:schemeClr val="tx1"/>
+            </a:solidFill>
+            <a:headEnd type="arrow" w="med" len="med"/>
+            <a:tailEnd type="none" w="med" len="med"/>
+          </a:ln>
+        </p:spPr>
+        <p:style>
+          <a:lnRef idx="1">
+            <a:schemeClr val="accent1"/>
+          </a:lnRef>
+          <a:fillRef idx="0">
+            <a:schemeClr val="accent1"/>
+          </a:fillRef>
+          <a:effectRef idx="0">
+            <a:schemeClr val="accent1"/>
+          </a:effectRef>
+          <a:fontRef idx="minor">
+            <a:schemeClr val="tx1"/>
+          </a:fontRef>
+        </p:style>
+      </p:cxnSp>
+      <p:cxnSp>
+        <p:nvCxnSpPr>
+          <p:cNvPr id="29" name="연결선: 구부러짐 28">
+            <a:extLst>
+              <a:ext uri="{FF2B5EF4-FFF2-40B4-BE49-F238E27FC236}">
+                <a16:creationId xmlns:a16="http://schemas.microsoft.com/office/drawing/2014/main" id="{E4EE9D5D-DF30-4062-B95F-AE7A1269BC1D}"/>
+              </a:ext>
+            </a:extLst>
+          </p:cNvPr>
+          <p:cNvCxnSpPr>
+            <a:cxnSpLocks/>
+            <a:stCxn id="36" idx="0"/>
+            <a:endCxn id="32" idx="1"/>
+          </p:cNvCxnSpPr>
+          <p:nvPr/>
+        </p:nvCxnSpPr>
+        <p:spPr>
+          <a:xfrm rot="5400000" flipH="1" flipV="1">
+            <a:off x="4928335" y="3230088"/>
+            <a:ext cx="398193" cy="1625444"/>
+          </a:xfrm>
+          <a:prstGeom prst="curvedConnector2">
+            <a:avLst/>
+          </a:prstGeom>
+          <a:ln>
+            <a:solidFill>
+              <a:schemeClr val="tx1"/>
+            </a:solidFill>
+            <a:headEnd type="arrow" w="med" len="med"/>
+            <a:tailEnd type="none" w="med" len="med"/>
+          </a:ln>
+        </p:spPr>
+        <p:style>
+          <a:lnRef idx="1">
+            <a:schemeClr val="accent1"/>
+          </a:lnRef>
+          <a:fillRef idx="0">
+            <a:schemeClr val="accent1"/>
+          </a:fillRef>
+          <a:effectRef idx="0">
+            <a:schemeClr val="accent1"/>
+          </a:effectRef>
+          <a:fontRef idx="minor">
+            <a:schemeClr val="tx1"/>
+          </a:fontRef>
+        </p:style>
+      </p:cxnSp>
+      <p:cxnSp>
+        <p:nvCxnSpPr>
+          <p:cNvPr id="33" name="연결선: 구부러짐 32">
+            <a:extLst>
+              <a:ext uri="{FF2B5EF4-FFF2-40B4-BE49-F238E27FC236}">
+                <a16:creationId xmlns:a16="http://schemas.microsoft.com/office/drawing/2014/main" id="{30807523-6E8A-48AE-B2A0-FB8ED37C6250}"/>
+              </a:ext>
+            </a:extLst>
+          </p:cNvPr>
+          <p:cNvCxnSpPr>
+            <a:cxnSpLocks/>
+            <a:stCxn id="28" idx="2"/>
+            <a:endCxn id="36" idx="2"/>
+          </p:cNvCxnSpPr>
+          <p:nvPr/>
+        </p:nvCxnSpPr>
+        <p:spPr>
+          <a:xfrm rot="16200000" flipH="1">
+            <a:off x="1759389" y="3186505"/>
+            <a:ext cx="1592774" cy="1008111"/>
+          </a:xfrm>
+          <a:prstGeom prst="curvedConnector2">
+            <a:avLst/>
+          </a:prstGeom>
+          <a:ln>
+            <a:solidFill>
+              <a:schemeClr val="tx1"/>
+            </a:solidFill>
+            <a:headEnd type="arrow" w="med" len="med"/>
+            <a:tailEnd type="none" w="med" len="med"/>
+          </a:ln>
+        </p:spPr>
+        <p:style>
+          <a:lnRef idx="1">
+            <a:schemeClr val="accent1"/>
+          </a:lnRef>
+          <a:fillRef idx="0">
+            <a:schemeClr val="accent1"/>
+          </a:fillRef>
+          <a:effectRef idx="0">
+            <a:schemeClr val="accent1"/>
+          </a:effectRef>
+          <a:fontRef idx="minor">
+            <a:schemeClr val="tx1"/>
+          </a:fontRef>
+        </p:style>
+      </p:cxnSp>
+    </p:spTree>
+    <p:extLst>
+      <p:ext uri="{BB962C8B-B14F-4D97-AF65-F5344CB8AC3E}">
+        <p14:creationId xmlns:p14="http://schemas.microsoft.com/office/powerpoint/2010/main" val="1001323456"/>
+      </p:ext>
+    </p:extLst>
+  </p:cSld>
+  <p:clrMapOvr>
+    <a:masterClrMapping/>
+  </p:clrMapOvr>
+</p:sld>
+</file>
+
+<file path=ppt/slides/slide11.xml><?xml version="1.0" encoding="utf-8"?>
+<p:sld xmlns:a="http://schemas.openxmlformats.org/drawingml/2006/main" xmlns:r="http://schemas.openxmlformats.org/officeDocument/2006/relationships" xmlns:p="http://schemas.openxmlformats.org/presentationml/2006/main">
+  <p:cSld>
+    <p:spTree>
+      <p:nvGrpSpPr>
+        <p:cNvPr id="1" name=""/>
+        <p:cNvGrpSpPr/>
+        <p:nvPr/>
+      </p:nvGrpSpPr>
+      <p:grpSpPr>
+        <a:xfrm>
+          <a:off x="0" y="0"/>
+          <a:ext cx="0" cy="0"/>
+          <a:chOff x="0" y="0"/>
+          <a:chExt cx="0" cy="0"/>
+        </a:xfrm>
+      </p:grpSpPr>
+      <p:sp>
+        <p:nvSpPr>
+          <p:cNvPr id="6" name="제목 1"/>
+          <p:cNvSpPr>
+            <a:spLocks noGrp="1"/>
+          </p:cNvSpPr>
+          <p:nvPr>
+            <p:ph type="title"/>
+          </p:nvPr>
+        </p:nvSpPr>
+        <p:spPr>
+          <a:xfrm>
+            <a:off x="457200" y="123478"/>
+            <a:ext cx="8229600" cy="857250"/>
+          </a:xfrm>
+        </p:spPr>
+        <p:txBody>
+          <a:bodyPr>
+            <a:normAutofit/>
+          </a:bodyPr>
+          <a:lstStyle/>
+          <a:p>
+            <a:r>
+              <a:rPr lang="en-US" altLang="ko-KR"/>
+              <a:t>Saga Chreography Failed </a:t>
+            </a:r>
+            <a:endParaRPr lang="ko-KR" altLang="en-US" dirty="0"/>
+          </a:p>
+        </p:txBody>
+      </p:sp>
+      <p:sp>
+        <p:nvSpPr>
+          <p:cNvPr id="28" name="사각형: 둥근 모서리 27">
+            <a:extLst>
+              <a:ext uri="{FF2B5EF4-FFF2-40B4-BE49-F238E27FC236}">
+                <a16:creationId xmlns:a16="http://schemas.microsoft.com/office/drawing/2014/main" id="{62030D78-4B7F-45C9-98B6-33E5E4A06C85}"/>
+              </a:ext>
+            </a:extLst>
+          </p:cNvPr>
+          <p:cNvSpPr/>
+          <p:nvPr/>
+        </p:nvSpPr>
+        <p:spPr>
+          <a:xfrm>
+            <a:off x="1403648" y="2275657"/>
+            <a:ext cx="1296146" cy="551345"/>
+          </a:xfrm>
+          <a:prstGeom prst="roundRect">
+            <a:avLst>
+              <a:gd name="adj" fmla="val 8201"/>
+            </a:avLst>
+          </a:prstGeom>
+        </p:spPr>
+        <p:style>
+          <a:lnRef idx="2">
+            <a:schemeClr val="dk1"/>
+          </a:lnRef>
+          <a:fillRef idx="1">
+            <a:schemeClr val="lt1"/>
+          </a:fillRef>
+          <a:effectRef idx="0">
+            <a:schemeClr val="dk1"/>
+          </a:effectRef>
+          <a:fontRef idx="minor">
+            <a:schemeClr val="dk1"/>
+          </a:fontRef>
+        </p:style>
+        <p:txBody>
+          <a:bodyPr rtlCol="0" anchor="ctr"/>
+          <a:lstStyle/>
+          <a:p>
+            <a:pPr algn="ctr"/>
+            <a:r>
+              <a:rPr lang="en-US" altLang="ko-KR" sz="1600"/>
+              <a:t>Order</a:t>
+            </a:r>
+          </a:p>
+          <a:p>
+            <a:pPr algn="ctr"/>
+            <a:r>
+              <a:rPr lang="en-US" altLang="ko-KR" sz="1600"/>
+              <a:t>Service</a:t>
+            </a:r>
+            <a:endParaRPr lang="ko-KR" altLang="en-US" sz="1600"/>
+          </a:p>
+        </p:txBody>
+      </p:sp>
+      <p:sp>
+        <p:nvSpPr>
+          <p:cNvPr id="30" name="사각형: 둥근 모서리 29">
+            <a:extLst>
+              <a:ext uri="{FF2B5EF4-FFF2-40B4-BE49-F238E27FC236}">
+                <a16:creationId xmlns:a16="http://schemas.microsoft.com/office/drawing/2014/main" id="{E6EFD59B-6009-4044-BD25-0B0A32083141}"/>
+              </a:ext>
+            </a:extLst>
+          </p:cNvPr>
+          <p:cNvSpPr/>
+          <p:nvPr/>
+        </p:nvSpPr>
+        <p:spPr>
+          <a:xfrm>
+            <a:off x="5940153" y="1693682"/>
+            <a:ext cx="1296146" cy="551345"/>
+          </a:xfrm>
+          <a:prstGeom prst="roundRect">
+            <a:avLst>
+              <a:gd name="adj" fmla="val 8201"/>
+            </a:avLst>
+          </a:prstGeom>
+        </p:spPr>
+        <p:style>
+          <a:lnRef idx="2">
+            <a:schemeClr val="dk1"/>
+          </a:lnRef>
+          <a:fillRef idx="1">
+            <a:schemeClr val="lt1"/>
+          </a:fillRef>
+          <a:effectRef idx="0">
+            <a:schemeClr val="dk1"/>
+          </a:effectRef>
+          <a:fontRef idx="minor">
+            <a:schemeClr val="dk1"/>
+          </a:fontRef>
+        </p:style>
+        <p:txBody>
+          <a:bodyPr rtlCol="0" anchor="ctr"/>
+          <a:lstStyle/>
+          <a:p>
+            <a:pPr algn="ctr"/>
+            <a:r>
+              <a:rPr lang="en-US" altLang="ko-KR" sz="1600"/>
+              <a:t>Payment</a:t>
+            </a:r>
+          </a:p>
+          <a:p>
+            <a:pPr algn="ctr"/>
+            <a:r>
+              <a:rPr lang="en-US" altLang="ko-KR" sz="1600"/>
+              <a:t>Service</a:t>
+            </a:r>
+            <a:endParaRPr lang="ko-KR" altLang="en-US" sz="1600"/>
+          </a:p>
+        </p:txBody>
+      </p:sp>
+      <p:sp>
+        <p:nvSpPr>
+          <p:cNvPr id="31" name="사각형: 둥근 모서리 30">
+            <a:extLst>
+              <a:ext uri="{FF2B5EF4-FFF2-40B4-BE49-F238E27FC236}">
+                <a16:creationId xmlns:a16="http://schemas.microsoft.com/office/drawing/2014/main" id="{BE9999F8-745A-4027-9710-23189E3F8AD1}"/>
+              </a:ext>
+            </a:extLst>
+          </p:cNvPr>
+          <p:cNvSpPr/>
+          <p:nvPr/>
+        </p:nvSpPr>
+        <p:spPr>
+          <a:xfrm>
+            <a:off x="5940153" y="2918893"/>
+            <a:ext cx="1296146" cy="551345"/>
+          </a:xfrm>
+          <a:prstGeom prst="roundRect">
+            <a:avLst>
+              <a:gd name="adj" fmla="val 8201"/>
+            </a:avLst>
+          </a:prstGeom>
+        </p:spPr>
+        <p:style>
+          <a:lnRef idx="2">
+            <a:schemeClr val="dk1"/>
+          </a:lnRef>
+          <a:fillRef idx="1">
+            <a:schemeClr val="lt1"/>
+          </a:fillRef>
+          <a:effectRef idx="0">
+            <a:schemeClr val="dk1"/>
+          </a:effectRef>
+          <a:fontRef idx="minor">
+            <a:schemeClr val="dk1"/>
+          </a:fontRef>
+        </p:style>
+        <p:txBody>
+          <a:bodyPr rtlCol="0" anchor="ctr"/>
+          <a:lstStyle/>
+          <a:p>
+            <a:pPr algn="ctr"/>
+            <a:r>
+              <a:rPr lang="en-US" altLang="ko-KR" sz="1600"/>
+              <a:t>Stock</a:t>
+            </a:r>
+          </a:p>
+          <a:p>
+            <a:pPr algn="ctr"/>
+            <a:r>
+              <a:rPr lang="en-US" altLang="ko-KR" sz="1600"/>
+              <a:t>Service</a:t>
+            </a:r>
+            <a:endParaRPr lang="ko-KR" altLang="en-US" sz="1600"/>
+          </a:p>
+        </p:txBody>
+      </p:sp>
+      <p:sp>
+        <p:nvSpPr>
+          <p:cNvPr id="2" name="타원 1">
+            <a:extLst>
+              <a:ext uri="{FF2B5EF4-FFF2-40B4-BE49-F238E27FC236}">
+                <a16:creationId xmlns:a16="http://schemas.microsoft.com/office/drawing/2014/main" id="{79FAAE09-E371-4E49-BDBA-CB73FE3EF24C}"/>
+              </a:ext>
+            </a:extLst>
+          </p:cNvPr>
+          <p:cNvSpPr/>
+          <p:nvPr/>
+        </p:nvSpPr>
+        <p:spPr>
+          <a:xfrm>
+            <a:off x="3059832" y="1203598"/>
+            <a:ext cx="2509753" cy="490084"/>
+          </a:xfrm>
+          <a:prstGeom prst="ellipse">
+            <a:avLst/>
+          </a:prstGeom>
+        </p:spPr>
+        <p:style>
+          <a:lnRef idx="2">
+            <a:schemeClr val="dk1"/>
+          </a:lnRef>
+          <a:fillRef idx="1">
+            <a:schemeClr val="lt1"/>
+          </a:fillRef>
+          <a:effectRef idx="0">
+            <a:schemeClr val="dk1"/>
+          </a:effectRef>
+          <a:fontRef idx="minor">
+            <a:schemeClr val="dk1"/>
+          </a:fontRef>
+        </p:style>
+        <p:txBody>
+          <a:bodyPr rtlCol="0" anchor="ctr"/>
+          <a:lstStyle/>
+          <a:p>
+            <a:pPr algn="ctr"/>
+            <a:r>
+              <a:rPr lang="en-US" altLang="ko-KR" sz="1400"/>
+              <a:t>ORDER_CREATED Event</a:t>
+            </a:r>
+            <a:endParaRPr lang="ko-KR" altLang="en-US" sz="1400"/>
+          </a:p>
+        </p:txBody>
+      </p:sp>
+      <p:sp>
+        <p:nvSpPr>
+          <p:cNvPr id="34" name="타원 33">
+            <a:extLst>
+              <a:ext uri="{FF2B5EF4-FFF2-40B4-BE49-F238E27FC236}">
+                <a16:creationId xmlns:a16="http://schemas.microsoft.com/office/drawing/2014/main" id="{FD7C7981-888F-4168-856B-B00CC8F986E7}"/>
+              </a:ext>
+            </a:extLst>
+          </p:cNvPr>
+          <p:cNvSpPr/>
+          <p:nvPr/>
+        </p:nvSpPr>
+        <p:spPr>
+          <a:xfrm>
+            <a:off x="3059832" y="2306288"/>
+            <a:ext cx="2509753" cy="490084"/>
+          </a:xfrm>
+          <a:prstGeom prst="ellipse">
+            <a:avLst/>
+          </a:prstGeom>
+        </p:spPr>
+        <p:style>
+          <a:lnRef idx="2">
+            <a:schemeClr val="dk1"/>
+          </a:lnRef>
+          <a:fillRef idx="1">
+            <a:schemeClr val="lt1"/>
+          </a:fillRef>
+          <a:effectRef idx="0">
+            <a:schemeClr val="dk1"/>
+          </a:effectRef>
+          <a:fontRef idx="minor">
+            <a:schemeClr val="dk1"/>
+          </a:fontRef>
+        </p:style>
+        <p:txBody>
+          <a:bodyPr rtlCol="0" anchor="ctr"/>
+          <a:lstStyle/>
+          <a:p>
+            <a:pPr algn="ctr"/>
+            <a:r>
+              <a:rPr lang="en-US" altLang="ko-KR" sz="1400"/>
+              <a:t>BILLED_ORDER Event</a:t>
+            </a:r>
+            <a:endParaRPr lang="ko-KR" altLang="en-US" sz="1400"/>
+          </a:p>
+        </p:txBody>
+      </p:sp>
+      <p:sp>
+        <p:nvSpPr>
+          <p:cNvPr id="35" name="타원 34">
+            <a:extLst>
+              <a:ext uri="{FF2B5EF4-FFF2-40B4-BE49-F238E27FC236}">
+                <a16:creationId xmlns:a16="http://schemas.microsoft.com/office/drawing/2014/main" id="{D04B10BF-CE39-4BBB-9D32-2746F2AEB9E2}"/>
+              </a:ext>
+            </a:extLst>
+          </p:cNvPr>
+          <p:cNvSpPr/>
+          <p:nvPr/>
+        </p:nvSpPr>
+        <p:spPr>
+          <a:xfrm>
+            <a:off x="3059832" y="3592759"/>
+            <a:ext cx="2509753" cy="490084"/>
+          </a:xfrm>
+          <a:prstGeom prst="ellipse">
+            <a:avLst/>
+          </a:prstGeom>
+        </p:spPr>
+        <p:style>
+          <a:lnRef idx="2">
+            <a:schemeClr val="dk1"/>
+          </a:lnRef>
+          <a:fillRef idx="1">
+            <a:schemeClr val="lt1"/>
+          </a:fillRef>
+          <a:effectRef idx="0">
+            <a:schemeClr val="dk1"/>
+          </a:effectRef>
+          <a:fontRef idx="minor">
+            <a:schemeClr val="dk1"/>
+          </a:fontRef>
+        </p:style>
+        <p:txBody>
+          <a:bodyPr rtlCol="0" anchor="ctr"/>
+          <a:lstStyle/>
+          <a:p>
+            <a:pPr algn="ctr"/>
+            <a:r>
+              <a:rPr lang="en-US" altLang="ko-KR" sz="1400"/>
+              <a:t>OUT_OF_STOCK</a:t>
+            </a:r>
+          </a:p>
+          <a:p>
+            <a:pPr algn="ctr"/>
+            <a:r>
+              <a:rPr lang="en-US" altLang="ko-KR" sz="1400"/>
+              <a:t>Event</a:t>
+            </a:r>
+            <a:endParaRPr lang="ko-KR" altLang="en-US" sz="1400"/>
+          </a:p>
+        </p:txBody>
+      </p:sp>
+      <p:cxnSp>
+        <p:nvCxnSpPr>
+          <p:cNvPr id="27" name="연결선: 구부러짐 26">
+            <a:extLst>
+              <a:ext uri="{FF2B5EF4-FFF2-40B4-BE49-F238E27FC236}">
+                <a16:creationId xmlns:a16="http://schemas.microsoft.com/office/drawing/2014/main" id="{260045E1-765A-4600-AF01-654686C9C6C2}"/>
+              </a:ext>
+            </a:extLst>
+          </p:cNvPr>
+          <p:cNvCxnSpPr>
+            <a:stCxn id="2" idx="2"/>
+            <a:endCxn id="28" idx="0"/>
+          </p:cNvCxnSpPr>
+          <p:nvPr/>
+        </p:nvCxnSpPr>
+        <p:spPr>
+          <a:xfrm rot="10800000" flipV="1">
+            <a:off x="2051722" y="1448639"/>
+            <a:ext cx="1008111" cy="827017"/>
+          </a:xfrm>
+          <a:prstGeom prst="curvedConnector2">
+            <a:avLst/>
+          </a:prstGeom>
+          <a:ln>
+            <a:solidFill>
+              <a:schemeClr val="tx1"/>
+            </a:solidFill>
+            <a:headEnd type="arrow" w="med" len="med"/>
+            <a:tailEnd type="none" w="med" len="med"/>
+          </a:ln>
+        </p:spPr>
+        <p:style>
+          <a:lnRef idx="1">
+            <a:schemeClr val="accent1"/>
+          </a:lnRef>
+          <a:fillRef idx="0">
+            <a:schemeClr val="accent1"/>
+          </a:fillRef>
+          <a:effectRef idx="0">
+            <a:schemeClr val="accent1"/>
+          </a:effectRef>
+          <a:fontRef idx="minor">
+            <a:schemeClr val="tx1"/>
+          </a:fontRef>
+        </p:style>
+      </p:cxnSp>
+      <p:cxnSp>
+        <p:nvCxnSpPr>
+          <p:cNvPr id="12" name="연결선: 구부러짐 11">
+            <a:extLst>
+              <a:ext uri="{FF2B5EF4-FFF2-40B4-BE49-F238E27FC236}">
+                <a16:creationId xmlns:a16="http://schemas.microsoft.com/office/drawing/2014/main" id="{7AFF2270-BE99-4CAD-9BFA-CAACAB4D7D70}"/>
+              </a:ext>
+            </a:extLst>
+          </p:cNvPr>
+          <p:cNvCxnSpPr>
+            <a:cxnSpLocks/>
+            <a:stCxn id="30" idx="0"/>
+            <a:endCxn id="2" idx="6"/>
+          </p:cNvCxnSpPr>
+          <p:nvPr/>
+        </p:nvCxnSpPr>
+        <p:spPr>
+          <a:xfrm rot="16200000" flipV="1">
+            <a:off x="5956385" y="1061840"/>
+            <a:ext cx="245042" cy="1018641"/>
+          </a:xfrm>
+          <a:prstGeom prst="curvedConnector2">
+            <a:avLst/>
+          </a:prstGeom>
+          <a:ln>
+            <a:solidFill>
+              <a:schemeClr val="tx1"/>
+            </a:solidFill>
+            <a:headEnd type="arrow" w="med" len="med"/>
+            <a:tailEnd type="none" w="med" len="med"/>
+          </a:ln>
+        </p:spPr>
+        <p:style>
+          <a:lnRef idx="1">
+            <a:schemeClr val="accent1"/>
+          </a:lnRef>
+          <a:fillRef idx="0">
+            <a:schemeClr val="accent1"/>
+          </a:fillRef>
+          <a:effectRef idx="0">
+            <a:schemeClr val="accent1"/>
+          </a:effectRef>
+          <a:fontRef idx="minor">
+            <a:schemeClr val="tx1"/>
+          </a:fontRef>
+        </p:style>
+      </p:cxnSp>
+      <p:cxnSp>
+        <p:nvCxnSpPr>
+          <p:cNvPr id="15" name="연결선: 구부러짐 14">
+            <a:extLst>
+              <a:ext uri="{FF2B5EF4-FFF2-40B4-BE49-F238E27FC236}">
+                <a16:creationId xmlns:a16="http://schemas.microsoft.com/office/drawing/2014/main" id="{D1F2C6F9-B048-407F-AAE2-EE6B80B8BED8}"/>
+              </a:ext>
+            </a:extLst>
+          </p:cNvPr>
+          <p:cNvCxnSpPr>
+            <a:cxnSpLocks/>
+            <a:stCxn id="34" idx="0"/>
+            <a:endCxn id="30" idx="1"/>
+          </p:cNvCxnSpPr>
+          <p:nvPr/>
+        </p:nvCxnSpPr>
+        <p:spPr>
+          <a:xfrm rot="5400000" flipH="1" flipV="1">
+            <a:off x="4958965" y="1325100"/>
+            <a:ext cx="336933" cy="1625444"/>
+          </a:xfrm>
+          <a:prstGeom prst="curvedConnector2">
+            <a:avLst/>
+          </a:prstGeom>
+          <a:ln>
+            <a:solidFill>
+              <a:schemeClr val="tx1"/>
+            </a:solidFill>
+            <a:headEnd type="arrow" w="med" len="med"/>
+            <a:tailEnd type="none" w="med" len="med"/>
+          </a:ln>
+        </p:spPr>
+        <p:style>
+          <a:lnRef idx="1">
+            <a:schemeClr val="accent1"/>
+          </a:lnRef>
+          <a:fillRef idx="0">
+            <a:schemeClr val="accent1"/>
+          </a:fillRef>
+          <a:effectRef idx="0">
+            <a:schemeClr val="accent1"/>
+          </a:effectRef>
+          <a:fontRef idx="minor">
+            <a:schemeClr val="tx1"/>
+          </a:fontRef>
+        </p:style>
+      </p:cxnSp>
+      <p:cxnSp>
+        <p:nvCxnSpPr>
+          <p:cNvPr id="18" name="연결선: 구부러짐 17">
+            <a:extLst>
+              <a:ext uri="{FF2B5EF4-FFF2-40B4-BE49-F238E27FC236}">
+                <a16:creationId xmlns:a16="http://schemas.microsoft.com/office/drawing/2014/main" id="{5360AFB8-3823-40B5-9A9F-F105E10A6E85}"/>
+              </a:ext>
+            </a:extLst>
+          </p:cNvPr>
+          <p:cNvCxnSpPr>
+            <a:cxnSpLocks/>
+            <a:stCxn id="31" idx="1"/>
+            <a:endCxn id="34" idx="4"/>
+          </p:cNvCxnSpPr>
+          <p:nvPr/>
+        </p:nvCxnSpPr>
+        <p:spPr>
+          <a:xfrm rot="10800000">
+            <a:off x="4314709" y="2796372"/>
+            <a:ext cx="1625444" cy="398194"/>
+          </a:xfrm>
+          <a:prstGeom prst="curvedConnector2">
+            <a:avLst/>
+          </a:prstGeom>
+          <a:ln>
+            <a:solidFill>
+              <a:schemeClr val="tx1"/>
+            </a:solidFill>
+            <a:headEnd type="arrow" w="med" len="med"/>
+            <a:tailEnd type="none" w="med" len="med"/>
+          </a:ln>
+        </p:spPr>
+        <p:style>
+          <a:lnRef idx="1">
+            <a:schemeClr val="accent1"/>
+          </a:lnRef>
+          <a:fillRef idx="0">
+            <a:schemeClr val="accent1"/>
+          </a:fillRef>
+          <a:effectRef idx="0">
+            <a:schemeClr val="accent1"/>
+          </a:effectRef>
+          <a:fontRef idx="minor">
+            <a:schemeClr val="tx1"/>
+          </a:fontRef>
+        </p:style>
+      </p:cxnSp>
+      <p:cxnSp>
+        <p:nvCxnSpPr>
+          <p:cNvPr id="21" name="연결선: 구부러짐 20">
+            <a:extLst>
+              <a:ext uri="{FF2B5EF4-FFF2-40B4-BE49-F238E27FC236}">
+                <a16:creationId xmlns:a16="http://schemas.microsoft.com/office/drawing/2014/main" id="{0B0912A2-2C33-4BA2-94B1-3B91BB2E1FF9}"/>
+              </a:ext>
+            </a:extLst>
+          </p:cNvPr>
+          <p:cNvCxnSpPr>
+            <a:cxnSpLocks/>
+            <a:stCxn id="35" idx="0"/>
+            <a:endCxn id="31" idx="1"/>
+          </p:cNvCxnSpPr>
+          <p:nvPr/>
+        </p:nvCxnSpPr>
+        <p:spPr>
+          <a:xfrm rot="5400000" flipH="1" flipV="1">
+            <a:off x="4928335" y="2580941"/>
+            <a:ext cx="398193" cy="1625444"/>
+          </a:xfrm>
+          <a:prstGeom prst="curvedConnector2">
+            <a:avLst/>
+          </a:prstGeom>
+          <a:ln>
+            <a:solidFill>
+              <a:schemeClr val="tx1"/>
+            </a:solidFill>
+            <a:headEnd type="arrow" w="med" len="med"/>
+            <a:tailEnd type="none" w="med" len="med"/>
+          </a:ln>
+        </p:spPr>
+        <p:style>
+          <a:lnRef idx="1">
+            <a:schemeClr val="accent1"/>
+          </a:lnRef>
+          <a:fillRef idx="0">
+            <a:schemeClr val="accent1"/>
+          </a:fillRef>
+          <a:effectRef idx="0">
+            <a:schemeClr val="accent1"/>
+          </a:effectRef>
+          <a:fontRef idx="minor">
+            <a:schemeClr val="tx1"/>
+          </a:fontRef>
+        </p:style>
+      </p:cxnSp>
+      <p:cxnSp>
+        <p:nvCxnSpPr>
+          <p:cNvPr id="33" name="연결선: 구부러짐 32">
+            <a:extLst>
+              <a:ext uri="{FF2B5EF4-FFF2-40B4-BE49-F238E27FC236}">
+                <a16:creationId xmlns:a16="http://schemas.microsoft.com/office/drawing/2014/main" id="{30807523-6E8A-48AE-B2A0-FB8ED37C6250}"/>
+              </a:ext>
+            </a:extLst>
+          </p:cNvPr>
+          <p:cNvCxnSpPr>
+            <a:cxnSpLocks/>
+            <a:stCxn id="28" idx="2"/>
+            <a:endCxn id="35" idx="2"/>
+          </p:cNvCxnSpPr>
+          <p:nvPr/>
+        </p:nvCxnSpPr>
+        <p:spPr>
+          <a:xfrm rot="16200000" flipH="1">
+            <a:off x="2050377" y="2828345"/>
+            <a:ext cx="1010799" cy="1008111"/>
+          </a:xfrm>
+          <a:prstGeom prst="curvedConnector2">
+            <a:avLst/>
+          </a:prstGeom>
+          <a:ln>
+            <a:solidFill>
+              <a:srgbClr val="C00000"/>
+            </a:solidFill>
+            <a:headEnd type="arrow" w="med" len="med"/>
+            <a:tailEnd type="none" w="med" len="med"/>
+          </a:ln>
+        </p:spPr>
+        <p:style>
+          <a:lnRef idx="1">
+            <a:schemeClr val="accent1"/>
+          </a:lnRef>
+          <a:fillRef idx="0">
+            <a:schemeClr val="accent1"/>
+          </a:fillRef>
+          <a:effectRef idx="0">
+            <a:schemeClr val="accent1"/>
+          </a:effectRef>
+          <a:fontRef idx="minor">
+            <a:schemeClr val="tx1"/>
+          </a:fontRef>
+        </p:style>
+      </p:cxnSp>
+      <p:cxnSp>
+        <p:nvCxnSpPr>
+          <p:cNvPr id="22" name="연결선: 구부러짐 21">
+            <a:extLst>
+              <a:ext uri="{FF2B5EF4-FFF2-40B4-BE49-F238E27FC236}">
+                <a16:creationId xmlns:a16="http://schemas.microsoft.com/office/drawing/2014/main" id="{CA21792D-7E8E-46F0-8305-5D9B5D9A47F3}"/>
+              </a:ext>
+            </a:extLst>
+          </p:cNvPr>
+          <p:cNvCxnSpPr>
+            <a:cxnSpLocks/>
+            <a:stCxn id="30" idx="1"/>
+            <a:endCxn id="35" idx="6"/>
+          </p:cNvCxnSpPr>
+          <p:nvPr/>
+        </p:nvCxnSpPr>
+        <p:spPr>
+          <a:xfrm rot="10800000" flipV="1">
+            <a:off x="5569585" y="1969355"/>
+            <a:ext cx="370568" cy="1868446"/>
+          </a:xfrm>
+          <a:prstGeom prst="curvedConnector3">
+            <a:avLst>
+              <a:gd name="adj1" fmla="val 50000"/>
+            </a:avLst>
+          </a:prstGeom>
+          <a:ln>
+            <a:solidFill>
+              <a:srgbClr val="C00000"/>
+            </a:solidFill>
+            <a:headEnd type="arrow" w="med" len="med"/>
+            <a:tailEnd type="none" w="med" len="med"/>
+          </a:ln>
+        </p:spPr>
+        <p:style>
+          <a:lnRef idx="1">
+            <a:schemeClr val="accent1"/>
+          </a:lnRef>
+          <a:fillRef idx="0">
+            <a:schemeClr val="accent1"/>
+          </a:fillRef>
+          <a:effectRef idx="0">
+            <a:schemeClr val="accent1"/>
+          </a:effectRef>
+          <a:fontRef idx="minor">
+            <a:schemeClr val="tx1"/>
+          </a:fontRef>
+        </p:style>
+      </p:cxnSp>
+    </p:spTree>
+    <p:extLst>
+      <p:ext uri="{BB962C8B-B14F-4D97-AF65-F5344CB8AC3E}">
+        <p14:creationId xmlns:p14="http://schemas.microsoft.com/office/powerpoint/2010/main" val="2241184639"/>
+      </p:ext>
+    </p:extLst>
+  </p:cSld>
+  <p:clrMapOvr>
+    <a:masterClrMapping/>
+  </p:clrMapOvr>
+</p:sld>
+</file>
+
+<file path=ppt/slides/slide12.xml><?xml version="1.0" encoding="utf-8"?>
+<p:sld xmlns:a="http://schemas.openxmlformats.org/drawingml/2006/main" xmlns:r="http://schemas.openxmlformats.org/officeDocument/2006/relationships" xmlns:p="http://schemas.openxmlformats.org/presentationml/2006/main">
+  <p:cSld>
+    <p:spTree>
+      <p:nvGrpSpPr>
+        <p:cNvPr id="1" name=""/>
+        <p:cNvGrpSpPr/>
+        <p:nvPr/>
+      </p:nvGrpSpPr>
+      <p:grpSpPr>
+        <a:xfrm>
+          <a:off x="0" y="0"/>
+          <a:ext cx="0" cy="0"/>
+          <a:chOff x="0" y="0"/>
+          <a:chExt cx="0" cy="0"/>
+        </a:xfrm>
+      </p:grpSpPr>
+      <p:sp>
+        <p:nvSpPr>
+          <p:cNvPr id="6" name="제목 1"/>
+          <p:cNvSpPr>
+            <a:spLocks noGrp="1"/>
+          </p:cNvSpPr>
+          <p:nvPr>
+            <p:ph type="title"/>
+          </p:nvPr>
+        </p:nvSpPr>
+        <p:spPr>
+          <a:xfrm>
             <a:off x="457200" y="-20538"/>
             <a:ext cx="8229600" cy="857250"/>
           </a:xfrm>
@@ -5772,7 +7655,7 @@
 </p:sld>
 </file>
 
-<file path=ppt/slides/slide11.xml><?xml version="1.0" encoding="utf-8"?>
+<file path=ppt/slides/slide13.xml><?xml version="1.0" encoding="utf-8"?>
 <p:sld xmlns:a="http://schemas.openxmlformats.org/drawingml/2006/main" xmlns:r="http://schemas.openxmlformats.org/officeDocument/2006/relationships" xmlns:p="http://schemas.openxmlformats.org/presentationml/2006/main">
   <p:cSld>
     <p:spTree>
@@ -6986,7 +8869,7 @@
 </p:sld>
 </file>
 
-<file path=ppt/slides/slide12.xml><?xml version="1.0" encoding="utf-8"?>
+<file path=ppt/slides/slide14.xml><?xml version="1.0" encoding="utf-8"?>
 <p:sld xmlns:a="http://schemas.openxmlformats.org/drawingml/2006/main" xmlns:r="http://schemas.openxmlformats.org/officeDocument/2006/relationships" xmlns:p="http://schemas.openxmlformats.org/presentationml/2006/main">
   <p:cSld>
     <p:spTree>
@@ -8676,7 +10559,7 @@
 </p:sld>
 </file>
 
-<file path=ppt/slides/slide13.xml><?xml version="1.0" encoding="utf-8"?>
+<file path=ppt/slides/slide15.xml><?xml version="1.0" encoding="utf-8"?>
 <p:sld xmlns:a="http://schemas.openxmlformats.org/drawingml/2006/main" xmlns:r="http://schemas.openxmlformats.org/officeDocument/2006/relationships" xmlns:p="http://schemas.openxmlformats.org/presentationml/2006/main">
   <p:cSld>
     <p:spTree>
@@ -10631,7 +12514,7 @@
         </p:nvSpPr>
         <p:spPr>
           <a:xfrm>
-            <a:off x="457200" y="58316"/>
+            <a:off x="457200" y="130324"/>
             <a:ext cx="8229600" cy="857250"/>
           </a:xfrm>
         </p:spPr>
@@ -10663,7 +12546,7 @@
         </p:nvSpPr>
         <p:spPr>
           <a:xfrm>
-            <a:off x="1691680" y="2342829"/>
+            <a:off x="3311859" y="2342829"/>
             <a:ext cx="1296146" cy="551345"/>
           </a:xfrm>
           <a:prstGeom prst="roundRect">
@@ -10693,14 +12576,7 @@
             <a:pPr algn="ctr"/>
             <a:r>
               <a:rPr lang="en-US" altLang="ko-KR" sz="1400"/>
-              <a:t>Order</a:t>
-            </a:r>
-          </a:p>
-          <a:p>
-            <a:pPr algn="ctr"/>
-            <a:r>
-              <a:rPr lang="en-US" altLang="ko-KR" sz="1400"/>
-              <a:t>Service</a:t>
+              <a:t>Coondinator</a:t>
             </a:r>
             <a:endParaRPr lang="ko-KR" altLang="en-US" sz="1400"/>
           </a:p>
@@ -10877,24 +12753,271 @@
           </a:p>
         </p:txBody>
       </p:sp>
+      <p:grpSp>
+        <p:nvGrpSpPr>
+          <p:cNvPr id="2" name="그룹 1">
+            <a:extLst>
+              <a:ext uri="{FF2B5EF4-FFF2-40B4-BE49-F238E27FC236}">
+                <a16:creationId xmlns:a16="http://schemas.microsoft.com/office/drawing/2014/main" id="{24786D3E-CAB2-4F94-85F7-4EAB127F566E}"/>
+              </a:ext>
+            </a:extLst>
+          </p:cNvPr>
+          <p:cNvGrpSpPr/>
+          <p:nvPr/>
+        </p:nvGrpSpPr>
+        <p:grpSpPr>
+          <a:xfrm>
+            <a:off x="4608005" y="1347086"/>
+            <a:ext cx="828092" cy="2429580"/>
+            <a:chOff x="2987826" y="1347086"/>
+            <a:chExt cx="2448271" cy="2429580"/>
+          </a:xfrm>
+        </p:grpSpPr>
+        <p:cxnSp>
+          <p:nvCxnSpPr>
+            <p:cNvPr id="42" name="직선 화살표 연결선 41">
+              <a:extLst>
+                <a:ext uri="{FF2B5EF4-FFF2-40B4-BE49-F238E27FC236}">
+                  <a16:creationId xmlns:a16="http://schemas.microsoft.com/office/drawing/2014/main" id="{886ECD4C-23D5-495A-9680-CA0B10336405}"/>
+                </a:ext>
+              </a:extLst>
+            </p:cNvPr>
+            <p:cNvCxnSpPr>
+              <a:cxnSpLocks/>
+            </p:cNvCxnSpPr>
+            <p:nvPr/>
+          </p:nvCxnSpPr>
+          <p:spPr>
+            <a:xfrm flipV="1">
+              <a:off x="2987826" y="1464080"/>
+              <a:ext cx="2448271" cy="1225211"/>
+            </a:xfrm>
+            <a:prstGeom prst="straightConnector1">
+              <a:avLst/>
+            </a:prstGeom>
+            <a:ln>
+              <a:solidFill>
+                <a:schemeClr val="tx2"/>
+              </a:solidFill>
+              <a:headEnd type="none" w="med" len="med"/>
+              <a:tailEnd type="arrow" w="med" len="med"/>
+            </a:ln>
+          </p:spPr>
+          <p:style>
+            <a:lnRef idx="1">
+              <a:schemeClr val="accent1"/>
+            </a:lnRef>
+            <a:fillRef idx="0">
+              <a:schemeClr val="accent1"/>
+            </a:fillRef>
+            <a:effectRef idx="0">
+              <a:schemeClr val="accent1"/>
+            </a:effectRef>
+            <a:fontRef idx="minor">
+              <a:schemeClr val="tx1"/>
+            </a:fontRef>
+          </p:style>
+        </p:cxnSp>
+        <p:cxnSp>
+          <p:nvCxnSpPr>
+            <p:cNvPr id="44" name="직선 화살표 연결선 43">
+              <a:extLst>
+                <a:ext uri="{FF2B5EF4-FFF2-40B4-BE49-F238E27FC236}">
+                  <a16:creationId xmlns:a16="http://schemas.microsoft.com/office/drawing/2014/main" id="{F9ACFD16-B65B-4C0D-9F93-F98D8C1A45FA}"/>
+                </a:ext>
+              </a:extLst>
+            </p:cNvPr>
+            <p:cNvCxnSpPr>
+              <a:cxnSpLocks/>
+            </p:cNvCxnSpPr>
+            <p:nvPr/>
+          </p:nvCxnSpPr>
+          <p:spPr>
+            <a:xfrm>
+              <a:off x="2987826" y="2689291"/>
+              <a:ext cx="2448271" cy="0"/>
+            </a:xfrm>
+            <a:prstGeom prst="straightConnector1">
+              <a:avLst/>
+            </a:prstGeom>
+            <a:ln>
+              <a:solidFill>
+                <a:schemeClr val="tx2"/>
+              </a:solidFill>
+              <a:headEnd type="none" w="med" len="med"/>
+              <a:tailEnd type="arrow" w="med" len="med"/>
+            </a:ln>
+          </p:spPr>
+          <p:style>
+            <a:lnRef idx="1">
+              <a:schemeClr val="accent1"/>
+            </a:lnRef>
+            <a:fillRef idx="0">
+              <a:schemeClr val="accent1"/>
+            </a:fillRef>
+            <a:effectRef idx="0">
+              <a:schemeClr val="accent1"/>
+            </a:effectRef>
+            <a:fontRef idx="minor">
+              <a:schemeClr val="tx1"/>
+            </a:fontRef>
+          </p:style>
+        </p:cxnSp>
+        <p:cxnSp>
+          <p:nvCxnSpPr>
+            <p:cNvPr id="53" name="직선 화살표 연결선 52">
+              <a:extLst>
+                <a:ext uri="{FF2B5EF4-FFF2-40B4-BE49-F238E27FC236}">
+                  <a16:creationId xmlns:a16="http://schemas.microsoft.com/office/drawing/2014/main" id="{EC93C3B7-BA77-43B4-A3BD-ACEAE52DE7FE}"/>
+                </a:ext>
+              </a:extLst>
+            </p:cNvPr>
+            <p:cNvCxnSpPr>
+              <a:cxnSpLocks/>
+            </p:cNvCxnSpPr>
+            <p:nvPr/>
+          </p:nvCxnSpPr>
+          <p:spPr>
+            <a:xfrm flipV="1">
+              <a:off x="2987826" y="1347086"/>
+              <a:ext cx="2448271" cy="1225211"/>
+            </a:xfrm>
+            <a:prstGeom prst="straightConnector1">
+              <a:avLst/>
+            </a:prstGeom>
+            <a:ln>
+              <a:solidFill>
+                <a:srgbClr val="C00000"/>
+              </a:solidFill>
+              <a:headEnd type="none" w="med" len="med"/>
+              <a:tailEnd type="arrow" w="med" len="med"/>
+            </a:ln>
+          </p:spPr>
+          <p:style>
+            <a:lnRef idx="1">
+              <a:schemeClr val="accent1"/>
+            </a:lnRef>
+            <a:fillRef idx="0">
+              <a:schemeClr val="accent1"/>
+            </a:fillRef>
+            <a:effectRef idx="0">
+              <a:schemeClr val="accent1"/>
+            </a:effectRef>
+            <a:fontRef idx="minor">
+              <a:schemeClr val="tx1"/>
+            </a:fontRef>
+          </p:style>
+        </p:cxnSp>
+        <p:cxnSp>
+          <p:nvCxnSpPr>
+            <p:cNvPr id="54" name="직선 화살표 연결선 53">
+              <a:extLst>
+                <a:ext uri="{FF2B5EF4-FFF2-40B4-BE49-F238E27FC236}">
+                  <a16:creationId xmlns:a16="http://schemas.microsoft.com/office/drawing/2014/main" id="{5CB6F84B-B5C7-4DBA-960D-FC948014E1C3}"/>
+                </a:ext>
+              </a:extLst>
+            </p:cNvPr>
+            <p:cNvCxnSpPr>
+              <a:cxnSpLocks/>
+            </p:cNvCxnSpPr>
+            <p:nvPr/>
+          </p:nvCxnSpPr>
+          <p:spPr>
+            <a:xfrm>
+              <a:off x="2987826" y="2569122"/>
+              <a:ext cx="2448271" cy="0"/>
+            </a:xfrm>
+            <a:prstGeom prst="straightConnector1">
+              <a:avLst/>
+            </a:prstGeom>
+            <a:ln>
+              <a:solidFill>
+                <a:srgbClr val="C00000"/>
+              </a:solidFill>
+              <a:headEnd type="none" w="med" len="med"/>
+              <a:tailEnd type="arrow" w="med" len="med"/>
+            </a:ln>
+          </p:spPr>
+          <p:style>
+            <a:lnRef idx="1">
+              <a:schemeClr val="accent1"/>
+            </a:lnRef>
+            <a:fillRef idx="0">
+              <a:schemeClr val="accent1"/>
+            </a:fillRef>
+            <a:effectRef idx="0">
+              <a:schemeClr val="accent1"/>
+            </a:effectRef>
+            <a:fontRef idx="minor">
+              <a:schemeClr val="tx1"/>
+            </a:fontRef>
+          </p:style>
+        </p:cxnSp>
+        <p:cxnSp>
+          <p:nvCxnSpPr>
+            <p:cNvPr id="55" name="직선 화살표 연결선 54">
+              <a:extLst>
+                <a:ext uri="{FF2B5EF4-FFF2-40B4-BE49-F238E27FC236}">
+                  <a16:creationId xmlns:a16="http://schemas.microsoft.com/office/drawing/2014/main" id="{62A30C44-6247-4600-928F-3CAD0D6EF2DD}"/>
+                </a:ext>
+              </a:extLst>
+            </p:cNvPr>
+            <p:cNvCxnSpPr>
+              <a:cxnSpLocks/>
+            </p:cNvCxnSpPr>
+            <p:nvPr/>
+          </p:nvCxnSpPr>
+          <p:spPr>
+            <a:xfrm>
+              <a:off x="2987826" y="2551455"/>
+              <a:ext cx="2448271" cy="1225211"/>
+            </a:xfrm>
+            <a:prstGeom prst="straightConnector1">
+              <a:avLst/>
+            </a:prstGeom>
+            <a:ln>
+              <a:solidFill>
+                <a:srgbClr val="C00000"/>
+              </a:solidFill>
+              <a:headEnd type="none" w="med" len="med"/>
+              <a:tailEnd type="arrow" w="med" len="med"/>
+            </a:ln>
+          </p:spPr>
+          <p:style>
+            <a:lnRef idx="1">
+              <a:schemeClr val="accent1"/>
+            </a:lnRef>
+            <a:fillRef idx="0">
+              <a:schemeClr val="accent1"/>
+            </a:fillRef>
+            <a:effectRef idx="0">
+              <a:schemeClr val="accent1"/>
+            </a:effectRef>
+            <a:fontRef idx="minor">
+              <a:schemeClr val="tx1"/>
+            </a:fontRef>
+          </p:style>
+        </p:cxnSp>
+      </p:grpSp>
       <p:cxnSp>
         <p:nvCxnSpPr>
-          <p:cNvPr id="42" name="직선 화살표 연결선 41">
-            <a:extLst>
-              <a:ext uri="{FF2B5EF4-FFF2-40B4-BE49-F238E27FC236}">
-                <a16:creationId xmlns:a16="http://schemas.microsoft.com/office/drawing/2014/main" id="{886ECD4C-23D5-495A-9680-CA0B10336405}"/>
+          <p:cNvPr id="57" name="직선 화살표 연결선 56">
+            <a:extLst>
+              <a:ext uri="{FF2B5EF4-FFF2-40B4-BE49-F238E27FC236}">
+                <a16:creationId xmlns:a16="http://schemas.microsoft.com/office/drawing/2014/main" id="{1E2CD5D2-ACF6-490B-87A7-5E3F3BE62132}"/>
               </a:ext>
             </a:extLst>
           </p:cNvPr>
           <p:cNvCxnSpPr>
             <a:cxnSpLocks/>
+            <a:stCxn id="58" idx="3"/>
           </p:cNvCxnSpPr>
           <p:nvPr/>
         </p:nvCxnSpPr>
         <p:spPr>
-          <a:xfrm flipV="1">
-            <a:off x="2987826" y="1464080"/>
-            <a:ext cx="2448271" cy="1225211"/>
+          <a:xfrm>
+            <a:off x="2148437" y="3121993"/>
+            <a:ext cx="407339" cy="0"/>
           </a:xfrm>
           <a:prstGeom prst="straightConnector1">
             <a:avLst/>
@@ -10922,31 +13045,69 @@
           </a:fontRef>
         </p:style>
       </p:cxnSp>
+      <p:sp>
+        <p:nvSpPr>
+          <p:cNvPr id="58" name="TextBox 57">
+            <a:extLst>
+              <a:ext uri="{FF2B5EF4-FFF2-40B4-BE49-F238E27FC236}">
+                <a16:creationId xmlns:a16="http://schemas.microsoft.com/office/drawing/2014/main" id="{33FDFE07-B2E3-42F4-8315-C1CE4565603F}"/>
+              </a:ext>
+            </a:extLst>
+          </p:cNvPr>
+          <p:cNvSpPr txBox="1"/>
+          <p:nvPr/>
+        </p:nvSpPr>
+        <p:spPr>
+          <a:xfrm>
+            <a:off x="1320346" y="2983493"/>
+            <a:ext cx="828091" cy="276999"/>
+          </a:xfrm>
+          <a:prstGeom prst="rect">
+            <a:avLst/>
+          </a:prstGeom>
+          <a:noFill/>
+        </p:spPr>
+        <p:txBody>
+          <a:bodyPr wrap="square" rtlCol="0" anchor="ctr">
+            <a:spAutoFit/>
+          </a:bodyPr>
+          <a:lstStyle/>
+          <a:p>
+            <a:pPr algn="ctr"/>
+            <a:r>
+              <a:rPr lang="en-US" altLang="ko-KR" sz="1200"/>
+              <a:t>Prepare</a:t>
+            </a:r>
+            <a:endParaRPr lang="ko-KR" altLang="en-US" sz="1200"/>
+          </a:p>
+        </p:txBody>
+      </p:sp>
       <p:cxnSp>
         <p:nvCxnSpPr>
-          <p:cNvPr id="44" name="직선 화살표 연결선 43">
-            <a:extLst>
-              <a:ext uri="{FF2B5EF4-FFF2-40B4-BE49-F238E27FC236}">
-                <a16:creationId xmlns:a16="http://schemas.microsoft.com/office/drawing/2014/main" id="{F9ACFD16-B65B-4C0D-9F93-F98D8C1A45FA}"/>
+          <p:cNvPr id="63" name="직선 화살표 연결선 62">
+            <a:extLst>
+              <a:ext uri="{FF2B5EF4-FFF2-40B4-BE49-F238E27FC236}">
+                <a16:creationId xmlns:a16="http://schemas.microsoft.com/office/drawing/2014/main" id="{646F1A69-13D5-4BBC-A4E5-71EEF8A45201}"/>
               </a:ext>
             </a:extLst>
           </p:cNvPr>
           <p:cNvCxnSpPr>
             <a:cxnSpLocks/>
+            <a:stCxn id="64" idx="3"/>
           </p:cNvCxnSpPr>
           <p:nvPr/>
         </p:nvCxnSpPr>
         <p:spPr>
           <a:xfrm>
-            <a:off x="2987826" y="2689291"/>
-            <a:ext cx="2448271" cy="0"/>
+            <a:off x="2148437" y="3369355"/>
+            <a:ext cx="407339" cy="0"/>
           </a:xfrm>
           <a:prstGeom prst="straightConnector1">
             <a:avLst/>
           </a:prstGeom>
           <a:ln>
             <a:solidFill>
-              <a:srgbClr val="C00000"/>
+              <a:schemeClr val="tx2"/>
             </a:solidFill>
             <a:headEnd type="none" w="med" len="med"/>
             <a:tailEnd type="arrow" w="med" len="med"/>
@@ -10967,24 +13128,120 @@
           </a:fontRef>
         </p:style>
       </p:cxnSp>
+      <p:sp>
+        <p:nvSpPr>
+          <p:cNvPr id="64" name="TextBox 63">
+            <a:extLst>
+              <a:ext uri="{FF2B5EF4-FFF2-40B4-BE49-F238E27FC236}">
+                <a16:creationId xmlns:a16="http://schemas.microsoft.com/office/drawing/2014/main" id="{077B8717-EC4A-4AFF-B6B3-E9770D9E2AC1}"/>
+              </a:ext>
+            </a:extLst>
+          </p:cNvPr>
+          <p:cNvSpPr txBox="1"/>
+          <p:nvPr/>
+        </p:nvSpPr>
+        <p:spPr>
+          <a:xfrm>
+            <a:off x="1320346" y="3230855"/>
+            <a:ext cx="828091" cy="276999"/>
+          </a:xfrm>
+          <a:prstGeom prst="rect">
+            <a:avLst/>
+          </a:prstGeom>
+          <a:noFill/>
+        </p:spPr>
+        <p:txBody>
+          <a:bodyPr wrap="square" rtlCol="0" anchor="ctr">
+            <a:spAutoFit/>
+          </a:bodyPr>
+          <a:lstStyle/>
+          <a:p>
+            <a:pPr algn="ctr"/>
+            <a:r>
+              <a:rPr lang="en-US" altLang="ko-KR" sz="1200"/>
+              <a:t>Commit</a:t>
+            </a:r>
+            <a:endParaRPr lang="ko-KR" altLang="en-US" sz="1200"/>
+          </a:p>
+        </p:txBody>
+      </p:sp>
+      <p:sp>
+        <p:nvSpPr>
+          <p:cNvPr id="19" name="사각형: 둥근 모서리 18">
+            <a:extLst>
+              <a:ext uri="{FF2B5EF4-FFF2-40B4-BE49-F238E27FC236}">
+                <a16:creationId xmlns:a16="http://schemas.microsoft.com/office/drawing/2014/main" id="{0043287A-F963-4EA0-B42A-53FC6D0AA9C1}"/>
+              </a:ext>
+            </a:extLst>
+          </p:cNvPr>
+          <p:cNvSpPr/>
+          <p:nvPr/>
+        </p:nvSpPr>
+        <p:spPr>
+          <a:xfrm>
+            <a:off x="1259632" y="2342829"/>
+            <a:ext cx="1296146" cy="551345"/>
+          </a:xfrm>
+          <a:prstGeom prst="roundRect">
+            <a:avLst>
+              <a:gd name="adj" fmla="val 8201"/>
+            </a:avLst>
+          </a:prstGeom>
+        </p:spPr>
+        <p:style>
+          <a:lnRef idx="2">
+            <a:schemeClr val="dk1"/>
+          </a:lnRef>
+          <a:fillRef idx="1">
+            <a:schemeClr val="lt1"/>
+          </a:fillRef>
+          <a:effectRef idx="0">
+            <a:schemeClr val="dk1"/>
+          </a:effectRef>
+          <a:fontRef idx="minor">
+            <a:schemeClr val="dk1"/>
+          </a:fontRef>
+        </p:style>
+        <p:txBody>
+          <a:bodyPr rtlCol="0" anchor="ctr"/>
+          <a:lstStyle/>
+          <a:p>
+            <a:pPr algn="ctr"/>
+            <a:r>
+              <a:rPr lang="en-US" altLang="ko-KR" sz="1400"/>
+              <a:t>Order</a:t>
+            </a:r>
+          </a:p>
+          <a:p>
+            <a:pPr algn="ctr"/>
+            <a:r>
+              <a:rPr lang="en-US" altLang="ko-KR" sz="1400"/>
+              <a:t>Service</a:t>
+            </a:r>
+            <a:endParaRPr lang="ko-KR" altLang="en-US" sz="1400"/>
+          </a:p>
+        </p:txBody>
+      </p:sp>
       <p:cxnSp>
         <p:nvCxnSpPr>
-          <p:cNvPr id="53" name="직선 화살표 연결선 52">
-            <a:extLst>
-              <a:ext uri="{FF2B5EF4-FFF2-40B4-BE49-F238E27FC236}">
-                <a16:creationId xmlns:a16="http://schemas.microsoft.com/office/drawing/2014/main" id="{EC93C3B7-BA77-43B4-A3BD-ACEAE52DE7FE}"/>
+          <p:cNvPr id="21" name="직선 화살표 연결선 20">
+            <a:extLst>
+              <a:ext uri="{FF2B5EF4-FFF2-40B4-BE49-F238E27FC236}">
+                <a16:creationId xmlns:a16="http://schemas.microsoft.com/office/drawing/2014/main" id="{6E8722DE-390F-4DF1-B986-59A33E965AC5}"/>
               </a:ext>
             </a:extLst>
           </p:cNvPr>
           <p:cNvCxnSpPr>
             <a:cxnSpLocks/>
+            <a:stCxn id="19" idx="3"/>
+            <a:endCxn id="28" idx="1"/>
           </p:cNvCxnSpPr>
           <p:nvPr/>
         </p:nvCxnSpPr>
         <p:spPr>
-          <a:xfrm flipV="1">
-            <a:off x="2987826" y="1347086"/>
-            <a:ext cx="2448271" cy="1225211"/>
+          <a:xfrm>
+            <a:off x="2555778" y="2618502"/>
+            <a:ext cx="756081" cy="0"/>
           </a:xfrm>
           <a:prstGeom prst="straightConnector1">
             <a:avLst/>
@@ -11012,266 +13269,10 @@
           </a:fontRef>
         </p:style>
       </p:cxnSp>
-      <p:cxnSp>
-        <p:nvCxnSpPr>
-          <p:cNvPr id="54" name="직선 화살표 연결선 53">
-            <a:extLst>
-              <a:ext uri="{FF2B5EF4-FFF2-40B4-BE49-F238E27FC236}">
-                <a16:creationId xmlns:a16="http://schemas.microsoft.com/office/drawing/2014/main" id="{5CB6F84B-B5C7-4DBA-960D-FC948014E1C3}"/>
-              </a:ext>
-            </a:extLst>
-          </p:cNvPr>
-          <p:cNvCxnSpPr>
-            <a:cxnSpLocks/>
-          </p:cNvCxnSpPr>
-          <p:nvPr/>
-        </p:nvCxnSpPr>
-        <p:spPr>
-          <a:xfrm>
-            <a:off x="2987826" y="2569122"/>
-            <a:ext cx="2448271" cy="0"/>
-          </a:xfrm>
-          <a:prstGeom prst="straightConnector1">
-            <a:avLst/>
-          </a:prstGeom>
-          <a:ln>
-            <a:solidFill>
-              <a:schemeClr val="tx1"/>
-            </a:solidFill>
-            <a:headEnd type="none" w="med" len="med"/>
-            <a:tailEnd type="arrow" w="med" len="med"/>
-          </a:ln>
-        </p:spPr>
-        <p:style>
-          <a:lnRef idx="1">
-            <a:schemeClr val="accent1"/>
-          </a:lnRef>
-          <a:fillRef idx="0">
-            <a:schemeClr val="accent1"/>
-          </a:fillRef>
-          <a:effectRef idx="0">
-            <a:schemeClr val="accent1"/>
-          </a:effectRef>
-          <a:fontRef idx="minor">
-            <a:schemeClr val="tx1"/>
-          </a:fontRef>
-        </p:style>
-      </p:cxnSp>
-      <p:cxnSp>
-        <p:nvCxnSpPr>
-          <p:cNvPr id="55" name="직선 화살표 연결선 54">
-            <a:extLst>
-              <a:ext uri="{FF2B5EF4-FFF2-40B4-BE49-F238E27FC236}">
-                <a16:creationId xmlns:a16="http://schemas.microsoft.com/office/drawing/2014/main" id="{62A30C44-6247-4600-928F-3CAD0D6EF2DD}"/>
-              </a:ext>
-            </a:extLst>
-          </p:cNvPr>
-          <p:cNvCxnSpPr>
-            <a:cxnSpLocks/>
-          </p:cNvCxnSpPr>
-          <p:nvPr/>
-        </p:nvCxnSpPr>
-        <p:spPr>
-          <a:xfrm>
-            <a:off x="2987826" y="2551455"/>
-            <a:ext cx="2198898" cy="1100415"/>
-          </a:xfrm>
-          <a:prstGeom prst="straightConnector1">
-            <a:avLst/>
-          </a:prstGeom>
-          <a:ln>
-            <a:solidFill>
-              <a:schemeClr val="tx1"/>
-            </a:solidFill>
-            <a:headEnd type="none" w="med" len="med"/>
-            <a:tailEnd type="arrow" w="med" len="med"/>
-          </a:ln>
-        </p:spPr>
-        <p:style>
-          <a:lnRef idx="1">
-            <a:schemeClr val="accent1"/>
-          </a:lnRef>
-          <a:fillRef idx="0">
-            <a:schemeClr val="accent1"/>
-          </a:fillRef>
-          <a:effectRef idx="0">
-            <a:schemeClr val="accent1"/>
-          </a:effectRef>
-          <a:fontRef idx="minor">
-            <a:schemeClr val="tx1"/>
-          </a:fontRef>
-        </p:style>
-      </p:cxnSp>
-      <p:cxnSp>
-        <p:nvCxnSpPr>
-          <p:cNvPr id="57" name="직선 화살표 연결선 56">
-            <a:extLst>
-              <a:ext uri="{FF2B5EF4-FFF2-40B4-BE49-F238E27FC236}">
-                <a16:creationId xmlns:a16="http://schemas.microsoft.com/office/drawing/2014/main" id="{1E2CD5D2-ACF6-490B-87A7-5E3F3BE62132}"/>
-              </a:ext>
-            </a:extLst>
-          </p:cNvPr>
-          <p:cNvCxnSpPr>
-            <a:cxnSpLocks/>
-            <a:stCxn id="58" idx="3"/>
-          </p:cNvCxnSpPr>
-          <p:nvPr/>
-        </p:nvCxnSpPr>
-        <p:spPr>
-          <a:xfrm>
-            <a:off x="2518903" y="3176325"/>
-            <a:ext cx="407339" cy="0"/>
-          </a:xfrm>
-          <a:prstGeom prst="straightConnector1">
-            <a:avLst/>
-          </a:prstGeom>
-          <a:ln>
-            <a:solidFill>
-              <a:schemeClr val="tx1"/>
-            </a:solidFill>
-            <a:headEnd type="none" w="med" len="med"/>
-            <a:tailEnd type="arrow" w="med" len="med"/>
-          </a:ln>
-        </p:spPr>
-        <p:style>
-          <a:lnRef idx="1">
-            <a:schemeClr val="accent1"/>
-          </a:lnRef>
-          <a:fillRef idx="0">
-            <a:schemeClr val="accent1"/>
-          </a:fillRef>
-          <a:effectRef idx="0">
-            <a:schemeClr val="accent1"/>
-          </a:effectRef>
-          <a:fontRef idx="minor">
-            <a:schemeClr val="tx1"/>
-          </a:fontRef>
-        </p:style>
-      </p:cxnSp>
-      <p:sp>
-        <p:nvSpPr>
-          <p:cNvPr id="58" name="TextBox 57">
-            <a:extLst>
-              <a:ext uri="{FF2B5EF4-FFF2-40B4-BE49-F238E27FC236}">
-                <a16:creationId xmlns:a16="http://schemas.microsoft.com/office/drawing/2014/main" id="{33FDFE07-B2E3-42F4-8315-C1CE4565603F}"/>
-              </a:ext>
-            </a:extLst>
-          </p:cNvPr>
-          <p:cNvSpPr txBox="1"/>
-          <p:nvPr/>
-        </p:nvSpPr>
-        <p:spPr>
-          <a:xfrm>
-            <a:off x="1690812" y="3037825"/>
-            <a:ext cx="828091" cy="276999"/>
-          </a:xfrm>
-          <a:prstGeom prst="rect">
-            <a:avLst/>
-          </a:prstGeom>
-          <a:noFill/>
-        </p:spPr>
-        <p:txBody>
-          <a:bodyPr wrap="square" rtlCol="0" anchor="ctr">
-            <a:spAutoFit/>
-          </a:bodyPr>
-          <a:lstStyle/>
-          <a:p>
-            <a:pPr algn="ctr"/>
-            <a:r>
-              <a:rPr lang="en-US" altLang="ko-KR" sz="1200"/>
-              <a:t>Prepare</a:t>
-            </a:r>
-            <a:endParaRPr lang="ko-KR" altLang="en-US" sz="1200"/>
-          </a:p>
-        </p:txBody>
-      </p:sp>
-      <p:cxnSp>
-        <p:nvCxnSpPr>
-          <p:cNvPr id="63" name="직선 화살표 연결선 62">
-            <a:extLst>
-              <a:ext uri="{FF2B5EF4-FFF2-40B4-BE49-F238E27FC236}">
-                <a16:creationId xmlns:a16="http://schemas.microsoft.com/office/drawing/2014/main" id="{646F1A69-13D5-4BBC-A4E5-71EEF8A45201}"/>
-              </a:ext>
-            </a:extLst>
-          </p:cNvPr>
-          <p:cNvCxnSpPr>
-            <a:cxnSpLocks/>
-            <a:stCxn id="64" idx="3"/>
-          </p:cNvCxnSpPr>
-          <p:nvPr/>
-        </p:nvCxnSpPr>
-        <p:spPr>
-          <a:xfrm>
-            <a:off x="2518903" y="3423687"/>
-            <a:ext cx="407339" cy="0"/>
-          </a:xfrm>
-          <a:prstGeom prst="straightConnector1">
-            <a:avLst/>
-          </a:prstGeom>
-          <a:ln>
-            <a:solidFill>
-              <a:srgbClr val="C00000"/>
-            </a:solidFill>
-            <a:headEnd type="none" w="med" len="med"/>
-            <a:tailEnd type="arrow" w="med" len="med"/>
-          </a:ln>
-        </p:spPr>
-        <p:style>
-          <a:lnRef idx="1">
-            <a:schemeClr val="accent1"/>
-          </a:lnRef>
-          <a:fillRef idx="0">
-            <a:schemeClr val="accent1"/>
-          </a:fillRef>
-          <a:effectRef idx="0">
-            <a:schemeClr val="accent1"/>
-          </a:effectRef>
-          <a:fontRef idx="minor">
-            <a:schemeClr val="tx1"/>
-          </a:fontRef>
-        </p:style>
-      </p:cxnSp>
-      <p:sp>
-        <p:nvSpPr>
-          <p:cNvPr id="64" name="TextBox 63">
-            <a:extLst>
-              <a:ext uri="{FF2B5EF4-FFF2-40B4-BE49-F238E27FC236}">
-                <a16:creationId xmlns:a16="http://schemas.microsoft.com/office/drawing/2014/main" id="{077B8717-EC4A-4AFF-B6B3-E9770D9E2AC1}"/>
-              </a:ext>
-            </a:extLst>
-          </p:cNvPr>
-          <p:cNvSpPr txBox="1"/>
-          <p:nvPr/>
-        </p:nvSpPr>
-        <p:spPr>
-          <a:xfrm>
-            <a:off x="1690812" y="3285187"/>
-            <a:ext cx="828091" cy="276999"/>
-          </a:xfrm>
-          <a:prstGeom prst="rect">
-            <a:avLst/>
-          </a:prstGeom>
-          <a:noFill/>
-        </p:spPr>
-        <p:txBody>
-          <a:bodyPr wrap="square" rtlCol="0" anchor="ctr">
-            <a:spAutoFit/>
-          </a:bodyPr>
-          <a:lstStyle/>
-          <a:p>
-            <a:pPr algn="ctr"/>
-            <a:r>
-              <a:rPr lang="en-US" altLang="ko-KR" sz="1200"/>
-              <a:t>Abort</a:t>
-            </a:r>
-            <a:endParaRPr lang="ko-KR" altLang="en-US" sz="1200"/>
-          </a:p>
-        </p:txBody>
-      </p:sp>
     </p:spTree>
     <p:extLst>
       <p:ext uri="{BB962C8B-B14F-4D97-AF65-F5344CB8AC3E}">
-        <p14:creationId xmlns:p14="http://schemas.microsoft.com/office/powerpoint/2010/main" val="3231906707"/>
+        <p14:creationId xmlns:p14="http://schemas.microsoft.com/office/powerpoint/2010/main" val="3972765016"/>
       </p:ext>
     </p:extLst>
   </p:cSld>
@@ -17289,7 +19290,7 @@
         </p:nvSpPr>
         <p:spPr>
           <a:xfrm>
-            <a:off x="457200" y="-452586"/>
+            <a:off x="457200" y="130324"/>
             <a:ext cx="8229600" cy="857250"/>
           </a:xfrm>
         </p:spPr>
@@ -17301,7 +19302,7 @@
           <a:p>
             <a:r>
               <a:rPr lang="en-US" altLang="ko-KR"/>
-              <a:t>Saga Chreography </a:t>
+              <a:t>MSA Two-Phase Commit</a:t>
             </a:r>
             <a:endParaRPr lang="ko-KR" altLang="en-US" dirty="0"/>
           </a:p>
@@ -17321,7 +19322,7 @@
         </p:nvSpPr>
         <p:spPr>
           <a:xfrm>
-            <a:off x="1403648" y="2342829"/>
+            <a:off x="1691680" y="2342829"/>
             <a:ext cx="1296146" cy="551345"/>
           </a:xfrm>
           <a:prstGeom prst="roundRect">
@@ -17350,17 +19351,17 @@
           <a:p>
             <a:pPr algn="ctr"/>
             <a:r>
-              <a:rPr lang="en-US" altLang="ko-KR" sz="1600"/>
+              <a:rPr lang="en-US" altLang="ko-KR" sz="1400"/>
               <a:t>Order</a:t>
             </a:r>
           </a:p>
           <a:p>
             <a:pPr algn="ctr"/>
             <a:r>
-              <a:rPr lang="en-US" altLang="ko-KR" sz="1600"/>
+              <a:rPr lang="en-US" altLang="ko-KR" sz="1400"/>
               <a:t>Service</a:t>
             </a:r>
-            <a:endParaRPr lang="ko-KR" altLang="en-US" sz="1600"/>
+            <a:endParaRPr lang="ko-KR" altLang="en-US" sz="1400"/>
           </a:p>
         </p:txBody>
       </p:sp>
@@ -17378,7 +19379,7 @@
         </p:nvSpPr>
         <p:spPr>
           <a:xfrm>
-            <a:off x="5940153" y="1117618"/>
+            <a:off x="5436097" y="1117618"/>
             <a:ext cx="1296146" cy="551345"/>
           </a:xfrm>
           <a:prstGeom prst="roundRect">
@@ -17407,17 +19408,17 @@
           <a:p>
             <a:pPr algn="ctr"/>
             <a:r>
-              <a:rPr lang="en-US" altLang="ko-KR" sz="1600"/>
+              <a:rPr lang="en-US" altLang="ko-KR" sz="1400"/>
               <a:t>Payment</a:t>
             </a:r>
           </a:p>
           <a:p>
             <a:pPr algn="ctr"/>
             <a:r>
-              <a:rPr lang="en-US" altLang="ko-KR" sz="1600"/>
+              <a:rPr lang="en-US" altLang="ko-KR" sz="1400"/>
               <a:t>Service</a:t>
             </a:r>
-            <a:endParaRPr lang="ko-KR" altLang="en-US" sz="1600"/>
+            <a:endParaRPr lang="ko-KR" altLang="en-US" sz="1400"/>
           </a:p>
         </p:txBody>
       </p:sp>
@@ -17435,7 +19436,7 @@
         </p:nvSpPr>
         <p:spPr>
           <a:xfrm>
-            <a:off x="5940153" y="2342829"/>
+            <a:off x="5436097" y="2342829"/>
             <a:ext cx="1296146" cy="551345"/>
           </a:xfrm>
           <a:prstGeom prst="roundRect">
@@ -17464,17 +19465,17 @@
           <a:p>
             <a:pPr algn="ctr"/>
             <a:r>
-              <a:rPr lang="en-US" altLang="ko-KR" sz="1600"/>
+              <a:rPr lang="en-US" altLang="ko-KR" sz="1400"/>
               <a:t>Stock</a:t>
             </a:r>
           </a:p>
           <a:p>
             <a:pPr algn="ctr"/>
             <a:r>
-              <a:rPr lang="en-US" altLang="ko-KR" sz="1600"/>
+              <a:rPr lang="en-US" altLang="ko-KR" sz="1400"/>
               <a:t>Service</a:t>
             </a:r>
-            <a:endParaRPr lang="ko-KR" altLang="en-US" sz="1600"/>
+            <a:endParaRPr lang="ko-KR" altLang="en-US" sz="1400"/>
           </a:p>
         </p:txBody>
       </p:sp>
@@ -17492,7 +19493,7 @@
         </p:nvSpPr>
         <p:spPr>
           <a:xfrm>
-            <a:off x="5940153" y="3568040"/>
+            <a:off x="5436097" y="3568040"/>
             <a:ext cx="1296146" cy="551345"/>
           </a:xfrm>
           <a:prstGeom prst="roundRect">
@@ -17521,207 +19522,15 @@
           <a:p>
             <a:pPr algn="ctr"/>
             <a:r>
-              <a:rPr lang="en-US" altLang="ko-KR" sz="1600"/>
+              <a:rPr lang="en-US" altLang="ko-KR" sz="1400"/>
               <a:t>Delivery</a:t>
             </a:r>
           </a:p>
           <a:p>
             <a:pPr algn="ctr"/>
             <a:r>
-              <a:rPr lang="en-US" altLang="ko-KR" sz="1600"/>
+              <a:rPr lang="en-US" altLang="ko-KR" sz="1400"/>
               <a:t>Service</a:t>
-            </a:r>
-            <a:endParaRPr lang="ko-KR" altLang="en-US" sz="1600"/>
-          </a:p>
-        </p:txBody>
-      </p:sp>
-      <p:sp>
-        <p:nvSpPr>
-          <p:cNvPr id="2" name="타원 1">
-            <a:extLst>
-              <a:ext uri="{FF2B5EF4-FFF2-40B4-BE49-F238E27FC236}">
-                <a16:creationId xmlns:a16="http://schemas.microsoft.com/office/drawing/2014/main" id="{79FAAE09-E371-4E49-BDBA-CB73FE3EF24C}"/>
-              </a:ext>
-            </a:extLst>
-          </p:cNvPr>
-          <p:cNvSpPr/>
-          <p:nvPr/>
-        </p:nvSpPr>
-        <p:spPr>
-          <a:xfrm>
-            <a:off x="3059832" y="627534"/>
-            <a:ext cx="2509753" cy="490084"/>
-          </a:xfrm>
-          <a:prstGeom prst="ellipse">
-            <a:avLst/>
-          </a:prstGeom>
-        </p:spPr>
-        <p:style>
-          <a:lnRef idx="2">
-            <a:schemeClr val="dk1"/>
-          </a:lnRef>
-          <a:fillRef idx="1">
-            <a:schemeClr val="lt1"/>
-          </a:fillRef>
-          <a:effectRef idx="0">
-            <a:schemeClr val="dk1"/>
-          </a:effectRef>
-          <a:fontRef idx="minor">
-            <a:schemeClr val="dk1"/>
-          </a:fontRef>
-        </p:style>
-        <p:txBody>
-          <a:bodyPr rtlCol="0" anchor="ctr"/>
-          <a:lstStyle/>
-          <a:p>
-            <a:pPr algn="ctr"/>
-            <a:r>
-              <a:rPr lang="en-US" altLang="ko-KR" sz="1400"/>
-              <a:t>ORDER_CREATED Event</a:t>
-            </a:r>
-            <a:endParaRPr lang="ko-KR" altLang="en-US" sz="1400"/>
-          </a:p>
-        </p:txBody>
-      </p:sp>
-      <p:sp>
-        <p:nvSpPr>
-          <p:cNvPr id="34" name="타원 33">
-            <a:extLst>
-              <a:ext uri="{FF2B5EF4-FFF2-40B4-BE49-F238E27FC236}">
-                <a16:creationId xmlns:a16="http://schemas.microsoft.com/office/drawing/2014/main" id="{FD7C7981-888F-4168-856B-B00CC8F986E7}"/>
-              </a:ext>
-            </a:extLst>
-          </p:cNvPr>
-          <p:cNvSpPr/>
-          <p:nvPr/>
-        </p:nvSpPr>
-        <p:spPr>
-          <a:xfrm>
-            <a:off x="3059832" y="1730224"/>
-            <a:ext cx="2509753" cy="490084"/>
-          </a:xfrm>
-          <a:prstGeom prst="ellipse">
-            <a:avLst/>
-          </a:prstGeom>
-        </p:spPr>
-        <p:style>
-          <a:lnRef idx="2">
-            <a:schemeClr val="dk1"/>
-          </a:lnRef>
-          <a:fillRef idx="1">
-            <a:schemeClr val="lt1"/>
-          </a:fillRef>
-          <a:effectRef idx="0">
-            <a:schemeClr val="dk1"/>
-          </a:effectRef>
-          <a:fontRef idx="minor">
-            <a:schemeClr val="dk1"/>
-          </a:fontRef>
-        </p:style>
-        <p:txBody>
-          <a:bodyPr rtlCol="0" anchor="ctr"/>
-          <a:lstStyle/>
-          <a:p>
-            <a:pPr algn="ctr"/>
-            <a:r>
-              <a:rPr lang="en-US" altLang="ko-KR" sz="1400"/>
-              <a:t>BILLED_ORDER Event</a:t>
-            </a:r>
-            <a:endParaRPr lang="ko-KR" altLang="en-US" sz="1400"/>
-          </a:p>
-        </p:txBody>
-      </p:sp>
-      <p:sp>
-        <p:nvSpPr>
-          <p:cNvPr id="35" name="타원 34">
-            <a:extLst>
-              <a:ext uri="{FF2B5EF4-FFF2-40B4-BE49-F238E27FC236}">
-                <a16:creationId xmlns:a16="http://schemas.microsoft.com/office/drawing/2014/main" id="{D04B10BF-CE39-4BBB-9D32-2746F2AEB9E2}"/>
-              </a:ext>
-            </a:extLst>
-          </p:cNvPr>
-          <p:cNvSpPr/>
-          <p:nvPr/>
-        </p:nvSpPr>
-        <p:spPr>
-          <a:xfrm>
-            <a:off x="3059832" y="3016695"/>
-            <a:ext cx="2509753" cy="490084"/>
-          </a:xfrm>
-          <a:prstGeom prst="ellipse">
-            <a:avLst/>
-          </a:prstGeom>
-        </p:spPr>
-        <p:style>
-          <a:lnRef idx="2">
-            <a:schemeClr val="dk1"/>
-          </a:lnRef>
-          <a:fillRef idx="1">
-            <a:schemeClr val="lt1"/>
-          </a:fillRef>
-          <a:effectRef idx="0">
-            <a:schemeClr val="dk1"/>
-          </a:effectRef>
-          <a:fontRef idx="minor">
-            <a:schemeClr val="dk1"/>
-          </a:fontRef>
-        </p:style>
-        <p:txBody>
-          <a:bodyPr rtlCol="0" anchor="ctr"/>
-          <a:lstStyle/>
-          <a:p>
-            <a:pPr algn="ctr"/>
-            <a:r>
-              <a:rPr lang="en-US" altLang="ko-KR" sz="1400"/>
-              <a:t>ORDER_PREPARED Event</a:t>
-            </a:r>
-            <a:endParaRPr lang="ko-KR" altLang="en-US" sz="1400"/>
-          </a:p>
-        </p:txBody>
-      </p:sp>
-      <p:sp>
-        <p:nvSpPr>
-          <p:cNvPr id="36" name="타원 35">
-            <a:extLst>
-              <a:ext uri="{FF2B5EF4-FFF2-40B4-BE49-F238E27FC236}">
-                <a16:creationId xmlns:a16="http://schemas.microsoft.com/office/drawing/2014/main" id="{3F2097C7-D998-49CB-8FB6-364F42771CAA}"/>
-              </a:ext>
-            </a:extLst>
-          </p:cNvPr>
-          <p:cNvSpPr/>
-          <p:nvPr/>
-        </p:nvSpPr>
-        <p:spPr>
-          <a:xfrm>
-            <a:off x="3059832" y="4241906"/>
-            <a:ext cx="2509753" cy="490084"/>
-          </a:xfrm>
-          <a:prstGeom prst="ellipse">
-            <a:avLst/>
-          </a:prstGeom>
-        </p:spPr>
-        <p:style>
-          <a:lnRef idx="2">
-            <a:schemeClr val="dk1"/>
-          </a:lnRef>
-          <a:fillRef idx="1">
-            <a:schemeClr val="lt1"/>
-          </a:fillRef>
-          <a:effectRef idx="0">
-            <a:schemeClr val="dk1"/>
-          </a:effectRef>
-          <a:fontRef idx="minor">
-            <a:schemeClr val="dk1"/>
-          </a:fontRef>
-        </p:style>
-        <p:txBody>
-          <a:bodyPr rtlCol="0" anchor="ctr"/>
-          <a:lstStyle/>
-          <a:p>
-            <a:pPr algn="ctr"/>
-            <a:r>
-              <a:rPr lang="en-US" altLang="ko-KR" sz="1400"/>
-              <a:t>DELIVERY_CREATED Event</a:t>
             </a:r>
             <a:endParaRPr lang="ko-KR" altLang="en-US" sz="1400"/>
           </a:p>
@@ -17729,33 +19538,32 @@
       </p:sp>
       <p:cxnSp>
         <p:nvCxnSpPr>
-          <p:cNvPr id="27" name="연결선: 구부러짐 26">
-            <a:extLst>
-              <a:ext uri="{FF2B5EF4-FFF2-40B4-BE49-F238E27FC236}">
-                <a16:creationId xmlns:a16="http://schemas.microsoft.com/office/drawing/2014/main" id="{260045E1-765A-4600-AF01-654686C9C6C2}"/>
+          <p:cNvPr id="42" name="직선 화살표 연결선 41">
+            <a:extLst>
+              <a:ext uri="{FF2B5EF4-FFF2-40B4-BE49-F238E27FC236}">
+                <a16:creationId xmlns:a16="http://schemas.microsoft.com/office/drawing/2014/main" id="{886ECD4C-23D5-495A-9680-CA0B10336405}"/>
               </a:ext>
             </a:extLst>
           </p:cNvPr>
           <p:cNvCxnSpPr>
-            <a:stCxn id="2" idx="2"/>
-            <a:endCxn id="28" idx="0"/>
+            <a:cxnSpLocks/>
           </p:cNvCxnSpPr>
           <p:nvPr/>
         </p:nvCxnSpPr>
         <p:spPr>
-          <a:xfrm rot="10800000" flipV="1">
-            <a:off x="2051722" y="872575"/>
-            <a:ext cx="1008111" cy="1470253"/>
-          </a:xfrm>
-          <a:prstGeom prst="curvedConnector2">
+          <a:xfrm flipV="1">
+            <a:off x="2987826" y="1464080"/>
+            <a:ext cx="2448271" cy="1225211"/>
+          </a:xfrm>
+          <a:prstGeom prst="straightConnector1">
             <a:avLst/>
           </a:prstGeom>
           <a:ln>
             <a:solidFill>
-              <a:schemeClr val="tx1"/>
+              <a:schemeClr val="tx2"/>
             </a:solidFill>
-            <a:headEnd type="arrow" w="med" len="med"/>
-            <a:tailEnd type="none" w="med" len="med"/>
+            <a:headEnd type="none" w="med" len="med"/>
+            <a:tailEnd type="arrow" w="med" len="med"/>
           </a:ln>
         </p:spPr>
         <p:style>
@@ -17775,34 +19583,32 @@
       </p:cxnSp>
       <p:cxnSp>
         <p:nvCxnSpPr>
-          <p:cNvPr id="12" name="연결선: 구부러짐 11">
-            <a:extLst>
-              <a:ext uri="{FF2B5EF4-FFF2-40B4-BE49-F238E27FC236}">
-                <a16:creationId xmlns:a16="http://schemas.microsoft.com/office/drawing/2014/main" id="{7AFF2270-BE99-4CAD-9BFA-CAACAB4D7D70}"/>
+          <p:cNvPr id="44" name="직선 화살표 연결선 43">
+            <a:extLst>
+              <a:ext uri="{FF2B5EF4-FFF2-40B4-BE49-F238E27FC236}">
+                <a16:creationId xmlns:a16="http://schemas.microsoft.com/office/drawing/2014/main" id="{F9ACFD16-B65B-4C0D-9F93-F98D8C1A45FA}"/>
               </a:ext>
             </a:extLst>
           </p:cNvPr>
           <p:cNvCxnSpPr>
             <a:cxnSpLocks/>
-            <a:stCxn id="30" idx="0"/>
-            <a:endCxn id="2" idx="6"/>
           </p:cNvCxnSpPr>
           <p:nvPr/>
         </p:nvCxnSpPr>
         <p:spPr>
-          <a:xfrm rot="16200000" flipV="1">
-            <a:off x="5956385" y="485776"/>
-            <a:ext cx="245042" cy="1018641"/>
-          </a:xfrm>
-          <a:prstGeom prst="curvedConnector2">
+          <a:xfrm>
+            <a:off x="2987826" y="2689291"/>
+            <a:ext cx="2448271" cy="0"/>
+          </a:xfrm>
+          <a:prstGeom prst="straightConnector1">
             <a:avLst/>
           </a:prstGeom>
           <a:ln>
             <a:solidFill>
-              <a:schemeClr val="tx1"/>
+              <a:schemeClr val="tx2"/>
             </a:solidFill>
-            <a:headEnd type="arrow" w="med" len="med"/>
-            <a:tailEnd type="none" w="med" len="med"/>
+            <a:headEnd type="none" w="med" len="med"/>
+            <a:tailEnd type="arrow" w="med" len="med"/>
           </a:ln>
         </p:spPr>
         <p:style>
@@ -17822,34 +19628,32 @@
       </p:cxnSp>
       <p:cxnSp>
         <p:nvCxnSpPr>
-          <p:cNvPr id="15" name="연결선: 구부러짐 14">
-            <a:extLst>
-              <a:ext uri="{FF2B5EF4-FFF2-40B4-BE49-F238E27FC236}">
-                <a16:creationId xmlns:a16="http://schemas.microsoft.com/office/drawing/2014/main" id="{D1F2C6F9-B048-407F-AAE2-EE6B80B8BED8}"/>
+          <p:cNvPr id="48" name="직선 화살표 연결선 47">
+            <a:extLst>
+              <a:ext uri="{FF2B5EF4-FFF2-40B4-BE49-F238E27FC236}">
+                <a16:creationId xmlns:a16="http://schemas.microsoft.com/office/drawing/2014/main" id="{612DE9DB-5A7F-401F-AFE1-4D19834BE366}"/>
               </a:ext>
             </a:extLst>
           </p:cNvPr>
           <p:cNvCxnSpPr>
             <a:cxnSpLocks/>
-            <a:stCxn id="34" idx="0"/>
-            <a:endCxn id="30" idx="1"/>
           </p:cNvCxnSpPr>
           <p:nvPr/>
         </p:nvCxnSpPr>
         <p:spPr>
-          <a:xfrm rot="5400000" flipH="1" flipV="1">
-            <a:off x="4958965" y="749036"/>
-            <a:ext cx="336933" cy="1625444"/>
-          </a:xfrm>
-          <a:prstGeom prst="curvedConnector2">
+          <a:xfrm>
+            <a:off x="2987826" y="2689291"/>
+            <a:ext cx="2448271" cy="1225211"/>
+          </a:xfrm>
+          <a:prstGeom prst="straightConnector1">
             <a:avLst/>
           </a:prstGeom>
           <a:ln>
             <a:solidFill>
-              <a:schemeClr val="tx1"/>
+              <a:schemeClr val="tx2"/>
             </a:solidFill>
-            <a:headEnd type="arrow" w="med" len="med"/>
-            <a:tailEnd type="none" w="med" len="med"/>
+            <a:headEnd type="none" w="med" len="med"/>
+            <a:tailEnd type="arrow" w="med" len="med"/>
           </a:ln>
         </p:spPr>
         <p:style>
@@ -17869,34 +19673,32 @@
       </p:cxnSp>
       <p:cxnSp>
         <p:nvCxnSpPr>
-          <p:cNvPr id="18" name="연결선: 구부러짐 17">
-            <a:extLst>
-              <a:ext uri="{FF2B5EF4-FFF2-40B4-BE49-F238E27FC236}">
-                <a16:creationId xmlns:a16="http://schemas.microsoft.com/office/drawing/2014/main" id="{5360AFB8-3823-40B5-9A9F-F105E10A6E85}"/>
+          <p:cNvPr id="53" name="직선 화살표 연결선 52">
+            <a:extLst>
+              <a:ext uri="{FF2B5EF4-FFF2-40B4-BE49-F238E27FC236}">
+                <a16:creationId xmlns:a16="http://schemas.microsoft.com/office/drawing/2014/main" id="{EC93C3B7-BA77-43B4-A3BD-ACEAE52DE7FE}"/>
               </a:ext>
             </a:extLst>
           </p:cNvPr>
           <p:cNvCxnSpPr>
             <a:cxnSpLocks/>
-            <a:stCxn id="31" idx="1"/>
-            <a:endCxn id="34" idx="4"/>
           </p:cNvCxnSpPr>
           <p:nvPr/>
         </p:nvCxnSpPr>
         <p:spPr>
-          <a:xfrm rot="10800000">
-            <a:off x="4314709" y="2220308"/>
-            <a:ext cx="1625444" cy="398194"/>
-          </a:xfrm>
-          <a:prstGeom prst="curvedConnector2">
+          <a:xfrm flipV="1">
+            <a:off x="2987826" y="1347086"/>
+            <a:ext cx="2448271" cy="1225211"/>
+          </a:xfrm>
+          <a:prstGeom prst="straightConnector1">
             <a:avLst/>
           </a:prstGeom>
           <a:ln>
             <a:solidFill>
               <a:schemeClr val="tx1"/>
             </a:solidFill>
-            <a:headEnd type="arrow" w="med" len="med"/>
-            <a:tailEnd type="none" w="med" len="med"/>
+            <a:headEnd type="none" w="med" len="med"/>
+            <a:tailEnd type="arrow" w="med" len="med"/>
           </a:ln>
         </p:spPr>
         <p:style>
@@ -17916,34 +19718,32 @@
       </p:cxnSp>
       <p:cxnSp>
         <p:nvCxnSpPr>
-          <p:cNvPr id="21" name="연결선: 구부러짐 20">
-            <a:extLst>
-              <a:ext uri="{FF2B5EF4-FFF2-40B4-BE49-F238E27FC236}">
-                <a16:creationId xmlns:a16="http://schemas.microsoft.com/office/drawing/2014/main" id="{0B0912A2-2C33-4BA2-94B1-3B91BB2E1FF9}"/>
+          <p:cNvPr id="54" name="직선 화살표 연결선 53">
+            <a:extLst>
+              <a:ext uri="{FF2B5EF4-FFF2-40B4-BE49-F238E27FC236}">
+                <a16:creationId xmlns:a16="http://schemas.microsoft.com/office/drawing/2014/main" id="{5CB6F84B-B5C7-4DBA-960D-FC948014E1C3}"/>
               </a:ext>
             </a:extLst>
           </p:cNvPr>
           <p:cNvCxnSpPr>
             <a:cxnSpLocks/>
-            <a:stCxn id="35" idx="0"/>
-            <a:endCxn id="31" idx="1"/>
           </p:cNvCxnSpPr>
           <p:nvPr/>
         </p:nvCxnSpPr>
         <p:spPr>
-          <a:xfrm rot="5400000" flipH="1" flipV="1">
-            <a:off x="4928335" y="2004877"/>
-            <a:ext cx="398193" cy="1625444"/>
-          </a:xfrm>
-          <a:prstGeom prst="curvedConnector2">
+          <a:xfrm>
+            <a:off x="2987826" y="2569122"/>
+            <a:ext cx="2448271" cy="0"/>
+          </a:xfrm>
+          <a:prstGeom prst="straightConnector1">
             <a:avLst/>
           </a:prstGeom>
           <a:ln>
             <a:solidFill>
               <a:schemeClr val="tx1"/>
             </a:solidFill>
-            <a:headEnd type="arrow" w="med" len="med"/>
-            <a:tailEnd type="none" w="med" len="med"/>
+            <a:headEnd type="none" w="med" len="med"/>
+            <a:tailEnd type="arrow" w="med" len="med"/>
           </a:ln>
         </p:spPr>
         <p:style>
@@ -17963,34 +19763,32 @@
       </p:cxnSp>
       <p:cxnSp>
         <p:nvCxnSpPr>
-          <p:cNvPr id="24" name="연결선: 구부러짐 23">
-            <a:extLst>
-              <a:ext uri="{FF2B5EF4-FFF2-40B4-BE49-F238E27FC236}">
-                <a16:creationId xmlns:a16="http://schemas.microsoft.com/office/drawing/2014/main" id="{89FCE147-7CEB-4445-BE9E-8774ED113556}"/>
+          <p:cNvPr id="55" name="직선 화살표 연결선 54">
+            <a:extLst>
+              <a:ext uri="{FF2B5EF4-FFF2-40B4-BE49-F238E27FC236}">
+                <a16:creationId xmlns:a16="http://schemas.microsoft.com/office/drawing/2014/main" id="{62A30C44-6247-4600-928F-3CAD0D6EF2DD}"/>
               </a:ext>
             </a:extLst>
           </p:cNvPr>
           <p:cNvCxnSpPr>
             <a:cxnSpLocks/>
-            <a:stCxn id="32" idx="1"/>
-            <a:endCxn id="35" idx="4"/>
           </p:cNvCxnSpPr>
           <p:nvPr/>
         </p:nvCxnSpPr>
         <p:spPr>
-          <a:xfrm rot="10800000">
-            <a:off x="4314709" y="3506779"/>
-            <a:ext cx="1625444" cy="336934"/>
-          </a:xfrm>
-          <a:prstGeom prst="curvedConnector2">
+          <a:xfrm>
+            <a:off x="2987826" y="2551455"/>
+            <a:ext cx="2448271" cy="1225211"/>
+          </a:xfrm>
+          <a:prstGeom prst="straightConnector1">
             <a:avLst/>
           </a:prstGeom>
           <a:ln>
             <a:solidFill>
               <a:schemeClr val="tx1"/>
             </a:solidFill>
-            <a:headEnd type="arrow" w="med" len="med"/>
-            <a:tailEnd type="none" w="med" len="med"/>
+            <a:headEnd type="none" w="med" len="med"/>
+            <a:tailEnd type="arrow" w="med" len="med"/>
           </a:ln>
         </p:spPr>
         <p:style>
@@ -18010,34 +19808,33 @@
       </p:cxnSp>
       <p:cxnSp>
         <p:nvCxnSpPr>
-          <p:cNvPr id="29" name="연결선: 구부러짐 28">
-            <a:extLst>
-              <a:ext uri="{FF2B5EF4-FFF2-40B4-BE49-F238E27FC236}">
-                <a16:creationId xmlns:a16="http://schemas.microsoft.com/office/drawing/2014/main" id="{E4EE9D5D-DF30-4062-B95F-AE7A1269BC1D}"/>
+          <p:cNvPr id="57" name="직선 화살표 연결선 56">
+            <a:extLst>
+              <a:ext uri="{FF2B5EF4-FFF2-40B4-BE49-F238E27FC236}">
+                <a16:creationId xmlns:a16="http://schemas.microsoft.com/office/drawing/2014/main" id="{1E2CD5D2-ACF6-490B-87A7-5E3F3BE62132}"/>
               </a:ext>
             </a:extLst>
           </p:cNvPr>
           <p:cNvCxnSpPr>
             <a:cxnSpLocks/>
-            <a:stCxn id="36" idx="0"/>
-            <a:endCxn id="32" idx="1"/>
+            <a:stCxn id="58" idx="3"/>
           </p:cNvCxnSpPr>
           <p:nvPr/>
         </p:nvCxnSpPr>
         <p:spPr>
-          <a:xfrm rot="5400000" flipH="1" flipV="1">
-            <a:off x="4928335" y="3230088"/>
-            <a:ext cx="398193" cy="1625444"/>
-          </a:xfrm>
-          <a:prstGeom prst="curvedConnector2">
+          <a:xfrm>
+            <a:off x="2518903" y="3176325"/>
+            <a:ext cx="407339" cy="0"/>
+          </a:xfrm>
+          <a:prstGeom prst="straightConnector1">
             <a:avLst/>
           </a:prstGeom>
           <a:ln>
             <a:solidFill>
               <a:schemeClr val="tx1"/>
             </a:solidFill>
-            <a:headEnd type="arrow" w="med" len="med"/>
-            <a:tailEnd type="none" w="med" len="med"/>
+            <a:headEnd type="none" w="med" len="med"/>
+            <a:tailEnd type="arrow" w="med" len="med"/>
           </a:ln>
         </p:spPr>
         <p:style>
@@ -18055,36 +19852,72 @@
           </a:fontRef>
         </p:style>
       </p:cxnSp>
+      <p:sp>
+        <p:nvSpPr>
+          <p:cNvPr id="58" name="TextBox 57">
+            <a:extLst>
+              <a:ext uri="{FF2B5EF4-FFF2-40B4-BE49-F238E27FC236}">
+                <a16:creationId xmlns:a16="http://schemas.microsoft.com/office/drawing/2014/main" id="{33FDFE07-B2E3-42F4-8315-C1CE4565603F}"/>
+              </a:ext>
+            </a:extLst>
+          </p:cNvPr>
+          <p:cNvSpPr txBox="1"/>
+          <p:nvPr/>
+        </p:nvSpPr>
+        <p:spPr>
+          <a:xfrm>
+            <a:off x="1690812" y="3037825"/>
+            <a:ext cx="828091" cy="276999"/>
+          </a:xfrm>
+          <a:prstGeom prst="rect">
+            <a:avLst/>
+          </a:prstGeom>
+          <a:noFill/>
+        </p:spPr>
+        <p:txBody>
+          <a:bodyPr wrap="square" rtlCol="0" anchor="ctr">
+            <a:spAutoFit/>
+          </a:bodyPr>
+          <a:lstStyle/>
+          <a:p>
+            <a:pPr algn="ctr"/>
+            <a:r>
+              <a:rPr lang="en-US" altLang="ko-KR" sz="1200"/>
+              <a:t>Prepare</a:t>
+            </a:r>
+            <a:endParaRPr lang="ko-KR" altLang="en-US" sz="1200"/>
+          </a:p>
+        </p:txBody>
+      </p:sp>
       <p:cxnSp>
         <p:nvCxnSpPr>
-          <p:cNvPr id="33" name="연결선: 구부러짐 32">
-            <a:extLst>
-              <a:ext uri="{FF2B5EF4-FFF2-40B4-BE49-F238E27FC236}">
-                <a16:creationId xmlns:a16="http://schemas.microsoft.com/office/drawing/2014/main" id="{30807523-6E8A-48AE-B2A0-FB8ED37C6250}"/>
+          <p:cNvPr id="63" name="직선 화살표 연결선 62">
+            <a:extLst>
+              <a:ext uri="{FF2B5EF4-FFF2-40B4-BE49-F238E27FC236}">
+                <a16:creationId xmlns:a16="http://schemas.microsoft.com/office/drawing/2014/main" id="{646F1A69-13D5-4BBC-A4E5-71EEF8A45201}"/>
               </a:ext>
             </a:extLst>
           </p:cNvPr>
           <p:cNvCxnSpPr>
             <a:cxnSpLocks/>
-            <a:stCxn id="28" idx="2"/>
-            <a:endCxn id="36" idx="2"/>
+            <a:stCxn id="64" idx="3"/>
           </p:cNvCxnSpPr>
           <p:nvPr/>
         </p:nvCxnSpPr>
         <p:spPr>
-          <a:xfrm rot="16200000" flipH="1">
-            <a:off x="1759389" y="3186505"/>
-            <a:ext cx="1592774" cy="1008111"/>
-          </a:xfrm>
-          <a:prstGeom prst="curvedConnector2">
+          <a:xfrm>
+            <a:off x="2518903" y="3423687"/>
+            <a:ext cx="407339" cy="0"/>
+          </a:xfrm>
+          <a:prstGeom prst="straightConnector1">
             <a:avLst/>
           </a:prstGeom>
           <a:ln>
             <a:solidFill>
-              <a:schemeClr val="tx1"/>
+              <a:schemeClr val="tx2"/>
             </a:solidFill>
-            <a:headEnd type="arrow" w="med" len="med"/>
-            <a:tailEnd type="none" w="med" len="med"/>
+            <a:headEnd type="none" w="med" len="med"/>
+            <a:tailEnd type="arrow" w="med" len="med"/>
           </a:ln>
         </p:spPr>
         <p:style>
@@ -18102,10 +19935,47 @@
           </a:fontRef>
         </p:style>
       </p:cxnSp>
+      <p:sp>
+        <p:nvSpPr>
+          <p:cNvPr id="64" name="TextBox 63">
+            <a:extLst>
+              <a:ext uri="{FF2B5EF4-FFF2-40B4-BE49-F238E27FC236}">
+                <a16:creationId xmlns:a16="http://schemas.microsoft.com/office/drawing/2014/main" id="{077B8717-EC4A-4AFF-B6B3-E9770D9E2AC1}"/>
+              </a:ext>
+            </a:extLst>
+          </p:cNvPr>
+          <p:cNvSpPr txBox="1"/>
+          <p:nvPr/>
+        </p:nvSpPr>
+        <p:spPr>
+          <a:xfrm>
+            <a:off x="1690812" y="3285187"/>
+            <a:ext cx="828091" cy="276999"/>
+          </a:xfrm>
+          <a:prstGeom prst="rect">
+            <a:avLst/>
+          </a:prstGeom>
+          <a:noFill/>
+        </p:spPr>
+        <p:txBody>
+          <a:bodyPr wrap="square" rtlCol="0" anchor="ctr">
+            <a:spAutoFit/>
+          </a:bodyPr>
+          <a:lstStyle/>
+          <a:p>
+            <a:pPr algn="ctr"/>
+            <a:r>
+              <a:rPr lang="en-US" altLang="ko-KR" sz="1200"/>
+              <a:t>Commit</a:t>
+            </a:r>
+            <a:endParaRPr lang="ko-KR" altLang="en-US" sz="1200"/>
+          </a:p>
+        </p:txBody>
+      </p:sp>
     </p:spTree>
     <p:extLst>
       <p:ext uri="{BB962C8B-B14F-4D97-AF65-F5344CB8AC3E}">
-        <p14:creationId xmlns:p14="http://schemas.microsoft.com/office/powerpoint/2010/main" val="1001323456"/>
+        <p14:creationId xmlns:p14="http://schemas.microsoft.com/office/powerpoint/2010/main" val="4289570203"/>
       </p:ext>
     </p:extLst>
   </p:cSld>
@@ -18144,7 +20014,7 @@
         </p:nvSpPr>
         <p:spPr>
           <a:xfrm>
-            <a:off x="457200" y="123478"/>
+            <a:off x="457200" y="58316"/>
             <a:ext cx="8229600" cy="857250"/>
           </a:xfrm>
         </p:spPr>
@@ -18156,7 +20026,7 @@
           <a:p>
             <a:r>
               <a:rPr lang="en-US" altLang="ko-KR"/>
-              <a:t>Saga Chreography Failed </a:t>
+              <a:t>MSA Two-Phase Commit Failed</a:t>
             </a:r>
             <a:endParaRPr lang="ko-KR" altLang="en-US" dirty="0"/>
           </a:p>
@@ -18176,7 +20046,7 @@
         </p:nvSpPr>
         <p:spPr>
           <a:xfrm>
-            <a:off x="1403648" y="2275657"/>
+            <a:off x="1691680" y="2342829"/>
             <a:ext cx="1296146" cy="551345"/>
           </a:xfrm>
           <a:prstGeom prst="roundRect">
@@ -18205,17 +20075,17 @@
           <a:p>
             <a:pPr algn="ctr"/>
             <a:r>
-              <a:rPr lang="en-US" altLang="ko-KR" sz="1600"/>
+              <a:rPr lang="en-US" altLang="ko-KR" sz="1400"/>
               <a:t>Order</a:t>
             </a:r>
           </a:p>
           <a:p>
             <a:pPr algn="ctr"/>
             <a:r>
-              <a:rPr lang="en-US" altLang="ko-KR" sz="1600"/>
+              <a:rPr lang="en-US" altLang="ko-KR" sz="1400"/>
               <a:t>Service</a:t>
             </a:r>
-            <a:endParaRPr lang="ko-KR" altLang="en-US" sz="1600"/>
+            <a:endParaRPr lang="ko-KR" altLang="en-US" sz="1400"/>
           </a:p>
         </p:txBody>
       </p:sp>
@@ -18233,7 +20103,7 @@
         </p:nvSpPr>
         <p:spPr>
           <a:xfrm>
-            <a:off x="5940153" y="1693682"/>
+            <a:off x="5436097" y="1117618"/>
             <a:ext cx="1296146" cy="551345"/>
           </a:xfrm>
           <a:prstGeom prst="roundRect">
@@ -18262,17 +20132,17 @@
           <a:p>
             <a:pPr algn="ctr"/>
             <a:r>
-              <a:rPr lang="en-US" altLang="ko-KR" sz="1600"/>
+              <a:rPr lang="en-US" altLang="ko-KR" sz="1400"/>
               <a:t>Payment</a:t>
             </a:r>
           </a:p>
           <a:p>
             <a:pPr algn="ctr"/>
             <a:r>
-              <a:rPr lang="en-US" altLang="ko-KR" sz="1600"/>
+              <a:rPr lang="en-US" altLang="ko-KR" sz="1400"/>
               <a:t>Service</a:t>
             </a:r>
-            <a:endParaRPr lang="ko-KR" altLang="en-US" sz="1600"/>
+            <a:endParaRPr lang="ko-KR" altLang="en-US" sz="1400"/>
           </a:p>
         </p:txBody>
       </p:sp>
@@ -18290,7 +20160,7 @@
         </p:nvSpPr>
         <p:spPr>
           <a:xfrm>
-            <a:off x="5940153" y="2918893"/>
+            <a:off x="5436097" y="2342829"/>
             <a:ext cx="1296146" cy="551345"/>
           </a:xfrm>
           <a:prstGeom prst="roundRect">
@@ -18319,26 +20189,26 @@
           <a:p>
             <a:pPr algn="ctr"/>
             <a:r>
-              <a:rPr lang="en-US" altLang="ko-KR" sz="1600"/>
+              <a:rPr lang="en-US" altLang="ko-KR" sz="1400"/>
               <a:t>Stock</a:t>
             </a:r>
           </a:p>
           <a:p>
             <a:pPr algn="ctr"/>
             <a:r>
-              <a:rPr lang="en-US" altLang="ko-KR" sz="1600"/>
+              <a:rPr lang="en-US" altLang="ko-KR" sz="1400"/>
               <a:t>Service</a:t>
             </a:r>
-            <a:endParaRPr lang="ko-KR" altLang="en-US" sz="1600"/>
-          </a:p>
-        </p:txBody>
-      </p:sp>
-      <p:sp>
-        <p:nvSpPr>
-          <p:cNvPr id="2" name="타원 1">
-            <a:extLst>
-              <a:ext uri="{FF2B5EF4-FFF2-40B4-BE49-F238E27FC236}">
-                <a16:creationId xmlns:a16="http://schemas.microsoft.com/office/drawing/2014/main" id="{79FAAE09-E371-4E49-BDBA-CB73FE3EF24C}"/>
+            <a:endParaRPr lang="ko-KR" altLang="en-US" sz="1400"/>
+          </a:p>
+        </p:txBody>
+      </p:sp>
+      <p:sp>
+        <p:nvSpPr>
+          <p:cNvPr id="32" name="사각형: 둥근 모서리 31">
+            <a:extLst>
+              <a:ext uri="{FF2B5EF4-FFF2-40B4-BE49-F238E27FC236}">
+                <a16:creationId xmlns:a16="http://schemas.microsoft.com/office/drawing/2014/main" id="{151576AF-1027-4091-8040-823086099624}"/>
               </a:ext>
             </a:extLst>
           </p:cNvPr>
@@ -18347,11 +20217,13 @@
         </p:nvSpPr>
         <p:spPr>
           <a:xfrm>
-            <a:off x="3059832" y="1203598"/>
-            <a:ext cx="2509753" cy="490084"/>
-          </a:xfrm>
-          <a:prstGeom prst="ellipse">
-            <a:avLst/>
+            <a:off x="5436097" y="3568040"/>
+            <a:ext cx="1296146" cy="551345"/>
+          </a:xfrm>
+          <a:prstGeom prst="roundRect">
+            <a:avLst>
+              <a:gd name="adj" fmla="val 8201"/>
+            </a:avLst>
           </a:prstGeom>
         </p:spPr>
         <p:style>
@@ -18375,110 +20247,14 @@
             <a:pPr algn="ctr"/>
             <a:r>
               <a:rPr lang="en-US" altLang="ko-KR" sz="1400"/>
-              <a:t>ORDER_CREATED Event</a:t>
-            </a:r>
-            <a:endParaRPr lang="ko-KR" altLang="en-US" sz="1400"/>
-          </a:p>
-        </p:txBody>
-      </p:sp>
-      <p:sp>
-        <p:nvSpPr>
-          <p:cNvPr id="34" name="타원 33">
-            <a:extLst>
-              <a:ext uri="{FF2B5EF4-FFF2-40B4-BE49-F238E27FC236}">
-                <a16:creationId xmlns:a16="http://schemas.microsoft.com/office/drawing/2014/main" id="{FD7C7981-888F-4168-856B-B00CC8F986E7}"/>
-              </a:ext>
-            </a:extLst>
-          </p:cNvPr>
-          <p:cNvSpPr/>
-          <p:nvPr/>
-        </p:nvSpPr>
-        <p:spPr>
-          <a:xfrm>
-            <a:off x="3059832" y="2306288"/>
-            <a:ext cx="2509753" cy="490084"/>
-          </a:xfrm>
-          <a:prstGeom prst="ellipse">
-            <a:avLst/>
-          </a:prstGeom>
-        </p:spPr>
-        <p:style>
-          <a:lnRef idx="2">
-            <a:schemeClr val="dk1"/>
-          </a:lnRef>
-          <a:fillRef idx="1">
-            <a:schemeClr val="lt1"/>
-          </a:fillRef>
-          <a:effectRef idx="0">
-            <a:schemeClr val="dk1"/>
-          </a:effectRef>
-          <a:fontRef idx="minor">
-            <a:schemeClr val="dk1"/>
-          </a:fontRef>
-        </p:style>
-        <p:txBody>
-          <a:bodyPr rtlCol="0" anchor="ctr"/>
-          <a:lstStyle/>
+              <a:t>Delivery</a:t>
+            </a:r>
+          </a:p>
           <a:p>
             <a:pPr algn="ctr"/>
             <a:r>
               <a:rPr lang="en-US" altLang="ko-KR" sz="1400"/>
-              <a:t>BILLED_ORDER Event</a:t>
-            </a:r>
-            <a:endParaRPr lang="ko-KR" altLang="en-US" sz="1400"/>
-          </a:p>
-        </p:txBody>
-      </p:sp>
-      <p:sp>
-        <p:nvSpPr>
-          <p:cNvPr id="35" name="타원 34">
-            <a:extLst>
-              <a:ext uri="{FF2B5EF4-FFF2-40B4-BE49-F238E27FC236}">
-                <a16:creationId xmlns:a16="http://schemas.microsoft.com/office/drawing/2014/main" id="{D04B10BF-CE39-4BBB-9D32-2746F2AEB9E2}"/>
-              </a:ext>
-            </a:extLst>
-          </p:cNvPr>
-          <p:cNvSpPr/>
-          <p:nvPr/>
-        </p:nvSpPr>
-        <p:spPr>
-          <a:xfrm>
-            <a:off x="3059832" y="3592759"/>
-            <a:ext cx="2509753" cy="490084"/>
-          </a:xfrm>
-          <a:prstGeom prst="ellipse">
-            <a:avLst/>
-          </a:prstGeom>
-        </p:spPr>
-        <p:style>
-          <a:lnRef idx="2">
-            <a:schemeClr val="dk1"/>
-          </a:lnRef>
-          <a:fillRef idx="1">
-            <a:schemeClr val="lt1"/>
-          </a:fillRef>
-          <a:effectRef idx="0">
-            <a:schemeClr val="dk1"/>
-          </a:effectRef>
-          <a:fontRef idx="minor">
-            <a:schemeClr val="dk1"/>
-          </a:fontRef>
-        </p:style>
-        <p:txBody>
-          <a:bodyPr rtlCol="0" anchor="ctr"/>
-          <a:lstStyle/>
-          <a:p>
-            <a:pPr algn="ctr"/>
-            <a:r>
-              <a:rPr lang="en-US" altLang="ko-KR" sz="1400"/>
-              <a:t>OUT_OF_STOCK</a:t>
-            </a:r>
-          </a:p>
-          <a:p>
-            <a:pPr algn="ctr"/>
-            <a:r>
-              <a:rPr lang="en-US" altLang="ko-KR" sz="1400"/>
-              <a:t>Event</a:t>
+              <a:t>Service</a:t>
             </a:r>
             <a:endParaRPr lang="ko-KR" altLang="en-US" sz="1400"/>
           </a:p>
@@ -18486,33 +20262,32 @@
       </p:sp>
       <p:cxnSp>
         <p:nvCxnSpPr>
-          <p:cNvPr id="27" name="연결선: 구부러짐 26">
-            <a:extLst>
-              <a:ext uri="{FF2B5EF4-FFF2-40B4-BE49-F238E27FC236}">
-                <a16:creationId xmlns:a16="http://schemas.microsoft.com/office/drawing/2014/main" id="{260045E1-765A-4600-AF01-654686C9C6C2}"/>
+          <p:cNvPr id="42" name="직선 화살표 연결선 41">
+            <a:extLst>
+              <a:ext uri="{FF2B5EF4-FFF2-40B4-BE49-F238E27FC236}">
+                <a16:creationId xmlns:a16="http://schemas.microsoft.com/office/drawing/2014/main" id="{886ECD4C-23D5-495A-9680-CA0B10336405}"/>
               </a:ext>
             </a:extLst>
           </p:cNvPr>
           <p:cNvCxnSpPr>
-            <a:stCxn id="2" idx="2"/>
-            <a:endCxn id="28" idx="0"/>
+            <a:cxnSpLocks/>
           </p:cNvCxnSpPr>
           <p:nvPr/>
         </p:nvCxnSpPr>
         <p:spPr>
-          <a:xfrm rot="10800000" flipV="1">
-            <a:off x="2051722" y="1448639"/>
-            <a:ext cx="1008111" cy="827017"/>
-          </a:xfrm>
-          <a:prstGeom prst="curvedConnector2">
+          <a:xfrm flipV="1">
+            <a:off x="2987826" y="1464080"/>
+            <a:ext cx="2448271" cy="1225211"/>
+          </a:xfrm>
+          <a:prstGeom prst="straightConnector1">
             <a:avLst/>
           </a:prstGeom>
           <a:ln>
             <a:solidFill>
-              <a:schemeClr val="tx1"/>
+              <a:srgbClr val="C00000"/>
             </a:solidFill>
-            <a:headEnd type="arrow" w="med" len="med"/>
-            <a:tailEnd type="none" w="med" len="med"/>
+            <a:headEnd type="none" w="med" len="med"/>
+            <a:tailEnd type="arrow" w="med" len="med"/>
           </a:ln>
         </p:spPr>
         <p:style>
@@ -18532,34 +20307,32 @@
       </p:cxnSp>
       <p:cxnSp>
         <p:nvCxnSpPr>
-          <p:cNvPr id="12" name="연결선: 구부러짐 11">
-            <a:extLst>
-              <a:ext uri="{FF2B5EF4-FFF2-40B4-BE49-F238E27FC236}">
-                <a16:creationId xmlns:a16="http://schemas.microsoft.com/office/drawing/2014/main" id="{7AFF2270-BE99-4CAD-9BFA-CAACAB4D7D70}"/>
+          <p:cNvPr id="44" name="직선 화살표 연결선 43">
+            <a:extLst>
+              <a:ext uri="{FF2B5EF4-FFF2-40B4-BE49-F238E27FC236}">
+                <a16:creationId xmlns:a16="http://schemas.microsoft.com/office/drawing/2014/main" id="{F9ACFD16-B65B-4C0D-9F93-F98D8C1A45FA}"/>
               </a:ext>
             </a:extLst>
           </p:cNvPr>
           <p:cNvCxnSpPr>
             <a:cxnSpLocks/>
-            <a:stCxn id="30" idx="0"/>
-            <a:endCxn id="2" idx="6"/>
           </p:cNvCxnSpPr>
           <p:nvPr/>
         </p:nvCxnSpPr>
         <p:spPr>
-          <a:xfrm rot="16200000" flipV="1">
-            <a:off x="5956385" y="1061840"/>
-            <a:ext cx="245042" cy="1018641"/>
-          </a:xfrm>
-          <a:prstGeom prst="curvedConnector2">
+          <a:xfrm>
+            <a:off x="2987826" y="2689291"/>
+            <a:ext cx="2448271" cy="0"/>
+          </a:xfrm>
+          <a:prstGeom prst="straightConnector1">
             <a:avLst/>
           </a:prstGeom>
           <a:ln>
             <a:solidFill>
-              <a:schemeClr val="tx1"/>
+              <a:srgbClr val="C00000"/>
             </a:solidFill>
-            <a:headEnd type="arrow" w="med" len="med"/>
-            <a:tailEnd type="none" w="med" len="med"/>
+            <a:headEnd type="none" w="med" len="med"/>
+            <a:tailEnd type="arrow" w="med" len="med"/>
           </a:ln>
         </p:spPr>
         <p:style>
@@ -18579,34 +20352,32 @@
       </p:cxnSp>
       <p:cxnSp>
         <p:nvCxnSpPr>
-          <p:cNvPr id="15" name="연결선: 구부러짐 14">
-            <a:extLst>
-              <a:ext uri="{FF2B5EF4-FFF2-40B4-BE49-F238E27FC236}">
-                <a16:creationId xmlns:a16="http://schemas.microsoft.com/office/drawing/2014/main" id="{D1F2C6F9-B048-407F-AAE2-EE6B80B8BED8}"/>
+          <p:cNvPr id="53" name="직선 화살표 연결선 52">
+            <a:extLst>
+              <a:ext uri="{FF2B5EF4-FFF2-40B4-BE49-F238E27FC236}">
+                <a16:creationId xmlns:a16="http://schemas.microsoft.com/office/drawing/2014/main" id="{EC93C3B7-BA77-43B4-A3BD-ACEAE52DE7FE}"/>
               </a:ext>
             </a:extLst>
           </p:cNvPr>
           <p:cNvCxnSpPr>
             <a:cxnSpLocks/>
-            <a:stCxn id="34" idx="0"/>
-            <a:endCxn id="30" idx="1"/>
           </p:cNvCxnSpPr>
           <p:nvPr/>
         </p:nvCxnSpPr>
         <p:spPr>
-          <a:xfrm rot="5400000" flipH="1" flipV="1">
-            <a:off x="4958965" y="1325100"/>
-            <a:ext cx="336933" cy="1625444"/>
-          </a:xfrm>
-          <a:prstGeom prst="curvedConnector2">
+          <a:xfrm flipV="1">
+            <a:off x="2987826" y="1347086"/>
+            <a:ext cx="2448271" cy="1225211"/>
+          </a:xfrm>
+          <a:prstGeom prst="straightConnector1">
             <a:avLst/>
           </a:prstGeom>
           <a:ln>
             <a:solidFill>
               <a:schemeClr val="tx1"/>
             </a:solidFill>
-            <a:headEnd type="arrow" w="med" len="med"/>
-            <a:tailEnd type="none" w="med" len="med"/>
+            <a:headEnd type="none" w="med" len="med"/>
+            <a:tailEnd type="arrow" w="med" len="med"/>
           </a:ln>
         </p:spPr>
         <p:style>
@@ -18626,34 +20397,32 @@
       </p:cxnSp>
       <p:cxnSp>
         <p:nvCxnSpPr>
-          <p:cNvPr id="18" name="연결선: 구부러짐 17">
-            <a:extLst>
-              <a:ext uri="{FF2B5EF4-FFF2-40B4-BE49-F238E27FC236}">
-                <a16:creationId xmlns:a16="http://schemas.microsoft.com/office/drawing/2014/main" id="{5360AFB8-3823-40B5-9A9F-F105E10A6E85}"/>
+          <p:cNvPr id="54" name="직선 화살표 연결선 53">
+            <a:extLst>
+              <a:ext uri="{FF2B5EF4-FFF2-40B4-BE49-F238E27FC236}">
+                <a16:creationId xmlns:a16="http://schemas.microsoft.com/office/drawing/2014/main" id="{5CB6F84B-B5C7-4DBA-960D-FC948014E1C3}"/>
               </a:ext>
             </a:extLst>
           </p:cNvPr>
           <p:cNvCxnSpPr>
             <a:cxnSpLocks/>
-            <a:stCxn id="31" idx="1"/>
-            <a:endCxn id="34" idx="4"/>
           </p:cNvCxnSpPr>
           <p:nvPr/>
         </p:nvCxnSpPr>
         <p:spPr>
-          <a:xfrm rot="10800000">
-            <a:off x="4314709" y="2796372"/>
-            <a:ext cx="1625444" cy="398194"/>
-          </a:xfrm>
-          <a:prstGeom prst="curvedConnector2">
+          <a:xfrm>
+            <a:off x="2987826" y="2569122"/>
+            <a:ext cx="2448271" cy="0"/>
+          </a:xfrm>
+          <a:prstGeom prst="straightConnector1">
             <a:avLst/>
           </a:prstGeom>
           <a:ln>
             <a:solidFill>
               <a:schemeClr val="tx1"/>
             </a:solidFill>
-            <a:headEnd type="arrow" w="med" len="med"/>
-            <a:tailEnd type="none" w="med" len="med"/>
+            <a:headEnd type="none" w="med" len="med"/>
+            <a:tailEnd type="arrow" w="med" len="med"/>
           </a:ln>
         </p:spPr>
         <p:style>
@@ -18673,34 +20442,32 @@
       </p:cxnSp>
       <p:cxnSp>
         <p:nvCxnSpPr>
-          <p:cNvPr id="21" name="연결선: 구부러짐 20">
-            <a:extLst>
-              <a:ext uri="{FF2B5EF4-FFF2-40B4-BE49-F238E27FC236}">
-                <a16:creationId xmlns:a16="http://schemas.microsoft.com/office/drawing/2014/main" id="{0B0912A2-2C33-4BA2-94B1-3B91BB2E1FF9}"/>
+          <p:cNvPr id="55" name="직선 화살표 연결선 54">
+            <a:extLst>
+              <a:ext uri="{FF2B5EF4-FFF2-40B4-BE49-F238E27FC236}">
+                <a16:creationId xmlns:a16="http://schemas.microsoft.com/office/drawing/2014/main" id="{62A30C44-6247-4600-928F-3CAD0D6EF2DD}"/>
               </a:ext>
             </a:extLst>
           </p:cNvPr>
           <p:cNvCxnSpPr>
             <a:cxnSpLocks/>
-            <a:stCxn id="35" idx="0"/>
-            <a:endCxn id="31" idx="1"/>
           </p:cNvCxnSpPr>
           <p:nvPr/>
         </p:nvCxnSpPr>
         <p:spPr>
-          <a:xfrm rot="5400000" flipH="1" flipV="1">
-            <a:off x="4928335" y="2580941"/>
-            <a:ext cx="398193" cy="1625444"/>
-          </a:xfrm>
-          <a:prstGeom prst="curvedConnector2">
+          <a:xfrm>
+            <a:off x="2987826" y="2551455"/>
+            <a:ext cx="2198898" cy="1100415"/>
+          </a:xfrm>
+          <a:prstGeom prst="straightConnector1">
             <a:avLst/>
           </a:prstGeom>
           <a:ln>
             <a:solidFill>
               <a:schemeClr val="tx1"/>
             </a:solidFill>
-            <a:headEnd type="arrow" w="med" len="med"/>
-            <a:tailEnd type="none" w="med" len="med"/>
+            <a:headEnd type="none" w="med" len="med"/>
+            <a:tailEnd type="arrow" w="med" len="med"/>
           </a:ln>
         </p:spPr>
         <p:style>
@@ -18720,34 +20487,33 @@
       </p:cxnSp>
       <p:cxnSp>
         <p:nvCxnSpPr>
-          <p:cNvPr id="33" name="연결선: 구부러짐 32">
-            <a:extLst>
-              <a:ext uri="{FF2B5EF4-FFF2-40B4-BE49-F238E27FC236}">
-                <a16:creationId xmlns:a16="http://schemas.microsoft.com/office/drawing/2014/main" id="{30807523-6E8A-48AE-B2A0-FB8ED37C6250}"/>
+          <p:cNvPr id="57" name="직선 화살표 연결선 56">
+            <a:extLst>
+              <a:ext uri="{FF2B5EF4-FFF2-40B4-BE49-F238E27FC236}">
+                <a16:creationId xmlns:a16="http://schemas.microsoft.com/office/drawing/2014/main" id="{1E2CD5D2-ACF6-490B-87A7-5E3F3BE62132}"/>
               </a:ext>
             </a:extLst>
           </p:cNvPr>
           <p:cNvCxnSpPr>
             <a:cxnSpLocks/>
-            <a:stCxn id="28" idx="2"/>
-            <a:endCxn id="35" idx="2"/>
+            <a:stCxn id="58" idx="3"/>
           </p:cNvCxnSpPr>
           <p:nvPr/>
         </p:nvCxnSpPr>
         <p:spPr>
-          <a:xfrm rot="16200000" flipH="1">
-            <a:off x="2050377" y="2828345"/>
-            <a:ext cx="1010799" cy="1008111"/>
-          </a:xfrm>
-          <a:prstGeom prst="curvedConnector2">
+          <a:xfrm>
+            <a:off x="2518903" y="3176325"/>
+            <a:ext cx="407339" cy="0"/>
+          </a:xfrm>
+          <a:prstGeom prst="straightConnector1">
             <a:avLst/>
           </a:prstGeom>
           <a:ln>
             <a:solidFill>
-              <a:srgbClr val="C00000"/>
+              <a:schemeClr val="tx1"/>
             </a:solidFill>
-            <a:headEnd type="arrow" w="med" len="med"/>
-            <a:tailEnd type="none" w="med" len="med"/>
+            <a:headEnd type="none" w="med" len="med"/>
+            <a:tailEnd type="arrow" w="med" len="med"/>
           </a:ln>
         </p:spPr>
         <p:style>
@@ -18765,38 +20531,72 @@
           </a:fontRef>
         </p:style>
       </p:cxnSp>
+      <p:sp>
+        <p:nvSpPr>
+          <p:cNvPr id="58" name="TextBox 57">
+            <a:extLst>
+              <a:ext uri="{FF2B5EF4-FFF2-40B4-BE49-F238E27FC236}">
+                <a16:creationId xmlns:a16="http://schemas.microsoft.com/office/drawing/2014/main" id="{33FDFE07-B2E3-42F4-8315-C1CE4565603F}"/>
+              </a:ext>
+            </a:extLst>
+          </p:cNvPr>
+          <p:cNvSpPr txBox="1"/>
+          <p:nvPr/>
+        </p:nvSpPr>
+        <p:spPr>
+          <a:xfrm>
+            <a:off x="1690812" y="3037825"/>
+            <a:ext cx="828091" cy="276999"/>
+          </a:xfrm>
+          <a:prstGeom prst="rect">
+            <a:avLst/>
+          </a:prstGeom>
+          <a:noFill/>
+        </p:spPr>
+        <p:txBody>
+          <a:bodyPr wrap="square" rtlCol="0" anchor="ctr">
+            <a:spAutoFit/>
+          </a:bodyPr>
+          <a:lstStyle/>
+          <a:p>
+            <a:pPr algn="ctr"/>
+            <a:r>
+              <a:rPr lang="en-US" altLang="ko-KR" sz="1200"/>
+              <a:t>Prepare</a:t>
+            </a:r>
+            <a:endParaRPr lang="ko-KR" altLang="en-US" sz="1200"/>
+          </a:p>
+        </p:txBody>
+      </p:sp>
       <p:cxnSp>
         <p:nvCxnSpPr>
-          <p:cNvPr id="22" name="연결선: 구부러짐 21">
-            <a:extLst>
-              <a:ext uri="{FF2B5EF4-FFF2-40B4-BE49-F238E27FC236}">
-                <a16:creationId xmlns:a16="http://schemas.microsoft.com/office/drawing/2014/main" id="{CA21792D-7E8E-46F0-8305-5D9B5D9A47F3}"/>
+          <p:cNvPr id="63" name="직선 화살표 연결선 62">
+            <a:extLst>
+              <a:ext uri="{FF2B5EF4-FFF2-40B4-BE49-F238E27FC236}">
+                <a16:creationId xmlns:a16="http://schemas.microsoft.com/office/drawing/2014/main" id="{646F1A69-13D5-4BBC-A4E5-71EEF8A45201}"/>
               </a:ext>
             </a:extLst>
           </p:cNvPr>
           <p:cNvCxnSpPr>
             <a:cxnSpLocks/>
-            <a:stCxn id="30" idx="1"/>
-            <a:endCxn id="35" idx="6"/>
+            <a:stCxn id="64" idx="3"/>
           </p:cNvCxnSpPr>
           <p:nvPr/>
         </p:nvCxnSpPr>
         <p:spPr>
-          <a:xfrm rot="10800000" flipV="1">
-            <a:off x="5569585" y="1969355"/>
-            <a:ext cx="370568" cy="1868446"/>
-          </a:xfrm>
-          <a:prstGeom prst="curvedConnector3">
-            <a:avLst>
-              <a:gd name="adj1" fmla="val 50000"/>
-            </a:avLst>
+          <a:xfrm>
+            <a:off x="2518903" y="3423687"/>
+            <a:ext cx="407339" cy="0"/>
+          </a:xfrm>
+          <a:prstGeom prst="straightConnector1">
+            <a:avLst/>
           </a:prstGeom>
           <a:ln>
             <a:solidFill>
               <a:srgbClr val="C00000"/>
             </a:solidFill>
-            <a:headEnd type="arrow" w="med" len="med"/>
-            <a:tailEnd type="none" w="med" len="med"/>
+            <a:headEnd type="none" w="med" len="med"/>
+            <a:tailEnd type="arrow" w="med" len="med"/>
           </a:ln>
         </p:spPr>
         <p:style>
@@ -18814,10 +20614,47 @@
           </a:fontRef>
         </p:style>
       </p:cxnSp>
+      <p:sp>
+        <p:nvSpPr>
+          <p:cNvPr id="64" name="TextBox 63">
+            <a:extLst>
+              <a:ext uri="{FF2B5EF4-FFF2-40B4-BE49-F238E27FC236}">
+                <a16:creationId xmlns:a16="http://schemas.microsoft.com/office/drawing/2014/main" id="{077B8717-EC4A-4AFF-B6B3-E9770D9E2AC1}"/>
+              </a:ext>
+            </a:extLst>
+          </p:cNvPr>
+          <p:cNvSpPr txBox="1"/>
+          <p:nvPr/>
+        </p:nvSpPr>
+        <p:spPr>
+          <a:xfrm>
+            <a:off x="1690812" y="3285187"/>
+            <a:ext cx="828091" cy="276999"/>
+          </a:xfrm>
+          <a:prstGeom prst="rect">
+            <a:avLst/>
+          </a:prstGeom>
+          <a:noFill/>
+        </p:spPr>
+        <p:txBody>
+          <a:bodyPr wrap="square" rtlCol="0" anchor="ctr">
+            <a:spAutoFit/>
+          </a:bodyPr>
+          <a:lstStyle/>
+          <a:p>
+            <a:pPr algn="ctr"/>
+            <a:r>
+              <a:rPr lang="en-US" altLang="ko-KR" sz="1200"/>
+              <a:t>Abort</a:t>
+            </a:r>
+            <a:endParaRPr lang="ko-KR" altLang="en-US" sz="1200"/>
+          </a:p>
+        </p:txBody>
+      </p:sp>
     </p:spTree>
     <p:extLst>
       <p:ext uri="{BB962C8B-B14F-4D97-AF65-F5344CB8AC3E}">
-        <p14:creationId xmlns:p14="http://schemas.microsoft.com/office/powerpoint/2010/main" val="2241184639"/>
+        <p14:creationId xmlns:p14="http://schemas.microsoft.com/office/powerpoint/2010/main" val="2016786361"/>
       </p:ext>
     </p:extLst>
   </p:cSld>

--- a/images/theory_analysis/MSA_Transaction/MSA_Transaction.pptx
+++ b/images/theory_analysis/MSA_Transaction/MSA_Transaction.pptx
@@ -5,24 +5,26 @@
     <p:sldMasterId id="2147483648" r:id="rId1"/>
   </p:sldMasterIdLst>
   <p:notesMasterIdLst>
-    <p:notesMasterId r:id="rId17"/>
+    <p:notesMasterId r:id="rId19"/>
   </p:notesMasterIdLst>
   <p:sldIdLst>
-    <p:sldId id="388" r:id="rId2"/>
-    <p:sldId id="399" r:id="rId3"/>
+    <p:sldId id="400" r:id="rId2"/>
+    <p:sldId id="401" r:id="rId3"/>
     <p:sldId id="390" r:id="rId4"/>
     <p:sldId id="391" r:id="rId5"/>
     <p:sldId id="394" r:id="rId6"/>
     <p:sldId id="395" r:id="rId7"/>
     <p:sldId id="389" r:id="rId8"/>
-    <p:sldId id="397" r:id="rId9"/>
-    <p:sldId id="398" r:id="rId10"/>
-    <p:sldId id="392" r:id="rId11"/>
-    <p:sldId id="393" r:id="rId12"/>
-    <p:sldId id="384" r:id="rId13"/>
-    <p:sldId id="385" r:id="rId14"/>
-    <p:sldId id="386" r:id="rId15"/>
-    <p:sldId id="387" r:id="rId16"/>
+    <p:sldId id="388" r:id="rId9"/>
+    <p:sldId id="399" r:id="rId10"/>
+    <p:sldId id="397" r:id="rId11"/>
+    <p:sldId id="398" r:id="rId12"/>
+    <p:sldId id="392" r:id="rId13"/>
+    <p:sldId id="393" r:id="rId14"/>
+    <p:sldId id="384" r:id="rId15"/>
+    <p:sldId id="385" r:id="rId16"/>
+    <p:sldId id="386" r:id="rId17"/>
+    <p:sldId id="387" r:id="rId18"/>
   </p:sldIdLst>
   <p:sldSz cx="9144000" cy="5143500" type="screen16x9"/>
   <p:notesSz cx="6858000" cy="9144000"/>
@@ -185,6 +187,34 @@
 </p:cmLst>
 </file>
 
+<file path=ppt/comments/comment11.xml><?xml version="1.0" encoding="utf-8"?>
+<p:cmLst xmlns:a="http://schemas.openxmlformats.org/drawingml/2006/main" xmlns:r="http://schemas.openxmlformats.org/officeDocument/2006/relationships" xmlns:p="http://schemas.openxmlformats.org/presentationml/2006/main">
+  <p:cm authorId="1" dt="2021-05-26T09:53:06.628" idx="1">
+    <p:pos x="10" y="10"/>
+    <p:text/>
+    <p:extLst>
+      <p:ext uri="{C676402C-5697-4E1C-873F-D02D1690AC5C}">
+        <p15:threadingInfo xmlns:p15="http://schemas.microsoft.com/office/powerpoint/2012/main" timeZoneBias="-540"/>
+      </p:ext>
+    </p:extLst>
+  </p:cm>
+</p:cmLst>
+</file>
+
+<file path=ppt/comments/comment12.xml><?xml version="1.0" encoding="utf-8"?>
+<p:cmLst xmlns:a="http://schemas.openxmlformats.org/drawingml/2006/main" xmlns:r="http://schemas.openxmlformats.org/officeDocument/2006/relationships" xmlns:p="http://schemas.openxmlformats.org/presentationml/2006/main">
+  <p:cm authorId="1" dt="2021-05-26T09:53:06.628" idx="1">
+    <p:pos x="10" y="10"/>
+    <p:text/>
+    <p:extLst>
+      <p:ext uri="{C676402C-5697-4E1C-873F-D02D1690AC5C}">
+        <p15:threadingInfo xmlns:p15="http://schemas.microsoft.com/office/powerpoint/2012/main" timeZoneBias="-540"/>
+      </p:ext>
+    </p:extLst>
+  </p:cm>
+</p:cmLst>
+</file>
+
 <file path=ppt/comments/comment2.xml><?xml version="1.0" encoding="utf-8"?>
 <p:cmLst xmlns:a="http://schemas.openxmlformats.org/drawingml/2006/main" xmlns:r="http://schemas.openxmlformats.org/officeDocument/2006/relationships" xmlns:p="http://schemas.openxmlformats.org/presentationml/2006/main">
   <p:cm authorId="1" dt="2021-05-26T09:53:06.628" idx="1">
@@ -720,7 +750,7 @@
     </p:spTree>
     <p:extLst>
       <p:ext uri="{BB962C8B-B14F-4D97-AF65-F5344CB8AC3E}">
-        <p14:creationId xmlns:p14="http://schemas.microsoft.com/office/powerpoint/2010/main" val="3292246699"/>
+        <p14:creationId xmlns:p14="http://schemas.microsoft.com/office/powerpoint/2010/main" val="1636962850"/>
       </p:ext>
     </p:extLst>
   </p:cSld>
@@ -804,7 +834,7 @@
     </p:spTree>
     <p:extLst>
       <p:ext uri="{BB962C8B-B14F-4D97-AF65-F5344CB8AC3E}">
-        <p14:creationId xmlns:p14="http://schemas.microsoft.com/office/powerpoint/2010/main" val="1275796544"/>
+        <p14:creationId xmlns:p14="http://schemas.microsoft.com/office/powerpoint/2010/main" val="4050074835"/>
       </p:ext>
     </p:extLst>
   </p:cSld>
@@ -888,7 +918,7 @@
     </p:spTree>
     <p:extLst>
       <p:ext uri="{BB962C8B-B14F-4D97-AF65-F5344CB8AC3E}">
-        <p14:creationId xmlns:p14="http://schemas.microsoft.com/office/powerpoint/2010/main" val="2887953239"/>
+        <p14:creationId xmlns:p14="http://schemas.microsoft.com/office/powerpoint/2010/main" val="3204143008"/>
       </p:ext>
     </p:extLst>
   </p:cSld>
@@ -972,7 +1002,7 @@
     </p:spTree>
     <p:extLst>
       <p:ext uri="{BB962C8B-B14F-4D97-AF65-F5344CB8AC3E}">
-        <p14:creationId xmlns:p14="http://schemas.microsoft.com/office/powerpoint/2010/main" val="2887953239"/>
+        <p14:creationId xmlns:p14="http://schemas.microsoft.com/office/powerpoint/2010/main" val="1275796544"/>
       </p:ext>
     </p:extLst>
   </p:cSld>
@@ -1056,7 +1086,7 @@
     </p:spTree>
     <p:extLst>
       <p:ext uri="{BB962C8B-B14F-4D97-AF65-F5344CB8AC3E}">
-        <p14:creationId xmlns:p14="http://schemas.microsoft.com/office/powerpoint/2010/main" val="591135016"/>
+        <p14:creationId xmlns:p14="http://schemas.microsoft.com/office/powerpoint/2010/main" val="2887953239"/>
       </p:ext>
     </p:extLst>
   </p:cSld>
@@ -1132,6 +1162,174 @@
             <a:fld id="{BA5DFA43-8D57-47FB-BC46-057616015C3B}" type="slidenum">
               <a:rPr lang="ko-KR" altLang="en-US" smtClean="0"/>
               <a:t>15</a:t>
+            </a:fld>
+            <a:endParaRPr lang="ko-KR" altLang="en-US"/>
+          </a:p>
+        </p:txBody>
+      </p:sp>
+    </p:spTree>
+    <p:extLst>
+      <p:ext uri="{BB962C8B-B14F-4D97-AF65-F5344CB8AC3E}">
+        <p14:creationId xmlns:p14="http://schemas.microsoft.com/office/powerpoint/2010/main" val="2887953239"/>
+      </p:ext>
+    </p:extLst>
+  </p:cSld>
+  <p:clrMapOvr>
+    <a:masterClrMapping/>
+  </p:clrMapOvr>
+</p:notes>
+</file>
+
+<file path=ppt/notesSlides/notesSlide15.xml><?xml version="1.0" encoding="utf-8"?>
+<p:notes xmlns:a="http://schemas.openxmlformats.org/drawingml/2006/main" xmlns:r="http://schemas.openxmlformats.org/officeDocument/2006/relationships" xmlns:p="http://schemas.openxmlformats.org/presentationml/2006/main">
+  <p:cSld>
+    <p:spTree>
+      <p:nvGrpSpPr>
+        <p:cNvPr id="1" name=""/>
+        <p:cNvGrpSpPr/>
+        <p:nvPr/>
+      </p:nvGrpSpPr>
+      <p:grpSpPr>
+        <a:xfrm>
+          <a:off x="0" y="0"/>
+          <a:ext cx="0" cy="0"/>
+          <a:chOff x="0" y="0"/>
+          <a:chExt cx="0" cy="0"/>
+        </a:xfrm>
+      </p:grpSpPr>
+      <p:sp>
+        <p:nvSpPr>
+          <p:cNvPr id="2" name="슬라이드 이미지 개체 틀 1"/>
+          <p:cNvSpPr>
+            <a:spLocks noGrp="1" noRot="1" noChangeAspect="1"/>
+          </p:cNvSpPr>
+          <p:nvPr>
+            <p:ph type="sldImg"/>
+          </p:nvPr>
+        </p:nvSpPr>
+        <p:spPr/>
+      </p:sp>
+      <p:sp>
+        <p:nvSpPr>
+          <p:cNvPr id="3" name="슬라이드 노트 개체 틀 2"/>
+          <p:cNvSpPr>
+            <a:spLocks noGrp="1"/>
+          </p:cNvSpPr>
+          <p:nvPr>
+            <p:ph type="body" idx="1"/>
+          </p:nvPr>
+        </p:nvSpPr>
+        <p:spPr/>
+        <p:txBody>
+          <a:bodyPr/>
+          <a:lstStyle/>
+          <a:p>
+            <a:endParaRPr lang="ko-KR" altLang="en-US" dirty="0"/>
+          </a:p>
+        </p:txBody>
+      </p:sp>
+      <p:sp>
+        <p:nvSpPr>
+          <p:cNvPr id="4" name="슬라이드 번호 개체 틀 3"/>
+          <p:cNvSpPr>
+            <a:spLocks noGrp="1"/>
+          </p:cNvSpPr>
+          <p:nvPr>
+            <p:ph type="sldNum" sz="quarter" idx="10"/>
+          </p:nvPr>
+        </p:nvSpPr>
+        <p:spPr/>
+        <p:txBody>
+          <a:bodyPr/>
+          <a:lstStyle/>
+          <a:p>
+            <a:fld id="{BA5DFA43-8D57-47FB-BC46-057616015C3B}" type="slidenum">
+              <a:rPr lang="ko-KR" altLang="en-US" smtClean="0"/>
+              <a:t>16</a:t>
+            </a:fld>
+            <a:endParaRPr lang="ko-KR" altLang="en-US"/>
+          </a:p>
+        </p:txBody>
+      </p:sp>
+    </p:spTree>
+    <p:extLst>
+      <p:ext uri="{BB962C8B-B14F-4D97-AF65-F5344CB8AC3E}">
+        <p14:creationId xmlns:p14="http://schemas.microsoft.com/office/powerpoint/2010/main" val="591135016"/>
+      </p:ext>
+    </p:extLst>
+  </p:cSld>
+  <p:clrMapOvr>
+    <a:masterClrMapping/>
+  </p:clrMapOvr>
+</p:notes>
+</file>
+
+<file path=ppt/notesSlides/notesSlide16.xml><?xml version="1.0" encoding="utf-8"?>
+<p:notes xmlns:a="http://schemas.openxmlformats.org/drawingml/2006/main" xmlns:r="http://schemas.openxmlformats.org/officeDocument/2006/relationships" xmlns:p="http://schemas.openxmlformats.org/presentationml/2006/main">
+  <p:cSld>
+    <p:spTree>
+      <p:nvGrpSpPr>
+        <p:cNvPr id="1" name=""/>
+        <p:cNvGrpSpPr/>
+        <p:nvPr/>
+      </p:nvGrpSpPr>
+      <p:grpSpPr>
+        <a:xfrm>
+          <a:off x="0" y="0"/>
+          <a:ext cx="0" cy="0"/>
+          <a:chOff x="0" y="0"/>
+          <a:chExt cx="0" cy="0"/>
+        </a:xfrm>
+      </p:grpSpPr>
+      <p:sp>
+        <p:nvSpPr>
+          <p:cNvPr id="2" name="슬라이드 이미지 개체 틀 1"/>
+          <p:cNvSpPr>
+            <a:spLocks noGrp="1" noRot="1" noChangeAspect="1"/>
+          </p:cNvSpPr>
+          <p:nvPr>
+            <p:ph type="sldImg"/>
+          </p:nvPr>
+        </p:nvSpPr>
+        <p:spPr/>
+      </p:sp>
+      <p:sp>
+        <p:nvSpPr>
+          <p:cNvPr id="3" name="슬라이드 노트 개체 틀 2"/>
+          <p:cNvSpPr>
+            <a:spLocks noGrp="1"/>
+          </p:cNvSpPr>
+          <p:nvPr>
+            <p:ph type="body" idx="1"/>
+          </p:nvPr>
+        </p:nvSpPr>
+        <p:spPr/>
+        <p:txBody>
+          <a:bodyPr/>
+          <a:lstStyle/>
+          <a:p>
+            <a:endParaRPr lang="ko-KR" altLang="en-US" dirty="0"/>
+          </a:p>
+        </p:txBody>
+      </p:sp>
+      <p:sp>
+        <p:nvSpPr>
+          <p:cNvPr id="4" name="슬라이드 번호 개체 틀 3"/>
+          <p:cNvSpPr>
+            <a:spLocks noGrp="1"/>
+          </p:cNvSpPr>
+          <p:nvPr>
+            <p:ph type="sldNum" sz="quarter" idx="10"/>
+          </p:nvPr>
+        </p:nvSpPr>
+        <p:spPr/>
+        <p:txBody>
+          <a:bodyPr/>
+          <a:lstStyle/>
+          <a:p>
+            <a:fld id="{BA5DFA43-8D57-47FB-BC46-057616015C3B}" type="slidenum">
+              <a:rPr lang="ko-KR" altLang="en-US" smtClean="0"/>
+              <a:t>17</a:t>
             </a:fld>
             <a:endParaRPr lang="ko-KR" altLang="en-US"/>
           </a:p>
@@ -1224,7 +1422,7 @@
     </p:spTree>
     <p:extLst>
       <p:ext uri="{BB962C8B-B14F-4D97-AF65-F5344CB8AC3E}">
-        <p14:creationId xmlns:p14="http://schemas.microsoft.com/office/powerpoint/2010/main" val="1484657388"/>
+        <p14:creationId xmlns:p14="http://schemas.microsoft.com/office/powerpoint/2010/main" val="633835437"/>
       </p:ext>
     </p:extLst>
   </p:cSld>
@@ -1644,7 +1842,7 @@
     </p:spTree>
     <p:extLst>
       <p:ext uri="{BB962C8B-B14F-4D97-AF65-F5344CB8AC3E}">
-        <p14:creationId xmlns:p14="http://schemas.microsoft.com/office/powerpoint/2010/main" val="879553573"/>
+        <p14:creationId xmlns:p14="http://schemas.microsoft.com/office/powerpoint/2010/main" val="795283413"/>
       </p:ext>
     </p:extLst>
   </p:cSld>
@@ -1728,7 +1926,7 @@
     </p:spTree>
     <p:extLst>
       <p:ext uri="{BB962C8B-B14F-4D97-AF65-F5344CB8AC3E}">
-        <p14:creationId xmlns:p14="http://schemas.microsoft.com/office/powerpoint/2010/main" val="4050074835"/>
+        <p14:creationId xmlns:p14="http://schemas.microsoft.com/office/powerpoint/2010/main" val="3617340195"/>
       </p:ext>
     </p:extLst>
   </p:cSld>
@@ -1812,7 +2010,7 @@
     </p:spTree>
     <p:extLst>
       <p:ext uri="{BB962C8B-B14F-4D97-AF65-F5344CB8AC3E}">
-        <p14:creationId xmlns:p14="http://schemas.microsoft.com/office/powerpoint/2010/main" val="3204143008"/>
+        <p14:creationId xmlns:p14="http://schemas.microsoft.com/office/powerpoint/2010/main" val="879553573"/>
       </p:ext>
     </p:extLst>
   </p:cSld>
@@ -4773,7 +4971,7 @@
         </p:nvSpPr>
         <p:spPr>
           <a:xfrm>
-            <a:off x="3311859" y="2342829"/>
+            <a:off x="1691680" y="2342829"/>
             <a:ext cx="1296146" cy="551345"/>
           </a:xfrm>
           <a:prstGeom prst="roundRect">
@@ -4803,7 +5001,14 @@
             <a:pPr algn="ctr"/>
             <a:r>
               <a:rPr lang="en-US" altLang="ko-KR" sz="1400"/>
-              <a:t>Coondinator</a:t>
+              <a:t>Order</a:t>
+            </a:r>
+          </a:p>
+          <a:p>
+            <a:pPr algn="ctr"/>
+            <a:r>
+              <a:rPr lang="en-US" altLang="ko-KR" sz="1400"/>
+              <a:t>Service</a:t>
             </a:r>
             <a:endParaRPr lang="ko-KR" altLang="en-US" sz="1400"/>
           </a:p>
@@ -4980,399 +5185,24 @@
           </a:p>
         </p:txBody>
       </p:sp>
-      <p:grpSp>
-        <p:nvGrpSpPr>
-          <p:cNvPr id="2" name="그룹 1">
-            <a:extLst>
-              <a:ext uri="{FF2B5EF4-FFF2-40B4-BE49-F238E27FC236}">
-                <a16:creationId xmlns:a16="http://schemas.microsoft.com/office/drawing/2014/main" id="{24786D3E-CAB2-4F94-85F7-4EAB127F566E}"/>
-              </a:ext>
-            </a:extLst>
-          </p:cNvPr>
-          <p:cNvGrpSpPr/>
-          <p:nvPr/>
-        </p:nvGrpSpPr>
-        <p:grpSpPr>
-          <a:xfrm>
-            <a:off x="4608005" y="1347086"/>
-            <a:ext cx="828092" cy="2567416"/>
-            <a:chOff x="2987826" y="1347086"/>
-            <a:chExt cx="2448271" cy="2567416"/>
-          </a:xfrm>
-        </p:grpSpPr>
-        <p:cxnSp>
-          <p:nvCxnSpPr>
-            <p:cNvPr id="42" name="직선 화살표 연결선 41">
-              <a:extLst>
-                <a:ext uri="{FF2B5EF4-FFF2-40B4-BE49-F238E27FC236}">
-                  <a16:creationId xmlns:a16="http://schemas.microsoft.com/office/drawing/2014/main" id="{886ECD4C-23D5-495A-9680-CA0B10336405}"/>
-                </a:ext>
-              </a:extLst>
-            </p:cNvPr>
-            <p:cNvCxnSpPr>
-              <a:cxnSpLocks/>
-            </p:cNvCxnSpPr>
-            <p:nvPr/>
-          </p:nvCxnSpPr>
-          <p:spPr>
-            <a:xfrm flipV="1">
-              <a:off x="2987826" y="1464080"/>
-              <a:ext cx="2448271" cy="1225211"/>
-            </a:xfrm>
-            <a:prstGeom prst="straightConnector1">
-              <a:avLst/>
-            </a:prstGeom>
-            <a:ln>
-              <a:solidFill>
-                <a:schemeClr val="tx2"/>
-              </a:solidFill>
-              <a:headEnd type="none" w="med" len="med"/>
-              <a:tailEnd type="arrow" w="med" len="med"/>
-            </a:ln>
-          </p:spPr>
-          <p:style>
-            <a:lnRef idx="1">
-              <a:schemeClr val="accent1"/>
-            </a:lnRef>
-            <a:fillRef idx="0">
-              <a:schemeClr val="accent1"/>
-            </a:fillRef>
-            <a:effectRef idx="0">
-              <a:schemeClr val="accent1"/>
-            </a:effectRef>
-            <a:fontRef idx="minor">
-              <a:schemeClr val="tx1"/>
-            </a:fontRef>
-          </p:style>
-        </p:cxnSp>
-        <p:cxnSp>
-          <p:nvCxnSpPr>
-            <p:cNvPr id="44" name="직선 화살표 연결선 43">
-              <a:extLst>
-                <a:ext uri="{FF2B5EF4-FFF2-40B4-BE49-F238E27FC236}">
-                  <a16:creationId xmlns:a16="http://schemas.microsoft.com/office/drawing/2014/main" id="{F9ACFD16-B65B-4C0D-9F93-F98D8C1A45FA}"/>
-                </a:ext>
-              </a:extLst>
-            </p:cNvPr>
-            <p:cNvCxnSpPr>
-              <a:cxnSpLocks/>
-            </p:cNvCxnSpPr>
-            <p:nvPr/>
-          </p:nvCxnSpPr>
-          <p:spPr>
-            <a:xfrm>
-              <a:off x="2987826" y="2689291"/>
-              <a:ext cx="2448271" cy="0"/>
-            </a:xfrm>
-            <a:prstGeom prst="straightConnector1">
-              <a:avLst/>
-            </a:prstGeom>
-            <a:ln>
-              <a:solidFill>
-                <a:schemeClr val="tx2"/>
-              </a:solidFill>
-              <a:headEnd type="none" w="med" len="med"/>
-              <a:tailEnd type="arrow" w="med" len="med"/>
-            </a:ln>
-          </p:spPr>
-          <p:style>
-            <a:lnRef idx="1">
-              <a:schemeClr val="accent1"/>
-            </a:lnRef>
-            <a:fillRef idx="0">
-              <a:schemeClr val="accent1"/>
-            </a:fillRef>
-            <a:effectRef idx="0">
-              <a:schemeClr val="accent1"/>
-            </a:effectRef>
-            <a:fontRef idx="minor">
-              <a:schemeClr val="tx1"/>
-            </a:fontRef>
-          </p:style>
-        </p:cxnSp>
-        <p:cxnSp>
-          <p:nvCxnSpPr>
-            <p:cNvPr id="48" name="직선 화살표 연결선 47">
-              <a:extLst>
-                <a:ext uri="{FF2B5EF4-FFF2-40B4-BE49-F238E27FC236}">
-                  <a16:creationId xmlns:a16="http://schemas.microsoft.com/office/drawing/2014/main" id="{612DE9DB-5A7F-401F-AFE1-4D19834BE366}"/>
-                </a:ext>
-              </a:extLst>
-            </p:cNvPr>
-            <p:cNvCxnSpPr>
-              <a:cxnSpLocks/>
-            </p:cNvCxnSpPr>
-            <p:nvPr/>
-          </p:nvCxnSpPr>
-          <p:spPr>
-            <a:xfrm>
-              <a:off x="2987826" y="2689291"/>
-              <a:ext cx="2448271" cy="1225211"/>
-            </a:xfrm>
-            <a:prstGeom prst="straightConnector1">
-              <a:avLst/>
-            </a:prstGeom>
-            <a:ln>
-              <a:solidFill>
-                <a:schemeClr val="tx2"/>
-              </a:solidFill>
-              <a:headEnd type="none" w="med" len="med"/>
-              <a:tailEnd type="arrow" w="med" len="med"/>
-            </a:ln>
-          </p:spPr>
-          <p:style>
-            <a:lnRef idx="1">
-              <a:schemeClr val="accent1"/>
-            </a:lnRef>
-            <a:fillRef idx="0">
-              <a:schemeClr val="accent1"/>
-            </a:fillRef>
-            <a:effectRef idx="0">
-              <a:schemeClr val="accent1"/>
-            </a:effectRef>
-            <a:fontRef idx="minor">
-              <a:schemeClr val="tx1"/>
-            </a:fontRef>
-          </p:style>
-        </p:cxnSp>
-        <p:cxnSp>
-          <p:nvCxnSpPr>
-            <p:cNvPr id="53" name="직선 화살표 연결선 52">
-              <a:extLst>
-                <a:ext uri="{FF2B5EF4-FFF2-40B4-BE49-F238E27FC236}">
-                  <a16:creationId xmlns:a16="http://schemas.microsoft.com/office/drawing/2014/main" id="{EC93C3B7-BA77-43B4-A3BD-ACEAE52DE7FE}"/>
-                </a:ext>
-              </a:extLst>
-            </p:cNvPr>
-            <p:cNvCxnSpPr>
-              <a:cxnSpLocks/>
-            </p:cNvCxnSpPr>
-            <p:nvPr/>
-          </p:nvCxnSpPr>
-          <p:spPr>
-            <a:xfrm flipV="1">
-              <a:off x="2987826" y="1347086"/>
-              <a:ext cx="2448271" cy="1225211"/>
-            </a:xfrm>
-            <a:prstGeom prst="straightConnector1">
-              <a:avLst/>
-            </a:prstGeom>
-            <a:ln>
-              <a:solidFill>
-                <a:srgbClr val="C00000"/>
-              </a:solidFill>
-              <a:headEnd type="none" w="med" len="med"/>
-              <a:tailEnd type="arrow" w="med" len="med"/>
-            </a:ln>
-          </p:spPr>
-          <p:style>
-            <a:lnRef idx="1">
-              <a:schemeClr val="accent1"/>
-            </a:lnRef>
-            <a:fillRef idx="0">
-              <a:schemeClr val="accent1"/>
-            </a:fillRef>
-            <a:effectRef idx="0">
-              <a:schemeClr val="accent1"/>
-            </a:effectRef>
-            <a:fontRef idx="minor">
-              <a:schemeClr val="tx1"/>
-            </a:fontRef>
-          </p:style>
-        </p:cxnSp>
-        <p:cxnSp>
-          <p:nvCxnSpPr>
-            <p:cNvPr id="54" name="직선 화살표 연결선 53">
-              <a:extLst>
-                <a:ext uri="{FF2B5EF4-FFF2-40B4-BE49-F238E27FC236}">
-                  <a16:creationId xmlns:a16="http://schemas.microsoft.com/office/drawing/2014/main" id="{5CB6F84B-B5C7-4DBA-960D-FC948014E1C3}"/>
-                </a:ext>
-              </a:extLst>
-            </p:cNvPr>
-            <p:cNvCxnSpPr>
-              <a:cxnSpLocks/>
-            </p:cNvCxnSpPr>
-            <p:nvPr/>
-          </p:nvCxnSpPr>
-          <p:spPr>
-            <a:xfrm>
-              <a:off x="2987826" y="2569122"/>
-              <a:ext cx="2448271" cy="0"/>
-            </a:xfrm>
-            <a:prstGeom prst="straightConnector1">
-              <a:avLst/>
-            </a:prstGeom>
-            <a:ln>
-              <a:solidFill>
-                <a:srgbClr val="C00000"/>
-              </a:solidFill>
-              <a:headEnd type="none" w="med" len="med"/>
-              <a:tailEnd type="arrow" w="med" len="med"/>
-            </a:ln>
-          </p:spPr>
-          <p:style>
-            <a:lnRef idx="1">
-              <a:schemeClr val="accent1"/>
-            </a:lnRef>
-            <a:fillRef idx="0">
-              <a:schemeClr val="accent1"/>
-            </a:fillRef>
-            <a:effectRef idx="0">
-              <a:schemeClr val="accent1"/>
-            </a:effectRef>
-            <a:fontRef idx="minor">
-              <a:schemeClr val="tx1"/>
-            </a:fontRef>
-          </p:style>
-        </p:cxnSp>
-        <p:cxnSp>
-          <p:nvCxnSpPr>
-            <p:cNvPr id="55" name="직선 화살표 연결선 54">
-              <a:extLst>
-                <a:ext uri="{FF2B5EF4-FFF2-40B4-BE49-F238E27FC236}">
-                  <a16:creationId xmlns:a16="http://schemas.microsoft.com/office/drawing/2014/main" id="{62A30C44-6247-4600-928F-3CAD0D6EF2DD}"/>
-                </a:ext>
-              </a:extLst>
-            </p:cNvPr>
-            <p:cNvCxnSpPr>
-              <a:cxnSpLocks/>
-            </p:cNvCxnSpPr>
-            <p:nvPr/>
-          </p:nvCxnSpPr>
-          <p:spPr>
-            <a:xfrm>
-              <a:off x="2987826" y="2551455"/>
-              <a:ext cx="2448271" cy="1225211"/>
-            </a:xfrm>
-            <a:prstGeom prst="straightConnector1">
-              <a:avLst/>
-            </a:prstGeom>
-            <a:ln>
-              <a:solidFill>
-                <a:srgbClr val="C00000"/>
-              </a:solidFill>
-              <a:headEnd type="none" w="med" len="med"/>
-              <a:tailEnd type="arrow" w="med" len="med"/>
-            </a:ln>
-          </p:spPr>
-          <p:style>
-            <a:lnRef idx="1">
-              <a:schemeClr val="accent1"/>
-            </a:lnRef>
-            <a:fillRef idx="0">
-              <a:schemeClr val="accent1"/>
-            </a:fillRef>
-            <a:effectRef idx="0">
-              <a:schemeClr val="accent1"/>
-            </a:effectRef>
-            <a:fontRef idx="minor">
-              <a:schemeClr val="tx1"/>
-            </a:fontRef>
-          </p:style>
-        </p:cxnSp>
-      </p:grpSp>
       <p:cxnSp>
         <p:nvCxnSpPr>
-          <p:cNvPr id="57" name="직선 화살표 연결선 56">
-            <a:extLst>
-              <a:ext uri="{FF2B5EF4-FFF2-40B4-BE49-F238E27FC236}">
-                <a16:creationId xmlns:a16="http://schemas.microsoft.com/office/drawing/2014/main" id="{1E2CD5D2-ACF6-490B-87A7-5E3F3BE62132}"/>
+          <p:cNvPr id="42" name="직선 화살표 연결선 41">
+            <a:extLst>
+              <a:ext uri="{FF2B5EF4-FFF2-40B4-BE49-F238E27FC236}">
+                <a16:creationId xmlns:a16="http://schemas.microsoft.com/office/drawing/2014/main" id="{886ECD4C-23D5-495A-9680-CA0B10336405}"/>
               </a:ext>
             </a:extLst>
           </p:cNvPr>
           <p:cNvCxnSpPr>
             <a:cxnSpLocks/>
-            <a:stCxn id="58" idx="3"/>
           </p:cNvCxnSpPr>
           <p:nvPr/>
         </p:nvCxnSpPr>
         <p:spPr>
-          <a:xfrm>
-            <a:off x="2148437" y="3121993"/>
-            <a:ext cx="407339" cy="0"/>
-          </a:xfrm>
-          <a:prstGeom prst="straightConnector1">
-            <a:avLst/>
-          </a:prstGeom>
-          <a:ln>
-            <a:solidFill>
-              <a:srgbClr val="C00000"/>
-            </a:solidFill>
-            <a:headEnd type="none" w="med" len="med"/>
-            <a:tailEnd type="arrow" w="med" len="med"/>
-          </a:ln>
-        </p:spPr>
-        <p:style>
-          <a:lnRef idx="1">
-            <a:schemeClr val="accent1"/>
-          </a:lnRef>
-          <a:fillRef idx="0">
-            <a:schemeClr val="accent1"/>
-          </a:fillRef>
-          <a:effectRef idx="0">
-            <a:schemeClr val="accent1"/>
-          </a:effectRef>
-          <a:fontRef idx="minor">
-            <a:schemeClr val="tx1"/>
-          </a:fontRef>
-        </p:style>
-      </p:cxnSp>
-      <p:sp>
-        <p:nvSpPr>
-          <p:cNvPr id="58" name="TextBox 57">
-            <a:extLst>
-              <a:ext uri="{FF2B5EF4-FFF2-40B4-BE49-F238E27FC236}">
-                <a16:creationId xmlns:a16="http://schemas.microsoft.com/office/drawing/2014/main" id="{33FDFE07-B2E3-42F4-8315-C1CE4565603F}"/>
-              </a:ext>
-            </a:extLst>
-          </p:cNvPr>
-          <p:cNvSpPr txBox="1"/>
-          <p:nvPr/>
-        </p:nvSpPr>
-        <p:spPr>
-          <a:xfrm>
-            <a:off x="1320346" y="2983493"/>
-            <a:ext cx="828091" cy="276999"/>
-          </a:xfrm>
-          <a:prstGeom prst="rect">
-            <a:avLst/>
-          </a:prstGeom>
-          <a:noFill/>
-        </p:spPr>
-        <p:txBody>
-          <a:bodyPr wrap="square" rtlCol="0" anchor="ctr">
-            <a:spAutoFit/>
-          </a:bodyPr>
-          <a:lstStyle/>
-          <a:p>
-            <a:pPr algn="ctr"/>
-            <a:r>
-              <a:rPr lang="en-US" altLang="ko-KR" sz="1200"/>
-              <a:t>Prepare</a:t>
-            </a:r>
-            <a:endParaRPr lang="ko-KR" altLang="en-US" sz="1200"/>
-          </a:p>
-        </p:txBody>
-      </p:sp>
-      <p:cxnSp>
-        <p:nvCxnSpPr>
-          <p:cNvPr id="63" name="직선 화살표 연결선 62">
-            <a:extLst>
-              <a:ext uri="{FF2B5EF4-FFF2-40B4-BE49-F238E27FC236}">
-                <a16:creationId xmlns:a16="http://schemas.microsoft.com/office/drawing/2014/main" id="{646F1A69-13D5-4BBC-A4E5-71EEF8A45201}"/>
-              </a:ext>
-            </a:extLst>
-          </p:cNvPr>
-          <p:cNvCxnSpPr>
-            <a:cxnSpLocks/>
-            <a:stCxn id="64" idx="3"/>
-          </p:cNvCxnSpPr>
-          <p:nvPr/>
-        </p:nvCxnSpPr>
-        <p:spPr>
-          <a:xfrm>
-            <a:off x="2148437" y="3369355"/>
-            <a:ext cx="407339" cy="0"/>
+          <a:xfrm flipV="1">
+            <a:off x="2987826" y="1464080"/>
+            <a:ext cx="2448271" cy="1225211"/>
           </a:xfrm>
           <a:prstGeom prst="straightConnector1">
             <a:avLst/>
@@ -5400,120 +5230,114 @@
           </a:fontRef>
         </p:style>
       </p:cxnSp>
-      <p:sp>
-        <p:nvSpPr>
-          <p:cNvPr id="64" name="TextBox 63">
-            <a:extLst>
-              <a:ext uri="{FF2B5EF4-FFF2-40B4-BE49-F238E27FC236}">
-                <a16:creationId xmlns:a16="http://schemas.microsoft.com/office/drawing/2014/main" id="{077B8717-EC4A-4AFF-B6B3-E9770D9E2AC1}"/>
-              </a:ext>
-            </a:extLst>
-          </p:cNvPr>
-          <p:cNvSpPr txBox="1"/>
-          <p:nvPr/>
-        </p:nvSpPr>
-        <p:spPr>
-          <a:xfrm>
-            <a:off x="1320346" y="3230855"/>
-            <a:ext cx="828091" cy="276999"/>
-          </a:xfrm>
-          <a:prstGeom prst="rect">
-            <a:avLst/>
-          </a:prstGeom>
-          <a:noFill/>
-        </p:spPr>
-        <p:txBody>
-          <a:bodyPr wrap="square" rtlCol="0" anchor="ctr">
-            <a:spAutoFit/>
-          </a:bodyPr>
-          <a:lstStyle/>
-          <a:p>
-            <a:pPr algn="ctr"/>
-            <a:r>
-              <a:rPr lang="en-US" altLang="ko-KR" sz="1200"/>
-              <a:t>Commit</a:t>
-            </a:r>
-            <a:endParaRPr lang="ko-KR" altLang="en-US" sz="1200"/>
-          </a:p>
-        </p:txBody>
-      </p:sp>
-      <p:sp>
-        <p:nvSpPr>
-          <p:cNvPr id="19" name="사각형: 둥근 모서리 18">
-            <a:extLst>
-              <a:ext uri="{FF2B5EF4-FFF2-40B4-BE49-F238E27FC236}">
-                <a16:creationId xmlns:a16="http://schemas.microsoft.com/office/drawing/2014/main" id="{0043287A-F963-4EA0-B42A-53FC6D0AA9C1}"/>
-              </a:ext>
-            </a:extLst>
-          </p:cNvPr>
-          <p:cNvSpPr/>
-          <p:nvPr/>
-        </p:nvSpPr>
-        <p:spPr>
-          <a:xfrm>
-            <a:off x="1259632" y="2342829"/>
-            <a:ext cx="1296146" cy="551345"/>
-          </a:xfrm>
-          <a:prstGeom prst="roundRect">
-            <a:avLst>
-              <a:gd name="adj" fmla="val 8201"/>
-            </a:avLst>
-          </a:prstGeom>
-        </p:spPr>
-        <p:style>
-          <a:lnRef idx="2">
-            <a:schemeClr val="dk1"/>
-          </a:lnRef>
-          <a:fillRef idx="1">
-            <a:schemeClr val="lt1"/>
-          </a:fillRef>
-          <a:effectRef idx="0">
-            <a:schemeClr val="dk1"/>
-          </a:effectRef>
-          <a:fontRef idx="minor">
-            <a:schemeClr val="dk1"/>
-          </a:fontRef>
-        </p:style>
-        <p:txBody>
-          <a:bodyPr rtlCol="0" anchor="ctr"/>
-          <a:lstStyle/>
-          <a:p>
-            <a:pPr algn="ctr"/>
-            <a:r>
-              <a:rPr lang="en-US" altLang="ko-KR" sz="1400"/>
-              <a:t>Order</a:t>
-            </a:r>
-          </a:p>
-          <a:p>
-            <a:pPr algn="ctr"/>
-            <a:r>
-              <a:rPr lang="en-US" altLang="ko-KR" sz="1400"/>
-              <a:t>Service</a:t>
-            </a:r>
-            <a:endParaRPr lang="ko-KR" altLang="en-US" sz="1400"/>
-          </a:p>
-        </p:txBody>
-      </p:sp>
       <p:cxnSp>
         <p:nvCxnSpPr>
-          <p:cNvPr id="21" name="직선 화살표 연결선 20">
-            <a:extLst>
-              <a:ext uri="{FF2B5EF4-FFF2-40B4-BE49-F238E27FC236}">
-                <a16:creationId xmlns:a16="http://schemas.microsoft.com/office/drawing/2014/main" id="{6E8722DE-390F-4DF1-B986-59A33E965AC5}"/>
+          <p:cNvPr id="44" name="직선 화살표 연결선 43">
+            <a:extLst>
+              <a:ext uri="{FF2B5EF4-FFF2-40B4-BE49-F238E27FC236}">
+                <a16:creationId xmlns:a16="http://schemas.microsoft.com/office/drawing/2014/main" id="{F9ACFD16-B65B-4C0D-9F93-F98D8C1A45FA}"/>
               </a:ext>
             </a:extLst>
           </p:cNvPr>
           <p:cNvCxnSpPr>
             <a:cxnSpLocks/>
-            <a:stCxn id="19" idx="3"/>
-            <a:endCxn id="28" idx="1"/>
           </p:cNvCxnSpPr>
           <p:nvPr/>
         </p:nvCxnSpPr>
         <p:spPr>
           <a:xfrm>
-            <a:off x="2555778" y="2618502"/>
-            <a:ext cx="756081" cy="0"/>
+            <a:off x="2987826" y="2689291"/>
+            <a:ext cx="2448271" cy="0"/>
+          </a:xfrm>
+          <a:prstGeom prst="straightConnector1">
+            <a:avLst/>
+          </a:prstGeom>
+          <a:ln>
+            <a:solidFill>
+              <a:schemeClr val="tx2"/>
+            </a:solidFill>
+            <a:headEnd type="none" w="med" len="med"/>
+            <a:tailEnd type="arrow" w="med" len="med"/>
+          </a:ln>
+        </p:spPr>
+        <p:style>
+          <a:lnRef idx="1">
+            <a:schemeClr val="accent1"/>
+          </a:lnRef>
+          <a:fillRef idx="0">
+            <a:schemeClr val="accent1"/>
+          </a:fillRef>
+          <a:effectRef idx="0">
+            <a:schemeClr val="accent1"/>
+          </a:effectRef>
+          <a:fontRef idx="minor">
+            <a:schemeClr val="tx1"/>
+          </a:fontRef>
+        </p:style>
+      </p:cxnSp>
+      <p:cxnSp>
+        <p:nvCxnSpPr>
+          <p:cNvPr id="48" name="직선 화살표 연결선 47">
+            <a:extLst>
+              <a:ext uri="{FF2B5EF4-FFF2-40B4-BE49-F238E27FC236}">
+                <a16:creationId xmlns:a16="http://schemas.microsoft.com/office/drawing/2014/main" id="{612DE9DB-5A7F-401F-AFE1-4D19834BE366}"/>
+              </a:ext>
+            </a:extLst>
+          </p:cNvPr>
+          <p:cNvCxnSpPr>
+            <a:cxnSpLocks/>
+          </p:cNvCxnSpPr>
+          <p:nvPr/>
+        </p:nvCxnSpPr>
+        <p:spPr>
+          <a:xfrm>
+            <a:off x="2987826" y="2689291"/>
+            <a:ext cx="2448271" cy="1225211"/>
+          </a:xfrm>
+          <a:prstGeom prst="straightConnector1">
+            <a:avLst/>
+          </a:prstGeom>
+          <a:ln>
+            <a:solidFill>
+              <a:schemeClr val="tx2"/>
+            </a:solidFill>
+            <a:headEnd type="none" w="med" len="med"/>
+            <a:tailEnd type="arrow" w="med" len="med"/>
+          </a:ln>
+        </p:spPr>
+        <p:style>
+          <a:lnRef idx="1">
+            <a:schemeClr val="accent1"/>
+          </a:lnRef>
+          <a:fillRef idx="0">
+            <a:schemeClr val="accent1"/>
+          </a:fillRef>
+          <a:effectRef idx="0">
+            <a:schemeClr val="accent1"/>
+          </a:effectRef>
+          <a:fontRef idx="minor">
+            <a:schemeClr val="tx1"/>
+          </a:fontRef>
+        </p:style>
+      </p:cxnSp>
+      <p:cxnSp>
+        <p:nvCxnSpPr>
+          <p:cNvPr id="53" name="직선 화살표 연결선 52">
+            <a:extLst>
+              <a:ext uri="{FF2B5EF4-FFF2-40B4-BE49-F238E27FC236}">
+                <a16:creationId xmlns:a16="http://schemas.microsoft.com/office/drawing/2014/main" id="{EC93C3B7-BA77-43B4-A3BD-ACEAE52DE7FE}"/>
+              </a:ext>
+            </a:extLst>
+          </p:cNvPr>
+          <p:cNvCxnSpPr>
+            <a:cxnSpLocks/>
+          </p:cNvCxnSpPr>
+          <p:nvPr/>
+        </p:nvCxnSpPr>
+        <p:spPr>
+          <a:xfrm flipV="1">
+            <a:off x="2987826" y="1347086"/>
+            <a:ext cx="2448271" cy="1225211"/>
           </a:xfrm>
           <a:prstGeom prst="straightConnector1">
             <a:avLst/>
@@ -5541,10 +5365,266 @@
           </a:fontRef>
         </p:style>
       </p:cxnSp>
+      <p:cxnSp>
+        <p:nvCxnSpPr>
+          <p:cNvPr id="54" name="직선 화살표 연결선 53">
+            <a:extLst>
+              <a:ext uri="{FF2B5EF4-FFF2-40B4-BE49-F238E27FC236}">
+                <a16:creationId xmlns:a16="http://schemas.microsoft.com/office/drawing/2014/main" id="{5CB6F84B-B5C7-4DBA-960D-FC948014E1C3}"/>
+              </a:ext>
+            </a:extLst>
+          </p:cNvPr>
+          <p:cNvCxnSpPr>
+            <a:cxnSpLocks/>
+          </p:cNvCxnSpPr>
+          <p:nvPr/>
+        </p:nvCxnSpPr>
+        <p:spPr>
+          <a:xfrm>
+            <a:off x="2987826" y="2569122"/>
+            <a:ext cx="2448271" cy="0"/>
+          </a:xfrm>
+          <a:prstGeom prst="straightConnector1">
+            <a:avLst/>
+          </a:prstGeom>
+          <a:ln>
+            <a:solidFill>
+              <a:schemeClr val="tx1"/>
+            </a:solidFill>
+            <a:headEnd type="none" w="med" len="med"/>
+            <a:tailEnd type="arrow" w="med" len="med"/>
+          </a:ln>
+        </p:spPr>
+        <p:style>
+          <a:lnRef idx="1">
+            <a:schemeClr val="accent1"/>
+          </a:lnRef>
+          <a:fillRef idx="0">
+            <a:schemeClr val="accent1"/>
+          </a:fillRef>
+          <a:effectRef idx="0">
+            <a:schemeClr val="accent1"/>
+          </a:effectRef>
+          <a:fontRef idx="minor">
+            <a:schemeClr val="tx1"/>
+          </a:fontRef>
+        </p:style>
+      </p:cxnSp>
+      <p:cxnSp>
+        <p:nvCxnSpPr>
+          <p:cNvPr id="55" name="직선 화살표 연결선 54">
+            <a:extLst>
+              <a:ext uri="{FF2B5EF4-FFF2-40B4-BE49-F238E27FC236}">
+                <a16:creationId xmlns:a16="http://schemas.microsoft.com/office/drawing/2014/main" id="{62A30C44-6247-4600-928F-3CAD0D6EF2DD}"/>
+              </a:ext>
+            </a:extLst>
+          </p:cNvPr>
+          <p:cNvCxnSpPr>
+            <a:cxnSpLocks/>
+          </p:cNvCxnSpPr>
+          <p:nvPr/>
+        </p:nvCxnSpPr>
+        <p:spPr>
+          <a:xfrm>
+            <a:off x="2987826" y="2551455"/>
+            <a:ext cx="2448271" cy="1225211"/>
+          </a:xfrm>
+          <a:prstGeom prst="straightConnector1">
+            <a:avLst/>
+          </a:prstGeom>
+          <a:ln>
+            <a:solidFill>
+              <a:schemeClr val="tx1"/>
+            </a:solidFill>
+            <a:headEnd type="none" w="med" len="med"/>
+            <a:tailEnd type="arrow" w="med" len="med"/>
+          </a:ln>
+        </p:spPr>
+        <p:style>
+          <a:lnRef idx="1">
+            <a:schemeClr val="accent1"/>
+          </a:lnRef>
+          <a:fillRef idx="0">
+            <a:schemeClr val="accent1"/>
+          </a:fillRef>
+          <a:effectRef idx="0">
+            <a:schemeClr val="accent1"/>
+          </a:effectRef>
+          <a:fontRef idx="minor">
+            <a:schemeClr val="tx1"/>
+          </a:fontRef>
+        </p:style>
+      </p:cxnSp>
+      <p:cxnSp>
+        <p:nvCxnSpPr>
+          <p:cNvPr id="57" name="직선 화살표 연결선 56">
+            <a:extLst>
+              <a:ext uri="{FF2B5EF4-FFF2-40B4-BE49-F238E27FC236}">
+                <a16:creationId xmlns:a16="http://schemas.microsoft.com/office/drawing/2014/main" id="{1E2CD5D2-ACF6-490B-87A7-5E3F3BE62132}"/>
+              </a:ext>
+            </a:extLst>
+          </p:cNvPr>
+          <p:cNvCxnSpPr>
+            <a:cxnSpLocks/>
+            <a:stCxn id="58" idx="3"/>
+          </p:cNvCxnSpPr>
+          <p:nvPr/>
+        </p:nvCxnSpPr>
+        <p:spPr>
+          <a:xfrm>
+            <a:off x="2518903" y="3176325"/>
+            <a:ext cx="407339" cy="0"/>
+          </a:xfrm>
+          <a:prstGeom prst="straightConnector1">
+            <a:avLst/>
+          </a:prstGeom>
+          <a:ln>
+            <a:solidFill>
+              <a:schemeClr val="tx1"/>
+            </a:solidFill>
+            <a:headEnd type="none" w="med" len="med"/>
+            <a:tailEnd type="arrow" w="med" len="med"/>
+          </a:ln>
+        </p:spPr>
+        <p:style>
+          <a:lnRef idx="1">
+            <a:schemeClr val="accent1"/>
+          </a:lnRef>
+          <a:fillRef idx="0">
+            <a:schemeClr val="accent1"/>
+          </a:fillRef>
+          <a:effectRef idx="0">
+            <a:schemeClr val="accent1"/>
+          </a:effectRef>
+          <a:fontRef idx="minor">
+            <a:schemeClr val="tx1"/>
+          </a:fontRef>
+        </p:style>
+      </p:cxnSp>
+      <p:sp>
+        <p:nvSpPr>
+          <p:cNvPr id="58" name="TextBox 57">
+            <a:extLst>
+              <a:ext uri="{FF2B5EF4-FFF2-40B4-BE49-F238E27FC236}">
+                <a16:creationId xmlns:a16="http://schemas.microsoft.com/office/drawing/2014/main" id="{33FDFE07-B2E3-42F4-8315-C1CE4565603F}"/>
+              </a:ext>
+            </a:extLst>
+          </p:cNvPr>
+          <p:cNvSpPr txBox="1"/>
+          <p:nvPr/>
+        </p:nvSpPr>
+        <p:spPr>
+          <a:xfrm>
+            <a:off x="1690812" y="3037825"/>
+            <a:ext cx="828091" cy="276999"/>
+          </a:xfrm>
+          <a:prstGeom prst="rect">
+            <a:avLst/>
+          </a:prstGeom>
+          <a:noFill/>
+        </p:spPr>
+        <p:txBody>
+          <a:bodyPr wrap="square" rtlCol="0" anchor="ctr">
+            <a:spAutoFit/>
+          </a:bodyPr>
+          <a:lstStyle/>
+          <a:p>
+            <a:pPr algn="ctr"/>
+            <a:r>
+              <a:rPr lang="en-US" altLang="ko-KR" sz="1200"/>
+              <a:t>Prepare</a:t>
+            </a:r>
+            <a:endParaRPr lang="ko-KR" altLang="en-US" sz="1200"/>
+          </a:p>
+        </p:txBody>
+      </p:sp>
+      <p:cxnSp>
+        <p:nvCxnSpPr>
+          <p:cNvPr id="63" name="직선 화살표 연결선 62">
+            <a:extLst>
+              <a:ext uri="{FF2B5EF4-FFF2-40B4-BE49-F238E27FC236}">
+                <a16:creationId xmlns:a16="http://schemas.microsoft.com/office/drawing/2014/main" id="{646F1A69-13D5-4BBC-A4E5-71EEF8A45201}"/>
+              </a:ext>
+            </a:extLst>
+          </p:cNvPr>
+          <p:cNvCxnSpPr>
+            <a:cxnSpLocks/>
+            <a:stCxn id="64" idx="3"/>
+          </p:cNvCxnSpPr>
+          <p:nvPr/>
+        </p:nvCxnSpPr>
+        <p:spPr>
+          <a:xfrm>
+            <a:off x="2518903" y="3423687"/>
+            <a:ext cx="407339" cy="0"/>
+          </a:xfrm>
+          <a:prstGeom prst="straightConnector1">
+            <a:avLst/>
+          </a:prstGeom>
+          <a:ln>
+            <a:solidFill>
+              <a:schemeClr val="tx2"/>
+            </a:solidFill>
+            <a:headEnd type="none" w="med" len="med"/>
+            <a:tailEnd type="arrow" w="med" len="med"/>
+          </a:ln>
+        </p:spPr>
+        <p:style>
+          <a:lnRef idx="1">
+            <a:schemeClr val="accent1"/>
+          </a:lnRef>
+          <a:fillRef idx="0">
+            <a:schemeClr val="accent1"/>
+          </a:fillRef>
+          <a:effectRef idx="0">
+            <a:schemeClr val="accent1"/>
+          </a:effectRef>
+          <a:fontRef idx="minor">
+            <a:schemeClr val="tx1"/>
+          </a:fontRef>
+        </p:style>
+      </p:cxnSp>
+      <p:sp>
+        <p:nvSpPr>
+          <p:cNvPr id="64" name="TextBox 63">
+            <a:extLst>
+              <a:ext uri="{FF2B5EF4-FFF2-40B4-BE49-F238E27FC236}">
+                <a16:creationId xmlns:a16="http://schemas.microsoft.com/office/drawing/2014/main" id="{077B8717-EC4A-4AFF-B6B3-E9770D9E2AC1}"/>
+              </a:ext>
+            </a:extLst>
+          </p:cNvPr>
+          <p:cNvSpPr txBox="1"/>
+          <p:nvPr/>
+        </p:nvSpPr>
+        <p:spPr>
+          <a:xfrm>
+            <a:off x="1690812" y="3285187"/>
+            <a:ext cx="828091" cy="276999"/>
+          </a:xfrm>
+          <a:prstGeom prst="rect">
+            <a:avLst/>
+          </a:prstGeom>
+          <a:noFill/>
+        </p:spPr>
+        <p:txBody>
+          <a:bodyPr wrap="square" rtlCol="0" anchor="ctr">
+            <a:spAutoFit/>
+          </a:bodyPr>
+          <a:lstStyle/>
+          <a:p>
+            <a:pPr algn="ctr"/>
+            <a:r>
+              <a:rPr lang="en-US" altLang="ko-KR" sz="1200"/>
+              <a:t>Commit</a:t>
+            </a:r>
+            <a:endParaRPr lang="ko-KR" altLang="en-US" sz="1200"/>
+          </a:p>
+        </p:txBody>
+      </p:sp>
     </p:spTree>
     <p:extLst>
       <p:ext uri="{BB962C8B-B14F-4D97-AF65-F5344CB8AC3E}">
-        <p14:creationId xmlns:p14="http://schemas.microsoft.com/office/powerpoint/2010/main" val="3926334550"/>
+        <p14:creationId xmlns:p14="http://schemas.microsoft.com/office/powerpoint/2010/main" val="3345086115"/>
       </p:ext>
     </p:extLst>
   </p:cSld>
@@ -5583,7 +5663,7 @@
         </p:nvSpPr>
         <p:spPr>
           <a:xfrm>
-            <a:off x="457200" y="-452586"/>
+            <a:off x="457200" y="130324"/>
             <a:ext cx="8229600" cy="857250"/>
           </a:xfrm>
         </p:spPr>
@@ -5595,7 +5675,7 @@
           <a:p>
             <a:r>
               <a:rPr lang="en-US" altLang="ko-KR"/>
-              <a:t>Saga Chreography </a:t>
+              <a:t>MSA Two-Phase Commit</a:t>
             </a:r>
             <a:endParaRPr lang="ko-KR" altLang="en-US" dirty="0"/>
           </a:p>
@@ -5615,7 +5695,7 @@
         </p:nvSpPr>
         <p:spPr>
           <a:xfrm>
-            <a:off x="1403648" y="2342829"/>
+            <a:off x="1691680" y="2342829"/>
             <a:ext cx="1296146" cy="551345"/>
           </a:xfrm>
           <a:prstGeom prst="roundRect">
@@ -5644,17 +5724,17 @@
           <a:p>
             <a:pPr algn="ctr"/>
             <a:r>
-              <a:rPr lang="en-US" altLang="ko-KR" sz="1600"/>
+              <a:rPr lang="en-US" altLang="ko-KR" sz="1400"/>
               <a:t>Order</a:t>
             </a:r>
           </a:p>
           <a:p>
             <a:pPr algn="ctr"/>
             <a:r>
-              <a:rPr lang="en-US" altLang="ko-KR" sz="1600"/>
+              <a:rPr lang="en-US" altLang="ko-KR" sz="1400"/>
               <a:t>Service</a:t>
             </a:r>
-            <a:endParaRPr lang="ko-KR" altLang="en-US" sz="1600"/>
+            <a:endParaRPr lang="ko-KR" altLang="en-US" sz="1400"/>
           </a:p>
         </p:txBody>
       </p:sp>
@@ -5672,7 +5752,7 @@
         </p:nvSpPr>
         <p:spPr>
           <a:xfrm>
-            <a:off x="5940153" y="1117618"/>
+            <a:off x="5436097" y="1117618"/>
             <a:ext cx="1296146" cy="551345"/>
           </a:xfrm>
           <a:prstGeom prst="roundRect">
@@ -5701,17 +5781,17 @@
           <a:p>
             <a:pPr algn="ctr"/>
             <a:r>
-              <a:rPr lang="en-US" altLang="ko-KR" sz="1600"/>
+              <a:rPr lang="en-US" altLang="ko-KR" sz="1400"/>
               <a:t>Payment</a:t>
             </a:r>
           </a:p>
           <a:p>
             <a:pPr algn="ctr"/>
             <a:r>
-              <a:rPr lang="en-US" altLang="ko-KR" sz="1600"/>
+              <a:rPr lang="en-US" altLang="ko-KR" sz="1400"/>
               <a:t>Service</a:t>
             </a:r>
-            <a:endParaRPr lang="ko-KR" altLang="en-US" sz="1600"/>
+            <a:endParaRPr lang="ko-KR" altLang="en-US" sz="1400"/>
           </a:p>
         </p:txBody>
       </p:sp>
@@ -5729,7 +5809,7 @@
         </p:nvSpPr>
         <p:spPr>
           <a:xfrm>
-            <a:off x="5940153" y="2342829"/>
+            <a:off x="5436097" y="2342829"/>
             <a:ext cx="1296146" cy="551345"/>
           </a:xfrm>
           <a:prstGeom prst="roundRect">
@@ -5758,17 +5838,17 @@
           <a:p>
             <a:pPr algn="ctr"/>
             <a:r>
-              <a:rPr lang="en-US" altLang="ko-KR" sz="1600"/>
+              <a:rPr lang="en-US" altLang="ko-KR" sz="1400"/>
               <a:t>Stock</a:t>
             </a:r>
           </a:p>
           <a:p>
             <a:pPr algn="ctr"/>
             <a:r>
-              <a:rPr lang="en-US" altLang="ko-KR" sz="1600"/>
+              <a:rPr lang="en-US" altLang="ko-KR" sz="1400"/>
               <a:t>Service</a:t>
             </a:r>
-            <a:endParaRPr lang="ko-KR" altLang="en-US" sz="1600"/>
+            <a:endParaRPr lang="ko-KR" altLang="en-US" sz="1400"/>
           </a:p>
         </p:txBody>
       </p:sp>
@@ -5786,7 +5866,7 @@
         </p:nvSpPr>
         <p:spPr>
           <a:xfrm>
-            <a:off x="5940153" y="3568040"/>
+            <a:off x="5436097" y="3568040"/>
             <a:ext cx="1296146" cy="551345"/>
           </a:xfrm>
           <a:prstGeom prst="roundRect">
@@ -5815,207 +5895,15 @@
           <a:p>
             <a:pPr algn="ctr"/>
             <a:r>
-              <a:rPr lang="en-US" altLang="ko-KR" sz="1600"/>
+              <a:rPr lang="en-US" altLang="ko-KR" sz="1400"/>
               <a:t>Delivery</a:t>
             </a:r>
           </a:p>
           <a:p>
             <a:pPr algn="ctr"/>
             <a:r>
-              <a:rPr lang="en-US" altLang="ko-KR" sz="1600"/>
+              <a:rPr lang="en-US" altLang="ko-KR" sz="1400"/>
               <a:t>Service</a:t>
-            </a:r>
-            <a:endParaRPr lang="ko-KR" altLang="en-US" sz="1600"/>
-          </a:p>
-        </p:txBody>
-      </p:sp>
-      <p:sp>
-        <p:nvSpPr>
-          <p:cNvPr id="2" name="타원 1">
-            <a:extLst>
-              <a:ext uri="{FF2B5EF4-FFF2-40B4-BE49-F238E27FC236}">
-                <a16:creationId xmlns:a16="http://schemas.microsoft.com/office/drawing/2014/main" id="{79FAAE09-E371-4E49-BDBA-CB73FE3EF24C}"/>
-              </a:ext>
-            </a:extLst>
-          </p:cNvPr>
-          <p:cNvSpPr/>
-          <p:nvPr/>
-        </p:nvSpPr>
-        <p:spPr>
-          <a:xfrm>
-            <a:off x="3059832" y="627534"/>
-            <a:ext cx="2509753" cy="490084"/>
-          </a:xfrm>
-          <a:prstGeom prst="ellipse">
-            <a:avLst/>
-          </a:prstGeom>
-        </p:spPr>
-        <p:style>
-          <a:lnRef idx="2">
-            <a:schemeClr val="dk1"/>
-          </a:lnRef>
-          <a:fillRef idx="1">
-            <a:schemeClr val="lt1"/>
-          </a:fillRef>
-          <a:effectRef idx="0">
-            <a:schemeClr val="dk1"/>
-          </a:effectRef>
-          <a:fontRef idx="minor">
-            <a:schemeClr val="dk1"/>
-          </a:fontRef>
-        </p:style>
-        <p:txBody>
-          <a:bodyPr rtlCol="0" anchor="ctr"/>
-          <a:lstStyle/>
-          <a:p>
-            <a:pPr algn="ctr"/>
-            <a:r>
-              <a:rPr lang="en-US" altLang="ko-KR" sz="1400"/>
-              <a:t>ORDER_CREATED Event</a:t>
-            </a:r>
-            <a:endParaRPr lang="ko-KR" altLang="en-US" sz="1400"/>
-          </a:p>
-        </p:txBody>
-      </p:sp>
-      <p:sp>
-        <p:nvSpPr>
-          <p:cNvPr id="34" name="타원 33">
-            <a:extLst>
-              <a:ext uri="{FF2B5EF4-FFF2-40B4-BE49-F238E27FC236}">
-                <a16:creationId xmlns:a16="http://schemas.microsoft.com/office/drawing/2014/main" id="{FD7C7981-888F-4168-856B-B00CC8F986E7}"/>
-              </a:ext>
-            </a:extLst>
-          </p:cNvPr>
-          <p:cNvSpPr/>
-          <p:nvPr/>
-        </p:nvSpPr>
-        <p:spPr>
-          <a:xfrm>
-            <a:off x="3059832" y="1730224"/>
-            <a:ext cx="2509753" cy="490084"/>
-          </a:xfrm>
-          <a:prstGeom prst="ellipse">
-            <a:avLst/>
-          </a:prstGeom>
-        </p:spPr>
-        <p:style>
-          <a:lnRef idx="2">
-            <a:schemeClr val="dk1"/>
-          </a:lnRef>
-          <a:fillRef idx="1">
-            <a:schemeClr val="lt1"/>
-          </a:fillRef>
-          <a:effectRef idx="0">
-            <a:schemeClr val="dk1"/>
-          </a:effectRef>
-          <a:fontRef idx="minor">
-            <a:schemeClr val="dk1"/>
-          </a:fontRef>
-        </p:style>
-        <p:txBody>
-          <a:bodyPr rtlCol="0" anchor="ctr"/>
-          <a:lstStyle/>
-          <a:p>
-            <a:pPr algn="ctr"/>
-            <a:r>
-              <a:rPr lang="en-US" altLang="ko-KR" sz="1400"/>
-              <a:t>BILLED_ORDER Event</a:t>
-            </a:r>
-            <a:endParaRPr lang="ko-KR" altLang="en-US" sz="1400"/>
-          </a:p>
-        </p:txBody>
-      </p:sp>
-      <p:sp>
-        <p:nvSpPr>
-          <p:cNvPr id="35" name="타원 34">
-            <a:extLst>
-              <a:ext uri="{FF2B5EF4-FFF2-40B4-BE49-F238E27FC236}">
-                <a16:creationId xmlns:a16="http://schemas.microsoft.com/office/drawing/2014/main" id="{D04B10BF-CE39-4BBB-9D32-2746F2AEB9E2}"/>
-              </a:ext>
-            </a:extLst>
-          </p:cNvPr>
-          <p:cNvSpPr/>
-          <p:nvPr/>
-        </p:nvSpPr>
-        <p:spPr>
-          <a:xfrm>
-            <a:off x="3059832" y="3016695"/>
-            <a:ext cx="2509753" cy="490084"/>
-          </a:xfrm>
-          <a:prstGeom prst="ellipse">
-            <a:avLst/>
-          </a:prstGeom>
-        </p:spPr>
-        <p:style>
-          <a:lnRef idx="2">
-            <a:schemeClr val="dk1"/>
-          </a:lnRef>
-          <a:fillRef idx="1">
-            <a:schemeClr val="lt1"/>
-          </a:fillRef>
-          <a:effectRef idx="0">
-            <a:schemeClr val="dk1"/>
-          </a:effectRef>
-          <a:fontRef idx="minor">
-            <a:schemeClr val="dk1"/>
-          </a:fontRef>
-        </p:style>
-        <p:txBody>
-          <a:bodyPr rtlCol="0" anchor="ctr"/>
-          <a:lstStyle/>
-          <a:p>
-            <a:pPr algn="ctr"/>
-            <a:r>
-              <a:rPr lang="en-US" altLang="ko-KR" sz="1400"/>
-              <a:t>ORDER_PREPARED Event</a:t>
-            </a:r>
-            <a:endParaRPr lang="ko-KR" altLang="en-US" sz="1400"/>
-          </a:p>
-        </p:txBody>
-      </p:sp>
-      <p:sp>
-        <p:nvSpPr>
-          <p:cNvPr id="36" name="타원 35">
-            <a:extLst>
-              <a:ext uri="{FF2B5EF4-FFF2-40B4-BE49-F238E27FC236}">
-                <a16:creationId xmlns:a16="http://schemas.microsoft.com/office/drawing/2014/main" id="{3F2097C7-D998-49CB-8FB6-364F42771CAA}"/>
-              </a:ext>
-            </a:extLst>
-          </p:cNvPr>
-          <p:cNvSpPr/>
-          <p:nvPr/>
-        </p:nvSpPr>
-        <p:spPr>
-          <a:xfrm>
-            <a:off x="3059832" y="4241906"/>
-            <a:ext cx="2509753" cy="490084"/>
-          </a:xfrm>
-          <a:prstGeom prst="ellipse">
-            <a:avLst/>
-          </a:prstGeom>
-        </p:spPr>
-        <p:style>
-          <a:lnRef idx="2">
-            <a:schemeClr val="dk1"/>
-          </a:lnRef>
-          <a:fillRef idx="1">
-            <a:schemeClr val="lt1"/>
-          </a:fillRef>
-          <a:effectRef idx="0">
-            <a:schemeClr val="dk1"/>
-          </a:effectRef>
-          <a:fontRef idx="minor">
-            <a:schemeClr val="dk1"/>
-          </a:fontRef>
-        </p:style>
-        <p:txBody>
-          <a:bodyPr rtlCol="0" anchor="ctr"/>
-          <a:lstStyle/>
-          <a:p>
-            <a:pPr algn="ctr"/>
-            <a:r>
-              <a:rPr lang="en-US" altLang="ko-KR" sz="1400"/>
-              <a:t>DELIVERY_CREATED Event</a:t>
             </a:r>
             <a:endParaRPr lang="ko-KR" altLang="en-US" sz="1400"/>
           </a:p>
@@ -6023,33 +5911,167 @@
       </p:sp>
       <p:cxnSp>
         <p:nvCxnSpPr>
-          <p:cNvPr id="27" name="연결선: 구부러짐 26">
-            <a:extLst>
-              <a:ext uri="{FF2B5EF4-FFF2-40B4-BE49-F238E27FC236}">
-                <a16:creationId xmlns:a16="http://schemas.microsoft.com/office/drawing/2014/main" id="{260045E1-765A-4600-AF01-654686C9C6C2}"/>
+          <p:cNvPr id="42" name="직선 화살표 연결선 41">
+            <a:extLst>
+              <a:ext uri="{FF2B5EF4-FFF2-40B4-BE49-F238E27FC236}">
+                <a16:creationId xmlns:a16="http://schemas.microsoft.com/office/drawing/2014/main" id="{886ECD4C-23D5-495A-9680-CA0B10336405}"/>
               </a:ext>
             </a:extLst>
           </p:cNvPr>
           <p:cNvCxnSpPr>
-            <a:stCxn id="2" idx="2"/>
-            <a:endCxn id="28" idx="0"/>
+            <a:cxnSpLocks/>
           </p:cNvCxnSpPr>
           <p:nvPr/>
         </p:nvCxnSpPr>
         <p:spPr>
-          <a:xfrm rot="10800000" flipV="1">
-            <a:off x="2051722" y="872575"/>
-            <a:ext cx="1008111" cy="1470253"/>
-          </a:xfrm>
-          <a:prstGeom prst="curvedConnector2">
+          <a:xfrm flipV="1">
+            <a:off x="2987826" y="1464080"/>
+            <a:ext cx="2448271" cy="1225211"/>
+          </a:xfrm>
+          <a:prstGeom prst="straightConnector1">
+            <a:avLst/>
+          </a:prstGeom>
+          <a:ln>
+            <a:solidFill>
+              <a:schemeClr val="tx2"/>
+            </a:solidFill>
+            <a:headEnd type="none" w="med" len="med"/>
+            <a:tailEnd type="arrow" w="med" len="med"/>
+          </a:ln>
+        </p:spPr>
+        <p:style>
+          <a:lnRef idx="1">
+            <a:schemeClr val="accent1"/>
+          </a:lnRef>
+          <a:fillRef idx="0">
+            <a:schemeClr val="accent1"/>
+          </a:fillRef>
+          <a:effectRef idx="0">
+            <a:schemeClr val="accent1"/>
+          </a:effectRef>
+          <a:fontRef idx="minor">
+            <a:schemeClr val="tx1"/>
+          </a:fontRef>
+        </p:style>
+      </p:cxnSp>
+      <p:cxnSp>
+        <p:nvCxnSpPr>
+          <p:cNvPr id="44" name="직선 화살표 연결선 43">
+            <a:extLst>
+              <a:ext uri="{FF2B5EF4-FFF2-40B4-BE49-F238E27FC236}">
+                <a16:creationId xmlns:a16="http://schemas.microsoft.com/office/drawing/2014/main" id="{F9ACFD16-B65B-4C0D-9F93-F98D8C1A45FA}"/>
+              </a:ext>
+            </a:extLst>
+          </p:cNvPr>
+          <p:cNvCxnSpPr>
+            <a:cxnSpLocks/>
+          </p:cNvCxnSpPr>
+          <p:nvPr/>
+        </p:nvCxnSpPr>
+        <p:spPr>
+          <a:xfrm>
+            <a:off x="2987826" y="2689291"/>
+            <a:ext cx="2448271" cy="0"/>
+          </a:xfrm>
+          <a:prstGeom prst="straightConnector1">
+            <a:avLst/>
+          </a:prstGeom>
+          <a:ln>
+            <a:solidFill>
+              <a:schemeClr val="tx2"/>
+            </a:solidFill>
+            <a:headEnd type="none" w="med" len="med"/>
+            <a:tailEnd type="arrow" w="med" len="med"/>
+          </a:ln>
+        </p:spPr>
+        <p:style>
+          <a:lnRef idx="1">
+            <a:schemeClr val="accent1"/>
+          </a:lnRef>
+          <a:fillRef idx="0">
+            <a:schemeClr val="accent1"/>
+          </a:fillRef>
+          <a:effectRef idx="0">
+            <a:schemeClr val="accent1"/>
+          </a:effectRef>
+          <a:fontRef idx="minor">
+            <a:schemeClr val="tx1"/>
+          </a:fontRef>
+        </p:style>
+      </p:cxnSp>
+      <p:cxnSp>
+        <p:nvCxnSpPr>
+          <p:cNvPr id="48" name="직선 화살표 연결선 47">
+            <a:extLst>
+              <a:ext uri="{FF2B5EF4-FFF2-40B4-BE49-F238E27FC236}">
+                <a16:creationId xmlns:a16="http://schemas.microsoft.com/office/drawing/2014/main" id="{612DE9DB-5A7F-401F-AFE1-4D19834BE366}"/>
+              </a:ext>
+            </a:extLst>
+          </p:cNvPr>
+          <p:cNvCxnSpPr>
+            <a:cxnSpLocks/>
+          </p:cNvCxnSpPr>
+          <p:nvPr/>
+        </p:nvCxnSpPr>
+        <p:spPr>
+          <a:xfrm>
+            <a:off x="2987826" y="2689291"/>
+            <a:ext cx="2448271" cy="1225211"/>
+          </a:xfrm>
+          <a:prstGeom prst="straightConnector1">
+            <a:avLst/>
+          </a:prstGeom>
+          <a:ln>
+            <a:solidFill>
+              <a:schemeClr val="tx2"/>
+            </a:solidFill>
+            <a:headEnd type="none" w="med" len="med"/>
+            <a:tailEnd type="arrow" w="med" len="med"/>
+          </a:ln>
+        </p:spPr>
+        <p:style>
+          <a:lnRef idx="1">
+            <a:schemeClr val="accent1"/>
+          </a:lnRef>
+          <a:fillRef idx="0">
+            <a:schemeClr val="accent1"/>
+          </a:fillRef>
+          <a:effectRef idx="0">
+            <a:schemeClr val="accent1"/>
+          </a:effectRef>
+          <a:fontRef idx="minor">
+            <a:schemeClr val="tx1"/>
+          </a:fontRef>
+        </p:style>
+      </p:cxnSp>
+      <p:cxnSp>
+        <p:nvCxnSpPr>
+          <p:cNvPr id="53" name="직선 화살표 연결선 52">
+            <a:extLst>
+              <a:ext uri="{FF2B5EF4-FFF2-40B4-BE49-F238E27FC236}">
+                <a16:creationId xmlns:a16="http://schemas.microsoft.com/office/drawing/2014/main" id="{EC93C3B7-BA77-43B4-A3BD-ACEAE52DE7FE}"/>
+              </a:ext>
+            </a:extLst>
+          </p:cNvPr>
+          <p:cNvCxnSpPr>
+            <a:cxnSpLocks/>
+          </p:cNvCxnSpPr>
+          <p:nvPr/>
+        </p:nvCxnSpPr>
+        <p:spPr>
+          <a:xfrm flipV="1">
+            <a:off x="2987826" y="1347086"/>
+            <a:ext cx="2448271" cy="1225211"/>
+          </a:xfrm>
+          <a:prstGeom prst="straightConnector1">
             <a:avLst/>
           </a:prstGeom>
           <a:ln>
             <a:solidFill>
               <a:schemeClr val="tx1"/>
             </a:solidFill>
-            <a:headEnd type="arrow" w="med" len="med"/>
-            <a:tailEnd type="none" w="med" len="med"/>
+            <a:headEnd type="none" w="med" len="med"/>
+            <a:tailEnd type="arrow" w="med" len="med"/>
           </a:ln>
         </p:spPr>
         <p:style>
@@ -6069,34 +6091,32 @@
       </p:cxnSp>
       <p:cxnSp>
         <p:nvCxnSpPr>
-          <p:cNvPr id="12" name="연결선: 구부러짐 11">
-            <a:extLst>
-              <a:ext uri="{FF2B5EF4-FFF2-40B4-BE49-F238E27FC236}">
-                <a16:creationId xmlns:a16="http://schemas.microsoft.com/office/drawing/2014/main" id="{7AFF2270-BE99-4CAD-9BFA-CAACAB4D7D70}"/>
+          <p:cNvPr id="54" name="직선 화살표 연결선 53">
+            <a:extLst>
+              <a:ext uri="{FF2B5EF4-FFF2-40B4-BE49-F238E27FC236}">
+                <a16:creationId xmlns:a16="http://schemas.microsoft.com/office/drawing/2014/main" id="{5CB6F84B-B5C7-4DBA-960D-FC948014E1C3}"/>
               </a:ext>
             </a:extLst>
           </p:cNvPr>
           <p:cNvCxnSpPr>
             <a:cxnSpLocks/>
-            <a:stCxn id="30" idx="0"/>
-            <a:endCxn id="2" idx="6"/>
           </p:cNvCxnSpPr>
           <p:nvPr/>
         </p:nvCxnSpPr>
         <p:spPr>
-          <a:xfrm rot="16200000" flipV="1">
-            <a:off x="5956385" y="485776"/>
-            <a:ext cx="245042" cy="1018641"/>
-          </a:xfrm>
-          <a:prstGeom prst="curvedConnector2">
+          <a:xfrm>
+            <a:off x="2987826" y="2569122"/>
+            <a:ext cx="2448271" cy="0"/>
+          </a:xfrm>
+          <a:prstGeom prst="straightConnector1">
             <a:avLst/>
           </a:prstGeom>
           <a:ln>
             <a:solidFill>
               <a:schemeClr val="tx1"/>
             </a:solidFill>
-            <a:headEnd type="arrow" w="med" len="med"/>
-            <a:tailEnd type="none" w="med" len="med"/>
+            <a:headEnd type="none" w="med" len="med"/>
+            <a:tailEnd type="arrow" w="med" len="med"/>
           </a:ln>
         </p:spPr>
         <p:style>
@@ -6116,34 +6136,32 @@
       </p:cxnSp>
       <p:cxnSp>
         <p:nvCxnSpPr>
-          <p:cNvPr id="15" name="연결선: 구부러짐 14">
-            <a:extLst>
-              <a:ext uri="{FF2B5EF4-FFF2-40B4-BE49-F238E27FC236}">
-                <a16:creationId xmlns:a16="http://schemas.microsoft.com/office/drawing/2014/main" id="{D1F2C6F9-B048-407F-AAE2-EE6B80B8BED8}"/>
+          <p:cNvPr id="55" name="직선 화살표 연결선 54">
+            <a:extLst>
+              <a:ext uri="{FF2B5EF4-FFF2-40B4-BE49-F238E27FC236}">
+                <a16:creationId xmlns:a16="http://schemas.microsoft.com/office/drawing/2014/main" id="{62A30C44-6247-4600-928F-3CAD0D6EF2DD}"/>
               </a:ext>
             </a:extLst>
           </p:cNvPr>
           <p:cNvCxnSpPr>
             <a:cxnSpLocks/>
-            <a:stCxn id="34" idx="0"/>
-            <a:endCxn id="30" idx="1"/>
           </p:cNvCxnSpPr>
           <p:nvPr/>
         </p:nvCxnSpPr>
         <p:spPr>
-          <a:xfrm rot="5400000" flipH="1" flipV="1">
-            <a:off x="4958965" y="749036"/>
-            <a:ext cx="336933" cy="1625444"/>
-          </a:xfrm>
-          <a:prstGeom prst="curvedConnector2">
+          <a:xfrm>
+            <a:off x="2987826" y="2551455"/>
+            <a:ext cx="2448271" cy="1225211"/>
+          </a:xfrm>
+          <a:prstGeom prst="straightConnector1">
             <a:avLst/>
           </a:prstGeom>
           <a:ln>
             <a:solidFill>
               <a:schemeClr val="tx1"/>
             </a:solidFill>
-            <a:headEnd type="arrow" w="med" len="med"/>
-            <a:tailEnd type="none" w="med" len="med"/>
+            <a:headEnd type="none" w="med" len="med"/>
+            <a:tailEnd type="arrow" w="med" len="med"/>
           </a:ln>
         </p:spPr>
         <p:style>
@@ -6163,34 +6181,33 @@
       </p:cxnSp>
       <p:cxnSp>
         <p:nvCxnSpPr>
-          <p:cNvPr id="18" name="연결선: 구부러짐 17">
-            <a:extLst>
-              <a:ext uri="{FF2B5EF4-FFF2-40B4-BE49-F238E27FC236}">
-                <a16:creationId xmlns:a16="http://schemas.microsoft.com/office/drawing/2014/main" id="{5360AFB8-3823-40B5-9A9F-F105E10A6E85}"/>
+          <p:cNvPr id="57" name="직선 화살표 연결선 56">
+            <a:extLst>
+              <a:ext uri="{FF2B5EF4-FFF2-40B4-BE49-F238E27FC236}">
+                <a16:creationId xmlns:a16="http://schemas.microsoft.com/office/drawing/2014/main" id="{1E2CD5D2-ACF6-490B-87A7-5E3F3BE62132}"/>
               </a:ext>
             </a:extLst>
           </p:cNvPr>
           <p:cNvCxnSpPr>
             <a:cxnSpLocks/>
-            <a:stCxn id="31" idx="1"/>
-            <a:endCxn id="34" idx="4"/>
+            <a:stCxn id="58" idx="3"/>
           </p:cNvCxnSpPr>
           <p:nvPr/>
         </p:nvCxnSpPr>
         <p:spPr>
-          <a:xfrm rot="10800000">
-            <a:off x="4314709" y="2220308"/>
-            <a:ext cx="1625444" cy="398194"/>
-          </a:xfrm>
-          <a:prstGeom prst="curvedConnector2">
+          <a:xfrm>
+            <a:off x="2518903" y="3176325"/>
+            <a:ext cx="407339" cy="0"/>
+          </a:xfrm>
+          <a:prstGeom prst="straightConnector1">
             <a:avLst/>
           </a:prstGeom>
           <a:ln>
             <a:solidFill>
               <a:schemeClr val="tx1"/>
             </a:solidFill>
-            <a:headEnd type="arrow" w="med" len="med"/>
-            <a:tailEnd type="none" w="med" len="med"/>
+            <a:headEnd type="none" w="med" len="med"/>
+            <a:tailEnd type="arrow" w="med" len="med"/>
           </a:ln>
         </p:spPr>
         <p:style>
@@ -6208,36 +6225,72 @@
           </a:fontRef>
         </p:style>
       </p:cxnSp>
+      <p:sp>
+        <p:nvSpPr>
+          <p:cNvPr id="58" name="TextBox 57">
+            <a:extLst>
+              <a:ext uri="{FF2B5EF4-FFF2-40B4-BE49-F238E27FC236}">
+                <a16:creationId xmlns:a16="http://schemas.microsoft.com/office/drawing/2014/main" id="{33FDFE07-B2E3-42F4-8315-C1CE4565603F}"/>
+              </a:ext>
+            </a:extLst>
+          </p:cNvPr>
+          <p:cNvSpPr txBox="1"/>
+          <p:nvPr/>
+        </p:nvSpPr>
+        <p:spPr>
+          <a:xfrm>
+            <a:off x="1690812" y="3037825"/>
+            <a:ext cx="828091" cy="276999"/>
+          </a:xfrm>
+          <a:prstGeom prst="rect">
+            <a:avLst/>
+          </a:prstGeom>
+          <a:noFill/>
+        </p:spPr>
+        <p:txBody>
+          <a:bodyPr wrap="square" rtlCol="0" anchor="ctr">
+            <a:spAutoFit/>
+          </a:bodyPr>
+          <a:lstStyle/>
+          <a:p>
+            <a:pPr algn="ctr"/>
+            <a:r>
+              <a:rPr lang="en-US" altLang="ko-KR" sz="1200"/>
+              <a:t>Prepare</a:t>
+            </a:r>
+            <a:endParaRPr lang="ko-KR" altLang="en-US" sz="1200"/>
+          </a:p>
+        </p:txBody>
+      </p:sp>
       <p:cxnSp>
         <p:nvCxnSpPr>
-          <p:cNvPr id="21" name="연결선: 구부러짐 20">
-            <a:extLst>
-              <a:ext uri="{FF2B5EF4-FFF2-40B4-BE49-F238E27FC236}">
-                <a16:creationId xmlns:a16="http://schemas.microsoft.com/office/drawing/2014/main" id="{0B0912A2-2C33-4BA2-94B1-3B91BB2E1FF9}"/>
+          <p:cNvPr id="63" name="직선 화살표 연결선 62">
+            <a:extLst>
+              <a:ext uri="{FF2B5EF4-FFF2-40B4-BE49-F238E27FC236}">
+                <a16:creationId xmlns:a16="http://schemas.microsoft.com/office/drawing/2014/main" id="{646F1A69-13D5-4BBC-A4E5-71EEF8A45201}"/>
               </a:ext>
             </a:extLst>
           </p:cNvPr>
           <p:cNvCxnSpPr>
             <a:cxnSpLocks/>
-            <a:stCxn id="35" idx="0"/>
-            <a:endCxn id="31" idx="1"/>
+            <a:stCxn id="64" idx="3"/>
           </p:cNvCxnSpPr>
           <p:nvPr/>
         </p:nvCxnSpPr>
         <p:spPr>
-          <a:xfrm rot="5400000" flipH="1" flipV="1">
-            <a:off x="4928335" y="2004877"/>
-            <a:ext cx="398193" cy="1625444"/>
-          </a:xfrm>
-          <a:prstGeom prst="curvedConnector2">
+          <a:xfrm>
+            <a:off x="2518903" y="3423687"/>
+            <a:ext cx="407339" cy="0"/>
+          </a:xfrm>
+          <a:prstGeom prst="straightConnector1">
             <a:avLst/>
           </a:prstGeom>
           <a:ln>
             <a:solidFill>
-              <a:schemeClr val="tx1"/>
+              <a:schemeClr val="tx2"/>
             </a:solidFill>
-            <a:headEnd type="arrow" w="med" len="med"/>
-            <a:tailEnd type="none" w="med" len="med"/>
+            <a:headEnd type="none" w="med" len="med"/>
+            <a:tailEnd type="arrow" w="med" len="med"/>
           </a:ln>
         </p:spPr>
         <p:style>
@@ -6255,151 +6308,47 @@
           </a:fontRef>
         </p:style>
       </p:cxnSp>
-      <p:cxnSp>
-        <p:nvCxnSpPr>
-          <p:cNvPr id="24" name="연결선: 구부러짐 23">
-            <a:extLst>
-              <a:ext uri="{FF2B5EF4-FFF2-40B4-BE49-F238E27FC236}">
-                <a16:creationId xmlns:a16="http://schemas.microsoft.com/office/drawing/2014/main" id="{89FCE147-7CEB-4445-BE9E-8774ED113556}"/>
-              </a:ext>
-            </a:extLst>
-          </p:cNvPr>
-          <p:cNvCxnSpPr>
-            <a:cxnSpLocks/>
-            <a:stCxn id="32" idx="1"/>
-            <a:endCxn id="35" idx="4"/>
-          </p:cNvCxnSpPr>
-          <p:nvPr/>
-        </p:nvCxnSpPr>
-        <p:spPr>
-          <a:xfrm rot="10800000">
-            <a:off x="4314709" y="3506779"/>
-            <a:ext cx="1625444" cy="336934"/>
-          </a:xfrm>
-          <a:prstGeom prst="curvedConnector2">
+      <p:sp>
+        <p:nvSpPr>
+          <p:cNvPr id="64" name="TextBox 63">
+            <a:extLst>
+              <a:ext uri="{FF2B5EF4-FFF2-40B4-BE49-F238E27FC236}">
+                <a16:creationId xmlns:a16="http://schemas.microsoft.com/office/drawing/2014/main" id="{077B8717-EC4A-4AFF-B6B3-E9770D9E2AC1}"/>
+              </a:ext>
+            </a:extLst>
+          </p:cNvPr>
+          <p:cNvSpPr txBox="1"/>
+          <p:nvPr/>
+        </p:nvSpPr>
+        <p:spPr>
+          <a:xfrm>
+            <a:off x="1690812" y="3285187"/>
+            <a:ext cx="828091" cy="276999"/>
+          </a:xfrm>
+          <a:prstGeom prst="rect">
             <a:avLst/>
           </a:prstGeom>
-          <a:ln>
-            <a:solidFill>
-              <a:schemeClr val="tx1"/>
-            </a:solidFill>
-            <a:headEnd type="arrow" w="med" len="med"/>
-            <a:tailEnd type="none" w="med" len="med"/>
-          </a:ln>
-        </p:spPr>
-        <p:style>
-          <a:lnRef idx="1">
-            <a:schemeClr val="accent1"/>
-          </a:lnRef>
-          <a:fillRef idx="0">
-            <a:schemeClr val="accent1"/>
-          </a:fillRef>
-          <a:effectRef idx="0">
-            <a:schemeClr val="accent1"/>
-          </a:effectRef>
-          <a:fontRef idx="minor">
-            <a:schemeClr val="tx1"/>
-          </a:fontRef>
-        </p:style>
-      </p:cxnSp>
-      <p:cxnSp>
-        <p:nvCxnSpPr>
-          <p:cNvPr id="29" name="연결선: 구부러짐 28">
-            <a:extLst>
-              <a:ext uri="{FF2B5EF4-FFF2-40B4-BE49-F238E27FC236}">
-                <a16:creationId xmlns:a16="http://schemas.microsoft.com/office/drawing/2014/main" id="{E4EE9D5D-DF30-4062-B95F-AE7A1269BC1D}"/>
-              </a:ext>
-            </a:extLst>
-          </p:cNvPr>
-          <p:cNvCxnSpPr>
-            <a:cxnSpLocks/>
-            <a:stCxn id="36" idx="0"/>
-            <a:endCxn id="32" idx="1"/>
-          </p:cNvCxnSpPr>
-          <p:nvPr/>
-        </p:nvCxnSpPr>
-        <p:spPr>
-          <a:xfrm rot="5400000" flipH="1" flipV="1">
-            <a:off x="4928335" y="3230088"/>
-            <a:ext cx="398193" cy="1625444"/>
-          </a:xfrm>
-          <a:prstGeom prst="curvedConnector2">
-            <a:avLst/>
-          </a:prstGeom>
-          <a:ln>
-            <a:solidFill>
-              <a:schemeClr val="tx1"/>
-            </a:solidFill>
-            <a:headEnd type="arrow" w="med" len="med"/>
-            <a:tailEnd type="none" w="med" len="med"/>
-          </a:ln>
-        </p:spPr>
-        <p:style>
-          <a:lnRef idx="1">
-            <a:schemeClr val="accent1"/>
-          </a:lnRef>
-          <a:fillRef idx="0">
-            <a:schemeClr val="accent1"/>
-          </a:fillRef>
-          <a:effectRef idx="0">
-            <a:schemeClr val="accent1"/>
-          </a:effectRef>
-          <a:fontRef idx="minor">
-            <a:schemeClr val="tx1"/>
-          </a:fontRef>
-        </p:style>
-      </p:cxnSp>
-      <p:cxnSp>
-        <p:nvCxnSpPr>
-          <p:cNvPr id="33" name="연결선: 구부러짐 32">
-            <a:extLst>
-              <a:ext uri="{FF2B5EF4-FFF2-40B4-BE49-F238E27FC236}">
-                <a16:creationId xmlns:a16="http://schemas.microsoft.com/office/drawing/2014/main" id="{30807523-6E8A-48AE-B2A0-FB8ED37C6250}"/>
-              </a:ext>
-            </a:extLst>
-          </p:cNvPr>
-          <p:cNvCxnSpPr>
-            <a:cxnSpLocks/>
-            <a:stCxn id="28" idx="2"/>
-            <a:endCxn id="36" idx="2"/>
-          </p:cNvCxnSpPr>
-          <p:nvPr/>
-        </p:nvCxnSpPr>
-        <p:spPr>
-          <a:xfrm rot="16200000" flipH="1">
-            <a:off x="1759389" y="3186505"/>
-            <a:ext cx="1592774" cy="1008111"/>
-          </a:xfrm>
-          <a:prstGeom prst="curvedConnector2">
-            <a:avLst/>
-          </a:prstGeom>
-          <a:ln>
-            <a:solidFill>
-              <a:schemeClr val="tx1"/>
-            </a:solidFill>
-            <a:headEnd type="arrow" w="med" len="med"/>
-            <a:tailEnd type="none" w="med" len="med"/>
-          </a:ln>
-        </p:spPr>
-        <p:style>
-          <a:lnRef idx="1">
-            <a:schemeClr val="accent1"/>
-          </a:lnRef>
-          <a:fillRef idx="0">
-            <a:schemeClr val="accent1"/>
-          </a:fillRef>
-          <a:effectRef idx="0">
-            <a:schemeClr val="accent1"/>
-          </a:effectRef>
-          <a:fontRef idx="minor">
-            <a:schemeClr val="tx1"/>
-          </a:fontRef>
-        </p:style>
-      </p:cxnSp>
+          <a:noFill/>
+        </p:spPr>
+        <p:txBody>
+          <a:bodyPr wrap="square" rtlCol="0" anchor="ctr">
+            <a:spAutoFit/>
+          </a:bodyPr>
+          <a:lstStyle/>
+          <a:p>
+            <a:pPr algn="ctr"/>
+            <a:r>
+              <a:rPr lang="en-US" altLang="ko-KR" sz="1200"/>
+              <a:t>Commit</a:t>
+            </a:r>
+            <a:endParaRPr lang="ko-KR" altLang="en-US" sz="1200"/>
+          </a:p>
+        </p:txBody>
+      </p:sp>
     </p:spTree>
     <p:extLst>
       <p:ext uri="{BB962C8B-B14F-4D97-AF65-F5344CB8AC3E}">
-        <p14:creationId xmlns:p14="http://schemas.microsoft.com/office/powerpoint/2010/main" val="1001323456"/>
+        <p14:creationId xmlns:p14="http://schemas.microsoft.com/office/powerpoint/2010/main" val="4289570203"/>
       </p:ext>
     </p:extLst>
   </p:cSld>
@@ -6438,7 +6387,7 @@
         </p:nvSpPr>
         <p:spPr>
           <a:xfrm>
-            <a:off x="457200" y="123478"/>
+            <a:off x="457200" y="58316"/>
             <a:ext cx="8229600" cy="857250"/>
           </a:xfrm>
         </p:spPr>
@@ -6450,7 +6399,7 @@
           <a:p>
             <a:r>
               <a:rPr lang="en-US" altLang="ko-KR"/>
-              <a:t>Saga Chreography Failed </a:t>
+              <a:t>MSA Two-Phase Commit Failed</a:t>
             </a:r>
             <a:endParaRPr lang="ko-KR" altLang="en-US" dirty="0"/>
           </a:p>
@@ -6470,7 +6419,7 @@
         </p:nvSpPr>
         <p:spPr>
           <a:xfrm>
-            <a:off x="1403648" y="2275657"/>
+            <a:off x="1691680" y="2342829"/>
             <a:ext cx="1296146" cy="551345"/>
           </a:xfrm>
           <a:prstGeom prst="roundRect">
@@ -6499,17 +6448,17 @@
           <a:p>
             <a:pPr algn="ctr"/>
             <a:r>
-              <a:rPr lang="en-US" altLang="ko-KR" sz="1600"/>
+              <a:rPr lang="en-US" altLang="ko-KR" sz="1400"/>
               <a:t>Order</a:t>
             </a:r>
           </a:p>
           <a:p>
             <a:pPr algn="ctr"/>
             <a:r>
-              <a:rPr lang="en-US" altLang="ko-KR" sz="1600"/>
+              <a:rPr lang="en-US" altLang="ko-KR" sz="1400"/>
               <a:t>Service</a:t>
             </a:r>
-            <a:endParaRPr lang="ko-KR" altLang="en-US" sz="1600"/>
+            <a:endParaRPr lang="ko-KR" altLang="en-US" sz="1400"/>
           </a:p>
         </p:txBody>
       </p:sp>
@@ -6527,7 +6476,7 @@
         </p:nvSpPr>
         <p:spPr>
           <a:xfrm>
-            <a:off x="5940153" y="1693682"/>
+            <a:off x="5436097" y="1117618"/>
             <a:ext cx="1296146" cy="551345"/>
           </a:xfrm>
           <a:prstGeom prst="roundRect">
@@ -6556,17 +6505,17 @@
           <a:p>
             <a:pPr algn="ctr"/>
             <a:r>
-              <a:rPr lang="en-US" altLang="ko-KR" sz="1600"/>
+              <a:rPr lang="en-US" altLang="ko-KR" sz="1400"/>
               <a:t>Payment</a:t>
             </a:r>
           </a:p>
           <a:p>
             <a:pPr algn="ctr"/>
             <a:r>
-              <a:rPr lang="en-US" altLang="ko-KR" sz="1600"/>
+              <a:rPr lang="en-US" altLang="ko-KR" sz="1400"/>
               <a:t>Service</a:t>
             </a:r>
-            <a:endParaRPr lang="ko-KR" altLang="en-US" sz="1600"/>
+            <a:endParaRPr lang="ko-KR" altLang="en-US" sz="1400"/>
           </a:p>
         </p:txBody>
       </p:sp>
@@ -6584,7 +6533,7 @@
         </p:nvSpPr>
         <p:spPr>
           <a:xfrm>
-            <a:off x="5940153" y="2918893"/>
+            <a:off x="5436097" y="2342829"/>
             <a:ext cx="1296146" cy="551345"/>
           </a:xfrm>
           <a:prstGeom prst="roundRect">
@@ -6613,26 +6562,26 @@
           <a:p>
             <a:pPr algn="ctr"/>
             <a:r>
-              <a:rPr lang="en-US" altLang="ko-KR" sz="1600"/>
+              <a:rPr lang="en-US" altLang="ko-KR" sz="1400"/>
               <a:t>Stock</a:t>
             </a:r>
           </a:p>
           <a:p>
             <a:pPr algn="ctr"/>
             <a:r>
-              <a:rPr lang="en-US" altLang="ko-KR" sz="1600"/>
+              <a:rPr lang="en-US" altLang="ko-KR" sz="1400"/>
               <a:t>Service</a:t>
             </a:r>
-            <a:endParaRPr lang="ko-KR" altLang="en-US" sz="1600"/>
-          </a:p>
-        </p:txBody>
-      </p:sp>
-      <p:sp>
-        <p:nvSpPr>
-          <p:cNvPr id="2" name="타원 1">
-            <a:extLst>
-              <a:ext uri="{FF2B5EF4-FFF2-40B4-BE49-F238E27FC236}">
-                <a16:creationId xmlns:a16="http://schemas.microsoft.com/office/drawing/2014/main" id="{79FAAE09-E371-4E49-BDBA-CB73FE3EF24C}"/>
+            <a:endParaRPr lang="ko-KR" altLang="en-US" sz="1400"/>
+          </a:p>
+        </p:txBody>
+      </p:sp>
+      <p:sp>
+        <p:nvSpPr>
+          <p:cNvPr id="32" name="사각형: 둥근 모서리 31">
+            <a:extLst>
+              <a:ext uri="{FF2B5EF4-FFF2-40B4-BE49-F238E27FC236}">
+                <a16:creationId xmlns:a16="http://schemas.microsoft.com/office/drawing/2014/main" id="{151576AF-1027-4091-8040-823086099624}"/>
               </a:ext>
             </a:extLst>
           </p:cNvPr>
@@ -6641,11 +6590,13 @@
         </p:nvSpPr>
         <p:spPr>
           <a:xfrm>
-            <a:off x="3059832" y="1203598"/>
-            <a:ext cx="2509753" cy="490084"/>
-          </a:xfrm>
-          <a:prstGeom prst="ellipse">
-            <a:avLst/>
+            <a:off x="5436097" y="3568040"/>
+            <a:ext cx="1296146" cy="551345"/>
+          </a:xfrm>
+          <a:prstGeom prst="roundRect">
+            <a:avLst>
+              <a:gd name="adj" fmla="val 8201"/>
+            </a:avLst>
           </a:prstGeom>
         </p:spPr>
         <p:style>
@@ -6669,110 +6620,14 @@
             <a:pPr algn="ctr"/>
             <a:r>
               <a:rPr lang="en-US" altLang="ko-KR" sz="1400"/>
-              <a:t>ORDER_CREATED Event</a:t>
-            </a:r>
-            <a:endParaRPr lang="ko-KR" altLang="en-US" sz="1400"/>
-          </a:p>
-        </p:txBody>
-      </p:sp>
-      <p:sp>
-        <p:nvSpPr>
-          <p:cNvPr id="34" name="타원 33">
-            <a:extLst>
-              <a:ext uri="{FF2B5EF4-FFF2-40B4-BE49-F238E27FC236}">
-                <a16:creationId xmlns:a16="http://schemas.microsoft.com/office/drawing/2014/main" id="{FD7C7981-888F-4168-856B-B00CC8F986E7}"/>
-              </a:ext>
-            </a:extLst>
-          </p:cNvPr>
-          <p:cNvSpPr/>
-          <p:nvPr/>
-        </p:nvSpPr>
-        <p:spPr>
-          <a:xfrm>
-            <a:off x="3059832" y="2306288"/>
-            <a:ext cx="2509753" cy="490084"/>
-          </a:xfrm>
-          <a:prstGeom prst="ellipse">
-            <a:avLst/>
-          </a:prstGeom>
-        </p:spPr>
-        <p:style>
-          <a:lnRef idx="2">
-            <a:schemeClr val="dk1"/>
-          </a:lnRef>
-          <a:fillRef idx="1">
-            <a:schemeClr val="lt1"/>
-          </a:fillRef>
-          <a:effectRef idx="0">
-            <a:schemeClr val="dk1"/>
-          </a:effectRef>
-          <a:fontRef idx="minor">
-            <a:schemeClr val="dk1"/>
-          </a:fontRef>
-        </p:style>
-        <p:txBody>
-          <a:bodyPr rtlCol="0" anchor="ctr"/>
-          <a:lstStyle/>
+              <a:t>Delivery</a:t>
+            </a:r>
+          </a:p>
           <a:p>
             <a:pPr algn="ctr"/>
             <a:r>
               <a:rPr lang="en-US" altLang="ko-KR" sz="1400"/>
-              <a:t>BILLED_ORDER Event</a:t>
-            </a:r>
-            <a:endParaRPr lang="ko-KR" altLang="en-US" sz="1400"/>
-          </a:p>
-        </p:txBody>
-      </p:sp>
-      <p:sp>
-        <p:nvSpPr>
-          <p:cNvPr id="35" name="타원 34">
-            <a:extLst>
-              <a:ext uri="{FF2B5EF4-FFF2-40B4-BE49-F238E27FC236}">
-                <a16:creationId xmlns:a16="http://schemas.microsoft.com/office/drawing/2014/main" id="{D04B10BF-CE39-4BBB-9D32-2746F2AEB9E2}"/>
-              </a:ext>
-            </a:extLst>
-          </p:cNvPr>
-          <p:cNvSpPr/>
-          <p:nvPr/>
-        </p:nvSpPr>
-        <p:spPr>
-          <a:xfrm>
-            <a:off x="3059832" y="3592759"/>
-            <a:ext cx="2509753" cy="490084"/>
-          </a:xfrm>
-          <a:prstGeom prst="ellipse">
-            <a:avLst/>
-          </a:prstGeom>
-        </p:spPr>
-        <p:style>
-          <a:lnRef idx="2">
-            <a:schemeClr val="dk1"/>
-          </a:lnRef>
-          <a:fillRef idx="1">
-            <a:schemeClr val="lt1"/>
-          </a:fillRef>
-          <a:effectRef idx="0">
-            <a:schemeClr val="dk1"/>
-          </a:effectRef>
-          <a:fontRef idx="minor">
-            <a:schemeClr val="dk1"/>
-          </a:fontRef>
-        </p:style>
-        <p:txBody>
-          <a:bodyPr rtlCol="0" anchor="ctr"/>
-          <a:lstStyle/>
-          <a:p>
-            <a:pPr algn="ctr"/>
-            <a:r>
-              <a:rPr lang="en-US" altLang="ko-KR" sz="1400"/>
-              <a:t>OUT_OF_STOCK</a:t>
-            </a:r>
-          </a:p>
-          <a:p>
-            <a:pPr algn="ctr"/>
-            <a:r>
-              <a:rPr lang="en-US" altLang="ko-KR" sz="1400"/>
-              <a:t>Event</a:t>
+              <a:t>Service</a:t>
             </a:r>
             <a:endParaRPr lang="ko-KR" altLang="en-US" sz="1400"/>
           </a:p>
@@ -6780,33 +6635,122 @@
       </p:sp>
       <p:cxnSp>
         <p:nvCxnSpPr>
-          <p:cNvPr id="27" name="연결선: 구부러짐 26">
-            <a:extLst>
-              <a:ext uri="{FF2B5EF4-FFF2-40B4-BE49-F238E27FC236}">
-                <a16:creationId xmlns:a16="http://schemas.microsoft.com/office/drawing/2014/main" id="{260045E1-765A-4600-AF01-654686C9C6C2}"/>
+          <p:cNvPr id="42" name="직선 화살표 연결선 41">
+            <a:extLst>
+              <a:ext uri="{FF2B5EF4-FFF2-40B4-BE49-F238E27FC236}">
+                <a16:creationId xmlns:a16="http://schemas.microsoft.com/office/drawing/2014/main" id="{886ECD4C-23D5-495A-9680-CA0B10336405}"/>
               </a:ext>
             </a:extLst>
           </p:cNvPr>
           <p:cNvCxnSpPr>
-            <a:stCxn id="2" idx="2"/>
-            <a:endCxn id="28" idx="0"/>
+            <a:cxnSpLocks/>
           </p:cNvCxnSpPr>
           <p:nvPr/>
         </p:nvCxnSpPr>
         <p:spPr>
-          <a:xfrm rot="10800000" flipV="1">
-            <a:off x="2051722" y="1448639"/>
-            <a:ext cx="1008111" cy="827017"/>
-          </a:xfrm>
-          <a:prstGeom prst="curvedConnector2">
+          <a:xfrm flipV="1">
+            <a:off x="2987826" y="1464080"/>
+            <a:ext cx="2448271" cy="1225211"/>
+          </a:xfrm>
+          <a:prstGeom prst="straightConnector1">
+            <a:avLst/>
+          </a:prstGeom>
+          <a:ln>
+            <a:solidFill>
+              <a:srgbClr val="C00000"/>
+            </a:solidFill>
+            <a:headEnd type="none" w="med" len="med"/>
+            <a:tailEnd type="arrow" w="med" len="med"/>
+          </a:ln>
+        </p:spPr>
+        <p:style>
+          <a:lnRef idx="1">
+            <a:schemeClr val="accent1"/>
+          </a:lnRef>
+          <a:fillRef idx="0">
+            <a:schemeClr val="accent1"/>
+          </a:fillRef>
+          <a:effectRef idx="0">
+            <a:schemeClr val="accent1"/>
+          </a:effectRef>
+          <a:fontRef idx="minor">
+            <a:schemeClr val="tx1"/>
+          </a:fontRef>
+        </p:style>
+      </p:cxnSp>
+      <p:cxnSp>
+        <p:nvCxnSpPr>
+          <p:cNvPr id="44" name="직선 화살표 연결선 43">
+            <a:extLst>
+              <a:ext uri="{FF2B5EF4-FFF2-40B4-BE49-F238E27FC236}">
+                <a16:creationId xmlns:a16="http://schemas.microsoft.com/office/drawing/2014/main" id="{F9ACFD16-B65B-4C0D-9F93-F98D8C1A45FA}"/>
+              </a:ext>
+            </a:extLst>
+          </p:cNvPr>
+          <p:cNvCxnSpPr>
+            <a:cxnSpLocks/>
+          </p:cNvCxnSpPr>
+          <p:nvPr/>
+        </p:nvCxnSpPr>
+        <p:spPr>
+          <a:xfrm>
+            <a:off x="2987826" y="2689291"/>
+            <a:ext cx="2448271" cy="0"/>
+          </a:xfrm>
+          <a:prstGeom prst="straightConnector1">
+            <a:avLst/>
+          </a:prstGeom>
+          <a:ln>
+            <a:solidFill>
+              <a:srgbClr val="C00000"/>
+            </a:solidFill>
+            <a:headEnd type="none" w="med" len="med"/>
+            <a:tailEnd type="arrow" w="med" len="med"/>
+          </a:ln>
+        </p:spPr>
+        <p:style>
+          <a:lnRef idx="1">
+            <a:schemeClr val="accent1"/>
+          </a:lnRef>
+          <a:fillRef idx="0">
+            <a:schemeClr val="accent1"/>
+          </a:fillRef>
+          <a:effectRef idx="0">
+            <a:schemeClr val="accent1"/>
+          </a:effectRef>
+          <a:fontRef idx="minor">
+            <a:schemeClr val="tx1"/>
+          </a:fontRef>
+        </p:style>
+      </p:cxnSp>
+      <p:cxnSp>
+        <p:nvCxnSpPr>
+          <p:cNvPr id="53" name="직선 화살표 연결선 52">
+            <a:extLst>
+              <a:ext uri="{FF2B5EF4-FFF2-40B4-BE49-F238E27FC236}">
+                <a16:creationId xmlns:a16="http://schemas.microsoft.com/office/drawing/2014/main" id="{EC93C3B7-BA77-43B4-A3BD-ACEAE52DE7FE}"/>
+              </a:ext>
+            </a:extLst>
+          </p:cNvPr>
+          <p:cNvCxnSpPr>
+            <a:cxnSpLocks/>
+          </p:cNvCxnSpPr>
+          <p:nvPr/>
+        </p:nvCxnSpPr>
+        <p:spPr>
+          <a:xfrm flipV="1">
+            <a:off x="2987826" y="1347086"/>
+            <a:ext cx="2448271" cy="1225211"/>
+          </a:xfrm>
+          <a:prstGeom prst="straightConnector1">
             <a:avLst/>
           </a:prstGeom>
           <a:ln>
             <a:solidFill>
               <a:schemeClr val="tx1"/>
             </a:solidFill>
-            <a:headEnd type="arrow" w="med" len="med"/>
-            <a:tailEnd type="none" w="med" len="med"/>
+            <a:headEnd type="none" w="med" len="med"/>
+            <a:tailEnd type="arrow" w="med" len="med"/>
           </a:ln>
         </p:spPr>
         <p:style>
@@ -6826,34 +6770,32 @@
       </p:cxnSp>
       <p:cxnSp>
         <p:nvCxnSpPr>
-          <p:cNvPr id="12" name="연결선: 구부러짐 11">
-            <a:extLst>
-              <a:ext uri="{FF2B5EF4-FFF2-40B4-BE49-F238E27FC236}">
-                <a16:creationId xmlns:a16="http://schemas.microsoft.com/office/drawing/2014/main" id="{7AFF2270-BE99-4CAD-9BFA-CAACAB4D7D70}"/>
+          <p:cNvPr id="54" name="직선 화살표 연결선 53">
+            <a:extLst>
+              <a:ext uri="{FF2B5EF4-FFF2-40B4-BE49-F238E27FC236}">
+                <a16:creationId xmlns:a16="http://schemas.microsoft.com/office/drawing/2014/main" id="{5CB6F84B-B5C7-4DBA-960D-FC948014E1C3}"/>
               </a:ext>
             </a:extLst>
           </p:cNvPr>
           <p:cNvCxnSpPr>
             <a:cxnSpLocks/>
-            <a:stCxn id="30" idx="0"/>
-            <a:endCxn id="2" idx="6"/>
           </p:cNvCxnSpPr>
           <p:nvPr/>
         </p:nvCxnSpPr>
         <p:spPr>
-          <a:xfrm rot="16200000" flipV="1">
-            <a:off x="5956385" y="1061840"/>
-            <a:ext cx="245042" cy="1018641"/>
-          </a:xfrm>
-          <a:prstGeom prst="curvedConnector2">
+          <a:xfrm>
+            <a:off x="2987826" y="2569122"/>
+            <a:ext cx="2448271" cy="0"/>
+          </a:xfrm>
+          <a:prstGeom prst="straightConnector1">
             <a:avLst/>
           </a:prstGeom>
           <a:ln>
             <a:solidFill>
               <a:schemeClr val="tx1"/>
             </a:solidFill>
-            <a:headEnd type="arrow" w="med" len="med"/>
-            <a:tailEnd type="none" w="med" len="med"/>
+            <a:headEnd type="none" w="med" len="med"/>
+            <a:tailEnd type="arrow" w="med" len="med"/>
           </a:ln>
         </p:spPr>
         <p:style>
@@ -6873,34 +6815,32 @@
       </p:cxnSp>
       <p:cxnSp>
         <p:nvCxnSpPr>
-          <p:cNvPr id="15" name="연결선: 구부러짐 14">
-            <a:extLst>
-              <a:ext uri="{FF2B5EF4-FFF2-40B4-BE49-F238E27FC236}">
-                <a16:creationId xmlns:a16="http://schemas.microsoft.com/office/drawing/2014/main" id="{D1F2C6F9-B048-407F-AAE2-EE6B80B8BED8}"/>
+          <p:cNvPr id="55" name="직선 화살표 연결선 54">
+            <a:extLst>
+              <a:ext uri="{FF2B5EF4-FFF2-40B4-BE49-F238E27FC236}">
+                <a16:creationId xmlns:a16="http://schemas.microsoft.com/office/drawing/2014/main" id="{62A30C44-6247-4600-928F-3CAD0D6EF2DD}"/>
               </a:ext>
             </a:extLst>
           </p:cNvPr>
           <p:cNvCxnSpPr>
             <a:cxnSpLocks/>
-            <a:stCxn id="34" idx="0"/>
-            <a:endCxn id="30" idx="1"/>
           </p:cNvCxnSpPr>
           <p:nvPr/>
         </p:nvCxnSpPr>
         <p:spPr>
-          <a:xfrm rot="5400000" flipH="1" flipV="1">
-            <a:off x="4958965" y="1325100"/>
-            <a:ext cx="336933" cy="1625444"/>
-          </a:xfrm>
-          <a:prstGeom prst="curvedConnector2">
+          <a:xfrm>
+            <a:off x="2987826" y="2551455"/>
+            <a:ext cx="2198898" cy="1100415"/>
+          </a:xfrm>
+          <a:prstGeom prst="straightConnector1">
             <a:avLst/>
           </a:prstGeom>
           <a:ln>
             <a:solidFill>
               <a:schemeClr val="tx1"/>
             </a:solidFill>
-            <a:headEnd type="arrow" w="med" len="med"/>
-            <a:tailEnd type="none" w="med" len="med"/>
+            <a:headEnd type="none" w="med" len="med"/>
+            <a:tailEnd type="arrow" w="med" len="med"/>
           </a:ln>
         </p:spPr>
         <p:style>
@@ -6920,34 +6860,33 @@
       </p:cxnSp>
       <p:cxnSp>
         <p:nvCxnSpPr>
-          <p:cNvPr id="18" name="연결선: 구부러짐 17">
-            <a:extLst>
-              <a:ext uri="{FF2B5EF4-FFF2-40B4-BE49-F238E27FC236}">
-                <a16:creationId xmlns:a16="http://schemas.microsoft.com/office/drawing/2014/main" id="{5360AFB8-3823-40B5-9A9F-F105E10A6E85}"/>
+          <p:cNvPr id="57" name="직선 화살표 연결선 56">
+            <a:extLst>
+              <a:ext uri="{FF2B5EF4-FFF2-40B4-BE49-F238E27FC236}">
+                <a16:creationId xmlns:a16="http://schemas.microsoft.com/office/drawing/2014/main" id="{1E2CD5D2-ACF6-490B-87A7-5E3F3BE62132}"/>
               </a:ext>
             </a:extLst>
           </p:cNvPr>
           <p:cNvCxnSpPr>
             <a:cxnSpLocks/>
-            <a:stCxn id="31" idx="1"/>
-            <a:endCxn id="34" idx="4"/>
+            <a:stCxn id="58" idx="3"/>
           </p:cNvCxnSpPr>
           <p:nvPr/>
         </p:nvCxnSpPr>
         <p:spPr>
-          <a:xfrm rot="10800000">
-            <a:off x="4314709" y="2796372"/>
-            <a:ext cx="1625444" cy="398194"/>
-          </a:xfrm>
-          <a:prstGeom prst="curvedConnector2">
+          <a:xfrm>
+            <a:off x="2518903" y="3176325"/>
+            <a:ext cx="407339" cy="0"/>
+          </a:xfrm>
+          <a:prstGeom prst="straightConnector1">
             <a:avLst/>
           </a:prstGeom>
           <a:ln>
             <a:solidFill>
               <a:schemeClr val="tx1"/>
             </a:solidFill>
-            <a:headEnd type="arrow" w="med" len="med"/>
-            <a:tailEnd type="none" w="med" len="med"/>
+            <a:headEnd type="none" w="med" len="med"/>
+            <a:tailEnd type="arrow" w="med" len="med"/>
           </a:ln>
         </p:spPr>
         <p:style>
@@ -6965,83 +6904,72 @@
           </a:fontRef>
         </p:style>
       </p:cxnSp>
+      <p:sp>
+        <p:nvSpPr>
+          <p:cNvPr id="58" name="TextBox 57">
+            <a:extLst>
+              <a:ext uri="{FF2B5EF4-FFF2-40B4-BE49-F238E27FC236}">
+                <a16:creationId xmlns:a16="http://schemas.microsoft.com/office/drawing/2014/main" id="{33FDFE07-B2E3-42F4-8315-C1CE4565603F}"/>
+              </a:ext>
+            </a:extLst>
+          </p:cNvPr>
+          <p:cNvSpPr txBox="1"/>
+          <p:nvPr/>
+        </p:nvSpPr>
+        <p:spPr>
+          <a:xfrm>
+            <a:off x="1690812" y="3037825"/>
+            <a:ext cx="828091" cy="276999"/>
+          </a:xfrm>
+          <a:prstGeom prst="rect">
+            <a:avLst/>
+          </a:prstGeom>
+          <a:noFill/>
+        </p:spPr>
+        <p:txBody>
+          <a:bodyPr wrap="square" rtlCol="0" anchor="ctr">
+            <a:spAutoFit/>
+          </a:bodyPr>
+          <a:lstStyle/>
+          <a:p>
+            <a:pPr algn="ctr"/>
+            <a:r>
+              <a:rPr lang="en-US" altLang="ko-KR" sz="1200"/>
+              <a:t>Prepare</a:t>
+            </a:r>
+            <a:endParaRPr lang="ko-KR" altLang="en-US" sz="1200"/>
+          </a:p>
+        </p:txBody>
+      </p:sp>
       <p:cxnSp>
         <p:nvCxnSpPr>
-          <p:cNvPr id="21" name="연결선: 구부러짐 20">
-            <a:extLst>
-              <a:ext uri="{FF2B5EF4-FFF2-40B4-BE49-F238E27FC236}">
-                <a16:creationId xmlns:a16="http://schemas.microsoft.com/office/drawing/2014/main" id="{0B0912A2-2C33-4BA2-94B1-3B91BB2E1FF9}"/>
+          <p:cNvPr id="63" name="직선 화살표 연결선 62">
+            <a:extLst>
+              <a:ext uri="{FF2B5EF4-FFF2-40B4-BE49-F238E27FC236}">
+                <a16:creationId xmlns:a16="http://schemas.microsoft.com/office/drawing/2014/main" id="{646F1A69-13D5-4BBC-A4E5-71EEF8A45201}"/>
               </a:ext>
             </a:extLst>
           </p:cNvPr>
           <p:cNvCxnSpPr>
             <a:cxnSpLocks/>
-            <a:stCxn id="35" idx="0"/>
-            <a:endCxn id="31" idx="1"/>
+            <a:stCxn id="64" idx="3"/>
           </p:cNvCxnSpPr>
           <p:nvPr/>
         </p:nvCxnSpPr>
         <p:spPr>
-          <a:xfrm rot="5400000" flipH="1" flipV="1">
-            <a:off x="4928335" y="2580941"/>
-            <a:ext cx="398193" cy="1625444"/>
-          </a:xfrm>
-          <a:prstGeom prst="curvedConnector2">
-            <a:avLst/>
-          </a:prstGeom>
-          <a:ln>
-            <a:solidFill>
-              <a:schemeClr val="tx1"/>
-            </a:solidFill>
-            <a:headEnd type="arrow" w="med" len="med"/>
-            <a:tailEnd type="none" w="med" len="med"/>
-          </a:ln>
-        </p:spPr>
-        <p:style>
-          <a:lnRef idx="1">
-            <a:schemeClr val="accent1"/>
-          </a:lnRef>
-          <a:fillRef idx="0">
-            <a:schemeClr val="accent1"/>
-          </a:fillRef>
-          <a:effectRef idx="0">
-            <a:schemeClr val="accent1"/>
-          </a:effectRef>
-          <a:fontRef idx="minor">
-            <a:schemeClr val="tx1"/>
-          </a:fontRef>
-        </p:style>
-      </p:cxnSp>
-      <p:cxnSp>
-        <p:nvCxnSpPr>
-          <p:cNvPr id="33" name="연결선: 구부러짐 32">
-            <a:extLst>
-              <a:ext uri="{FF2B5EF4-FFF2-40B4-BE49-F238E27FC236}">
-                <a16:creationId xmlns:a16="http://schemas.microsoft.com/office/drawing/2014/main" id="{30807523-6E8A-48AE-B2A0-FB8ED37C6250}"/>
-              </a:ext>
-            </a:extLst>
-          </p:cNvPr>
-          <p:cNvCxnSpPr>
-            <a:cxnSpLocks/>
-            <a:stCxn id="28" idx="2"/>
-            <a:endCxn id="35" idx="2"/>
-          </p:cNvCxnSpPr>
-          <p:nvPr/>
-        </p:nvCxnSpPr>
-        <p:spPr>
-          <a:xfrm rot="16200000" flipH="1">
-            <a:off x="2050377" y="2828345"/>
-            <a:ext cx="1010799" cy="1008111"/>
-          </a:xfrm>
-          <a:prstGeom prst="curvedConnector2">
+          <a:xfrm>
+            <a:off x="2518903" y="3423687"/>
+            <a:ext cx="407339" cy="0"/>
+          </a:xfrm>
+          <a:prstGeom prst="straightConnector1">
             <a:avLst/>
           </a:prstGeom>
           <a:ln>
             <a:solidFill>
               <a:srgbClr val="C00000"/>
             </a:solidFill>
-            <a:headEnd type="arrow" w="med" len="med"/>
-            <a:tailEnd type="none" w="med" len="med"/>
+            <a:headEnd type="none" w="med" len="med"/>
+            <a:tailEnd type="arrow" w="med" len="med"/>
           </a:ln>
         </p:spPr>
         <p:style>
@@ -7059,59 +6987,47 @@
           </a:fontRef>
         </p:style>
       </p:cxnSp>
-      <p:cxnSp>
-        <p:nvCxnSpPr>
-          <p:cNvPr id="22" name="연결선: 구부러짐 21">
-            <a:extLst>
-              <a:ext uri="{FF2B5EF4-FFF2-40B4-BE49-F238E27FC236}">
-                <a16:creationId xmlns:a16="http://schemas.microsoft.com/office/drawing/2014/main" id="{CA21792D-7E8E-46F0-8305-5D9B5D9A47F3}"/>
-              </a:ext>
-            </a:extLst>
-          </p:cNvPr>
-          <p:cNvCxnSpPr>
-            <a:cxnSpLocks/>
-            <a:stCxn id="30" idx="1"/>
-            <a:endCxn id="35" idx="6"/>
-          </p:cNvCxnSpPr>
-          <p:nvPr/>
-        </p:nvCxnSpPr>
-        <p:spPr>
-          <a:xfrm rot="10800000" flipV="1">
-            <a:off x="5569585" y="1969355"/>
-            <a:ext cx="370568" cy="1868446"/>
-          </a:xfrm>
-          <a:prstGeom prst="curvedConnector3">
-            <a:avLst>
-              <a:gd name="adj1" fmla="val 50000"/>
-            </a:avLst>
-          </a:prstGeom>
-          <a:ln>
-            <a:solidFill>
-              <a:srgbClr val="C00000"/>
-            </a:solidFill>
-            <a:headEnd type="arrow" w="med" len="med"/>
-            <a:tailEnd type="none" w="med" len="med"/>
-          </a:ln>
-        </p:spPr>
-        <p:style>
-          <a:lnRef idx="1">
-            <a:schemeClr val="accent1"/>
-          </a:lnRef>
-          <a:fillRef idx="0">
-            <a:schemeClr val="accent1"/>
-          </a:fillRef>
-          <a:effectRef idx="0">
-            <a:schemeClr val="accent1"/>
-          </a:effectRef>
-          <a:fontRef idx="minor">
-            <a:schemeClr val="tx1"/>
-          </a:fontRef>
-        </p:style>
-      </p:cxnSp>
+      <p:sp>
+        <p:nvSpPr>
+          <p:cNvPr id="64" name="TextBox 63">
+            <a:extLst>
+              <a:ext uri="{FF2B5EF4-FFF2-40B4-BE49-F238E27FC236}">
+                <a16:creationId xmlns:a16="http://schemas.microsoft.com/office/drawing/2014/main" id="{077B8717-EC4A-4AFF-B6B3-E9770D9E2AC1}"/>
+              </a:ext>
+            </a:extLst>
+          </p:cNvPr>
+          <p:cNvSpPr txBox="1"/>
+          <p:nvPr/>
+        </p:nvSpPr>
+        <p:spPr>
+          <a:xfrm>
+            <a:off x="1690812" y="3285187"/>
+            <a:ext cx="828091" cy="276999"/>
+          </a:xfrm>
+          <a:prstGeom prst="rect">
+            <a:avLst/>
+          </a:prstGeom>
+          <a:noFill/>
+        </p:spPr>
+        <p:txBody>
+          <a:bodyPr wrap="square" rtlCol="0" anchor="ctr">
+            <a:spAutoFit/>
+          </a:bodyPr>
+          <a:lstStyle/>
+          <a:p>
+            <a:pPr algn="ctr"/>
+            <a:r>
+              <a:rPr lang="en-US" altLang="ko-KR" sz="1200"/>
+              <a:t>Abort</a:t>
+            </a:r>
+            <a:endParaRPr lang="ko-KR" altLang="en-US" sz="1200"/>
+          </a:p>
+        </p:txBody>
+      </p:sp>
     </p:spTree>
     <p:extLst>
       <p:ext uri="{BB962C8B-B14F-4D97-AF65-F5344CB8AC3E}">
-        <p14:creationId xmlns:p14="http://schemas.microsoft.com/office/powerpoint/2010/main" val="2241184639"/>
+        <p14:creationId xmlns:p14="http://schemas.microsoft.com/office/powerpoint/2010/main" val="2016786361"/>
       </p:ext>
     </p:extLst>
   </p:cSld>
@@ -7150,6 +7066,1573 @@
         </p:nvSpPr>
         <p:spPr>
           <a:xfrm>
+            <a:off x="457200" y="-452586"/>
+            <a:ext cx="8229600" cy="857250"/>
+          </a:xfrm>
+        </p:spPr>
+        <p:txBody>
+          <a:bodyPr>
+            <a:normAutofit/>
+          </a:bodyPr>
+          <a:lstStyle/>
+          <a:p>
+            <a:r>
+              <a:rPr lang="en-US" altLang="ko-KR"/>
+              <a:t>Saga Chreography </a:t>
+            </a:r>
+            <a:endParaRPr lang="ko-KR" altLang="en-US" dirty="0"/>
+          </a:p>
+        </p:txBody>
+      </p:sp>
+      <p:sp>
+        <p:nvSpPr>
+          <p:cNvPr id="28" name="사각형: 둥근 모서리 27">
+            <a:extLst>
+              <a:ext uri="{FF2B5EF4-FFF2-40B4-BE49-F238E27FC236}">
+                <a16:creationId xmlns:a16="http://schemas.microsoft.com/office/drawing/2014/main" id="{62030D78-4B7F-45C9-98B6-33E5E4A06C85}"/>
+              </a:ext>
+            </a:extLst>
+          </p:cNvPr>
+          <p:cNvSpPr/>
+          <p:nvPr/>
+        </p:nvSpPr>
+        <p:spPr>
+          <a:xfrm>
+            <a:off x="1403648" y="2342829"/>
+            <a:ext cx="1296146" cy="551345"/>
+          </a:xfrm>
+          <a:prstGeom prst="roundRect">
+            <a:avLst>
+              <a:gd name="adj" fmla="val 8201"/>
+            </a:avLst>
+          </a:prstGeom>
+        </p:spPr>
+        <p:style>
+          <a:lnRef idx="2">
+            <a:schemeClr val="dk1"/>
+          </a:lnRef>
+          <a:fillRef idx="1">
+            <a:schemeClr val="lt1"/>
+          </a:fillRef>
+          <a:effectRef idx="0">
+            <a:schemeClr val="dk1"/>
+          </a:effectRef>
+          <a:fontRef idx="minor">
+            <a:schemeClr val="dk1"/>
+          </a:fontRef>
+        </p:style>
+        <p:txBody>
+          <a:bodyPr rtlCol="0" anchor="ctr"/>
+          <a:lstStyle/>
+          <a:p>
+            <a:pPr algn="ctr"/>
+            <a:r>
+              <a:rPr lang="en-US" altLang="ko-KR" sz="1600"/>
+              <a:t>Order</a:t>
+            </a:r>
+          </a:p>
+          <a:p>
+            <a:pPr algn="ctr"/>
+            <a:r>
+              <a:rPr lang="en-US" altLang="ko-KR" sz="1600"/>
+              <a:t>Service</a:t>
+            </a:r>
+            <a:endParaRPr lang="ko-KR" altLang="en-US" sz="1600"/>
+          </a:p>
+        </p:txBody>
+      </p:sp>
+      <p:sp>
+        <p:nvSpPr>
+          <p:cNvPr id="30" name="사각형: 둥근 모서리 29">
+            <a:extLst>
+              <a:ext uri="{FF2B5EF4-FFF2-40B4-BE49-F238E27FC236}">
+                <a16:creationId xmlns:a16="http://schemas.microsoft.com/office/drawing/2014/main" id="{E6EFD59B-6009-4044-BD25-0B0A32083141}"/>
+              </a:ext>
+            </a:extLst>
+          </p:cNvPr>
+          <p:cNvSpPr/>
+          <p:nvPr/>
+        </p:nvSpPr>
+        <p:spPr>
+          <a:xfrm>
+            <a:off x="5940153" y="1117618"/>
+            <a:ext cx="1296146" cy="551345"/>
+          </a:xfrm>
+          <a:prstGeom prst="roundRect">
+            <a:avLst>
+              <a:gd name="adj" fmla="val 8201"/>
+            </a:avLst>
+          </a:prstGeom>
+        </p:spPr>
+        <p:style>
+          <a:lnRef idx="2">
+            <a:schemeClr val="dk1"/>
+          </a:lnRef>
+          <a:fillRef idx="1">
+            <a:schemeClr val="lt1"/>
+          </a:fillRef>
+          <a:effectRef idx="0">
+            <a:schemeClr val="dk1"/>
+          </a:effectRef>
+          <a:fontRef idx="minor">
+            <a:schemeClr val="dk1"/>
+          </a:fontRef>
+        </p:style>
+        <p:txBody>
+          <a:bodyPr rtlCol="0" anchor="ctr"/>
+          <a:lstStyle/>
+          <a:p>
+            <a:pPr algn="ctr"/>
+            <a:r>
+              <a:rPr lang="en-US" altLang="ko-KR" sz="1600"/>
+              <a:t>Payment</a:t>
+            </a:r>
+          </a:p>
+          <a:p>
+            <a:pPr algn="ctr"/>
+            <a:r>
+              <a:rPr lang="en-US" altLang="ko-KR" sz="1600"/>
+              <a:t>Service</a:t>
+            </a:r>
+            <a:endParaRPr lang="ko-KR" altLang="en-US" sz="1600"/>
+          </a:p>
+        </p:txBody>
+      </p:sp>
+      <p:sp>
+        <p:nvSpPr>
+          <p:cNvPr id="31" name="사각형: 둥근 모서리 30">
+            <a:extLst>
+              <a:ext uri="{FF2B5EF4-FFF2-40B4-BE49-F238E27FC236}">
+                <a16:creationId xmlns:a16="http://schemas.microsoft.com/office/drawing/2014/main" id="{BE9999F8-745A-4027-9710-23189E3F8AD1}"/>
+              </a:ext>
+            </a:extLst>
+          </p:cNvPr>
+          <p:cNvSpPr/>
+          <p:nvPr/>
+        </p:nvSpPr>
+        <p:spPr>
+          <a:xfrm>
+            <a:off x="5940153" y="2342829"/>
+            <a:ext cx="1296146" cy="551345"/>
+          </a:xfrm>
+          <a:prstGeom prst="roundRect">
+            <a:avLst>
+              <a:gd name="adj" fmla="val 8201"/>
+            </a:avLst>
+          </a:prstGeom>
+        </p:spPr>
+        <p:style>
+          <a:lnRef idx="2">
+            <a:schemeClr val="dk1"/>
+          </a:lnRef>
+          <a:fillRef idx="1">
+            <a:schemeClr val="lt1"/>
+          </a:fillRef>
+          <a:effectRef idx="0">
+            <a:schemeClr val="dk1"/>
+          </a:effectRef>
+          <a:fontRef idx="minor">
+            <a:schemeClr val="dk1"/>
+          </a:fontRef>
+        </p:style>
+        <p:txBody>
+          <a:bodyPr rtlCol="0" anchor="ctr"/>
+          <a:lstStyle/>
+          <a:p>
+            <a:pPr algn="ctr"/>
+            <a:r>
+              <a:rPr lang="en-US" altLang="ko-KR" sz="1600"/>
+              <a:t>Stock</a:t>
+            </a:r>
+          </a:p>
+          <a:p>
+            <a:pPr algn="ctr"/>
+            <a:r>
+              <a:rPr lang="en-US" altLang="ko-KR" sz="1600"/>
+              <a:t>Service</a:t>
+            </a:r>
+            <a:endParaRPr lang="ko-KR" altLang="en-US" sz="1600"/>
+          </a:p>
+        </p:txBody>
+      </p:sp>
+      <p:sp>
+        <p:nvSpPr>
+          <p:cNvPr id="32" name="사각형: 둥근 모서리 31">
+            <a:extLst>
+              <a:ext uri="{FF2B5EF4-FFF2-40B4-BE49-F238E27FC236}">
+                <a16:creationId xmlns:a16="http://schemas.microsoft.com/office/drawing/2014/main" id="{151576AF-1027-4091-8040-823086099624}"/>
+              </a:ext>
+            </a:extLst>
+          </p:cNvPr>
+          <p:cNvSpPr/>
+          <p:nvPr/>
+        </p:nvSpPr>
+        <p:spPr>
+          <a:xfrm>
+            <a:off x="5940153" y="3568040"/>
+            <a:ext cx="1296146" cy="551345"/>
+          </a:xfrm>
+          <a:prstGeom prst="roundRect">
+            <a:avLst>
+              <a:gd name="adj" fmla="val 8201"/>
+            </a:avLst>
+          </a:prstGeom>
+        </p:spPr>
+        <p:style>
+          <a:lnRef idx="2">
+            <a:schemeClr val="dk1"/>
+          </a:lnRef>
+          <a:fillRef idx="1">
+            <a:schemeClr val="lt1"/>
+          </a:fillRef>
+          <a:effectRef idx="0">
+            <a:schemeClr val="dk1"/>
+          </a:effectRef>
+          <a:fontRef idx="minor">
+            <a:schemeClr val="dk1"/>
+          </a:fontRef>
+        </p:style>
+        <p:txBody>
+          <a:bodyPr rtlCol="0" anchor="ctr"/>
+          <a:lstStyle/>
+          <a:p>
+            <a:pPr algn="ctr"/>
+            <a:r>
+              <a:rPr lang="en-US" altLang="ko-KR" sz="1600"/>
+              <a:t>Delivery</a:t>
+            </a:r>
+          </a:p>
+          <a:p>
+            <a:pPr algn="ctr"/>
+            <a:r>
+              <a:rPr lang="en-US" altLang="ko-KR" sz="1600"/>
+              <a:t>Service</a:t>
+            </a:r>
+            <a:endParaRPr lang="ko-KR" altLang="en-US" sz="1600"/>
+          </a:p>
+        </p:txBody>
+      </p:sp>
+      <p:sp>
+        <p:nvSpPr>
+          <p:cNvPr id="2" name="타원 1">
+            <a:extLst>
+              <a:ext uri="{FF2B5EF4-FFF2-40B4-BE49-F238E27FC236}">
+                <a16:creationId xmlns:a16="http://schemas.microsoft.com/office/drawing/2014/main" id="{79FAAE09-E371-4E49-BDBA-CB73FE3EF24C}"/>
+              </a:ext>
+            </a:extLst>
+          </p:cNvPr>
+          <p:cNvSpPr/>
+          <p:nvPr/>
+        </p:nvSpPr>
+        <p:spPr>
+          <a:xfrm>
+            <a:off x="3059832" y="627534"/>
+            <a:ext cx="2509753" cy="490084"/>
+          </a:xfrm>
+          <a:prstGeom prst="ellipse">
+            <a:avLst/>
+          </a:prstGeom>
+        </p:spPr>
+        <p:style>
+          <a:lnRef idx="2">
+            <a:schemeClr val="dk1"/>
+          </a:lnRef>
+          <a:fillRef idx="1">
+            <a:schemeClr val="lt1"/>
+          </a:fillRef>
+          <a:effectRef idx="0">
+            <a:schemeClr val="dk1"/>
+          </a:effectRef>
+          <a:fontRef idx="minor">
+            <a:schemeClr val="dk1"/>
+          </a:fontRef>
+        </p:style>
+        <p:txBody>
+          <a:bodyPr rtlCol="0" anchor="ctr"/>
+          <a:lstStyle/>
+          <a:p>
+            <a:pPr algn="ctr"/>
+            <a:r>
+              <a:rPr lang="en-US" altLang="ko-KR" sz="1400"/>
+              <a:t>ORDER_CREATED Event</a:t>
+            </a:r>
+            <a:endParaRPr lang="ko-KR" altLang="en-US" sz="1400"/>
+          </a:p>
+        </p:txBody>
+      </p:sp>
+      <p:sp>
+        <p:nvSpPr>
+          <p:cNvPr id="34" name="타원 33">
+            <a:extLst>
+              <a:ext uri="{FF2B5EF4-FFF2-40B4-BE49-F238E27FC236}">
+                <a16:creationId xmlns:a16="http://schemas.microsoft.com/office/drawing/2014/main" id="{FD7C7981-888F-4168-856B-B00CC8F986E7}"/>
+              </a:ext>
+            </a:extLst>
+          </p:cNvPr>
+          <p:cNvSpPr/>
+          <p:nvPr/>
+        </p:nvSpPr>
+        <p:spPr>
+          <a:xfrm>
+            <a:off x="3059832" y="1730224"/>
+            <a:ext cx="2509753" cy="490084"/>
+          </a:xfrm>
+          <a:prstGeom prst="ellipse">
+            <a:avLst/>
+          </a:prstGeom>
+        </p:spPr>
+        <p:style>
+          <a:lnRef idx="2">
+            <a:schemeClr val="dk1"/>
+          </a:lnRef>
+          <a:fillRef idx="1">
+            <a:schemeClr val="lt1"/>
+          </a:fillRef>
+          <a:effectRef idx="0">
+            <a:schemeClr val="dk1"/>
+          </a:effectRef>
+          <a:fontRef idx="minor">
+            <a:schemeClr val="dk1"/>
+          </a:fontRef>
+        </p:style>
+        <p:txBody>
+          <a:bodyPr rtlCol="0" anchor="ctr"/>
+          <a:lstStyle/>
+          <a:p>
+            <a:pPr algn="ctr"/>
+            <a:r>
+              <a:rPr lang="en-US" altLang="ko-KR" sz="1400"/>
+              <a:t>BILLED_ORDER Event</a:t>
+            </a:r>
+            <a:endParaRPr lang="ko-KR" altLang="en-US" sz="1400"/>
+          </a:p>
+        </p:txBody>
+      </p:sp>
+      <p:sp>
+        <p:nvSpPr>
+          <p:cNvPr id="35" name="타원 34">
+            <a:extLst>
+              <a:ext uri="{FF2B5EF4-FFF2-40B4-BE49-F238E27FC236}">
+                <a16:creationId xmlns:a16="http://schemas.microsoft.com/office/drawing/2014/main" id="{D04B10BF-CE39-4BBB-9D32-2746F2AEB9E2}"/>
+              </a:ext>
+            </a:extLst>
+          </p:cNvPr>
+          <p:cNvSpPr/>
+          <p:nvPr/>
+        </p:nvSpPr>
+        <p:spPr>
+          <a:xfrm>
+            <a:off x="3059832" y="3016695"/>
+            <a:ext cx="2509753" cy="490084"/>
+          </a:xfrm>
+          <a:prstGeom prst="ellipse">
+            <a:avLst/>
+          </a:prstGeom>
+        </p:spPr>
+        <p:style>
+          <a:lnRef idx="2">
+            <a:schemeClr val="dk1"/>
+          </a:lnRef>
+          <a:fillRef idx="1">
+            <a:schemeClr val="lt1"/>
+          </a:fillRef>
+          <a:effectRef idx="0">
+            <a:schemeClr val="dk1"/>
+          </a:effectRef>
+          <a:fontRef idx="minor">
+            <a:schemeClr val="dk1"/>
+          </a:fontRef>
+        </p:style>
+        <p:txBody>
+          <a:bodyPr rtlCol="0" anchor="ctr"/>
+          <a:lstStyle/>
+          <a:p>
+            <a:pPr algn="ctr"/>
+            <a:r>
+              <a:rPr lang="en-US" altLang="ko-KR" sz="1400"/>
+              <a:t>ORDER_PREPARED Event</a:t>
+            </a:r>
+            <a:endParaRPr lang="ko-KR" altLang="en-US" sz="1400"/>
+          </a:p>
+        </p:txBody>
+      </p:sp>
+      <p:sp>
+        <p:nvSpPr>
+          <p:cNvPr id="36" name="타원 35">
+            <a:extLst>
+              <a:ext uri="{FF2B5EF4-FFF2-40B4-BE49-F238E27FC236}">
+                <a16:creationId xmlns:a16="http://schemas.microsoft.com/office/drawing/2014/main" id="{3F2097C7-D998-49CB-8FB6-364F42771CAA}"/>
+              </a:ext>
+            </a:extLst>
+          </p:cNvPr>
+          <p:cNvSpPr/>
+          <p:nvPr/>
+        </p:nvSpPr>
+        <p:spPr>
+          <a:xfrm>
+            <a:off x="3059832" y="4241906"/>
+            <a:ext cx="2509753" cy="490084"/>
+          </a:xfrm>
+          <a:prstGeom prst="ellipse">
+            <a:avLst/>
+          </a:prstGeom>
+        </p:spPr>
+        <p:style>
+          <a:lnRef idx="2">
+            <a:schemeClr val="dk1"/>
+          </a:lnRef>
+          <a:fillRef idx="1">
+            <a:schemeClr val="lt1"/>
+          </a:fillRef>
+          <a:effectRef idx="0">
+            <a:schemeClr val="dk1"/>
+          </a:effectRef>
+          <a:fontRef idx="minor">
+            <a:schemeClr val="dk1"/>
+          </a:fontRef>
+        </p:style>
+        <p:txBody>
+          <a:bodyPr rtlCol="0" anchor="ctr"/>
+          <a:lstStyle/>
+          <a:p>
+            <a:pPr algn="ctr"/>
+            <a:r>
+              <a:rPr lang="en-US" altLang="ko-KR" sz="1400"/>
+              <a:t>DELIVERY_CREATED Event</a:t>
+            </a:r>
+            <a:endParaRPr lang="ko-KR" altLang="en-US" sz="1400"/>
+          </a:p>
+        </p:txBody>
+      </p:sp>
+      <p:cxnSp>
+        <p:nvCxnSpPr>
+          <p:cNvPr id="27" name="연결선: 구부러짐 26">
+            <a:extLst>
+              <a:ext uri="{FF2B5EF4-FFF2-40B4-BE49-F238E27FC236}">
+                <a16:creationId xmlns:a16="http://schemas.microsoft.com/office/drawing/2014/main" id="{260045E1-765A-4600-AF01-654686C9C6C2}"/>
+              </a:ext>
+            </a:extLst>
+          </p:cNvPr>
+          <p:cNvCxnSpPr>
+            <a:stCxn id="2" idx="2"/>
+            <a:endCxn id="28" idx="0"/>
+          </p:cNvCxnSpPr>
+          <p:nvPr/>
+        </p:nvCxnSpPr>
+        <p:spPr>
+          <a:xfrm rot="10800000" flipV="1">
+            <a:off x="2051722" y="872575"/>
+            <a:ext cx="1008111" cy="1470253"/>
+          </a:xfrm>
+          <a:prstGeom prst="curvedConnector2">
+            <a:avLst/>
+          </a:prstGeom>
+          <a:ln>
+            <a:solidFill>
+              <a:schemeClr val="tx1"/>
+            </a:solidFill>
+            <a:headEnd type="arrow" w="med" len="med"/>
+            <a:tailEnd type="none" w="med" len="med"/>
+          </a:ln>
+        </p:spPr>
+        <p:style>
+          <a:lnRef idx="1">
+            <a:schemeClr val="accent1"/>
+          </a:lnRef>
+          <a:fillRef idx="0">
+            <a:schemeClr val="accent1"/>
+          </a:fillRef>
+          <a:effectRef idx="0">
+            <a:schemeClr val="accent1"/>
+          </a:effectRef>
+          <a:fontRef idx="minor">
+            <a:schemeClr val="tx1"/>
+          </a:fontRef>
+        </p:style>
+      </p:cxnSp>
+      <p:cxnSp>
+        <p:nvCxnSpPr>
+          <p:cNvPr id="12" name="연결선: 구부러짐 11">
+            <a:extLst>
+              <a:ext uri="{FF2B5EF4-FFF2-40B4-BE49-F238E27FC236}">
+                <a16:creationId xmlns:a16="http://schemas.microsoft.com/office/drawing/2014/main" id="{7AFF2270-BE99-4CAD-9BFA-CAACAB4D7D70}"/>
+              </a:ext>
+            </a:extLst>
+          </p:cNvPr>
+          <p:cNvCxnSpPr>
+            <a:cxnSpLocks/>
+            <a:stCxn id="30" idx="0"/>
+            <a:endCxn id="2" idx="6"/>
+          </p:cNvCxnSpPr>
+          <p:nvPr/>
+        </p:nvCxnSpPr>
+        <p:spPr>
+          <a:xfrm rot="16200000" flipV="1">
+            <a:off x="5956385" y="485776"/>
+            <a:ext cx="245042" cy="1018641"/>
+          </a:xfrm>
+          <a:prstGeom prst="curvedConnector2">
+            <a:avLst/>
+          </a:prstGeom>
+          <a:ln>
+            <a:solidFill>
+              <a:schemeClr val="tx1"/>
+            </a:solidFill>
+            <a:headEnd type="arrow" w="med" len="med"/>
+            <a:tailEnd type="none" w="med" len="med"/>
+          </a:ln>
+        </p:spPr>
+        <p:style>
+          <a:lnRef idx="1">
+            <a:schemeClr val="accent1"/>
+          </a:lnRef>
+          <a:fillRef idx="0">
+            <a:schemeClr val="accent1"/>
+          </a:fillRef>
+          <a:effectRef idx="0">
+            <a:schemeClr val="accent1"/>
+          </a:effectRef>
+          <a:fontRef idx="minor">
+            <a:schemeClr val="tx1"/>
+          </a:fontRef>
+        </p:style>
+      </p:cxnSp>
+      <p:cxnSp>
+        <p:nvCxnSpPr>
+          <p:cNvPr id="15" name="연결선: 구부러짐 14">
+            <a:extLst>
+              <a:ext uri="{FF2B5EF4-FFF2-40B4-BE49-F238E27FC236}">
+                <a16:creationId xmlns:a16="http://schemas.microsoft.com/office/drawing/2014/main" id="{D1F2C6F9-B048-407F-AAE2-EE6B80B8BED8}"/>
+              </a:ext>
+            </a:extLst>
+          </p:cNvPr>
+          <p:cNvCxnSpPr>
+            <a:cxnSpLocks/>
+            <a:stCxn id="34" idx="0"/>
+            <a:endCxn id="30" idx="1"/>
+          </p:cNvCxnSpPr>
+          <p:nvPr/>
+        </p:nvCxnSpPr>
+        <p:spPr>
+          <a:xfrm rot="5400000" flipH="1" flipV="1">
+            <a:off x="4958965" y="749036"/>
+            <a:ext cx="336933" cy="1625444"/>
+          </a:xfrm>
+          <a:prstGeom prst="curvedConnector2">
+            <a:avLst/>
+          </a:prstGeom>
+          <a:ln>
+            <a:solidFill>
+              <a:schemeClr val="tx1"/>
+            </a:solidFill>
+            <a:headEnd type="arrow" w="med" len="med"/>
+            <a:tailEnd type="none" w="med" len="med"/>
+          </a:ln>
+        </p:spPr>
+        <p:style>
+          <a:lnRef idx="1">
+            <a:schemeClr val="accent1"/>
+          </a:lnRef>
+          <a:fillRef idx="0">
+            <a:schemeClr val="accent1"/>
+          </a:fillRef>
+          <a:effectRef idx="0">
+            <a:schemeClr val="accent1"/>
+          </a:effectRef>
+          <a:fontRef idx="minor">
+            <a:schemeClr val="tx1"/>
+          </a:fontRef>
+        </p:style>
+      </p:cxnSp>
+      <p:cxnSp>
+        <p:nvCxnSpPr>
+          <p:cNvPr id="18" name="연결선: 구부러짐 17">
+            <a:extLst>
+              <a:ext uri="{FF2B5EF4-FFF2-40B4-BE49-F238E27FC236}">
+                <a16:creationId xmlns:a16="http://schemas.microsoft.com/office/drawing/2014/main" id="{5360AFB8-3823-40B5-9A9F-F105E10A6E85}"/>
+              </a:ext>
+            </a:extLst>
+          </p:cNvPr>
+          <p:cNvCxnSpPr>
+            <a:cxnSpLocks/>
+            <a:stCxn id="31" idx="1"/>
+            <a:endCxn id="34" idx="4"/>
+          </p:cNvCxnSpPr>
+          <p:nvPr/>
+        </p:nvCxnSpPr>
+        <p:spPr>
+          <a:xfrm rot="10800000">
+            <a:off x="4314709" y="2220308"/>
+            <a:ext cx="1625444" cy="398194"/>
+          </a:xfrm>
+          <a:prstGeom prst="curvedConnector2">
+            <a:avLst/>
+          </a:prstGeom>
+          <a:ln>
+            <a:solidFill>
+              <a:schemeClr val="tx1"/>
+            </a:solidFill>
+            <a:headEnd type="arrow" w="med" len="med"/>
+            <a:tailEnd type="none" w="med" len="med"/>
+          </a:ln>
+        </p:spPr>
+        <p:style>
+          <a:lnRef idx="1">
+            <a:schemeClr val="accent1"/>
+          </a:lnRef>
+          <a:fillRef idx="0">
+            <a:schemeClr val="accent1"/>
+          </a:fillRef>
+          <a:effectRef idx="0">
+            <a:schemeClr val="accent1"/>
+          </a:effectRef>
+          <a:fontRef idx="minor">
+            <a:schemeClr val="tx1"/>
+          </a:fontRef>
+        </p:style>
+      </p:cxnSp>
+      <p:cxnSp>
+        <p:nvCxnSpPr>
+          <p:cNvPr id="21" name="연결선: 구부러짐 20">
+            <a:extLst>
+              <a:ext uri="{FF2B5EF4-FFF2-40B4-BE49-F238E27FC236}">
+                <a16:creationId xmlns:a16="http://schemas.microsoft.com/office/drawing/2014/main" id="{0B0912A2-2C33-4BA2-94B1-3B91BB2E1FF9}"/>
+              </a:ext>
+            </a:extLst>
+          </p:cNvPr>
+          <p:cNvCxnSpPr>
+            <a:cxnSpLocks/>
+            <a:stCxn id="35" idx="0"/>
+            <a:endCxn id="31" idx="1"/>
+          </p:cNvCxnSpPr>
+          <p:nvPr/>
+        </p:nvCxnSpPr>
+        <p:spPr>
+          <a:xfrm rot="5400000" flipH="1" flipV="1">
+            <a:off x="4928335" y="2004877"/>
+            <a:ext cx="398193" cy="1625444"/>
+          </a:xfrm>
+          <a:prstGeom prst="curvedConnector2">
+            <a:avLst/>
+          </a:prstGeom>
+          <a:ln>
+            <a:solidFill>
+              <a:schemeClr val="tx1"/>
+            </a:solidFill>
+            <a:headEnd type="arrow" w="med" len="med"/>
+            <a:tailEnd type="none" w="med" len="med"/>
+          </a:ln>
+        </p:spPr>
+        <p:style>
+          <a:lnRef idx="1">
+            <a:schemeClr val="accent1"/>
+          </a:lnRef>
+          <a:fillRef idx="0">
+            <a:schemeClr val="accent1"/>
+          </a:fillRef>
+          <a:effectRef idx="0">
+            <a:schemeClr val="accent1"/>
+          </a:effectRef>
+          <a:fontRef idx="minor">
+            <a:schemeClr val="tx1"/>
+          </a:fontRef>
+        </p:style>
+      </p:cxnSp>
+      <p:cxnSp>
+        <p:nvCxnSpPr>
+          <p:cNvPr id="24" name="연결선: 구부러짐 23">
+            <a:extLst>
+              <a:ext uri="{FF2B5EF4-FFF2-40B4-BE49-F238E27FC236}">
+                <a16:creationId xmlns:a16="http://schemas.microsoft.com/office/drawing/2014/main" id="{89FCE147-7CEB-4445-BE9E-8774ED113556}"/>
+              </a:ext>
+            </a:extLst>
+          </p:cNvPr>
+          <p:cNvCxnSpPr>
+            <a:cxnSpLocks/>
+            <a:stCxn id="32" idx="1"/>
+            <a:endCxn id="35" idx="4"/>
+          </p:cNvCxnSpPr>
+          <p:nvPr/>
+        </p:nvCxnSpPr>
+        <p:spPr>
+          <a:xfrm rot="10800000">
+            <a:off x="4314709" y="3506779"/>
+            <a:ext cx="1625444" cy="336934"/>
+          </a:xfrm>
+          <a:prstGeom prst="curvedConnector2">
+            <a:avLst/>
+          </a:prstGeom>
+          <a:ln>
+            <a:solidFill>
+              <a:schemeClr val="tx1"/>
+            </a:solidFill>
+            <a:headEnd type="arrow" w="med" len="med"/>
+            <a:tailEnd type="none" w="med" len="med"/>
+          </a:ln>
+        </p:spPr>
+        <p:style>
+          <a:lnRef idx="1">
+            <a:schemeClr val="accent1"/>
+          </a:lnRef>
+          <a:fillRef idx="0">
+            <a:schemeClr val="accent1"/>
+          </a:fillRef>
+          <a:effectRef idx="0">
+            <a:schemeClr val="accent1"/>
+          </a:effectRef>
+          <a:fontRef idx="minor">
+            <a:schemeClr val="tx1"/>
+          </a:fontRef>
+        </p:style>
+      </p:cxnSp>
+      <p:cxnSp>
+        <p:nvCxnSpPr>
+          <p:cNvPr id="29" name="연결선: 구부러짐 28">
+            <a:extLst>
+              <a:ext uri="{FF2B5EF4-FFF2-40B4-BE49-F238E27FC236}">
+                <a16:creationId xmlns:a16="http://schemas.microsoft.com/office/drawing/2014/main" id="{E4EE9D5D-DF30-4062-B95F-AE7A1269BC1D}"/>
+              </a:ext>
+            </a:extLst>
+          </p:cNvPr>
+          <p:cNvCxnSpPr>
+            <a:cxnSpLocks/>
+            <a:stCxn id="36" idx="0"/>
+            <a:endCxn id="32" idx="1"/>
+          </p:cNvCxnSpPr>
+          <p:nvPr/>
+        </p:nvCxnSpPr>
+        <p:spPr>
+          <a:xfrm rot="5400000" flipH="1" flipV="1">
+            <a:off x="4928335" y="3230088"/>
+            <a:ext cx="398193" cy="1625444"/>
+          </a:xfrm>
+          <a:prstGeom prst="curvedConnector2">
+            <a:avLst/>
+          </a:prstGeom>
+          <a:ln>
+            <a:solidFill>
+              <a:schemeClr val="tx1"/>
+            </a:solidFill>
+            <a:headEnd type="arrow" w="med" len="med"/>
+            <a:tailEnd type="none" w="med" len="med"/>
+          </a:ln>
+        </p:spPr>
+        <p:style>
+          <a:lnRef idx="1">
+            <a:schemeClr val="accent1"/>
+          </a:lnRef>
+          <a:fillRef idx="0">
+            <a:schemeClr val="accent1"/>
+          </a:fillRef>
+          <a:effectRef idx="0">
+            <a:schemeClr val="accent1"/>
+          </a:effectRef>
+          <a:fontRef idx="minor">
+            <a:schemeClr val="tx1"/>
+          </a:fontRef>
+        </p:style>
+      </p:cxnSp>
+      <p:cxnSp>
+        <p:nvCxnSpPr>
+          <p:cNvPr id="33" name="연결선: 구부러짐 32">
+            <a:extLst>
+              <a:ext uri="{FF2B5EF4-FFF2-40B4-BE49-F238E27FC236}">
+                <a16:creationId xmlns:a16="http://schemas.microsoft.com/office/drawing/2014/main" id="{30807523-6E8A-48AE-B2A0-FB8ED37C6250}"/>
+              </a:ext>
+            </a:extLst>
+          </p:cNvPr>
+          <p:cNvCxnSpPr>
+            <a:cxnSpLocks/>
+            <a:stCxn id="28" idx="2"/>
+            <a:endCxn id="36" idx="2"/>
+          </p:cNvCxnSpPr>
+          <p:nvPr/>
+        </p:nvCxnSpPr>
+        <p:spPr>
+          <a:xfrm rot="16200000" flipH="1">
+            <a:off x="1759389" y="3186505"/>
+            <a:ext cx="1592774" cy="1008111"/>
+          </a:xfrm>
+          <a:prstGeom prst="curvedConnector2">
+            <a:avLst/>
+          </a:prstGeom>
+          <a:ln>
+            <a:solidFill>
+              <a:schemeClr val="tx1"/>
+            </a:solidFill>
+            <a:headEnd type="arrow" w="med" len="med"/>
+            <a:tailEnd type="none" w="med" len="med"/>
+          </a:ln>
+        </p:spPr>
+        <p:style>
+          <a:lnRef idx="1">
+            <a:schemeClr val="accent1"/>
+          </a:lnRef>
+          <a:fillRef idx="0">
+            <a:schemeClr val="accent1"/>
+          </a:fillRef>
+          <a:effectRef idx="0">
+            <a:schemeClr val="accent1"/>
+          </a:effectRef>
+          <a:fontRef idx="minor">
+            <a:schemeClr val="tx1"/>
+          </a:fontRef>
+        </p:style>
+      </p:cxnSp>
+    </p:spTree>
+    <p:extLst>
+      <p:ext uri="{BB962C8B-B14F-4D97-AF65-F5344CB8AC3E}">
+        <p14:creationId xmlns:p14="http://schemas.microsoft.com/office/powerpoint/2010/main" val="1001323456"/>
+      </p:ext>
+    </p:extLst>
+  </p:cSld>
+  <p:clrMapOvr>
+    <a:masterClrMapping/>
+  </p:clrMapOvr>
+</p:sld>
+</file>
+
+<file path=ppt/slides/slide13.xml><?xml version="1.0" encoding="utf-8"?>
+<p:sld xmlns:a="http://schemas.openxmlformats.org/drawingml/2006/main" xmlns:r="http://schemas.openxmlformats.org/officeDocument/2006/relationships" xmlns:p="http://schemas.openxmlformats.org/presentationml/2006/main">
+  <p:cSld>
+    <p:spTree>
+      <p:nvGrpSpPr>
+        <p:cNvPr id="1" name=""/>
+        <p:cNvGrpSpPr/>
+        <p:nvPr/>
+      </p:nvGrpSpPr>
+      <p:grpSpPr>
+        <a:xfrm>
+          <a:off x="0" y="0"/>
+          <a:ext cx="0" cy="0"/>
+          <a:chOff x="0" y="0"/>
+          <a:chExt cx="0" cy="0"/>
+        </a:xfrm>
+      </p:grpSpPr>
+      <p:sp>
+        <p:nvSpPr>
+          <p:cNvPr id="6" name="제목 1"/>
+          <p:cNvSpPr>
+            <a:spLocks noGrp="1"/>
+          </p:cNvSpPr>
+          <p:nvPr>
+            <p:ph type="title"/>
+          </p:nvPr>
+        </p:nvSpPr>
+        <p:spPr>
+          <a:xfrm>
+            <a:off x="457200" y="123478"/>
+            <a:ext cx="8229600" cy="857250"/>
+          </a:xfrm>
+        </p:spPr>
+        <p:txBody>
+          <a:bodyPr>
+            <a:normAutofit/>
+          </a:bodyPr>
+          <a:lstStyle/>
+          <a:p>
+            <a:r>
+              <a:rPr lang="en-US" altLang="ko-KR"/>
+              <a:t>Saga Chreography Failed </a:t>
+            </a:r>
+            <a:endParaRPr lang="ko-KR" altLang="en-US" dirty="0"/>
+          </a:p>
+        </p:txBody>
+      </p:sp>
+      <p:sp>
+        <p:nvSpPr>
+          <p:cNvPr id="28" name="사각형: 둥근 모서리 27">
+            <a:extLst>
+              <a:ext uri="{FF2B5EF4-FFF2-40B4-BE49-F238E27FC236}">
+                <a16:creationId xmlns:a16="http://schemas.microsoft.com/office/drawing/2014/main" id="{62030D78-4B7F-45C9-98B6-33E5E4A06C85}"/>
+              </a:ext>
+            </a:extLst>
+          </p:cNvPr>
+          <p:cNvSpPr/>
+          <p:nvPr/>
+        </p:nvSpPr>
+        <p:spPr>
+          <a:xfrm>
+            <a:off x="1403648" y="2275657"/>
+            <a:ext cx="1296146" cy="551345"/>
+          </a:xfrm>
+          <a:prstGeom prst="roundRect">
+            <a:avLst>
+              <a:gd name="adj" fmla="val 8201"/>
+            </a:avLst>
+          </a:prstGeom>
+        </p:spPr>
+        <p:style>
+          <a:lnRef idx="2">
+            <a:schemeClr val="dk1"/>
+          </a:lnRef>
+          <a:fillRef idx="1">
+            <a:schemeClr val="lt1"/>
+          </a:fillRef>
+          <a:effectRef idx="0">
+            <a:schemeClr val="dk1"/>
+          </a:effectRef>
+          <a:fontRef idx="minor">
+            <a:schemeClr val="dk1"/>
+          </a:fontRef>
+        </p:style>
+        <p:txBody>
+          <a:bodyPr rtlCol="0" anchor="ctr"/>
+          <a:lstStyle/>
+          <a:p>
+            <a:pPr algn="ctr"/>
+            <a:r>
+              <a:rPr lang="en-US" altLang="ko-KR" sz="1600"/>
+              <a:t>Order</a:t>
+            </a:r>
+          </a:p>
+          <a:p>
+            <a:pPr algn="ctr"/>
+            <a:r>
+              <a:rPr lang="en-US" altLang="ko-KR" sz="1600"/>
+              <a:t>Service</a:t>
+            </a:r>
+            <a:endParaRPr lang="ko-KR" altLang="en-US" sz="1600"/>
+          </a:p>
+        </p:txBody>
+      </p:sp>
+      <p:sp>
+        <p:nvSpPr>
+          <p:cNvPr id="30" name="사각형: 둥근 모서리 29">
+            <a:extLst>
+              <a:ext uri="{FF2B5EF4-FFF2-40B4-BE49-F238E27FC236}">
+                <a16:creationId xmlns:a16="http://schemas.microsoft.com/office/drawing/2014/main" id="{E6EFD59B-6009-4044-BD25-0B0A32083141}"/>
+              </a:ext>
+            </a:extLst>
+          </p:cNvPr>
+          <p:cNvSpPr/>
+          <p:nvPr/>
+        </p:nvSpPr>
+        <p:spPr>
+          <a:xfrm>
+            <a:off x="5940153" y="1693682"/>
+            <a:ext cx="1296146" cy="551345"/>
+          </a:xfrm>
+          <a:prstGeom prst="roundRect">
+            <a:avLst>
+              <a:gd name="adj" fmla="val 8201"/>
+            </a:avLst>
+          </a:prstGeom>
+        </p:spPr>
+        <p:style>
+          <a:lnRef idx="2">
+            <a:schemeClr val="dk1"/>
+          </a:lnRef>
+          <a:fillRef idx="1">
+            <a:schemeClr val="lt1"/>
+          </a:fillRef>
+          <a:effectRef idx="0">
+            <a:schemeClr val="dk1"/>
+          </a:effectRef>
+          <a:fontRef idx="minor">
+            <a:schemeClr val="dk1"/>
+          </a:fontRef>
+        </p:style>
+        <p:txBody>
+          <a:bodyPr rtlCol="0" anchor="ctr"/>
+          <a:lstStyle/>
+          <a:p>
+            <a:pPr algn="ctr"/>
+            <a:r>
+              <a:rPr lang="en-US" altLang="ko-KR" sz="1600"/>
+              <a:t>Payment</a:t>
+            </a:r>
+          </a:p>
+          <a:p>
+            <a:pPr algn="ctr"/>
+            <a:r>
+              <a:rPr lang="en-US" altLang="ko-KR" sz="1600"/>
+              <a:t>Service</a:t>
+            </a:r>
+            <a:endParaRPr lang="ko-KR" altLang="en-US" sz="1600"/>
+          </a:p>
+        </p:txBody>
+      </p:sp>
+      <p:sp>
+        <p:nvSpPr>
+          <p:cNvPr id="31" name="사각형: 둥근 모서리 30">
+            <a:extLst>
+              <a:ext uri="{FF2B5EF4-FFF2-40B4-BE49-F238E27FC236}">
+                <a16:creationId xmlns:a16="http://schemas.microsoft.com/office/drawing/2014/main" id="{BE9999F8-745A-4027-9710-23189E3F8AD1}"/>
+              </a:ext>
+            </a:extLst>
+          </p:cNvPr>
+          <p:cNvSpPr/>
+          <p:nvPr/>
+        </p:nvSpPr>
+        <p:spPr>
+          <a:xfrm>
+            <a:off x="5940153" y="2918893"/>
+            <a:ext cx="1296146" cy="551345"/>
+          </a:xfrm>
+          <a:prstGeom prst="roundRect">
+            <a:avLst>
+              <a:gd name="adj" fmla="val 8201"/>
+            </a:avLst>
+          </a:prstGeom>
+        </p:spPr>
+        <p:style>
+          <a:lnRef idx="2">
+            <a:schemeClr val="dk1"/>
+          </a:lnRef>
+          <a:fillRef idx="1">
+            <a:schemeClr val="lt1"/>
+          </a:fillRef>
+          <a:effectRef idx="0">
+            <a:schemeClr val="dk1"/>
+          </a:effectRef>
+          <a:fontRef idx="minor">
+            <a:schemeClr val="dk1"/>
+          </a:fontRef>
+        </p:style>
+        <p:txBody>
+          <a:bodyPr rtlCol="0" anchor="ctr"/>
+          <a:lstStyle/>
+          <a:p>
+            <a:pPr algn="ctr"/>
+            <a:r>
+              <a:rPr lang="en-US" altLang="ko-KR" sz="1600"/>
+              <a:t>Stock</a:t>
+            </a:r>
+          </a:p>
+          <a:p>
+            <a:pPr algn="ctr"/>
+            <a:r>
+              <a:rPr lang="en-US" altLang="ko-KR" sz="1600"/>
+              <a:t>Service</a:t>
+            </a:r>
+            <a:endParaRPr lang="ko-KR" altLang="en-US" sz="1600"/>
+          </a:p>
+        </p:txBody>
+      </p:sp>
+      <p:sp>
+        <p:nvSpPr>
+          <p:cNvPr id="2" name="타원 1">
+            <a:extLst>
+              <a:ext uri="{FF2B5EF4-FFF2-40B4-BE49-F238E27FC236}">
+                <a16:creationId xmlns:a16="http://schemas.microsoft.com/office/drawing/2014/main" id="{79FAAE09-E371-4E49-BDBA-CB73FE3EF24C}"/>
+              </a:ext>
+            </a:extLst>
+          </p:cNvPr>
+          <p:cNvSpPr/>
+          <p:nvPr/>
+        </p:nvSpPr>
+        <p:spPr>
+          <a:xfrm>
+            <a:off x="3059832" y="1203598"/>
+            <a:ext cx="2509753" cy="490084"/>
+          </a:xfrm>
+          <a:prstGeom prst="ellipse">
+            <a:avLst/>
+          </a:prstGeom>
+        </p:spPr>
+        <p:style>
+          <a:lnRef idx="2">
+            <a:schemeClr val="dk1"/>
+          </a:lnRef>
+          <a:fillRef idx="1">
+            <a:schemeClr val="lt1"/>
+          </a:fillRef>
+          <a:effectRef idx="0">
+            <a:schemeClr val="dk1"/>
+          </a:effectRef>
+          <a:fontRef idx="minor">
+            <a:schemeClr val="dk1"/>
+          </a:fontRef>
+        </p:style>
+        <p:txBody>
+          <a:bodyPr rtlCol="0" anchor="ctr"/>
+          <a:lstStyle/>
+          <a:p>
+            <a:pPr algn="ctr"/>
+            <a:r>
+              <a:rPr lang="en-US" altLang="ko-KR" sz="1400"/>
+              <a:t>ORDER_CREATED Event</a:t>
+            </a:r>
+            <a:endParaRPr lang="ko-KR" altLang="en-US" sz="1400"/>
+          </a:p>
+        </p:txBody>
+      </p:sp>
+      <p:sp>
+        <p:nvSpPr>
+          <p:cNvPr id="34" name="타원 33">
+            <a:extLst>
+              <a:ext uri="{FF2B5EF4-FFF2-40B4-BE49-F238E27FC236}">
+                <a16:creationId xmlns:a16="http://schemas.microsoft.com/office/drawing/2014/main" id="{FD7C7981-888F-4168-856B-B00CC8F986E7}"/>
+              </a:ext>
+            </a:extLst>
+          </p:cNvPr>
+          <p:cNvSpPr/>
+          <p:nvPr/>
+        </p:nvSpPr>
+        <p:spPr>
+          <a:xfrm>
+            <a:off x="3059832" y="2306288"/>
+            <a:ext cx="2509753" cy="490084"/>
+          </a:xfrm>
+          <a:prstGeom prst="ellipse">
+            <a:avLst/>
+          </a:prstGeom>
+        </p:spPr>
+        <p:style>
+          <a:lnRef idx="2">
+            <a:schemeClr val="dk1"/>
+          </a:lnRef>
+          <a:fillRef idx="1">
+            <a:schemeClr val="lt1"/>
+          </a:fillRef>
+          <a:effectRef idx="0">
+            <a:schemeClr val="dk1"/>
+          </a:effectRef>
+          <a:fontRef idx="minor">
+            <a:schemeClr val="dk1"/>
+          </a:fontRef>
+        </p:style>
+        <p:txBody>
+          <a:bodyPr rtlCol="0" anchor="ctr"/>
+          <a:lstStyle/>
+          <a:p>
+            <a:pPr algn="ctr"/>
+            <a:r>
+              <a:rPr lang="en-US" altLang="ko-KR" sz="1400"/>
+              <a:t>BILLED_ORDER Event</a:t>
+            </a:r>
+            <a:endParaRPr lang="ko-KR" altLang="en-US" sz="1400"/>
+          </a:p>
+        </p:txBody>
+      </p:sp>
+      <p:sp>
+        <p:nvSpPr>
+          <p:cNvPr id="35" name="타원 34">
+            <a:extLst>
+              <a:ext uri="{FF2B5EF4-FFF2-40B4-BE49-F238E27FC236}">
+                <a16:creationId xmlns:a16="http://schemas.microsoft.com/office/drawing/2014/main" id="{D04B10BF-CE39-4BBB-9D32-2746F2AEB9E2}"/>
+              </a:ext>
+            </a:extLst>
+          </p:cNvPr>
+          <p:cNvSpPr/>
+          <p:nvPr/>
+        </p:nvSpPr>
+        <p:spPr>
+          <a:xfrm>
+            <a:off x="3059832" y="3592759"/>
+            <a:ext cx="2509753" cy="490084"/>
+          </a:xfrm>
+          <a:prstGeom prst="ellipse">
+            <a:avLst/>
+          </a:prstGeom>
+        </p:spPr>
+        <p:style>
+          <a:lnRef idx="2">
+            <a:schemeClr val="dk1"/>
+          </a:lnRef>
+          <a:fillRef idx="1">
+            <a:schemeClr val="lt1"/>
+          </a:fillRef>
+          <a:effectRef idx="0">
+            <a:schemeClr val="dk1"/>
+          </a:effectRef>
+          <a:fontRef idx="minor">
+            <a:schemeClr val="dk1"/>
+          </a:fontRef>
+        </p:style>
+        <p:txBody>
+          <a:bodyPr rtlCol="0" anchor="ctr"/>
+          <a:lstStyle/>
+          <a:p>
+            <a:pPr algn="ctr"/>
+            <a:r>
+              <a:rPr lang="en-US" altLang="ko-KR" sz="1400"/>
+              <a:t>OUT_OF_STOCK</a:t>
+            </a:r>
+          </a:p>
+          <a:p>
+            <a:pPr algn="ctr"/>
+            <a:r>
+              <a:rPr lang="en-US" altLang="ko-KR" sz="1400"/>
+              <a:t>Event</a:t>
+            </a:r>
+            <a:endParaRPr lang="ko-KR" altLang="en-US" sz="1400"/>
+          </a:p>
+        </p:txBody>
+      </p:sp>
+      <p:cxnSp>
+        <p:nvCxnSpPr>
+          <p:cNvPr id="27" name="연결선: 구부러짐 26">
+            <a:extLst>
+              <a:ext uri="{FF2B5EF4-FFF2-40B4-BE49-F238E27FC236}">
+                <a16:creationId xmlns:a16="http://schemas.microsoft.com/office/drawing/2014/main" id="{260045E1-765A-4600-AF01-654686C9C6C2}"/>
+              </a:ext>
+            </a:extLst>
+          </p:cNvPr>
+          <p:cNvCxnSpPr>
+            <a:stCxn id="2" idx="2"/>
+            <a:endCxn id="28" idx="0"/>
+          </p:cNvCxnSpPr>
+          <p:nvPr/>
+        </p:nvCxnSpPr>
+        <p:spPr>
+          <a:xfrm rot="10800000" flipV="1">
+            <a:off x="2051722" y="1448639"/>
+            <a:ext cx="1008111" cy="827017"/>
+          </a:xfrm>
+          <a:prstGeom prst="curvedConnector2">
+            <a:avLst/>
+          </a:prstGeom>
+          <a:ln>
+            <a:solidFill>
+              <a:schemeClr val="tx1"/>
+            </a:solidFill>
+            <a:headEnd type="arrow" w="med" len="med"/>
+            <a:tailEnd type="none" w="med" len="med"/>
+          </a:ln>
+        </p:spPr>
+        <p:style>
+          <a:lnRef idx="1">
+            <a:schemeClr val="accent1"/>
+          </a:lnRef>
+          <a:fillRef idx="0">
+            <a:schemeClr val="accent1"/>
+          </a:fillRef>
+          <a:effectRef idx="0">
+            <a:schemeClr val="accent1"/>
+          </a:effectRef>
+          <a:fontRef idx="minor">
+            <a:schemeClr val="tx1"/>
+          </a:fontRef>
+        </p:style>
+      </p:cxnSp>
+      <p:cxnSp>
+        <p:nvCxnSpPr>
+          <p:cNvPr id="12" name="연결선: 구부러짐 11">
+            <a:extLst>
+              <a:ext uri="{FF2B5EF4-FFF2-40B4-BE49-F238E27FC236}">
+                <a16:creationId xmlns:a16="http://schemas.microsoft.com/office/drawing/2014/main" id="{7AFF2270-BE99-4CAD-9BFA-CAACAB4D7D70}"/>
+              </a:ext>
+            </a:extLst>
+          </p:cNvPr>
+          <p:cNvCxnSpPr>
+            <a:cxnSpLocks/>
+            <a:stCxn id="30" idx="0"/>
+            <a:endCxn id="2" idx="6"/>
+          </p:cNvCxnSpPr>
+          <p:nvPr/>
+        </p:nvCxnSpPr>
+        <p:spPr>
+          <a:xfrm rot="16200000" flipV="1">
+            <a:off x="5956385" y="1061840"/>
+            <a:ext cx="245042" cy="1018641"/>
+          </a:xfrm>
+          <a:prstGeom prst="curvedConnector2">
+            <a:avLst/>
+          </a:prstGeom>
+          <a:ln>
+            <a:solidFill>
+              <a:schemeClr val="tx1"/>
+            </a:solidFill>
+            <a:headEnd type="arrow" w="med" len="med"/>
+            <a:tailEnd type="none" w="med" len="med"/>
+          </a:ln>
+        </p:spPr>
+        <p:style>
+          <a:lnRef idx="1">
+            <a:schemeClr val="accent1"/>
+          </a:lnRef>
+          <a:fillRef idx="0">
+            <a:schemeClr val="accent1"/>
+          </a:fillRef>
+          <a:effectRef idx="0">
+            <a:schemeClr val="accent1"/>
+          </a:effectRef>
+          <a:fontRef idx="minor">
+            <a:schemeClr val="tx1"/>
+          </a:fontRef>
+        </p:style>
+      </p:cxnSp>
+      <p:cxnSp>
+        <p:nvCxnSpPr>
+          <p:cNvPr id="15" name="연결선: 구부러짐 14">
+            <a:extLst>
+              <a:ext uri="{FF2B5EF4-FFF2-40B4-BE49-F238E27FC236}">
+                <a16:creationId xmlns:a16="http://schemas.microsoft.com/office/drawing/2014/main" id="{D1F2C6F9-B048-407F-AAE2-EE6B80B8BED8}"/>
+              </a:ext>
+            </a:extLst>
+          </p:cNvPr>
+          <p:cNvCxnSpPr>
+            <a:cxnSpLocks/>
+            <a:stCxn id="34" idx="0"/>
+            <a:endCxn id="30" idx="1"/>
+          </p:cNvCxnSpPr>
+          <p:nvPr/>
+        </p:nvCxnSpPr>
+        <p:spPr>
+          <a:xfrm rot="5400000" flipH="1" flipV="1">
+            <a:off x="4958965" y="1325100"/>
+            <a:ext cx="336933" cy="1625444"/>
+          </a:xfrm>
+          <a:prstGeom prst="curvedConnector2">
+            <a:avLst/>
+          </a:prstGeom>
+          <a:ln>
+            <a:solidFill>
+              <a:schemeClr val="tx1"/>
+            </a:solidFill>
+            <a:headEnd type="arrow" w="med" len="med"/>
+            <a:tailEnd type="none" w="med" len="med"/>
+          </a:ln>
+        </p:spPr>
+        <p:style>
+          <a:lnRef idx="1">
+            <a:schemeClr val="accent1"/>
+          </a:lnRef>
+          <a:fillRef idx="0">
+            <a:schemeClr val="accent1"/>
+          </a:fillRef>
+          <a:effectRef idx="0">
+            <a:schemeClr val="accent1"/>
+          </a:effectRef>
+          <a:fontRef idx="minor">
+            <a:schemeClr val="tx1"/>
+          </a:fontRef>
+        </p:style>
+      </p:cxnSp>
+      <p:cxnSp>
+        <p:nvCxnSpPr>
+          <p:cNvPr id="18" name="연결선: 구부러짐 17">
+            <a:extLst>
+              <a:ext uri="{FF2B5EF4-FFF2-40B4-BE49-F238E27FC236}">
+                <a16:creationId xmlns:a16="http://schemas.microsoft.com/office/drawing/2014/main" id="{5360AFB8-3823-40B5-9A9F-F105E10A6E85}"/>
+              </a:ext>
+            </a:extLst>
+          </p:cNvPr>
+          <p:cNvCxnSpPr>
+            <a:cxnSpLocks/>
+            <a:stCxn id="31" idx="1"/>
+            <a:endCxn id="34" idx="4"/>
+          </p:cNvCxnSpPr>
+          <p:nvPr/>
+        </p:nvCxnSpPr>
+        <p:spPr>
+          <a:xfrm rot="10800000">
+            <a:off x="4314709" y="2796372"/>
+            <a:ext cx="1625444" cy="398194"/>
+          </a:xfrm>
+          <a:prstGeom prst="curvedConnector2">
+            <a:avLst/>
+          </a:prstGeom>
+          <a:ln>
+            <a:solidFill>
+              <a:schemeClr val="tx1"/>
+            </a:solidFill>
+            <a:headEnd type="arrow" w="med" len="med"/>
+            <a:tailEnd type="none" w="med" len="med"/>
+          </a:ln>
+        </p:spPr>
+        <p:style>
+          <a:lnRef idx="1">
+            <a:schemeClr val="accent1"/>
+          </a:lnRef>
+          <a:fillRef idx="0">
+            <a:schemeClr val="accent1"/>
+          </a:fillRef>
+          <a:effectRef idx="0">
+            <a:schemeClr val="accent1"/>
+          </a:effectRef>
+          <a:fontRef idx="minor">
+            <a:schemeClr val="tx1"/>
+          </a:fontRef>
+        </p:style>
+      </p:cxnSp>
+      <p:cxnSp>
+        <p:nvCxnSpPr>
+          <p:cNvPr id="21" name="연결선: 구부러짐 20">
+            <a:extLst>
+              <a:ext uri="{FF2B5EF4-FFF2-40B4-BE49-F238E27FC236}">
+                <a16:creationId xmlns:a16="http://schemas.microsoft.com/office/drawing/2014/main" id="{0B0912A2-2C33-4BA2-94B1-3B91BB2E1FF9}"/>
+              </a:ext>
+            </a:extLst>
+          </p:cNvPr>
+          <p:cNvCxnSpPr>
+            <a:cxnSpLocks/>
+            <a:stCxn id="35" idx="0"/>
+            <a:endCxn id="31" idx="1"/>
+          </p:cNvCxnSpPr>
+          <p:nvPr/>
+        </p:nvCxnSpPr>
+        <p:spPr>
+          <a:xfrm rot="5400000" flipH="1" flipV="1">
+            <a:off x="4928335" y="2580941"/>
+            <a:ext cx="398193" cy="1625444"/>
+          </a:xfrm>
+          <a:prstGeom prst="curvedConnector2">
+            <a:avLst/>
+          </a:prstGeom>
+          <a:ln>
+            <a:solidFill>
+              <a:schemeClr val="tx1"/>
+            </a:solidFill>
+            <a:headEnd type="arrow" w="med" len="med"/>
+            <a:tailEnd type="none" w="med" len="med"/>
+          </a:ln>
+        </p:spPr>
+        <p:style>
+          <a:lnRef idx="1">
+            <a:schemeClr val="accent1"/>
+          </a:lnRef>
+          <a:fillRef idx="0">
+            <a:schemeClr val="accent1"/>
+          </a:fillRef>
+          <a:effectRef idx="0">
+            <a:schemeClr val="accent1"/>
+          </a:effectRef>
+          <a:fontRef idx="minor">
+            <a:schemeClr val="tx1"/>
+          </a:fontRef>
+        </p:style>
+      </p:cxnSp>
+      <p:cxnSp>
+        <p:nvCxnSpPr>
+          <p:cNvPr id="33" name="연결선: 구부러짐 32">
+            <a:extLst>
+              <a:ext uri="{FF2B5EF4-FFF2-40B4-BE49-F238E27FC236}">
+                <a16:creationId xmlns:a16="http://schemas.microsoft.com/office/drawing/2014/main" id="{30807523-6E8A-48AE-B2A0-FB8ED37C6250}"/>
+              </a:ext>
+            </a:extLst>
+          </p:cNvPr>
+          <p:cNvCxnSpPr>
+            <a:cxnSpLocks/>
+            <a:stCxn id="28" idx="2"/>
+            <a:endCxn id="35" idx="2"/>
+          </p:cNvCxnSpPr>
+          <p:nvPr/>
+        </p:nvCxnSpPr>
+        <p:spPr>
+          <a:xfrm rot="16200000" flipH="1">
+            <a:off x="2050377" y="2828345"/>
+            <a:ext cx="1010799" cy="1008111"/>
+          </a:xfrm>
+          <a:prstGeom prst="curvedConnector2">
+            <a:avLst/>
+          </a:prstGeom>
+          <a:ln>
+            <a:solidFill>
+              <a:srgbClr val="C00000"/>
+            </a:solidFill>
+            <a:headEnd type="arrow" w="med" len="med"/>
+            <a:tailEnd type="none" w="med" len="med"/>
+          </a:ln>
+        </p:spPr>
+        <p:style>
+          <a:lnRef idx="1">
+            <a:schemeClr val="accent1"/>
+          </a:lnRef>
+          <a:fillRef idx="0">
+            <a:schemeClr val="accent1"/>
+          </a:fillRef>
+          <a:effectRef idx="0">
+            <a:schemeClr val="accent1"/>
+          </a:effectRef>
+          <a:fontRef idx="minor">
+            <a:schemeClr val="tx1"/>
+          </a:fontRef>
+        </p:style>
+      </p:cxnSp>
+      <p:cxnSp>
+        <p:nvCxnSpPr>
+          <p:cNvPr id="22" name="연결선: 구부러짐 21">
+            <a:extLst>
+              <a:ext uri="{FF2B5EF4-FFF2-40B4-BE49-F238E27FC236}">
+                <a16:creationId xmlns:a16="http://schemas.microsoft.com/office/drawing/2014/main" id="{CA21792D-7E8E-46F0-8305-5D9B5D9A47F3}"/>
+              </a:ext>
+            </a:extLst>
+          </p:cNvPr>
+          <p:cNvCxnSpPr>
+            <a:cxnSpLocks/>
+            <a:stCxn id="30" idx="1"/>
+            <a:endCxn id="35" idx="6"/>
+          </p:cNvCxnSpPr>
+          <p:nvPr/>
+        </p:nvCxnSpPr>
+        <p:spPr>
+          <a:xfrm rot="10800000" flipV="1">
+            <a:off x="5569585" y="1969355"/>
+            <a:ext cx="370568" cy="1868446"/>
+          </a:xfrm>
+          <a:prstGeom prst="curvedConnector3">
+            <a:avLst>
+              <a:gd name="adj1" fmla="val 50000"/>
+            </a:avLst>
+          </a:prstGeom>
+          <a:ln>
+            <a:solidFill>
+              <a:srgbClr val="C00000"/>
+            </a:solidFill>
+            <a:headEnd type="arrow" w="med" len="med"/>
+            <a:tailEnd type="none" w="med" len="med"/>
+          </a:ln>
+        </p:spPr>
+        <p:style>
+          <a:lnRef idx="1">
+            <a:schemeClr val="accent1"/>
+          </a:lnRef>
+          <a:fillRef idx="0">
+            <a:schemeClr val="accent1"/>
+          </a:fillRef>
+          <a:effectRef idx="0">
+            <a:schemeClr val="accent1"/>
+          </a:effectRef>
+          <a:fontRef idx="minor">
+            <a:schemeClr val="tx1"/>
+          </a:fontRef>
+        </p:style>
+      </p:cxnSp>
+    </p:spTree>
+    <p:extLst>
+      <p:ext uri="{BB962C8B-B14F-4D97-AF65-F5344CB8AC3E}">
+        <p14:creationId xmlns:p14="http://schemas.microsoft.com/office/powerpoint/2010/main" val="2241184639"/>
+      </p:ext>
+    </p:extLst>
+  </p:cSld>
+  <p:clrMapOvr>
+    <a:masterClrMapping/>
+  </p:clrMapOvr>
+</p:sld>
+</file>
+
+<file path=ppt/slides/slide14.xml><?xml version="1.0" encoding="utf-8"?>
+<p:sld xmlns:a="http://schemas.openxmlformats.org/drawingml/2006/main" xmlns:r="http://schemas.openxmlformats.org/officeDocument/2006/relationships" xmlns:p="http://schemas.openxmlformats.org/presentationml/2006/main">
+  <p:cSld>
+    <p:spTree>
+      <p:nvGrpSpPr>
+        <p:cNvPr id="1" name=""/>
+        <p:cNvGrpSpPr/>
+        <p:nvPr/>
+      </p:nvGrpSpPr>
+      <p:grpSpPr>
+        <a:xfrm>
+          <a:off x="0" y="0"/>
+          <a:ext cx="0" cy="0"/>
+          <a:chOff x="0" y="0"/>
+          <a:chExt cx="0" cy="0"/>
+        </a:xfrm>
+      </p:grpSpPr>
+      <p:sp>
+        <p:nvSpPr>
+          <p:cNvPr id="6" name="제목 1"/>
+          <p:cNvSpPr>
+            <a:spLocks noGrp="1"/>
+          </p:cNvSpPr>
+          <p:nvPr>
+            <p:ph type="title"/>
+          </p:nvPr>
+        </p:nvSpPr>
+        <p:spPr>
+          <a:xfrm>
             <a:off x="457200" y="-20538"/>
             <a:ext cx="8229600" cy="857250"/>
           </a:xfrm>
@@ -7655,7 +9138,7 @@
 </p:sld>
 </file>
 
-<file path=ppt/slides/slide13.xml><?xml version="1.0" encoding="utf-8"?>
+<file path=ppt/slides/slide15.xml><?xml version="1.0" encoding="utf-8"?>
 <p:sld xmlns:a="http://schemas.openxmlformats.org/drawingml/2006/main" xmlns:r="http://schemas.openxmlformats.org/officeDocument/2006/relationships" xmlns:p="http://schemas.openxmlformats.org/presentationml/2006/main">
   <p:cSld>
     <p:spTree>
@@ -8869,7 +10352,7 @@
 </p:sld>
 </file>
 
-<file path=ppt/slides/slide14.xml><?xml version="1.0" encoding="utf-8"?>
+<file path=ppt/slides/slide16.xml><?xml version="1.0" encoding="utf-8"?>
 <p:sld xmlns:a="http://schemas.openxmlformats.org/drawingml/2006/main" xmlns:r="http://schemas.openxmlformats.org/officeDocument/2006/relationships" xmlns:p="http://schemas.openxmlformats.org/presentationml/2006/main">
   <p:cSld>
     <p:spTree>
@@ -10559,7 +12042,7 @@
 </p:sld>
 </file>
 
-<file path=ppt/slides/slide15.xml><?xml version="1.0" encoding="utf-8"?>
+<file path=ppt/slides/slide17.xml><?xml version="1.0" encoding="utf-8"?>
 <p:sld xmlns:a="http://schemas.openxmlformats.org/drawingml/2006/main" xmlns:r="http://schemas.openxmlformats.org/officeDocument/2006/relationships" xmlns:p="http://schemas.openxmlformats.org/presentationml/2006/main">
   <p:cSld>
     <p:spTree>
@@ -12514,7 +13997,7 @@
         </p:nvSpPr>
         <p:spPr>
           <a:xfrm>
-            <a:off x="457200" y="130324"/>
+            <a:off x="457200" y="58316"/>
             <a:ext cx="8229600" cy="857250"/>
           </a:xfrm>
         </p:spPr>
@@ -12546,7 +14029,7 @@
         </p:nvSpPr>
         <p:spPr>
           <a:xfrm>
-            <a:off x="3311859" y="2342829"/>
+            <a:off x="1691680" y="2342829"/>
             <a:ext cx="1296146" cy="551345"/>
           </a:xfrm>
           <a:prstGeom prst="roundRect">
@@ -12576,7 +14059,14 @@
             <a:pPr algn="ctr"/>
             <a:r>
               <a:rPr lang="en-US" altLang="ko-KR" sz="1400"/>
-              <a:t>Coondinator</a:t>
+              <a:t>Order</a:t>
+            </a:r>
+          </a:p>
+          <a:p>
+            <a:pPr algn="ctr"/>
+            <a:r>
+              <a:rPr lang="en-US" altLang="ko-KR" sz="1400"/>
+              <a:t>Service</a:t>
             </a:r>
             <a:endParaRPr lang="ko-KR" altLang="en-US" sz="1400"/>
           </a:p>
@@ -12753,271 +14243,24 @@
           </a:p>
         </p:txBody>
       </p:sp>
-      <p:grpSp>
-        <p:nvGrpSpPr>
-          <p:cNvPr id="2" name="그룹 1">
-            <a:extLst>
-              <a:ext uri="{FF2B5EF4-FFF2-40B4-BE49-F238E27FC236}">
-                <a16:creationId xmlns:a16="http://schemas.microsoft.com/office/drawing/2014/main" id="{24786D3E-CAB2-4F94-85F7-4EAB127F566E}"/>
-              </a:ext>
-            </a:extLst>
-          </p:cNvPr>
-          <p:cNvGrpSpPr/>
-          <p:nvPr/>
-        </p:nvGrpSpPr>
-        <p:grpSpPr>
-          <a:xfrm>
-            <a:off x="4608005" y="1347086"/>
-            <a:ext cx="828092" cy="2429580"/>
-            <a:chOff x="2987826" y="1347086"/>
-            <a:chExt cx="2448271" cy="2429580"/>
-          </a:xfrm>
-        </p:grpSpPr>
-        <p:cxnSp>
-          <p:nvCxnSpPr>
-            <p:cNvPr id="42" name="직선 화살표 연결선 41">
-              <a:extLst>
-                <a:ext uri="{FF2B5EF4-FFF2-40B4-BE49-F238E27FC236}">
-                  <a16:creationId xmlns:a16="http://schemas.microsoft.com/office/drawing/2014/main" id="{886ECD4C-23D5-495A-9680-CA0B10336405}"/>
-                </a:ext>
-              </a:extLst>
-            </p:cNvPr>
-            <p:cNvCxnSpPr>
-              <a:cxnSpLocks/>
-            </p:cNvCxnSpPr>
-            <p:nvPr/>
-          </p:nvCxnSpPr>
-          <p:spPr>
-            <a:xfrm flipV="1">
-              <a:off x="2987826" y="1464080"/>
-              <a:ext cx="2448271" cy="1225211"/>
-            </a:xfrm>
-            <a:prstGeom prst="straightConnector1">
-              <a:avLst/>
-            </a:prstGeom>
-            <a:ln>
-              <a:solidFill>
-                <a:schemeClr val="tx2"/>
-              </a:solidFill>
-              <a:headEnd type="none" w="med" len="med"/>
-              <a:tailEnd type="arrow" w="med" len="med"/>
-            </a:ln>
-          </p:spPr>
-          <p:style>
-            <a:lnRef idx="1">
-              <a:schemeClr val="accent1"/>
-            </a:lnRef>
-            <a:fillRef idx="0">
-              <a:schemeClr val="accent1"/>
-            </a:fillRef>
-            <a:effectRef idx="0">
-              <a:schemeClr val="accent1"/>
-            </a:effectRef>
-            <a:fontRef idx="minor">
-              <a:schemeClr val="tx1"/>
-            </a:fontRef>
-          </p:style>
-        </p:cxnSp>
-        <p:cxnSp>
-          <p:nvCxnSpPr>
-            <p:cNvPr id="44" name="직선 화살표 연결선 43">
-              <a:extLst>
-                <a:ext uri="{FF2B5EF4-FFF2-40B4-BE49-F238E27FC236}">
-                  <a16:creationId xmlns:a16="http://schemas.microsoft.com/office/drawing/2014/main" id="{F9ACFD16-B65B-4C0D-9F93-F98D8C1A45FA}"/>
-                </a:ext>
-              </a:extLst>
-            </p:cNvPr>
-            <p:cNvCxnSpPr>
-              <a:cxnSpLocks/>
-            </p:cNvCxnSpPr>
-            <p:nvPr/>
-          </p:nvCxnSpPr>
-          <p:spPr>
-            <a:xfrm>
-              <a:off x="2987826" y="2689291"/>
-              <a:ext cx="2448271" cy="0"/>
-            </a:xfrm>
-            <a:prstGeom prst="straightConnector1">
-              <a:avLst/>
-            </a:prstGeom>
-            <a:ln>
-              <a:solidFill>
-                <a:schemeClr val="tx2"/>
-              </a:solidFill>
-              <a:headEnd type="none" w="med" len="med"/>
-              <a:tailEnd type="arrow" w="med" len="med"/>
-            </a:ln>
-          </p:spPr>
-          <p:style>
-            <a:lnRef idx="1">
-              <a:schemeClr val="accent1"/>
-            </a:lnRef>
-            <a:fillRef idx="0">
-              <a:schemeClr val="accent1"/>
-            </a:fillRef>
-            <a:effectRef idx="0">
-              <a:schemeClr val="accent1"/>
-            </a:effectRef>
-            <a:fontRef idx="minor">
-              <a:schemeClr val="tx1"/>
-            </a:fontRef>
-          </p:style>
-        </p:cxnSp>
-        <p:cxnSp>
-          <p:nvCxnSpPr>
-            <p:cNvPr id="53" name="직선 화살표 연결선 52">
-              <a:extLst>
-                <a:ext uri="{FF2B5EF4-FFF2-40B4-BE49-F238E27FC236}">
-                  <a16:creationId xmlns:a16="http://schemas.microsoft.com/office/drawing/2014/main" id="{EC93C3B7-BA77-43B4-A3BD-ACEAE52DE7FE}"/>
-                </a:ext>
-              </a:extLst>
-            </p:cNvPr>
-            <p:cNvCxnSpPr>
-              <a:cxnSpLocks/>
-            </p:cNvCxnSpPr>
-            <p:nvPr/>
-          </p:nvCxnSpPr>
-          <p:spPr>
-            <a:xfrm flipV="1">
-              <a:off x="2987826" y="1347086"/>
-              <a:ext cx="2448271" cy="1225211"/>
-            </a:xfrm>
-            <a:prstGeom prst="straightConnector1">
-              <a:avLst/>
-            </a:prstGeom>
-            <a:ln>
-              <a:solidFill>
-                <a:srgbClr val="C00000"/>
-              </a:solidFill>
-              <a:headEnd type="none" w="med" len="med"/>
-              <a:tailEnd type="arrow" w="med" len="med"/>
-            </a:ln>
-          </p:spPr>
-          <p:style>
-            <a:lnRef idx="1">
-              <a:schemeClr val="accent1"/>
-            </a:lnRef>
-            <a:fillRef idx="0">
-              <a:schemeClr val="accent1"/>
-            </a:fillRef>
-            <a:effectRef idx="0">
-              <a:schemeClr val="accent1"/>
-            </a:effectRef>
-            <a:fontRef idx="minor">
-              <a:schemeClr val="tx1"/>
-            </a:fontRef>
-          </p:style>
-        </p:cxnSp>
-        <p:cxnSp>
-          <p:nvCxnSpPr>
-            <p:cNvPr id="54" name="직선 화살표 연결선 53">
-              <a:extLst>
-                <a:ext uri="{FF2B5EF4-FFF2-40B4-BE49-F238E27FC236}">
-                  <a16:creationId xmlns:a16="http://schemas.microsoft.com/office/drawing/2014/main" id="{5CB6F84B-B5C7-4DBA-960D-FC948014E1C3}"/>
-                </a:ext>
-              </a:extLst>
-            </p:cNvPr>
-            <p:cNvCxnSpPr>
-              <a:cxnSpLocks/>
-            </p:cNvCxnSpPr>
-            <p:nvPr/>
-          </p:nvCxnSpPr>
-          <p:spPr>
-            <a:xfrm>
-              <a:off x="2987826" y="2569122"/>
-              <a:ext cx="2448271" cy="0"/>
-            </a:xfrm>
-            <a:prstGeom prst="straightConnector1">
-              <a:avLst/>
-            </a:prstGeom>
-            <a:ln>
-              <a:solidFill>
-                <a:srgbClr val="C00000"/>
-              </a:solidFill>
-              <a:headEnd type="none" w="med" len="med"/>
-              <a:tailEnd type="arrow" w="med" len="med"/>
-            </a:ln>
-          </p:spPr>
-          <p:style>
-            <a:lnRef idx="1">
-              <a:schemeClr val="accent1"/>
-            </a:lnRef>
-            <a:fillRef idx="0">
-              <a:schemeClr val="accent1"/>
-            </a:fillRef>
-            <a:effectRef idx="0">
-              <a:schemeClr val="accent1"/>
-            </a:effectRef>
-            <a:fontRef idx="minor">
-              <a:schemeClr val="tx1"/>
-            </a:fontRef>
-          </p:style>
-        </p:cxnSp>
-        <p:cxnSp>
-          <p:nvCxnSpPr>
-            <p:cNvPr id="55" name="직선 화살표 연결선 54">
-              <a:extLst>
-                <a:ext uri="{FF2B5EF4-FFF2-40B4-BE49-F238E27FC236}">
-                  <a16:creationId xmlns:a16="http://schemas.microsoft.com/office/drawing/2014/main" id="{62A30C44-6247-4600-928F-3CAD0D6EF2DD}"/>
-                </a:ext>
-              </a:extLst>
-            </p:cNvPr>
-            <p:cNvCxnSpPr>
-              <a:cxnSpLocks/>
-            </p:cNvCxnSpPr>
-            <p:nvPr/>
-          </p:nvCxnSpPr>
-          <p:spPr>
-            <a:xfrm>
-              <a:off x="2987826" y="2551455"/>
-              <a:ext cx="2448271" cy="1225211"/>
-            </a:xfrm>
-            <a:prstGeom prst="straightConnector1">
-              <a:avLst/>
-            </a:prstGeom>
-            <a:ln>
-              <a:solidFill>
-                <a:srgbClr val="C00000"/>
-              </a:solidFill>
-              <a:headEnd type="none" w="med" len="med"/>
-              <a:tailEnd type="arrow" w="med" len="med"/>
-            </a:ln>
-          </p:spPr>
-          <p:style>
-            <a:lnRef idx="1">
-              <a:schemeClr val="accent1"/>
-            </a:lnRef>
-            <a:fillRef idx="0">
-              <a:schemeClr val="accent1"/>
-            </a:fillRef>
-            <a:effectRef idx="0">
-              <a:schemeClr val="accent1"/>
-            </a:effectRef>
-            <a:fontRef idx="minor">
-              <a:schemeClr val="tx1"/>
-            </a:fontRef>
-          </p:style>
-        </p:cxnSp>
-      </p:grpSp>
       <p:cxnSp>
         <p:nvCxnSpPr>
-          <p:cNvPr id="57" name="직선 화살표 연결선 56">
-            <a:extLst>
-              <a:ext uri="{FF2B5EF4-FFF2-40B4-BE49-F238E27FC236}">
-                <a16:creationId xmlns:a16="http://schemas.microsoft.com/office/drawing/2014/main" id="{1E2CD5D2-ACF6-490B-87A7-5E3F3BE62132}"/>
+          <p:cNvPr id="42" name="직선 화살표 연결선 41">
+            <a:extLst>
+              <a:ext uri="{FF2B5EF4-FFF2-40B4-BE49-F238E27FC236}">
+                <a16:creationId xmlns:a16="http://schemas.microsoft.com/office/drawing/2014/main" id="{886ECD4C-23D5-495A-9680-CA0B10336405}"/>
               </a:ext>
             </a:extLst>
           </p:cNvPr>
           <p:cNvCxnSpPr>
             <a:cxnSpLocks/>
-            <a:stCxn id="58" idx="3"/>
           </p:cNvCxnSpPr>
           <p:nvPr/>
         </p:nvCxnSpPr>
         <p:spPr>
-          <a:xfrm>
-            <a:off x="2148437" y="3121993"/>
-            <a:ext cx="407339" cy="0"/>
+          <a:xfrm flipV="1">
+            <a:off x="2987826" y="1464080"/>
+            <a:ext cx="2448271" cy="1225211"/>
           </a:xfrm>
           <a:prstGeom prst="straightConnector1">
             <a:avLst/>
@@ -13045,69 +14288,31 @@
           </a:fontRef>
         </p:style>
       </p:cxnSp>
-      <p:sp>
-        <p:nvSpPr>
-          <p:cNvPr id="58" name="TextBox 57">
-            <a:extLst>
-              <a:ext uri="{FF2B5EF4-FFF2-40B4-BE49-F238E27FC236}">
-                <a16:creationId xmlns:a16="http://schemas.microsoft.com/office/drawing/2014/main" id="{33FDFE07-B2E3-42F4-8315-C1CE4565603F}"/>
-              </a:ext>
-            </a:extLst>
-          </p:cNvPr>
-          <p:cNvSpPr txBox="1"/>
-          <p:nvPr/>
-        </p:nvSpPr>
-        <p:spPr>
-          <a:xfrm>
-            <a:off x="1320346" y="2983493"/>
-            <a:ext cx="828091" cy="276999"/>
-          </a:xfrm>
-          <a:prstGeom prst="rect">
-            <a:avLst/>
-          </a:prstGeom>
-          <a:noFill/>
-        </p:spPr>
-        <p:txBody>
-          <a:bodyPr wrap="square" rtlCol="0" anchor="ctr">
-            <a:spAutoFit/>
-          </a:bodyPr>
-          <a:lstStyle/>
-          <a:p>
-            <a:pPr algn="ctr"/>
-            <a:r>
-              <a:rPr lang="en-US" altLang="ko-KR" sz="1200"/>
-              <a:t>Prepare</a:t>
-            </a:r>
-            <a:endParaRPr lang="ko-KR" altLang="en-US" sz="1200"/>
-          </a:p>
-        </p:txBody>
-      </p:sp>
       <p:cxnSp>
         <p:nvCxnSpPr>
-          <p:cNvPr id="63" name="직선 화살표 연결선 62">
-            <a:extLst>
-              <a:ext uri="{FF2B5EF4-FFF2-40B4-BE49-F238E27FC236}">
-                <a16:creationId xmlns:a16="http://schemas.microsoft.com/office/drawing/2014/main" id="{646F1A69-13D5-4BBC-A4E5-71EEF8A45201}"/>
+          <p:cNvPr id="44" name="직선 화살표 연결선 43">
+            <a:extLst>
+              <a:ext uri="{FF2B5EF4-FFF2-40B4-BE49-F238E27FC236}">
+                <a16:creationId xmlns:a16="http://schemas.microsoft.com/office/drawing/2014/main" id="{F9ACFD16-B65B-4C0D-9F93-F98D8C1A45FA}"/>
               </a:ext>
             </a:extLst>
           </p:cNvPr>
           <p:cNvCxnSpPr>
             <a:cxnSpLocks/>
-            <a:stCxn id="64" idx="3"/>
           </p:cNvCxnSpPr>
           <p:nvPr/>
         </p:nvCxnSpPr>
         <p:spPr>
           <a:xfrm>
-            <a:off x="2148437" y="3369355"/>
-            <a:ext cx="407339" cy="0"/>
+            <a:off x="2987826" y="2689291"/>
+            <a:ext cx="2448271" cy="0"/>
           </a:xfrm>
           <a:prstGeom prst="straightConnector1">
             <a:avLst/>
           </a:prstGeom>
           <a:ln>
             <a:solidFill>
-              <a:schemeClr val="tx2"/>
+              <a:srgbClr val="C00000"/>
             </a:solidFill>
             <a:headEnd type="none" w="med" len="med"/>
             <a:tailEnd type="arrow" w="med" len="med"/>
@@ -13128,120 +14333,24 @@
           </a:fontRef>
         </p:style>
       </p:cxnSp>
-      <p:sp>
-        <p:nvSpPr>
-          <p:cNvPr id="64" name="TextBox 63">
-            <a:extLst>
-              <a:ext uri="{FF2B5EF4-FFF2-40B4-BE49-F238E27FC236}">
-                <a16:creationId xmlns:a16="http://schemas.microsoft.com/office/drawing/2014/main" id="{077B8717-EC4A-4AFF-B6B3-E9770D9E2AC1}"/>
-              </a:ext>
-            </a:extLst>
-          </p:cNvPr>
-          <p:cNvSpPr txBox="1"/>
-          <p:nvPr/>
-        </p:nvSpPr>
-        <p:spPr>
-          <a:xfrm>
-            <a:off x="1320346" y="3230855"/>
-            <a:ext cx="828091" cy="276999"/>
-          </a:xfrm>
-          <a:prstGeom prst="rect">
-            <a:avLst/>
-          </a:prstGeom>
-          <a:noFill/>
-        </p:spPr>
-        <p:txBody>
-          <a:bodyPr wrap="square" rtlCol="0" anchor="ctr">
-            <a:spAutoFit/>
-          </a:bodyPr>
-          <a:lstStyle/>
-          <a:p>
-            <a:pPr algn="ctr"/>
-            <a:r>
-              <a:rPr lang="en-US" altLang="ko-KR" sz="1200"/>
-              <a:t>Commit</a:t>
-            </a:r>
-            <a:endParaRPr lang="ko-KR" altLang="en-US" sz="1200"/>
-          </a:p>
-        </p:txBody>
-      </p:sp>
-      <p:sp>
-        <p:nvSpPr>
-          <p:cNvPr id="19" name="사각형: 둥근 모서리 18">
-            <a:extLst>
-              <a:ext uri="{FF2B5EF4-FFF2-40B4-BE49-F238E27FC236}">
-                <a16:creationId xmlns:a16="http://schemas.microsoft.com/office/drawing/2014/main" id="{0043287A-F963-4EA0-B42A-53FC6D0AA9C1}"/>
-              </a:ext>
-            </a:extLst>
-          </p:cNvPr>
-          <p:cNvSpPr/>
-          <p:nvPr/>
-        </p:nvSpPr>
-        <p:spPr>
-          <a:xfrm>
-            <a:off x="1259632" y="2342829"/>
-            <a:ext cx="1296146" cy="551345"/>
-          </a:xfrm>
-          <a:prstGeom prst="roundRect">
-            <a:avLst>
-              <a:gd name="adj" fmla="val 8201"/>
-            </a:avLst>
-          </a:prstGeom>
-        </p:spPr>
-        <p:style>
-          <a:lnRef idx="2">
-            <a:schemeClr val="dk1"/>
-          </a:lnRef>
-          <a:fillRef idx="1">
-            <a:schemeClr val="lt1"/>
-          </a:fillRef>
-          <a:effectRef idx="0">
-            <a:schemeClr val="dk1"/>
-          </a:effectRef>
-          <a:fontRef idx="minor">
-            <a:schemeClr val="dk1"/>
-          </a:fontRef>
-        </p:style>
-        <p:txBody>
-          <a:bodyPr rtlCol="0" anchor="ctr"/>
-          <a:lstStyle/>
-          <a:p>
-            <a:pPr algn="ctr"/>
-            <a:r>
-              <a:rPr lang="en-US" altLang="ko-KR" sz="1400"/>
-              <a:t>Order</a:t>
-            </a:r>
-          </a:p>
-          <a:p>
-            <a:pPr algn="ctr"/>
-            <a:r>
-              <a:rPr lang="en-US" altLang="ko-KR" sz="1400"/>
-              <a:t>Service</a:t>
-            </a:r>
-            <a:endParaRPr lang="ko-KR" altLang="en-US" sz="1400"/>
-          </a:p>
-        </p:txBody>
-      </p:sp>
       <p:cxnSp>
         <p:nvCxnSpPr>
-          <p:cNvPr id="21" name="직선 화살표 연결선 20">
-            <a:extLst>
-              <a:ext uri="{FF2B5EF4-FFF2-40B4-BE49-F238E27FC236}">
-                <a16:creationId xmlns:a16="http://schemas.microsoft.com/office/drawing/2014/main" id="{6E8722DE-390F-4DF1-B986-59A33E965AC5}"/>
+          <p:cNvPr id="53" name="직선 화살표 연결선 52">
+            <a:extLst>
+              <a:ext uri="{FF2B5EF4-FFF2-40B4-BE49-F238E27FC236}">
+                <a16:creationId xmlns:a16="http://schemas.microsoft.com/office/drawing/2014/main" id="{EC93C3B7-BA77-43B4-A3BD-ACEAE52DE7FE}"/>
               </a:ext>
             </a:extLst>
           </p:cNvPr>
           <p:cNvCxnSpPr>
             <a:cxnSpLocks/>
-            <a:stCxn id="19" idx="3"/>
-            <a:endCxn id="28" idx="1"/>
           </p:cNvCxnSpPr>
           <p:nvPr/>
         </p:nvCxnSpPr>
         <p:spPr>
-          <a:xfrm>
-            <a:off x="2555778" y="2618502"/>
-            <a:ext cx="756081" cy="0"/>
+          <a:xfrm flipV="1">
+            <a:off x="2987826" y="1347086"/>
+            <a:ext cx="2448271" cy="1225211"/>
           </a:xfrm>
           <a:prstGeom prst="straightConnector1">
             <a:avLst/>
@@ -13269,10 +14378,266 @@
           </a:fontRef>
         </p:style>
       </p:cxnSp>
+      <p:cxnSp>
+        <p:nvCxnSpPr>
+          <p:cNvPr id="54" name="직선 화살표 연결선 53">
+            <a:extLst>
+              <a:ext uri="{FF2B5EF4-FFF2-40B4-BE49-F238E27FC236}">
+                <a16:creationId xmlns:a16="http://schemas.microsoft.com/office/drawing/2014/main" id="{5CB6F84B-B5C7-4DBA-960D-FC948014E1C3}"/>
+              </a:ext>
+            </a:extLst>
+          </p:cNvPr>
+          <p:cNvCxnSpPr>
+            <a:cxnSpLocks/>
+          </p:cNvCxnSpPr>
+          <p:nvPr/>
+        </p:nvCxnSpPr>
+        <p:spPr>
+          <a:xfrm>
+            <a:off x="2987826" y="2569122"/>
+            <a:ext cx="2448271" cy="0"/>
+          </a:xfrm>
+          <a:prstGeom prst="straightConnector1">
+            <a:avLst/>
+          </a:prstGeom>
+          <a:ln>
+            <a:solidFill>
+              <a:schemeClr val="tx1"/>
+            </a:solidFill>
+            <a:headEnd type="none" w="med" len="med"/>
+            <a:tailEnd type="arrow" w="med" len="med"/>
+          </a:ln>
+        </p:spPr>
+        <p:style>
+          <a:lnRef idx="1">
+            <a:schemeClr val="accent1"/>
+          </a:lnRef>
+          <a:fillRef idx="0">
+            <a:schemeClr val="accent1"/>
+          </a:fillRef>
+          <a:effectRef idx="0">
+            <a:schemeClr val="accent1"/>
+          </a:effectRef>
+          <a:fontRef idx="minor">
+            <a:schemeClr val="tx1"/>
+          </a:fontRef>
+        </p:style>
+      </p:cxnSp>
+      <p:cxnSp>
+        <p:nvCxnSpPr>
+          <p:cNvPr id="55" name="직선 화살표 연결선 54">
+            <a:extLst>
+              <a:ext uri="{FF2B5EF4-FFF2-40B4-BE49-F238E27FC236}">
+                <a16:creationId xmlns:a16="http://schemas.microsoft.com/office/drawing/2014/main" id="{62A30C44-6247-4600-928F-3CAD0D6EF2DD}"/>
+              </a:ext>
+            </a:extLst>
+          </p:cNvPr>
+          <p:cNvCxnSpPr>
+            <a:cxnSpLocks/>
+          </p:cNvCxnSpPr>
+          <p:nvPr/>
+        </p:nvCxnSpPr>
+        <p:spPr>
+          <a:xfrm>
+            <a:off x="2987826" y="2551455"/>
+            <a:ext cx="2198898" cy="1100415"/>
+          </a:xfrm>
+          <a:prstGeom prst="straightConnector1">
+            <a:avLst/>
+          </a:prstGeom>
+          <a:ln>
+            <a:solidFill>
+              <a:schemeClr val="tx1"/>
+            </a:solidFill>
+            <a:headEnd type="none" w="med" len="med"/>
+            <a:tailEnd type="arrow" w="med" len="med"/>
+          </a:ln>
+        </p:spPr>
+        <p:style>
+          <a:lnRef idx="1">
+            <a:schemeClr val="accent1"/>
+          </a:lnRef>
+          <a:fillRef idx="0">
+            <a:schemeClr val="accent1"/>
+          </a:fillRef>
+          <a:effectRef idx="0">
+            <a:schemeClr val="accent1"/>
+          </a:effectRef>
+          <a:fontRef idx="minor">
+            <a:schemeClr val="tx1"/>
+          </a:fontRef>
+        </p:style>
+      </p:cxnSp>
+      <p:cxnSp>
+        <p:nvCxnSpPr>
+          <p:cNvPr id="57" name="직선 화살표 연결선 56">
+            <a:extLst>
+              <a:ext uri="{FF2B5EF4-FFF2-40B4-BE49-F238E27FC236}">
+                <a16:creationId xmlns:a16="http://schemas.microsoft.com/office/drawing/2014/main" id="{1E2CD5D2-ACF6-490B-87A7-5E3F3BE62132}"/>
+              </a:ext>
+            </a:extLst>
+          </p:cNvPr>
+          <p:cNvCxnSpPr>
+            <a:cxnSpLocks/>
+            <a:stCxn id="58" idx="3"/>
+          </p:cNvCxnSpPr>
+          <p:nvPr/>
+        </p:nvCxnSpPr>
+        <p:spPr>
+          <a:xfrm>
+            <a:off x="2518903" y="3176325"/>
+            <a:ext cx="407339" cy="0"/>
+          </a:xfrm>
+          <a:prstGeom prst="straightConnector1">
+            <a:avLst/>
+          </a:prstGeom>
+          <a:ln>
+            <a:solidFill>
+              <a:schemeClr val="tx1"/>
+            </a:solidFill>
+            <a:headEnd type="none" w="med" len="med"/>
+            <a:tailEnd type="arrow" w="med" len="med"/>
+          </a:ln>
+        </p:spPr>
+        <p:style>
+          <a:lnRef idx="1">
+            <a:schemeClr val="accent1"/>
+          </a:lnRef>
+          <a:fillRef idx="0">
+            <a:schemeClr val="accent1"/>
+          </a:fillRef>
+          <a:effectRef idx="0">
+            <a:schemeClr val="accent1"/>
+          </a:effectRef>
+          <a:fontRef idx="minor">
+            <a:schemeClr val="tx1"/>
+          </a:fontRef>
+        </p:style>
+      </p:cxnSp>
+      <p:sp>
+        <p:nvSpPr>
+          <p:cNvPr id="58" name="TextBox 57">
+            <a:extLst>
+              <a:ext uri="{FF2B5EF4-FFF2-40B4-BE49-F238E27FC236}">
+                <a16:creationId xmlns:a16="http://schemas.microsoft.com/office/drawing/2014/main" id="{33FDFE07-B2E3-42F4-8315-C1CE4565603F}"/>
+              </a:ext>
+            </a:extLst>
+          </p:cNvPr>
+          <p:cNvSpPr txBox="1"/>
+          <p:nvPr/>
+        </p:nvSpPr>
+        <p:spPr>
+          <a:xfrm>
+            <a:off x="1690812" y="3037825"/>
+            <a:ext cx="828091" cy="276999"/>
+          </a:xfrm>
+          <a:prstGeom prst="rect">
+            <a:avLst/>
+          </a:prstGeom>
+          <a:noFill/>
+        </p:spPr>
+        <p:txBody>
+          <a:bodyPr wrap="square" rtlCol="0" anchor="ctr">
+            <a:spAutoFit/>
+          </a:bodyPr>
+          <a:lstStyle/>
+          <a:p>
+            <a:pPr algn="ctr"/>
+            <a:r>
+              <a:rPr lang="en-US" altLang="ko-KR" sz="1200"/>
+              <a:t>Prepare</a:t>
+            </a:r>
+            <a:endParaRPr lang="ko-KR" altLang="en-US" sz="1200"/>
+          </a:p>
+        </p:txBody>
+      </p:sp>
+      <p:cxnSp>
+        <p:nvCxnSpPr>
+          <p:cNvPr id="63" name="직선 화살표 연결선 62">
+            <a:extLst>
+              <a:ext uri="{FF2B5EF4-FFF2-40B4-BE49-F238E27FC236}">
+                <a16:creationId xmlns:a16="http://schemas.microsoft.com/office/drawing/2014/main" id="{646F1A69-13D5-4BBC-A4E5-71EEF8A45201}"/>
+              </a:ext>
+            </a:extLst>
+          </p:cNvPr>
+          <p:cNvCxnSpPr>
+            <a:cxnSpLocks/>
+            <a:stCxn id="64" idx="3"/>
+          </p:cNvCxnSpPr>
+          <p:nvPr/>
+        </p:nvCxnSpPr>
+        <p:spPr>
+          <a:xfrm>
+            <a:off x="2518903" y="3423687"/>
+            <a:ext cx="407339" cy="0"/>
+          </a:xfrm>
+          <a:prstGeom prst="straightConnector1">
+            <a:avLst/>
+          </a:prstGeom>
+          <a:ln>
+            <a:solidFill>
+              <a:srgbClr val="C00000"/>
+            </a:solidFill>
+            <a:headEnd type="none" w="med" len="med"/>
+            <a:tailEnd type="arrow" w="med" len="med"/>
+          </a:ln>
+        </p:spPr>
+        <p:style>
+          <a:lnRef idx="1">
+            <a:schemeClr val="accent1"/>
+          </a:lnRef>
+          <a:fillRef idx="0">
+            <a:schemeClr val="accent1"/>
+          </a:fillRef>
+          <a:effectRef idx="0">
+            <a:schemeClr val="accent1"/>
+          </a:effectRef>
+          <a:fontRef idx="minor">
+            <a:schemeClr val="tx1"/>
+          </a:fontRef>
+        </p:style>
+      </p:cxnSp>
+      <p:sp>
+        <p:nvSpPr>
+          <p:cNvPr id="64" name="TextBox 63">
+            <a:extLst>
+              <a:ext uri="{FF2B5EF4-FFF2-40B4-BE49-F238E27FC236}">
+                <a16:creationId xmlns:a16="http://schemas.microsoft.com/office/drawing/2014/main" id="{077B8717-EC4A-4AFF-B6B3-E9770D9E2AC1}"/>
+              </a:ext>
+            </a:extLst>
+          </p:cNvPr>
+          <p:cNvSpPr txBox="1"/>
+          <p:nvPr/>
+        </p:nvSpPr>
+        <p:spPr>
+          <a:xfrm>
+            <a:off x="1690812" y="3285187"/>
+            <a:ext cx="828091" cy="276999"/>
+          </a:xfrm>
+          <a:prstGeom prst="rect">
+            <a:avLst/>
+          </a:prstGeom>
+          <a:noFill/>
+        </p:spPr>
+        <p:txBody>
+          <a:bodyPr wrap="square" rtlCol="0" anchor="ctr">
+            <a:spAutoFit/>
+          </a:bodyPr>
+          <a:lstStyle/>
+          <a:p>
+            <a:pPr algn="ctr"/>
+            <a:r>
+              <a:rPr lang="en-US" altLang="ko-KR" sz="1200"/>
+              <a:t>Abort</a:t>
+            </a:r>
+            <a:endParaRPr lang="ko-KR" altLang="en-US" sz="1200"/>
+          </a:p>
+        </p:txBody>
+      </p:sp>
     </p:spTree>
     <p:extLst>
       <p:ext uri="{BB962C8B-B14F-4D97-AF65-F5344CB8AC3E}">
-        <p14:creationId xmlns:p14="http://schemas.microsoft.com/office/powerpoint/2010/main" val="3972765016"/>
+        <p14:creationId xmlns:p14="http://schemas.microsoft.com/office/powerpoint/2010/main" val="620034995"/>
       </p:ext>
     </p:extLst>
   </p:cSld>
@@ -19322,7 +20687,7 @@
         </p:nvSpPr>
         <p:spPr>
           <a:xfrm>
-            <a:off x="1691680" y="2342829"/>
+            <a:off x="3311859" y="2342829"/>
             <a:ext cx="1296146" cy="551345"/>
           </a:xfrm>
           <a:prstGeom prst="roundRect">
@@ -19352,14 +20717,7 @@
             <a:pPr algn="ctr"/>
             <a:r>
               <a:rPr lang="en-US" altLang="ko-KR" sz="1400"/>
-              <a:t>Order</a:t>
-            </a:r>
-          </a:p>
-          <a:p>
-            <a:pPr algn="ctr"/>
-            <a:r>
-              <a:rPr lang="en-US" altLang="ko-KR" sz="1400"/>
-              <a:t>Service</a:t>
+              <a:t>Coondinator</a:t>
             </a:r>
             <a:endParaRPr lang="ko-KR" altLang="en-US" sz="1400"/>
           </a:p>
@@ -19536,24 +20894,316 @@
           </a:p>
         </p:txBody>
       </p:sp>
+      <p:grpSp>
+        <p:nvGrpSpPr>
+          <p:cNvPr id="2" name="그룹 1">
+            <a:extLst>
+              <a:ext uri="{FF2B5EF4-FFF2-40B4-BE49-F238E27FC236}">
+                <a16:creationId xmlns:a16="http://schemas.microsoft.com/office/drawing/2014/main" id="{24786D3E-CAB2-4F94-85F7-4EAB127F566E}"/>
+              </a:ext>
+            </a:extLst>
+          </p:cNvPr>
+          <p:cNvGrpSpPr/>
+          <p:nvPr/>
+        </p:nvGrpSpPr>
+        <p:grpSpPr>
+          <a:xfrm>
+            <a:off x="4608005" y="1347086"/>
+            <a:ext cx="828092" cy="2567416"/>
+            <a:chOff x="2987826" y="1347086"/>
+            <a:chExt cx="2448271" cy="2567416"/>
+          </a:xfrm>
+        </p:grpSpPr>
+        <p:cxnSp>
+          <p:nvCxnSpPr>
+            <p:cNvPr id="42" name="직선 화살표 연결선 41">
+              <a:extLst>
+                <a:ext uri="{FF2B5EF4-FFF2-40B4-BE49-F238E27FC236}">
+                  <a16:creationId xmlns:a16="http://schemas.microsoft.com/office/drawing/2014/main" id="{886ECD4C-23D5-495A-9680-CA0B10336405}"/>
+                </a:ext>
+              </a:extLst>
+            </p:cNvPr>
+            <p:cNvCxnSpPr>
+              <a:cxnSpLocks/>
+            </p:cNvCxnSpPr>
+            <p:nvPr/>
+          </p:nvCxnSpPr>
+          <p:spPr>
+            <a:xfrm flipV="1">
+              <a:off x="2987826" y="1464080"/>
+              <a:ext cx="2448271" cy="1225211"/>
+            </a:xfrm>
+            <a:prstGeom prst="straightConnector1">
+              <a:avLst/>
+            </a:prstGeom>
+            <a:ln>
+              <a:solidFill>
+                <a:srgbClr val="C00000"/>
+              </a:solidFill>
+              <a:headEnd type="none" w="med" len="med"/>
+              <a:tailEnd type="arrow" w="med" len="med"/>
+            </a:ln>
+          </p:spPr>
+          <p:style>
+            <a:lnRef idx="1">
+              <a:schemeClr val="accent1"/>
+            </a:lnRef>
+            <a:fillRef idx="0">
+              <a:schemeClr val="accent1"/>
+            </a:fillRef>
+            <a:effectRef idx="0">
+              <a:schemeClr val="accent1"/>
+            </a:effectRef>
+            <a:fontRef idx="minor">
+              <a:schemeClr val="tx1"/>
+            </a:fontRef>
+          </p:style>
+        </p:cxnSp>
+        <p:cxnSp>
+          <p:nvCxnSpPr>
+            <p:cNvPr id="44" name="직선 화살표 연결선 43">
+              <a:extLst>
+                <a:ext uri="{FF2B5EF4-FFF2-40B4-BE49-F238E27FC236}">
+                  <a16:creationId xmlns:a16="http://schemas.microsoft.com/office/drawing/2014/main" id="{F9ACFD16-B65B-4C0D-9F93-F98D8C1A45FA}"/>
+                </a:ext>
+              </a:extLst>
+            </p:cNvPr>
+            <p:cNvCxnSpPr>
+              <a:cxnSpLocks/>
+            </p:cNvCxnSpPr>
+            <p:nvPr/>
+          </p:nvCxnSpPr>
+          <p:spPr>
+            <a:xfrm>
+              <a:off x="2987826" y="2689291"/>
+              <a:ext cx="2448271" cy="0"/>
+            </a:xfrm>
+            <a:prstGeom prst="straightConnector1">
+              <a:avLst/>
+            </a:prstGeom>
+            <a:ln>
+              <a:solidFill>
+                <a:srgbClr val="C00000"/>
+              </a:solidFill>
+              <a:headEnd type="none" w="med" len="med"/>
+              <a:tailEnd type="arrow" w="med" len="med"/>
+            </a:ln>
+          </p:spPr>
+          <p:style>
+            <a:lnRef idx="1">
+              <a:schemeClr val="accent1"/>
+            </a:lnRef>
+            <a:fillRef idx="0">
+              <a:schemeClr val="accent1"/>
+            </a:fillRef>
+            <a:effectRef idx="0">
+              <a:schemeClr val="accent1"/>
+            </a:effectRef>
+            <a:fontRef idx="minor">
+              <a:schemeClr val="tx1"/>
+            </a:fontRef>
+          </p:style>
+        </p:cxnSp>
+        <p:cxnSp>
+          <p:nvCxnSpPr>
+            <p:cNvPr id="48" name="직선 화살표 연결선 47">
+              <a:extLst>
+                <a:ext uri="{FF2B5EF4-FFF2-40B4-BE49-F238E27FC236}">
+                  <a16:creationId xmlns:a16="http://schemas.microsoft.com/office/drawing/2014/main" id="{612DE9DB-5A7F-401F-AFE1-4D19834BE366}"/>
+                </a:ext>
+              </a:extLst>
+            </p:cNvPr>
+            <p:cNvCxnSpPr>
+              <a:cxnSpLocks/>
+            </p:cNvCxnSpPr>
+            <p:nvPr/>
+          </p:nvCxnSpPr>
+          <p:spPr>
+            <a:xfrm>
+              <a:off x="2987826" y="2689291"/>
+              <a:ext cx="2448271" cy="1225211"/>
+            </a:xfrm>
+            <a:prstGeom prst="straightConnector1">
+              <a:avLst/>
+            </a:prstGeom>
+            <a:ln>
+              <a:solidFill>
+                <a:srgbClr val="C00000"/>
+              </a:solidFill>
+              <a:headEnd type="none" w="med" len="med"/>
+              <a:tailEnd type="arrow" w="med" len="med"/>
+            </a:ln>
+          </p:spPr>
+          <p:style>
+            <a:lnRef idx="1">
+              <a:schemeClr val="accent1"/>
+            </a:lnRef>
+            <a:fillRef idx="0">
+              <a:schemeClr val="accent1"/>
+            </a:fillRef>
+            <a:effectRef idx="0">
+              <a:schemeClr val="accent1"/>
+            </a:effectRef>
+            <a:fontRef idx="minor">
+              <a:schemeClr val="tx1"/>
+            </a:fontRef>
+          </p:style>
+        </p:cxnSp>
+        <p:cxnSp>
+          <p:nvCxnSpPr>
+            <p:cNvPr id="53" name="직선 화살표 연결선 52">
+              <a:extLst>
+                <a:ext uri="{FF2B5EF4-FFF2-40B4-BE49-F238E27FC236}">
+                  <a16:creationId xmlns:a16="http://schemas.microsoft.com/office/drawing/2014/main" id="{EC93C3B7-BA77-43B4-A3BD-ACEAE52DE7FE}"/>
+                </a:ext>
+              </a:extLst>
+            </p:cNvPr>
+            <p:cNvCxnSpPr>
+              <a:cxnSpLocks/>
+            </p:cNvCxnSpPr>
+            <p:nvPr/>
+          </p:nvCxnSpPr>
+          <p:spPr>
+            <a:xfrm flipV="1">
+              <a:off x="2987826" y="1347086"/>
+              <a:ext cx="2448271" cy="1225211"/>
+            </a:xfrm>
+            <a:prstGeom prst="straightConnector1">
+              <a:avLst/>
+            </a:prstGeom>
+            <a:ln>
+              <a:solidFill>
+                <a:schemeClr val="tx2"/>
+              </a:solidFill>
+              <a:headEnd type="none" w="med" len="med"/>
+              <a:tailEnd type="arrow" w="med" len="med"/>
+            </a:ln>
+          </p:spPr>
+          <p:style>
+            <a:lnRef idx="1">
+              <a:schemeClr val="accent1"/>
+            </a:lnRef>
+            <a:fillRef idx="0">
+              <a:schemeClr val="accent1"/>
+            </a:fillRef>
+            <a:effectRef idx="0">
+              <a:schemeClr val="accent1"/>
+            </a:effectRef>
+            <a:fontRef idx="minor">
+              <a:schemeClr val="tx1"/>
+            </a:fontRef>
+          </p:style>
+        </p:cxnSp>
+        <p:cxnSp>
+          <p:nvCxnSpPr>
+            <p:cNvPr id="54" name="직선 화살표 연결선 53">
+              <a:extLst>
+                <a:ext uri="{FF2B5EF4-FFF2-40B4-BE49-F238E27FC236}">
+                  <a16:creationId xmlns:a16="http://schemas.microsoft.com/office/drawing/2014/main" id="{5CB6F84B-B5C7-4DBA-960D-FC948014E1C3}"/>
+                </a:ext>
+              </a:extLst>
+            </p:cNvPr>
+            <p:cNvCxnSpPr>
+              <a:cxnSpLocks/>
+            </p:cNvCxnSpPr>
+            <p:nvPr/>
+          </p:nvCxnSpPr>
+          <p:spPr>
+            <a:xfrm>
+              <a:off x="2987826" y="2569122"/>
+              <a:ext cx="2448271" cy="0"/>
+            </a:xfrm>
+            <a:prstGeom prst="straightConnector1">
+              <a:avLst/>
+            </a:prstGeom>
+            <a:ln>
+              <a:solidFill>
+                <a:schemeClr val="tx2"/>
+              </a:solidFill>
+              <a:headEnd type="none" w="med" len="med"/>
+              <a:tailEnd type="arrow" w="med" len="med"/>
+            </a:ln>
+          </p:spPr>
+          <p:style>
+            <a:lnRef idx="1">
+              <a:schemeClr val="accent1"/>
+            </a:lnRef>
+            <a:fillRef idx="0">
+              <a:schemeClr val="accent1"/>
+            </a:fillRef>
+            <a:effectRef idx="0">
+              <a:schemeClr val="accent1"/>
+            </a:effectRef>
+            <a:fontRef idx="minor">
+              <a:schemeClr val="tx1"/>
+            </a:fontRef>
+          </p:style>
+        </p:cxnSp>
+        <p:cxnSp>
+          <p:nvCxnSpPr>
+            <p:cNvPr id="55" name="직선 화살표 연결선 54">
+              <a:extLst>
+                <a:ext uri="{FF2B5EF4-FFF2-40B4-BE49-F238E27FC236}">
+                  <a16:creationId xmlns:a16="http://schemas.microsoft.com/office/drawing/2014/main" id="{62A30C44-6247-4600-928F-3CAD0D6EF2DD}"/>
+                </a:ext>
+              </a:extLst>
+            </p:cNvPr>
+            <p:cNvCxnSpPr>
+              <a:cxnSpLocks/>
+            </p:cNvCxnSpPr>
+            <p:nvPr/>
+          </p:nvCxnSpPr>
+          <p:spPr>
+            <a:xfrm>
+              <a:off x="2987826" y="2551455"/>
+              <a:ext cx="2448271" cy="1225211"/>
+            </a:xfrm>
+            <a:prstGeom prst="straightConnector1">
+              <a:avLst/>
+            </a:prstGeom>
+            <a:ln>
+              <a:solidFill>
+                <a:schemeClr val="tx2"/>
+              </a:solidFill>
+              <a:headEnd type="none" w="med" len="med"/>
+              <a:tailEnd type="arrow" w="med" len="med"/>
+            </a:ln>
+          </p:spPr>
+          <p:style>
+            <a:lnRef idx="1">
+              <a:schemeClr val="accent1"/>
+            </a:lnRef>
+            <a:fillRef idx="0">
+              <a:schemeClr val="accent1"/>
+            </a:fillRef>
+            <a:effectRef idx="0">
+              <a:schemeClr val="accent1"/>
+            </a:effectRef>
+            <a:fontRef idx="minor">
+              <a:schemeClr val="tx1"/>
+            </a:fontRef>
+          </p:style>
+        </p:cxnSp>
+      </p:grpSp>
       <p:cxnSp>
         <p:nvCxnSpPr>
-          <p:cNvPr id="42" name="직선 화살표 연결선 41">
-            <a:extLst>
-              <a:ext uri="{FF2B5EF4-FFF2-40B4-BE49-F238E27FC236}">
-                <a16:creationId xmlns:a16="http://schemas.microsoft.com/office/drawing/2014/main" id="{886ECD4C-23D5-495A-9680-CA0B10336405}"/>
+          <p:cNvPr id="57" name="직선 화살표 연결선 56">
+            <a:extLst>
+              <a:ext uri="{FF2B5EF4-FFF2-40B4-BE49-F238E27FC236}">
+                <a16:creationId xmlns:a16="http://schemas.microsoft.com/office/drawing/2014/main" id="{1E2CD5D2-ACF6-490B-87A7-5E3F3BE62132}"/>
               </a:ext>
             </a:extLst>
           </p:cNvPr>
           <p:cNvCxnSpPr>
             <a:cxnSpLocks/>
+            <a:stCxn id="58" idx="3"/>
           </p:cNvCxnSpPr>
           <p:nvPr/>
         </p:nvCxnSpPr>
         <p:spPr>
-          <a:xfrm flipV="1">
-            <a:off x="2987826" y="1464080"/>
-            <a:ext cx="2448271" cy="1225211"/>
+          <a:xfrm>
+            <a:off x="2148437" y="3121993"/>
+            <a:ext cx="407339" cy="0"/>
           </a:xfrm>
           <a:prstGeom prst="straightConnector1">
             <a:avLst/>
@@ -19581,31 +21231,69 @@
           </a:fontRef>
         </p:style>
       </p:cxnSp>
+      <p:sp>
+        <p:nvSpPr>
+          <p:cNvPr id="58" name="TextBox 57">
+            <a:extLst>
+              <a:ext uri="{FF2B5EF4-FFF2-40B4-BE49-F238E27FC236}">
+                <a16:creationId xmlns:a16="http://schemas.microsoft.com/office/drawing/2014/main" id="{33FDFE07-B2E3-42F4-8315-C1CE4565603F}"/>
+              </a:ext>
+            </a:extLst>
+          </p:cNvPr>
+          <p:cNvSpPr txBox="1"/>
+          <p:nvPr/>
+        </p:nvSpPr>
+        <p:spPr>
+          <a:xfrm>
+            <a:off x="1320346" y="2983493"/>
+            <a:ext cx="828091" cy="276999"/>
+          </a:xfrm>
+          <a:prstGeom prst="rect">
+            <a:avLst/>
+          </a:prstGeom>
+          <a:noFill/>
+        </p:spPr>
+        <p:txBody>
+          <a:bodyPr wrap="square" rtlCol="0" anchor="ctr">
+            <a:spAutoFit/>
+          </a:bodyPr>
+          <a:lstStyle/>
+          <a:p>
+            <a:pPr algn="ctr"/>
+            <a:r>
+              <a:rPr lang="en-US" altLang="ko-KR" sz="1200"/>
+              <a:t>Prepare</a:t>
+            </a:r>
+            <a:endParaRPr lang="ko-KR" altLang="en-US" sz="1200"/>
+          </a:p>
+        </p:txBody>
+      </p:sp>
       <p:cxnSp>
         <p:nvCxnSpPr>
-          <p:cNvPr id="44" name="직선 화살표 연결선 43">
-            <a:extLst>
-              <a:ext uri="{FF2B5EF4-FFF2-40B4-BE49-F238E27FC236}">
-                <a16:creationId xmlns:a16="http://schemas.microsoft.com/office/drawing/2014/main" id="{F9ACFD16-B65B-4C0D-9F93-F98D8C1A45FA}"/>
+          <p:cNvPr id="63" name="직선 화살표 연결선 62">
+            <a:extLst>
+              <a:ext uri="{FF2B5EF4-FFF2-40B4-BE49-F238E27FC236}">
+                <a16:creationId xmlns:a16="http://schemas.microsoft.com/office/drawing/2014/main" id="{646F1A69-13D5-4BBC-A4E5-71EEF8A45201}"/>
               </a:ext>
             </a:extLst>
           </p:cNvPr>
           <p:cNvCxnSpPr>
             <a:cxnSpLocks/>
+            <a:stCxn id="64" idx="3"/>
           </p:cNvCxnSpPr>
           <p:nvPr/>
         </p:nvCxnSpPr>
         <p:spPr>
           <a:xfrm>
-            <a:off x="2987826" y="2689291"/>
-            <a:ext cx="2448271" cy="0"/>
+            <a:off x="2148437" y="3369355"/>
+            <a:ext cx="407339" cy="0"/>
           </a:xfrm>
           <a:prstGeom prst="straightConnector1">
             <a:avLst/>
           </a:prstGeom>
           <a:ln>
             <a:solidFill>
-              <a:schemeClr val="tx2"/>
+              <a:srgbClr val="C00000"/>
             </a:solidFill>
             <a:headEnd type="none" w="med" len="med"/>
             <a:tailEnd type="arrow" w="med" len="med"/>
@@ -19626,69 +21314,120 @@
           </a:fontRef>
         </p:style>
       </p:cxnSp>
+      <p:sp>
+        <p:nvSpPr>
+          <p:cNvPr id="64" name="TextBox 63">
+            <a:extLst>
+              <a:ext uri="{FF2B5EF4-FFF2-40B4-BE49-F238E27FC236}">
+                <a16:creationId xmlns:a16="http://schemas.microsoft.com/office/drawing/2014/main" id="{077B8717-EC4A-4AFF-B6B3-E9770D9E2AC1}"/>
+              </a:ext>
+            </a:extLst>
+          </p:cNvPr>
+          <p:cNvSpPr txBox="1"/>
+          <p:nvPr/>
+        </p:nvSpPr>
+        <p:spPr>
+          <a:xfrm>
+            <a:off x="1320346" y="3230855"/>
+            <a:ext cx="828091" cy="276999"/>
+          </a:xfrm>
+          <a:prstGeom prst="rect">
+            <a:avLst/>
+          </a:prstGeom>
+          <a:noFill/>
+        </p:spPr>
+        <p:txBody>
+          <a:bodyPr wrap="square" rtlCol="0" anchor="ctr">
+            <a:spAutoFit/>
+          </a:bodyPr>
+          <a:lstStyle/>
+          <a:p>
+            <a:pPr algn="ctr"/>
+            <a:r>
+              <a:rPr lang="en-US" altLang="ko-KR" sz="1200"/>
+              <a:t>Commit</a:t>
+            </a:r>
+            <a:endParaRPr lang="ko-KR" altLang="en-US" sz="1200"/>
+          </a:p>
+        </p:txBody>
+      </p:sp>
+      <p:sp>
+        <p:nvSpPr>
+          <p:cNvPr id="19" name="사각형: 둥근 모서리 18">
+            <a:extLst>
+              <a:ext uri="{FF2B5EF4-FFF2-40B4-BE49-F238E27FC236}">
+                <a16:creationId xmlns:a16="http://schemas.microsoft.com/office/drawing/2014/main" id="{0043287A-F963-4EA0-B42A-53FC6D0AA9C1}"/>
+              </a:ext>
+            </a:extLst>
+          </p:cNvPr>
+          <p:cNvSpPr/>
+          <p:nvPr/>
+        </p:nvSpPr>
+        <p:spPr>
+          <a:xfrm>
+            <a:off x="1259632" y="2342829"/>
+            <a:ext cx="1296146" cy="551345"/>
+          </a:xfrm>
+          <a:prstGeom prst="roundRect">
+            <a:avLst>
+              <a:gd name="adj" fmla="val 8201"/>
+            </a:avLst>
+          </a:prstGeom>
+        </p:spPr>
+        <p:style>
+          <a:lnRef idx="2">
+            <a:schemeClr val="dk1"/>
+          </a:lnRef>
+          <a:fillRef idx="1">
+            <a:schemeClr val="lt1"/>
+          </a:fillRef>
+          <a:effectRef idx="0">
+            <a:schemeClr val="dk1"/>
+          </a:effectRef>
+          <a:fontRef idx="minor">
+            <a:schemeClr val="dk1"/>
+          </a:fontRef>
+        </p:style>
+        <p:txBody>
+          <a:bodyPr rtlCol="0" anchor="ctr"/>
+          <a:lstStyle/>
+          <a:p>
+            <a:pPr algn="ctr"/>
+            <a:r>
+              <a:rPr lang="en-US" altLang="ko-KR" sz="1400"/>
+              <a:t>Order</a:t>
+            </a:r>
+          </a:p>
+          <a:p>
+            <a:pPr algn="ctr"/>
+            <a:r>
+              <a:rPr lang="en-US" altLang="ko-KR" sz="1400"/>
+              <a:t>Service</a:t>
+            </a:r>
+            <a:endParaRPr lang="ko-KR" altLang="en-US" sz="1400"/>
+          </a:p>
+        </p:txBody>
+      </p:sp>
       <p:cxnSp>
         <p:nvCxnSpPr>
-          <p:cNvPr id="48" name="직선 화살표 연결선 47">
-            <a:extLst>
-              <a:ext uri="{FF2B5EF4-FFF2-40B4-BE49-F238E27FC236}">
-                <a16:creationId xmlns:a16="http://schemas.microsoft.com/office/drawing/2014/main" id="{612DE9DB-5A7F-401F-AFE1-4D19834BE366}"/>
+          <p:cNvPr id="21" name="직선 화살표 연결선 20">
+            <a:extLst>
+              <a:ext uri="{FF2B5EF4-FFF2-40B4-BE49-F238E27FC236}">
+                <a16:creationId xmlns:a16="http://schemas.microsoft.com/office/drawing/2014/main" id="{6E8722DE-390F-4DF1-B986-59A33E965AC5}"/>
               </a:ext>
             </a:extLst>
           </p:cNvPr>
           <p:cNvCxnSpPr>
             <a:cxnSpLocks/>
+            <a:stCxn id="19" idx="3"/>
+            <a:endCxn id="28" idx="1"/>
           </p:cNvCxnSpPr>
           <p:nvPr/>
         </p:nvCxnSpPr>
         <p:spPr>
           <a:xfrm>
-            <a:off x="2987826" y="2689291"/>
-            <a:ext cx="2448271" cy="1225211"/>
-          </a:xfrm>
-          <a:prstGeom prst="straightConnector1">
-            <a:avLst/>
-          </a:prstGeom>
-          <a:ln>
-            <a:solidFill>
-              <a:schemeClr val="tx2"/>
-            </a:solidFill>
-            <a:headEnd type="none" w="med" len="med"/>
-            <a:tailEnd type="arrow" w="med" len="med"/>
-          </a:ln>
-        </p:spPr>
-        <p:style>
-          <a:lnRef idx="1">
-            <a:schemeClr val="accent1"/>
-          </a:lnRef>
-          <a:fillRef idx="0">
-            <a:schemeClr val="accent1"/>
-          </a:fillRef>
-          <a:effectRef idx="0">
-            <a:schemeClr val="accent1"/>
-          </a:effectRef>
-          <a:fontRef idx="minor">
-            <a:schemeClr val="tx1"/>
-          </a:fontRef>
-        </p:style>
-      </p:cxnSp>
-      <p:cxnSp>
-        <p:nvCxnSpPr>
-          <p:cNvPr id="53" name="직선 화살표 연결선 52">
-            <a:extLst>
-              <a:ext uri="{FF2B5EF4-FFF2-40B4-BE49-F238E27FC236}">
-                <a16:creationId xmlns:a16="http://schemas.microsoft.com/office/drawing/2014/main" id="{EC93C3B7-BA77-43B4-A3BD-ACEAE52DE7FE}"/>
-              </a:ext>
-            </a:extLst>
-          </p:cNvPr>
-          <p:cNvCxnSpPr>
-            <a:cxnSpLocks/>
-          </p:cNvCxnSpPr>
-          <p:nvPr/>
-        </p:nvCxnSpPr>
-        <p:spPr>
-          <a:xfrm flipV="1">
-            <a:off x="2987826" y="1347086"/>
-            <a:ext cx="2448271" cy="1225211"/>
+            <a:off x="2555778" y="2618502"/>
+            <a:ext cx="756081" cy="0"/>
           </a:xfrm>
           <a:prstGeom prst="straightConnector1">
             <a:avLst/>
@@ -19716,266 +21455,10 @@
           </a:fontRef>
         </p:style>
       </p:cxnSp>
-      <p:cxnSp>
-        <p:nvCxnSpPr>
-          <p:cNvPr id="54" name="직선 화살표 연결선 53">
-            <a:extLst>
-              <a:ext uri="{FF2B5EF4-FFF2-40B4-BE49-F238E27FC236}">
-                <a16:creationId xmlns:a16="http://schemas.microsoft.com/office/drawing/2014/main" id="{5CB6F84B-B5C7-4DBA-960D-FC948014E1C3}"/>
-              </a:ext>
-            </a:extLst>
-          </p:cNvPr>
-          <p:cNvCxnSpPr>
-            <a:cxnSpLocks/>
-          </p:cNvCxnSpPr>
-          <p:nvPr/>
-        </p:nvCxnSpPr>
-        <p:spPr>
-          <a:xfrm>
-            <a:off x="2987826" y="2569122"/>
-            <a:ext cx="2448271" cy="0"/>
-          </a:xfrm>
-          <a:prstGeom prst="straightConnector1">
-            <a:avLst/>
-          </a:prstGeom>
-          <a:ln>
-            <a:solidFill>
-              <a:schemeClr val="tx1"/>
-            </a:solidFill>
-            <a:headEnd type="none" w="med" len="med"/>
-            <a:tailEnd type="arrow" w="med" len="med"/>
-          </a:ln>
-        </p:spPr>
-        <p:style>
-          <a:lnRef idx="1">
-            <a:schemeClr val="accent1"/>
-          </a:lnRef>
-          <a:fillRef idx="0">
-            <a:schemeClr val="accent1"/>
-          </a:fillRef>
-          <a:effectRef idx="0">
-            <a:schemeClr val="accent1"/>
-          </a:effectRef>
-          <a:fontRef idx="minor">
-            <a:schemeClr val="tx1"/>
-          </a:fontRef>
-        </p:style>
-      </p:cxnSp>
-      <p:cxnSp>
-        <p:nvCxnSpPr>
-          <p:cNvPr id="55" name="직선 화살표 연결선 54">
-            <a:extLst>
-              <a:ext uri="{FF2B5EF4-FFF2-40B4-BE49-F238E27FC236}">
-                <a16:creationId xmlns:a16="http://schemas.microsoft.com/office/drawing/2014/main" id="{62A30C44-6247-4600-928F-3CAD0D6EF2DD}"/>
-              </a:ext>
-            </a:extLst>
-          </p:cNvPr>
-          <p:cNvCxnSpPr>
-            <a:cxnSpLocks/>
-          </p:cNvCxnSpPr>
-          <p:nvPr/>
-        </p:nvCxnSpPr>
-        <p:spPr>
-          <a:xfrm>
-            <a:off x="2987826" y="2551455"/>
-            <a:ext cx="2448271" cy="1225211"/>
-          </a:xfrm>
-          <a:prstGeom prst="straightConnector1">
-            <a:avLst/>
-          </a:prstGeom>
-          <a:ln>
-            <a:solidFill>
-              <a:schemeClr val="tx1"/>
-            </a:solidFill>
-            <a:headEnd type="none" w="med" len="med"/>
-            <a:tailEnd type="arrow" w="med" len="med"/>
-          </a:ln>
-        </p:spPr>
-        <p:style>
-          <a:lnRef idx="1">
-            <a:schemeClr val="accent1"/>
-          </a:lnRef>
-          <a:fillRef idx="0">
-            <a:schemeClr val="accent1"/>
-          </a:fillRef>
-          <a:effectRef idx="0">
-            <a:schemeClr val="accent1"/>
-          </a:effectRef>
-          <a:fontRef idx="minor">
-            <a:schemeClr val="tx1"/>
-          </a:fontRef>
-        </p:style>
-      </p:cxnSp>
-      <p:cxnSp>
-        <p:nvCxnSpPr>
-          <p:cNvPr id="57" name="직선 화살표 연결선 56">
-            <a:extLst>
-              <a:ext uri="{FF2B5EF4-FFF2-40B4-BE49-F238E27FC236}">
-                <a16:creationId xmlns:a16="http://schemas.microsoft.com/office/drawing/2014/main" id="{1E2CD5D2-ACF6-490B-87A7-5E3F3BE62132}"/>
-              </a:ext>
-            </a:extLst>
-          </p:cNvPr>
-          <p:cNvCxnSpPr>
-            <a:cxnSpLocks/>
-            <a:stCxn id="58" idx="3"/>
-          </p:cNvCxnSpPr>
-          <p:nvPr/>
-        </p:nvCxnSpPr>
-        <p:spPr>
-          <a:xfrm>
-            <a:off x="2518903" y="3176325"/>
-            <a:ext cx="407339" cy="0"/>
-          </a:xfrm>
-          <a:prstGeom prst="straightConnector1">
-            <a:avLst/>
-          </a:prstGeom>
-          <a:ln>
-            <a:solidFill>
-              <a:schemeClr val="tx1"/>
-            </a:solidFill>
-            <a:headEnd type="none" w="med" len="med"/>
-            <a:tailEnd type="arrow" w="med" len="med"/>
-          </a:ln>
-        </p:spPr>
-        <p:style>
-          <a:lnRef idx="1">
-            <a:schemeClr val="accent1"/>
-          </a:lnRef>
-          <a:fillRef idx="0">
-            <a:schemeClr val="accent1"/>
-          </a:fillRef>
-          <a:effectRef idx="0">
-            <a:schemeClr val="accent1"/>
-          </a:effectRef>
-          <a:fontRef idx="minor">
-            <a:schemeClr val="tx1"/>
-          </a:fontRef>
-        </p:style>
-      </p:cxnSp>
-      <p:sp>
-        <p:nvSpPr>
-          <p:cNvPr id="58" name="TextBox 57">
-            <a:extLst>
-              <a:ext uri="{FF2B5EF4-FFF2-40B4-BE49-F238E27FC236}">
-                <a16:creationId xmlns:a16="http://schemas.microsoft.com/office/drawing/2014/main" id="{33FDFE07-B2E3-42F4-8315-C1CE4565603F}"/>
-              </a:ext>
-            </a:extLst>
-          </p:cNvPr>
-          <p:cNvSpPr txBox="1"/>
-          <p:nvPr/>
-        </p:nvSpPr>
-        <p:spPr>
-          <a:xfrm>
-            <a:off x="1690812" y="3037825"/>
-            <a:ext cx="828091" cy="276999"/>
-          </a:xfrm>
-          <a:prstGeom prst="rect">
-            <a:avLst/>
-          </a:prstGeom>
-          <a:noFill/>
-        </p:spPr>
-        <p:txBody>
-          <a:bodyPr wrap="square" rtlCol="0" anchor="ctr">
-            <a:spAutoFit/>
-          </a:bodyPr>
-          <a:lstStyle/>
-          <a:p>
-            <a:pPr algn="ctr"/>
-            <a:r>
-              <a:rPr lang="en-US" altLang="ko-KR" sz="1200"/>
-              <a:t>Prepare</a:t>
-            </a:r>
-            <a:endParaRPr lang="ko-KR" altLang="en-US" sz="1200"/>
-          </a:p>
-        </p:txBody>
-      </p:sp>
-      <p:cxnSp>
-        <p:nvCxnSpPr>
-          <p:cNvPr id="63" name="직선 화살표 연결선 62">
-            <a:extLst>
-              <a:ext uri="{FF2B5EF4-FFF2-40B4-BE49-F238E27FC236}">
-                <a16:creationId xmlns:a16="http://schemas.microsoft.com/office/drawing/2014/main" id="{646F1A69-13D5-4BBC-A4E5-71EEF8A45201}"/>
-              </a:ext>
-            </a:extLst>
-          </p:cNvPr>
-          <p:cNvCxnSpPr>
-            <a:cxnSpLocks/>
-            <a:stCxn id="64" idx="3"/>
-          </p:cNvCxnSpPr>
-          <p:nvPr/>
-        </p:nvCxnSpPr>
-        <p:spPr>
-          <a:xfrm>
-            <a:off x="2518903" y="3423687"/>
-            <a:ext cx="407339" cy="0"/>
-          </a:xfrm>
-          <a:prstGeom prst="straightConnector1">
-            <a:avLst/>
-          </a:prstGeom>
-          <a:ln>
-            <a:solidFill>
-              <a:schemeClr val="tx2"/>
-            </a:solidFill>
-            <a:headEnd type="none" w="med" len="med"/>
-            <a:tailEnd type="arrow" w="med" len="med"/>
-          </a:ln>
-        </p:spPr>
-        <p:style>
-          <a:lnRef idx="1">
-            <a:schemeClr val="accent1"/>
-          </a:lnRef>
-          <a:fillRef idx="0">
-            <a:schemeClr val="accent1"/>
-          </a:fillRef>
-          <a:effectRef idx="0">
-            <a:schemeClr val="accent1"/>
-          </a:effectRef>
-          <a:fontRef idx="minor">
-            <a:schemeClr val="tx1"/>
-          </a:fontRef>
-        </p:style>
-      </p:cxnSp>
-      <p:sp>
-        <p:nvSpPr>
-          <p:cNvPr id="64" name="TextBox 63">
-            <a:extLst>
-              <a:ext uri="{FF2B5EF4-FFF2-40B4-BE49-F238E27FC236}">
-                <a16:creationId xmlns:a16="http://schemas.microsoft.com/office/drawing/2014/main" id="{077B8717-EC4A-4AFF-B6B3-E9770D9E2AC1}"/>
-              </a:ext>
-            </a:extLst>
-          </p:cNvPr>
-          <p:cNvSpPr txBox="1"/>
-          <p:nvPr/>
-        </p:nvSpPr>
-        <p:spPr>
-          <a:xfrm>
-            <a:off x="1690812" y="3285187"/>
-            <a:ext cx="828091" cy="276999"/>
-          </a:xfrm>
-          <a:prstGeom prst="rect">
-            <a:avLst/>
-          </a:prstGeom>
-          <a:noFill/>
-        </p:spPr>
-        <p:txBody>
-          <a:bodyPr wrap="square" rtlCol="0" anchor="ctr">
-            <a:spAutoFit/>
-          </a:bodyPr>
-          <a:lstStyle/>
-          <a:p>
-            <a:pPr algn="ctr"/>
-            <a:r>
-              <a:rPr lang="en-US" altLang="ko-KR" sz="1200"/>
-              <a:t>Commit</a:t>
-            </a:r>
-            <a:endParaRPr lang="ko-KR" altLang="en-US" sz="1200"/>
-          </a:p>
-        </p:txBody>
-      </p:sp>
     </p:spTree>
     <p:extLst>
       <p:ext uri="{BB962C8B-B14F-4D97-AF65-F5344CB8AC3E}">
-        <p14:creationId xmlns:p14="http://schemas.microsoft.com/office/powerpoint/2010/main" val="4289570203"/>
+        <p14:creationId xmlns:p14="http://schemas.microsoft.com/office/powerpoint/2010/main" val="1588966378"/>
       </p:ext>
     </p:extLst>
   </p:cSld>
@@ -20014,7 +21497,7 @@
         </p:nvSpPr>
         <p:spPr>
           <a:xfrm>
-            <a:off x="457200" y="58316"/>
+            <a:off x="457200" y="130324"/>
             <a:ext cx="8229600" cy="857250"/>
           </a:xfrm>
         </p:spPr>
@@ -20046,7 +21529,7 @@
         </p:nvSpPr>
         <p:spPr>
           <a:xfrm>
-            <a:off x="1691680" y="2342829"/>
+            <a:off x="3311859" y="2342829"/>
             <a:ext cx="1296146" cy="551345"/>
           </a:xfrm>
           <a:prstGeom prst="roundRect">
@@ -20076,14 +21559,7 @@
             <a:pPr algn="ctr"/>
             <a:r>
               <a:rPr lang="en-US" altLang="ko-KR" sz="1400"/>
-              <a:t>Order</a:t>
-            </a:r>
-          </a:p>
-          <a:p>
-            <a:pPr algn="ctr"/>
-            <a:r>
-              <a:rPr lang="en-US" altLang="ko-KR" sz="1400"/>
-              <a:t>Service</a:t>
+              <a:t>Coondinator</a:t>
             </a:r>
             <a:endParaRPr lang="ko-KR" altLang="en-US" sz="1400"/>
           </a:p>
@@ -20260,24 +21736,354 @@
           </a:p>
         </p:txBody>
       </p:sp>
+      <p:grpSp>
+        <p:nvGrpSpPr>
+          <p:cNvPr id="2" name="그룹 1">
+            <a:extLst>
+              <a:ext uri="{FF2B5EF4-FFF2-40B4-BE49-F238E27FC236}">
+                <a16:creationId xmlns:a16="http://schemas.microsoft.com/office/drawing/2014/main" id="{24786D3E-CAB2-4F94-85F7-4EAB127F566E}"/>
+              </a:ext>
+            </a:extLst>
+          </p:cNvPr>
+          <p:cNvGrpSpPr/>
+          <p:nvPr/>
+        </p:nvGrpSpPr>
+        <p:grpSpPr>
+          <a:xfrm>
+            <a:off x="4608005" y="1347086"/>
+            <a:ext cx="828092" cy="2429580"/>
+            <a:chOff x="2987826" y="1347086"/>
+            <a:chExt cx="2448271" cy="2429580"/>
+          </a:xfrm>
+        </p:grpSpPr>
+        <p:cxnSp>
+          <p:nvCxnSpPr>
+            <p:cNvPr id="42" name="직선 화살표 연결선 41">
+              <a:extLst>
+                <a:ext uri="{FF2B5EF4-FFF2-40B4-BE49-F238E27FC236}">
+                  <a16:creationId xmlns:a16="http://schemas.microsoft.com/office/drawing/2014/main" id="{886ECD4C-23D5-495A-9680-CA0B10336405}"/>
+                </a:ext>
+              </a:extLst>
+            </p:cNvPr>
+            <p:cNvCxnSpPr>
+              <a:cxnSpLocks/>
+            </p:cNvCxnSpPr>
+            <p:nvPr/>
+          </p:nvCxnSpPr>
+          <p:spPr>
+            <a:xfrm flipV="1">
+              <a:off x="2987826" y="1464080"/>
+              <a:ext cx="2448271" cy="1225211"/>
+            </a:xfrm>
+            <a:prstGeom prst="straightConnector1">
+              <a:avLst/>
+            </a:prstGeom>
+            <a:ln>
+              <a:solidFill>
+                <a:srgbClr val="C00000"/>
+              </a:solidFill>
+              <a:headEnd type="none" w="med" len="med"/>
+              <a:tailEnd type="arrow" w="med" len="med"/>
+            </a:ln>
+          </p:spPr>
+          <p:style>
+            <a:lnRef idx="1">
+              <a:schemeClr val="accent1"/>
+            </a:lnRef>
+            <a:fillRef idx="0">
+              <a:schemeClr val="accent1"/>
+            </a:fillRef>
+            <a:effectRef idx="0">
+              <a:schemeClr val="accent1"/>
+            </a:effectRef>
+            <a:fontRef idx="minor">
+              <a:schemeClr val="tx1"/>
+            </a:fontRef>
+          </p:style>
+        </p:cxnSp>
+        <p:cxnSp>
+          <p:nvCxnSpPr>
+            <p:cNvPr id="44" name="직선 화살표 연결선 43">
+              <a:extLst>
+                <a:ext uri="{FF2B5EF4-FFF2-40B4-BE49-F238E27FC236}">
+                  <a16:creationId xmlns:a16="http://schemas.microsoft.com/office/drawing/2014/main" id="{F9ACFD16-B65B-4C0D-9F93-F98D8C1A45FA}"/>
+                </a:ext>
+              </a:extLst>
+            </p:cNvPr>
+            <p:cNvCxnSpPr>
+              <a:cxnSpLocks/>
+            </p:cNvCxnSpPr>
+            <p:nvPr/>
+          </p:nvCxnSpPr>
+          <p:spPr>
+            <a:xfrm>
+              <a:off x="2987826" y="2689291"/>
+              <a:ext cx="2448271" cy="0"/>
+            </a:xfrm>
+            <a:prstGeom prst="straightConnector1">
+              <a:avLst/>
+            </a:prstGeom>
+            <a:ln>
+              <a:solidFill>
+                <a:srgbClr val="C00000"/>
+              </a:solidFill>
+              <a:headEnd type="none" w="med" len="med"/>
+              <a:tailEnd type="arrow" w="med" len="med"/>
+            </a:ln>
+          </p:spPr>
+          <p:style>
+            <a:lnRef idx="1">
+              <a:schemeClr val="accent1"/>
+            </a:lnRef>
+            <a:fillRef idx="0">
+              <a:schemeClr val="accent1"/>
+            </a:fillRef>
+            <a:effectRef idx="0">
+              <a:schemeClr val="accent1"/>
+            </a:effectRef>
+            <a:fontRef idx="minor">
+              <a:schemeClr val="tx1"/>
+            </a:fontRef>
+          </p:style>
+        </p:cxnSp>
+        <p:cxnSp>
+          <p:nvCxnSpPr>
+            <p:cNvPr id="53" name="직선 화살표 연결선 52">
+              <a:extLst>
+                <a:ext uri="{FF2B5EF4-FFF2-40B4-BE49-F238E27FC236}">
+                  <a16:creationId xmlns:a16="http://schemas.microsoft.com/office/drawing/2014/main" id="{EC93C3B7-BA77-43B4-A3BD-ACEAE52DE7FE}"/>
+                </a:ext>
+              </a:extLst>
+            </p:cNvPr>
+            <p:cNvCxnSpPr>
+              <a:cxnSpLocks/>
+            </p:cNvCxnSpPr>
+            <p:nvPr/>
+          </p:nvCxnSpPr>
+          <p:spPr>
+            <a:xfrm flipV="1">
+              <a:off x="2987826" y="1347086"/>
+              <a:ext cx="2448271" cy="1225211"/>
+            </a:xfrm>
+            <a:prstGeom prst="straightConnector1">
+              <a:avLst/>
+            </a:prstGeom>
+            <a:ln>
+              <a:solidFill>
+                <a:schemeClr val="tx2"/>
+              </a:solidFill>
+              <a:headEnd type="none" w="med" len="med"/>
+              <a:tailEnd type="arrow" w="med" len="med"/>
+            </a:ln>
+          </p:spPr>
+          <p:style>
+            <a:lnRef idx="1">
+              <a:schemeClr val="accent1"/>
+            </a:lnRef>
+            <a:fillRef idx="0">
+              <a:schemeClr val="accent1"/>
+            </a:fillRef>
+            <a:effectRef idx="0">
+              <a:schemeClr val="accent1"/>
+            </a:effectRef>
+            <a:fontRef idx="minor">
+              <a:schemeClr val="tx1"/>
+            </a:fontRef>
+          </p:style>
+        </p:cxnSp>
+        <p:cxnSp>
+          <p:nvCxnSpPr>
+            <p:cNvPr id="54" name="직선 화살표 연결선 53">
+              <a:extLst>
+                <a:ext uri="{FF2B5EF4-FFF2-40B4-BE49-F238E27FC236}">
+                  <a16:creationId xmlns:a16="http://schemas.microsoft.com/office/drawing/2014/main" id="{5CB6F84B-B5C7-4DBA-960D-FC948014E1C3}"/>
+                </a:ext>
+              </a:extLst>
+            </p:cNvPr>
+            <p:cNvCxnSpPr>
+              <a:cxnSpLocks/>
+            </p:cNvCxnSpPr>
+            <p:nvPr/>
+          </p:nvCxnSpPr>
+          <p:spPr>
+            <a:xfrm>
+              <a:off x="2987826" y="2569122"/>
+              <a:ext cx="2448271" cy="0"/>
+            </a:xfrm>
+            <a:prstGeom prst="straightConnector1">
+              <a:avLst/>
+            </a:prstGeom>
+            <a:ln>
+              <a:solidFill>
+                <a:schemeClr val="tx2"/>
+              </a:solidFill>
+              <a:headEnd type="none" w="med" len="med"/>
+              <a:tailEnd type="arrow" w="med" len="med"/>
+            </a:ln>
+          </p:spPr>
+          <p:style>
+            <a:lnRef idx="1">
+              <a:schemeClr val="accent1"/>
+            </a:lnRef>
+            <a:fillRef idx="0">
+              <a:schemeClr val="accent1"/>
+            </a:fillRef>
+            <a:effectRef idx="0">
+              <a:schemeClr val="accent1"/>
+            </a:effectRef>
+            <a:fontRef idx="minor">
+              <a:schemeClr val="tx1"/>
+            </a:fontRef>
+          </p:style>
+        </p:cxnSp>
+        <p:cxnSp>
+          <p:nvCxnSpPr>
+            <p:cNvPr id="55" name="직선 화살표 연결선 54">
+              <a:extLst>
+                <a:ext uri="{FF2B5EF4-FFF2-40B4-BE49-F238E27FC236}">
+                  <a16:creationId xmlns:a16="http://schemas.microsoft.com/office/drawing/2014/main" id="{62A30C44-6247-4600-928F-3CAD0D6EF2DD}"/>
+                </a:ext>
+              </a:extLst>
+            </p:cNvPr>
+            <p:cNvCxnSpPr>
+              <a:cxnSpLocks/>
+            </p:cNvCxnSpPr>
+            <p:nvPr/>
+          </p:nvCxnSpPr>
+          <p:spPr>
+            <a:xfrm>
+              <a:off x="2987826" y="2551455"/>
+              <a:ext cx="2448271" cy="1225211"/>
+            </a:xfrm>
+            <a:prstGeom prst="straightConnector1">
+              <a:avLst/>
+            </a:prstGeom>
+            <a:ln>
+              <a:solidFill>
+                <a:schemeClr val="tx2"/>
+              </a:solidFill>
+              <a:headEnd type="none" w="med" len="med"/>
+              <a:tailEnd type="arrow" w="med" len="med"/>
+            </a:ln>
+          </p:spPr>
+          <p:style>
+            <a:lnRef idx="1">
+              <a:schemeClr val="accent1"/>
+            </a:lnRef>
+            <a:fillRef idx="0">
+              <a:schemeClr val="accent1"/>
+            </a:fillRef>
+            <a:effectRef idx="0">
+              <a:schemeClr val="accent1"/>
+            </a:effectRef>
+            <a:fontRef idx="minor">
+              <a:schemeClr val="tx1"/>
+            </a:fontRef>
+          </p:style>
+        </p:cxnSp>
+      </p:grpSp>
       <p:cxnSp>
         <p:nvCxnSpPr>
-          <p:cNvPr id="42" name="직선 화살표 연결선 41">
-            <a:extLst>
-              <a:ext uri="{FF2B5EF4-FFF2-40B4-BE49-F238E27FC236}">
-                <a16:creationId xmlns:a16="http://schemas.microsoft.com/office/drawing/2014/main" id="{886ECD4C-23D5-495A-9680-CA0B10336405}"/>
+          <p:cNvPr id="57" name="직선 화살표 연결선 56">
+            <a:extLst>
+              <a:ext uri="{FF2B5EF4-FFF2-40B4-BE49-F238E27FC236}">
+                <a16:creationId xmlns:a16="http://schemas.microsoft.com/office/drawing/2014/main" id="{1E2CD5D2-ACF6-490B-87A7-5E3F3BE62132}"/>
               </a:ext>
             </a:extLst>
           </p:cNvPr>
           <p:cNvCxnSpPr>
             <a:cxnSpLocks/>
+            <a:stCxn id="58" idx="3"/>
           </p:cNvCxnSpPr>
           <p:nvPr/>
         </p:nvCxnSpPr>
         <p:spPr>
-          <a:xfrm flipV="1">
-            <a:off x="2987826" y="1464080"/>
-            <a:ext cx="2448271" cy="1225211"/>
+          <a:xfrm>
+            <a:off x="2148437" y="3121993"/>
+            <a:ext cx="407339" cy="0"/>
+          </a:xfrm>
+          <a:prstGeom prst="straightConnector1">
+            <a:avLst/>
+          </a:prstGeom>
+          <a:ln>
+            <a:solidFill>
+              <a:schemeClr val="tx2"/>
+            </a:solidFill>
+            <a:headEnd type="none" w="med" len="med"/>
+            <a:tailEnd type="arrow" w="med" len="med"/>
+          </a:ln>
+        </p:spPr>
+        <p:style>
+          <a:lnRef idx="1">
+            <a:schemeClr val="accent1"/>
+          </a:lnRef>
+          <a:fillRef idx="0">
+            <a:schemeClr val="accent1"/>
+          </a:fillRef>
+          <a:effectRef idx="0">
+            <a:schemeClr val="accent1"/>
+          </a:effectRef>
+          <a:fontRef idx="minor">
+            <a:schemeClr val="tx1"/>
+          </a:fontRef>
+        </p:style>
+      </p:cxnSp>
+      <p:sp>
+        <p:nvSpPr>
+          <p:cNvPr id="58" name="TextBox 57">
+            <a:extLst>
+              <a:ext uri="{FF2B5EF4-FFF2-40B4-BE49-F238E27FC236}">
+                <a16:creationId xmlns:a16="http://schemas.microsoft.com/office/drawing/2014/main" id="{33FDFE07-B2E3-42F4-8315-C1CE4565603F}"/>
+              </a:ext>
+            </a:extLst>
+          </p:cNvPr>
+          <p:cNvSpPr txBox="1"/>
+          <p:nvPr/>
+        </p:nvSpPr>
+        <p:spPr>
+          <a:xfrm>
+            <a:off x="1320346" y="2983493"/>
+            <a:ext cx="828091" cy="276999"/>
+          </a:xfrm>
+          <a:prstGeom prst="rect">
+            <a:avLst/>
+          </a:prstGeom>
+          <a:noFill/>
+        </p:spPr>
+        <p:txBody>
+          <a:bodyPr wrap="square" rtlCol="0" anchor="ctr">
+            <a:spAutoFit/>
+          </a:bodyPr>
+          <a:lstStyle/>
+          <a:p>
+            <a:pPr algn="ctr"/>
+            <a:r>
+              <a:rPr lang="en-US" altLang="ko-KR" sz="1200"/>
+              <a:t>Prepare</a:t>
+            </a:r>
+            <a:endParaRPr lang="ko-KR" altLang="en-US" sz="1200"/>
+          </a:p>
+        </p:txBody>
+      </p:sp>
+      <p:cxnSp>
+        <p:nvCxnSpPr>
+          <p:cNvPr id="63" name="직선 화살표 연결선 62">
+            <a:extLst>
+              <a:ext uri="{FF2B5EF4-FFF2-40B4-BE49-F238E27FC236}">
+                <a16:creationId xmlns:a16="http://schemas.microsoft.com/office/drawing/2014/main" id="{646F1A69-13D5-4BBC-A4E5-71EEF8A45201}"/>
+              </a:ext>
+            </a:extLst>
+          </p:cNvPr>
+          <p:cNvCxnSpPr>
+            <a:cxnSpLocks/>
+            <a:stCxn id="64" idx="3"/>
+          </p:cNvCxnSpPr>
+          <p:nvPr/>
+        </p:nvCxnSpPr>
+        <p:spPr>
+          <a:xfrm>
+            <a:off x="2148437" y="3369355"/>
+            <a:ext cx="407339" cy="0"/>
           </a:xfrm>
           <a:prstGeom prst="straightConnector1">
             <a:avLst/>
@@ -20305,69 +22111,120 @@
           </a:fontRef>
         </p:style>
       </p:cxnSp>
+      <p:sp>
+        <p:nvSpPr>
+          <p:cNvPr id="64" name="TextBox 63">
+            <a:extLst>
+              <a:ext uri="{FF2B5EF4-FFF2-40B4-BE49-F238E27FC236}">
+                <a16:creationId xmlns:a16="http://schemas.microsoft.com/office/drawing/2014/main" id="{077B8717-EC4A-4AFF-B6B3-E9770D9E2AC1}"/>
+              </a:ext>
+            </a:extLst>
+          </p:cNvPr>
+          <p:cNvSpPr txBox="1"/>
+          <p:nvPr/>
+        </p:nvSpPr>
+        <p:spPr>
+          <a:xfrm>
+            <a:off x="1320346" y="3230855"/>
+            <a:ext cx="828091" cy="276999"/>
+          </a:xfrm>
+          <a:prstGeom prst="rect">
+            <a:avLst/>
+          </a:prstGeom>
+          <a:noFill/>
+        </p:spPr>
+        <p:txBody>
+          <a:bodyPr wrap="square" rtlCol="0" anchor="ctr">
+            <a:spAutoFit/>
+          </a:bodyPr>
+          <a:lstStyle/>
+          <a:p>
+            <a:pPr algn="ctr"/>
+            <a:r>
+              <a:rPr lang="en-US" altLang="ko-KR" sz="1200"/>
+              <a:t>Abort</a:t>
+            </a:r>
+            <a:endParaRPr lang="ko-KR" altLang="en-US" sz="1200"/>
+          </a:p>
+        </p:txBody>
+      </p:sp>
+      <p:sp>
+        <p:nvSpPr>
+          <p:cNvPr id="19" name="사각형: 둥근 모서리 18">
+            <a:extLst>
+              <a:ext uri="{FF2B5EF4-FFF2-40B4-BE49-F238E27FC236}">
+                <a16:creationId xmlns:a16="http://schemas.microsoft.com/office/drawing/2014/main" id="{0043287A-F963-4EA0-B42A-53FC6D0AA9C1}"/>
+              </a:ext>
+            </a:extLst>
+          </p:cNvPr>
+          <p:cNvSpPr/>
+          <p:nvPr/>
+        </p:nvSpPr>
+        <p:spPr>
+          <a:xfrm>
+            <a:off x="1259632" y="2342829"/>
+            <a:ext cx="1296146" cy="551345"/>
+          </a:xfrm>
+          <a:prstGeom prst="roundRect">
+            <a:avLst>
+              <a:gd name="adj" fmla="val 8201"/>
+            </a:avLst>
+          </a:prstGeom>
+        </p:spPr>
+        <p:style>
+          <a:lnRef idx="2">
+            <a:schemeClr val="dk1"/>
+          </a:lnRef>
+          <a:fillRef idx="1">
+            <a:schemeClr val="lt1"/>
+          </a:fillRef>
+          <a:effectRef idx="0">
+            <a:schemeClr val="dk1"/>
+          </a:effectRef>
+          <a:fontRef idx="minor">
+            <a:schemeClr val="dk1"/>
+          </a:fontRef>
+        </p:style>
+        <p:txBody>
+          <a:bodyPr rtlCol="0" anchor="ctr"/>
+          <a:lstStyle/>
+          <a:p>
+            <a:pPr algn="ctr"/>
+            <a:r>
+              <a:rPr lang="en-US" altLang="ko-KR" sz="1400"/>
+              <a:t>Order</a:t>
+            </a:r>
+          </a:p>
+          <a:p>
+            <a:pPr algn="ctr"/>
+            <a:r>
+              <a:rPr lang="en-US" altLang="ko-KR" sz="1400"/>
+              <a:t>Service</a:t>
+            </a:r>
+            <a:endParaRPr lang="ko-KR" altLang="en-US" sz="1400"/>
+          </a:p>
+        </p:txBody>
+      </p:sp>
       <p:cxnSp>
         <p:nvCxnSpPr>
-          <p:cNvPr id="44" name="직선 화살표 연결선 43">
-            <a:extLst>
-              <a:ext uri="{FF2B5EF4-FFF2-40B4-BE49-F238E27FC236}">
-                <a16:creationId xmlns:a16="http://schemas.microsoft.com/office/drawing/2014/main" id="{F9ACFD16-B65B-4C0D-9F93-F98D8C1A45FA}"/>
+          <p:cNvPr id="21" name="직선 화살표 연결선 20">
+            <a:extLst>
+              <a:ext uri="{FF2B5EF4-FFF2-40B4-BE49-F238E27FC236}">
+                <a16:creationId xmlns:a16="http://schemas.microsoft.com/office/drawing/2014/main" id="{6E8722DE-390F-4DF1-B986-59A33E965AC5}"/>
               </a:ext>
             </a:extLst>
           </p:cNvPr>
           <p:cNvCxnSpPr>
             <a:cxnSpLocks/>
+            <a:stCxn id="19" idx="3"/>
+            <a:endCxn id="28" idx="1"/>
           </p:cNvCxnSpPr>
           <p:nvPr/>
         </p:nvCxnSpPr>
         <p:spPr>
           <a:xfrm>
-            <a:off x="2987826" y="2689291"/>
-            <a:ext cx="2448271" cy="0"/>
-          </a:xfrm>
-          <a:prstGeom prst="straightConnector1">
-            <a:avLst/>
-          </a:prstGeom>
-          <a:ln>
-            <a:solidFill>
-              <a:srgbClr val="C00000"/>
-            </a:solidFill>
-            <a:headEnd type="none" w="med" len="med"/>
-            <a:tailEnd type="arrow" w="med" len="med"/>
-          </a:ln>
-        </p:spPr>
-        <p:style>
-          <a:lnRef idx="1">
-            <a:schemeClr val="accent1"/>
-          </a:lnRef>
-          <a:fillRef idx="0">
-            <a:schemeClr val="accent1"/>
-          </a:fillRef>
-          <a:effectRef idx="0">
-            <a:schemeClr val="accent1"/>
-          </a:effectRef>
-          <a:fontRef idx="minor">
-            <a:schemeClr val="tx1"/>
-          </a:fontRef>
-        </p:style>
-      </p:cxnSp>
-      <p:cxnSp>
-        <p:nvCxnSpPr>
-          <p:cNvPr id="53" name="직선 화살표 연결선 52">
-            <a:extLst>
-              <a:ext uri="{FF2B5EF4-FFF2-40B4-BE49-F238E27FC236}">
-                <a16:creationId xmlns:a16="http://schemas.microsoft.com/office/drawing/2014/main" id="{EC93C3B7-BA77-43B4-A3BD-ACEAE52DE7FE}"/>
-              </a:ext>
-            </a:extLst>
-          </p:cNvPr>
-          <p:cNvCxnSpPr>
-            <a:cxnSpLocks/>
-          </p:cNvCxnSpPr>
-          <p:nvPr/>
-        </p:nvCxnSpPr>
-        <p:spPr>
-          <a:xfrm flipV="1">
-            <a:off x="2987826" y="1347086"/>
-            <a:ext cx="2448271" cy="1225211"/>
+            <a:off x="2555778" y="2618502"/>
+            <a:ext cx="756081" cy="0"/>
           </a:xfrm>
           <a:prstGeom prst="straightConnector1">
             <a:avLst/>
@@ -20395,266 +22252,10 @@
           </a:fontRef>
         </p:style>
       </p:cxnSp>
-      <p:cxnSp>
-        <p:nvCxnSpPr>
-          <p:cNvPr id="54" name="직선 화살표 연결선 53">
-            <a:extLst>
-              <a:ext uri="{FF2B5EF4-FFF2-40B4-BE49-F238E27FC236}">
-                <a16:creationId xmlns:a16="http://schemas.microsoft.com/office/drawing/2014/main" id="{5CB6F84B-B5C7-4DBA-960D-FC948014E1C3}"/>
-              </a:ext>
-            </a:extLst>
-          </p:cNvPr>
-          <p:cNvCxnSpPr>
-            <a:cxnSpLocks/>
-          </p:cNvCxnSpPr>
-          <p:nvPr/>
-        </p:nvCxnSpPr>
-        <p:spPr>
-          <a:xfrm>
-            <a:off x="2987826" y="2569122"/>
-            <a:ext cx="2448271" cy="0"/>
-          </a:xfrm>
-          <a:prstGeom prst="straightConnector1">
-            <a:avLst/>
-          </a:prstGeom>
-          <a:ln>
-            <a:solidFill>
-              <a:schemeClr val="tx1"/>
-            </a:solidFill>
-            <a:headEnd type="none" w="med" len="med"/>
-            <a:tailEnd type="arrow" w="med" len="med"/>
-          </a:ln>
-        </p:spPr>
-        <p:style>
-          <a:lnRef idx="1">
-            <a:schemeClr val="accent1"/>
-          </a:lnRef>
-          <a:fillRef idx="0">
-            <a:schemeClr val="accent1"/>
-          </a:fillRef>
-          <a:effectRef idx="0">
-            <a:schemeClr val="accent1"/>
-          </a:effectRef>
-          <a:fontRef idx="minor">
-            <a:schemeClr val="tx1"/>
-          </a:fontRef>
-        </p:style>
-      </p:cxnSp>
-      <p:cxnSp>
-        <p:nvCxnSpPr>
-          <p:cNvPr id="55" name="직선 화살표 연결선 54">
-            <a:extLst>
-              <a:ext uri="{FF2B5EF4-FFF2-40B4-BE49-F238E27FC236}">
-                <a16:creationId xmlns:a16="http://schemas.microsoft.com/office/drawing/2014/main" id="{62A30C44-6247-4600-928F-3CAD0D6EF2DD}"/>
-              </a:ext>
-            </a:extLst>
-          </p:cNvPr>
-          <p:cNvCxnSpPr>
-            <a:cxnSpLocks/>
-          </p:cNvCxnSpPr>
-          <p:nvPr/>
-        </p:nvCxnSpPr>
-        <p:spPr>
-          <a:xfrm>
-            <a:off x="2987826" y="2551455"/>
-            <a:ext cx="2198898" cy="1100415"/>
-          </a:xfrm>
-          <a:prstGeom prst="straightConnector1">
-            <a:avLst/>
-          </a:prstGeom>
-          <a:ln>
-            <a:solidFill>
-              <a:schemeClr val="tx1"/>
-            </a:solidFill>
-            <a:headEnd type="none" w="med" len="med"/>
-            <a:tailEnd type="arrow" w="med" len="med"/>
-          </a:ln>
-        </p:spPr>
-        <p:style>
-          <a:lnRef idx="1">
-            <a:schemeClr val="accent1"/>
-          </a:lnRef>
-          <a:fillRef idx="0">
-            <a:schemeClr val="accent1"/>
-          </a:fillRef>
-          <a:effectRef idx="0">
-            <a:schemeClr val="accent1"/>
-          </a:effectRef>
-          <a:fontRef idx="minor">
-            <a:schemeClr val="tx1"/>
-          </a:fontRef>
-        </p:style>
-      </p:cxnSp>
-      <p:cxnSp>
-        <p:nvCxnSpPr>
-          <p:cNvPr id="57" name="직선 화살표 연결선 56">
-            <a:extLst>
-              <a:ext uri="{FF2B5EF4-FFF2-40B4-BE49-F238E27FC236}">
-                <a16:creationId xmlns:a16="http://schemas.microsoft.com/office/drawing/2014/main" id="{1E2CD5D2-ACF6-490B-87A7-5E3F3BE62132}"/>
-              </a:ext>
-            </a:extLst>
-          </p:cNvPr>
-          <p:cNvCxnSpPr>
-            <a:cxnSpLocks/>
-            <a:stCxn id="58" idx="3"/>
-          </p:cNvCxnSpPr>
-          <p:nvPr/>
-        </p:nvCxnSpPr>
-        <p:spPr>
-          <a:xfrm>
-            <a:off x="2518903" y="3176325"/>
-            <a:ext cx="407339" cy="0"/>
-          </a:xfrm>
-          <a:prstGeom prst="straightConnector1">
-            <a:avLst/>
-          </a:prstGeom>
-          <a:ln>
-            <a:solidFill>
-              <a:schemeClr val="tx1"/>
-            </a:solidFill>
-            <a:headEnd type="none" w="med" len="med"/>
-            <a:tailEnd type="arrow" w="med" len="med"/>
-          </a:ln>
-        </p:spPr>
-        <p:style>
-          <a:lnRef idx="1">
-            <a:schemeClr val="accent1"/>
-          </a:lnRef>
-          <a:fillRef idx="0">
-            <a:schemeClr val="accent1"/>
-          </a:fillRef>
-          <a:effectRef idx="0">
-            <a:schemeClr val="accent1"/>
-          </a:effectRef>
-          <a:fontRef idx="minor">
-            <a:schemeClr val="tx1"/>
-          </a:fontRef>
-        </p:style>
-      </p:cxnSp>
-      <p:sp>
-        <p:nvSpPr>
-          <p:cNvPr id="58" name="TextBox 57">
-            <a:extLst>
-              <a:ext uri="{FF2B5EF4-FFF2-40B4-BE49-F238E27FC236}">
-                <a16:creationId xmlns:a16="http://schemas.microsoft.com/office/drawing/2014/main" id="{33FDFE07-B2E3-42F4-8315-C1CE4565603F}"/>
-              </a:ext>
-            </a:extLst>
-          </p:cNvPr>
-          <p:cNvSpPr txBox="1"/>
-          <p:nvPr/>
-        </p:nvSpPr>
-        <p:spPr>
-          <a:xfrm>
-            <a:off x="1690812" y="3037825"/>
-            <a:ext cx="828091" cy="276999"/>
-          </a:xfrm>
-          <a:prstGeom prst="rect">
-            <a:avLst/>
-          </a:prstGeom>
-          <a:noFill/>
-        </p:spPr>
-        <p:txBody>
-          <a:bodyPr wrap="square" rtlCol="0" anchor="ctr">
-            <a:spAutoFit/>
-          </a:bodyPr>
-          <a:lstStyle/>
-          <a:p>
-            <a:pPr algn="ctr"/>
-            <a:r>
-              <a:rPr lang="en-US" altLang="ko-KR" sz="1200"/>
-              <a:t>Prepare</a:t>
-            </a:r>
-            <a:endParaRPr lang="ko-KR" altLang="en-US" sz="1200"/>
-          </a:p>
-        </p:txBody>
-      </p:sp>
-      <p:cxnSp>
-        <p:nvCxnSpPr>
-          <p:cNvPr id="63" name="직선 화살표 연결선 62">
-            <a:extLst>
-              <a:ext uri="{FF2B5EF4-FFF2-40B4-BE49-F238E27FC236}">
-                <a16:creationId xmlns:a16="http://schemas.microsoft.com/office/drawing/2014/main" id="{646F1A69-13D5-4BBC-A4E5-71EEF8A45201}"/>
-              </a:ext>
-            </a:extLst>
-          </p:cNvPr>
-          <p:cNvCxnSpPr>
-            <a:cxnSpLocks/>
-            <a:stCxn id="64" idx="3"/>
-          </p:cNvCxnSpPr>
-          <p:nvPr/>
-        </p:nvCxnSpPr>
-        <p:spPr>
-          <a:xfrm>
-            <a:off x="2518903" y="3423687"/>
-            <a:ext cx="407339" cy="0"/>
-          </a:xfrm>
-          <a:prstGeom prst="straightConnector1">
-            <a:avLst/>
-          </a:prstGeom>
-          <a:ln>
-            <a:solidFill>
-              <a:srgbClr val="C00000"/>
-            </a:solidFill>
-            <a:headEnd type="none" w="med" len="med"/>
-            <a:tailEnd type="arrow" w="med" len="med"/>
-          </a:ln>
-        </p:spPr>
-        <p:style>
-          <a:lnRef idx="1">
-            <a:schemeClr val="accent1"/>
-          </a:lnRef>
-          <a:fillRef idx="0">
-            <a:schemeClr val="accent1"/>
-          </a:fillRef>
-          <a:effectRef idx="0">
-            <a:schemeClr val="accent1"/>
-          </a:effectRef>
-          <a:fontRef idx="minor">
-            <a:schemeClr val="tx1"/>
-          </a:fontRef>
-        </p:style>
-      </p:cxnSp>
-      <p:sp>
-        <p:nvSpPr>
-          <p:cNvPr id="64" name="TextBox 63">
-            <a:extLst>
-              <a:ext uri="{FF2B5EF4-FFF2-40B4-BE49-F238E27FC236}">
-                <a16:creationId xmlns:a16="http://schemas.microsoft.com/office/drawing/2014/main" id="{077B8717-EC4A-4AFF-B6B3-E9770D9E2AC1}"/>
-              </a:ext>
-            </a:extLst>
-          </p:cNvPr>
-          <p:cNvSpPr txBox="1"/>
-          <p:nvPr/>
-        </p:nvSpPr>
-        <p:spPr>
-          <a:xfrm>
-            <a:off x="1690812" y="3285187"/>
-            <a:ext cx="828091" cy="276999"/>
-          </a:xfrm>
-          <a:prstGeom prst="rect">
-            <a:avLst/>
-          </a:prstGeom>
-          <a:noFill/>
-        </p:spPr>
-        <p:txBody>
-          <a:bodyPr wrap="square" rtlCol="0" anchor="ctr">
-            <a:spAutoFit/>
-          </a:bodyPr>
-          <a:lstStyle/>
-          <a:p>
-            <a:pPr algn="ctr"/>
-            <a:r>
-              <a:rPr lang="en-US" altLang="ko-KR" sz="1200"/>
-              <a:t>Abort</a:t>
-            </a:r>
-            <a:endParaRPr lang="ko-KR" altLang="en-US" sz="1200"/>
-          </a:p>
-        </p:txBody>
-      </p:sp>
     </p:spTree>
     <p:extLst>
       <p:ext uri="{BB962C8B-B14F-4D97-AF65-F5344CB8AC3E}">
-        <p14:creationId xmlns:p14="http://schemas.microsoft.com/office/powerpoint/2010/main" val="2016786361"/>
+        <p14:creationId xmlns:p14="http://schemas.microsoft.com/office/powerpoint/2010/main" val="1517956745"/>
       </p:ext>
     </p:extLst>
   </p:cSld>

--- a/images/theory_analysis/MSA_Transaction/MSA_Transaction.pptx
+++ b/images/theory_analysis/MSA_Transaction/MSA_Transaction.pptx
@@ -409,7 +409,7 @@
           <a:p>
             <a:fld id="{6CD5550B-26C4-49A9-A5BA-636EF7BE6CE9}" type="datetimeFigureOut">
               <a:rPr lang="ko-KR" altLang="en-US" smtClean="0"/>
-              <a:t>2021-05-26</a:t>
+              <a:t>2021-05-27</a:t>
             </a:fld>
             <a:endParaRPr lang="ko-KR" altLang="en-US"/>
           </a:p>
@@ -2199,7 +2199,7 @@
           <a:p>
             <a:fld id="{FB30EDBD-1C2D-4C1E-B459-B60219FAB484}" type="datetimeFigureOut">
               <a:rPr lang="ko-KR" altLang="en-US" smtClean="0"/>
-              <a:t>2021-05-26</a:t>
+              <a:t>2021-05-27</a:t>
             </a:fld>
             <a:endParaRPr lang="ko-KR" altLang="en-US"/>
           </a:p>
@@ -2362,7 +2362,7 @@
           <a:p>
             <a:fld id="{FB30EDBD-1C2D-4C1E-B459-B60219FAB484}" type="datetimeFigureOut">
               <a:rPr lang="ko-KR" altLang="en-US" smtClean="0"/>
-              <a:t>2021-05-26</a:t>
+              <a:t>2021-05-27</a:t>
             </a:fld>
             <a:endParaRPr lang="ko-KR" altLang="en-US"/>
           </a:p>
@@ -2535,7 +2535,7 @@
           <a:p>
             <a:fld id="{FB30EDBD-1C2D-4C1E-B459-B60219FAB484}" type="datetimeFigureOut">
               <a:rPr lang="ko-KR" altLang="en-US" smtClean="0"/>
-              <a:t>2021-05-26</a:t>
+              <a:t>2021-05-27</a:t>
             </a:fld>
             <a:endParaRPr lang="ko-KR" altLang="en-US"/>
           </a:p>
@@ -2698,7 +2698,7 @@
           <a:p>
             <a:fld id="{FB30EDBD-1C2D-4C1E-B459-B60219FAB484}" type="datetimeFigureOut">
               <a:rPr lang="ko-KR" altLang="en-US" smtClean="0"/>
-              <a:t>2021-05-26</a:t>
+              <a:t>2021-05-27</a:t>
             </a:fld>
             <a:endParaRPr lang="ko-KR" altLang="en-US"/>
           </a:p>
@@ -2938,7 +2938,7 @@
           <a:p>
             <a:fld id="{FB30EDBD-1C2D-4C1E-B459-B60219FAB484}" type="datetimeFigureOut">
               <a:rPr lang="ko-KR" altLang="en-US" smtClean="0"/>
-              <a:t>2021-05-26</a:t>
+              <a:t>2021-05-27</a:t>
             </a:fld>
             <a:endParaRPr lang="ko-KR" altLang="en-US"/>
           </a:p>
@@ -3218,7 +3218,7 @@
           <a:p>
             <a:fld id="{FB30EDBD-1C2D-4C1E-B459-B60219FAB484}" type="datetimeFigureOut">
               <a:rPr lang="ko-KR" altLang="en-US" smtClean="0"/>
-              <a:t>2021-05-26</a:t>
+              <a:t>2021-05-27</a:t>
             </a:fld>
             <a:endParaRPr lang="ko-KR" altLang="en-US"/>
           </a:p>
@@ -3632,7 +3632,7 @@
           <a:p>
             <a:fld id="{FB30EDBD-1C2D-4C1E-B459-B60219FAB484}" type="datetimeFigureOut">
               <a:rPr lang="ko-KR" altLang="en-US" smtClean="0"/>
-              <a:t>2021-05-26</a:t>
+              <a:t>2021-05-27</a:t>
             </a:fld>
             <a:endParaRPr lang="ko-KR" altLang="en-US"/>
           </a:p>
@@ -3744,7 +3744,7 @@
           <a:p>
             <a:fld id="{FB30EDBD-1C2D-4C1E-B459-B60219FAB484}" type="datetimeFigureOut">
               <a:rPr lang="ko-KR" altLang="en-US" smtClean="0"/>
-              <a:t>2021-05-26</a:t>
+              <a:t>2021-05-27</a:t>
             </a:fld>
             <a:endParaRPr lang="ko-KR" altLang="en-US"/>
           </a:p>
@@ -3834,7 +3834,7 @@
           <a:p>
             <a:fld id="{FB30EDBD-1C2D-4C1E-B459-B60219FAB484}" type="datetimeFigureOut">
               <a:rPr lang="ko-KR" altLang="en-US" smtClean="0"/>
-              <a:t>2021-05-26</a:t>
+              <a:t>2021-05-27</a:t>
             </a:fld>
             <a:endParaRPr lang="ko-KR" altLang="en-US"/>
           </a:p>
@@ -4104,7 +4104,7 @@
           <a:p>
             <a:fld id="{FB30EDBD-1C2D-4C1E-B459-B60219FAB484}" type="datetimeFigureOut">
               <a:rPr lang="ko-KR" altLang="en-US" smtClean="0"/>
-              <a:t>2021-05-26</a:t>
+              <a:t>2021-05-27</a:t>
             </a:fld>
             <a:endParaRPr lang="ko-KR" altLang="en-US"/>
           </a:p>
@@ -4351,7 +4351,7 @@
           <a:p>
             <a:fld id="{FB30EDBD-1C2D-4C1E-B459-B60219FAB484}" type="datetimeFigureOut">
               <a:rPr lang="ko-KR" altLang="en-US" smtClean="0"/>
-              <a:t>2021-05-26</a:t>
+              <a:t>2021-05-27</a:t>
             </a:fld>
             <a:endParaRPr lang="ko-KR" altLang="en-US"/>
           </a:p>
@@ -4557,7 +4557,7 @@
           <a:p>
             <a:fld id="{FB30EDBD-1C2D-4C1E-B459-B60219FAB484}" type="datetimeFigureOut">
               <a:rPr lang="ko-KR" altLang="en-US" smtClean="0"/>
-              <a:t>2021-05-26</a:t>
+              <a:t>2021-05-27</a:t>
             </a:fld>
             <a:endParaRPr lang="ko-KR" altLang="en-US"/>
           </a:p>
@@ -16524,7 +16524,7 @@
           </a:prstGeom>
           <a:ln>
             <a:solidFill>
-              <a:schemeClr val="tx1"/>
+              <a:srgbClr val="C00000"/>
             </a:solidFill>
             <a:headEnd type="none" w="med" len="med"/>
             <a:tailEnd type="arrow" w="med" len="med"/>
@@ -16851,6 +16851,11 @@
           <a:prstGeom prst="ellipse">
             <a:avLst/>
           </a:prstGeom>
+          <a:ln>
+            <a:solidFill>
+              <a:srgbClr val="C00000"/>
+            </a:solidFill>
+          </a:ln>
         </p:spPr>
         <p:style>
           <a:lnRef idx="2">
